--- a/intro_python_programming.pptx
+++ b/intro_python_programming.pptx
@@ -2,7 +2,7 @@
 <file path=ppt/presentation.xml><?xml version="1.0" encoding="utf-8"?>
 <p:presentation xmlns:a="http://schemas.openxmlformats.org/drawingml/2006/main" xmlns:r="http://schemas.openxmlformats.org/officeDocument/2006/relationships" xmlns:p="http://schemas.openxmlformats.org/presentationml/2006/main" showSpecialPlsOnTitleSld="0" saveSubsetFonts="1" autoCompressPictures="0">
   <p:sldMasterIdLst>
-    <p:sldMasterId id="2147483660" r:id="rId1"/>
+    <p:sldMasterId id="2147483881" r:id="rId1"/>
   </p:sldMasterIdLst>
   <p:notesMasterIdLst>
     <p:notesMasterId r:id="rId4"/>
@@ -562,6 +562,36 @@
           <a:chExt cx="0" cy="0"/>
         </a:xfrm>
       </p:grpSpPr>
+      <p:pic>
+        <p:nvPicPr>
+          <p:cNvPr id="7" name="Picture 6" descr="C0-HD-BTM.png"/>
+          <p:cNvPicPr>
+            <a:picLocks noChangeAspect="1"/>
+          </p:cNvPicPr>
+          <p:nvPr/>
+        </p:nvPicPr>
+        <p:blipFill>
+          <a:blip r:embed="rId2">
+            <a:extLst>
+              <a:ext uri="{28A0092B-C50C-407E-A947-70E740481C1C}">
+                <a14:useLocalDpi xmlns:a14="http://schemas.microsoft.com/office/drawing/2010/main" val="0"/>
+              </a:ext>
+            </a:extLst>
+          </a:blip>
+          <a:stretch>
+            <a:fillRect/>
+          </a:stretch>
+        </p:blipFill>
+        <p:spPr>
+          <a:xfrm>
+            <a:off x="0" y="4995862"/>
+            <a:ext cx="9144000" cy="1862138"/>
+          </a:xfrm>
+          <a:prstGeom prst="rect">
+            <a:avLst/>
+          </a:prstGeom>
+        </p:spPr>
+      </p:pic>
       <p:sp>
         <p:nvSpPr>
           <p:cNvPr id="2" name="Title 1"/>
@@ -574,14 +604,16 @@
         </p:nvSpPr>
         <p:spPr>
           <a:xfrm>
-            <a:off x="685800" y="1122363"/>
-            <a:ext cx="7772400" cy="2387600"/>
-          </a:xfrm>
-        </p:spPr>
-        <p:txBody>
-          <a:bodyPr anchor="b"/>
+            <a:off x="914400" y="1803405"/>
+            <a:ext cx="7315200" cy="1825096"/>
+          </a:xfrm>
+        </p:spPr>
+        <p:txBody>
+          <a:bodyPr anchor="b">
+            <a:normAutofit/>
+          </a:bodyPr>
           <a:lstStyle>
-            <a:lvl1pPr algn="ctr">
+            <a:lvl1pPr algn="l">
               <a:defRPr sz="6000"/>
             </a:lvl1pPr>
           </a:lstStyle>
@@ -606,16 +638,18 @@
         </p:nvSpPr>
         <p:spPr>
           <a:xfrm>
-            <a:off x="1143000" y="3602038"/>
-            <a:ext cx="6858000" cy="1655762"/>
-          </a:xfrm>
-        </p:spPr>
-        <p:txBody>
-          <a:bodyPr/>
+            <a:off x="914400" y="3632201"/>
+            <a:ext cx="7315200" cy="685800"/>
+          </a:xfrm>
+        </p:spPr>
+        <p:txBody>
+          <a:bodyPr>
+            <a:normAutofit/>
+          </a:bodyPr>
           <a:lstStyle>
-            <a:lvl1pPr marL="0" indent="0" algn="ctr">
-              <a:buNone/>
-              <a:defRPr sz="2400"/>
+            <a:lvl1pPr marL="0" indent="0" algn="l">
+              <a:buNone/>
+              <a:defRPr sz="2000"/>
             </a:lvl1pPr>
             <a:lvl2pPr marL="457200" indent="0" algn="ctr">
               <a:buNone/>
@@ -669,7 +703,12 @@
             <p:ph type="dt" sz="half" idx="10"/>
           </p:nvPr>
         </p:nvSpPr>
-        <p:spPr/>
+        <p:spPr>
+          <a:xfrm>
+            <a:off x="5932170" y="4323845"/>
+            <a:ext cx="2297429" cy="365125"/>
+          </a:xfrm>
+        </p:spPr>
         <p:txBody>
           <a:bodyPr/>
           <a:lstStyle/>
@@ -692,7 +731,12 @@
             <p:ph type="ftr" sz="quarter" idx="11"/>
           </p:nvPr>
         </p:nvSpPr>
-        <p:spPr/>
+        <p:spPr>
+          <a:xfrm>
+            <a:off x="914400" y="4323846"/>
+            <a:ext cx="4880610" cy="365125"/>
+          </a:xfrm>
+        </p:spPr>
         <p:txBody>
           <a:bodyPr/>
           <a:lstStyle/>
@@ -711,7 +755,12 @@
             <p:ph type="sldNum" sz="quarter" idx="12"/>
           </p:nvPr>
         </p:nvSpPr>
-        <p:spPr/>
+        <p:spPr>
+          <a:xfrm>
+            <a:off x="6057900" y="1430867"/>
+            <a:ext cx="2171700" cy="365125"/>
+          </a:xfrm>
+        </p:spPr>
         <p:txBody>
           <a:bodyPr/>
           <a:lstStyle/>
@@ -733,6 +782,2574 @@
 </file>
 
 <file path=ppt/slideLayouts/slideLayout10.xml><?xml version="1.0" encoding="utf-8"?>
+<p:sldLayout xmlns:a="http://schemas.openxmlformats.org/drawingml/2006/main" xmlns:r="http://schemas.openxmlformats.org/officeDocument/2006/relationships" xmlns:p="http://schemas.openxmlformats.org/presentationml/2006/main" preserve="1">
+  <p:cSld name="带标题的全景图片">
+    <p:spTree>
+      <p:nvGrpSpPr>
+        <p:cNvPr id="1" name=""/>
+        <p:cNvGrpSpPr/>
+        <p:nvPr/>
+      </p:nvGrpSpPr>
+      <p:grpSpPr>
+        <a:xfrm>
+          <a:off x="0" y="0"/>
+          <a:ext cx="0" cy="0"/>
+          <a:chOff x="0" y="0"/>
+          <a:chExt cx="0" cy="0"/>
+        </a:xfrm>
+      </p:grpSpPr>
+      <p:sp>
+        <p:nvSpPr>
+          <p:cNvPr id="2" name="Title 1"/>
+          <p:cNvSpPr>
+            <a:spLocks noGrp="1"/>
+          </p:cNvSpPr>
+          <p:nvPr>
+            <p:ph type="title"/>
+          </p:nvPr>
+        </p:nvSpPr>
+        <p:spPr>
+          <a:xfrm>
+            <a:off x="594355" y="4697361"/>
+            <a:ext cx="7956482" cy="819355"/>
+          </a:xfrm>
+        </p:spPr>
+        <p:txBody>
+          <a:bodyPr anchor="b"/>
+          <a:lstStyle>
+            <a:lvl1pPr algn="l">
+              <a:defRPr sz="3200"/>
+            </a:lvl1pPr>
+          </a:lstStyle>
+          <a:p>
+            <a:r>
+              <a:rPr lang="zh-CN" altLang="en-US" smtClean="0"/>
+              <a:t>单击此处编辑母版标题样式</a:t>
+            </a:r>
+            <a:endParaRPr lang="en-US" dirty="0"/>
+          </a:p>
+        </p:txBody>
+      </p:sp>
+      <p:sp>
+        <p:nvSpPr>
+          <p:cNvPr id="3" name="Picture Placeholder 2"/>
+          <p:cNvSpPr>
+            <a:spLocks noGrp="1" noChangeAspect="1"/>
+          </p:cNvSpPr>
+          <p:nvPr>
+            <p:ph type="pic" idx="1"/>
+          </p:nvPr>
+        </p:nvSpPr>
+        <p:spPr>
+          <a:xfrm>
+            <a:off x="594355" y="977035"/>
+            <a:ext cx="7950260" cy="3406972"/>
+          </a:xfrm>
+        </p:spPr>
+        <p:txBody>
+          <a:bodyPr anchor="t"/>
+          <a:lstStyle>
+            <a:lvl1pPr marL="0" indent="0">
+              <a:buNone/>
+              <a:defRPr sz="3200"/>
+            </a:lvl1pPr>
+            <a:lvl2pPr marL="457200" indent="0">
+              <a:buNone/>
+              <a:defRPr sz="2800"/>
+            </a:lvl2pPr>
+            <a:lvl3pPr marL="914400" indent="0">
+              <a:buNone/>
+              <a:defRPr sz="2400"/>
+            </a:lvl3pPr>
+            <a:lvl4pPr marL="1371600" indent="0">
+              <a:buNone/>
+              <a:defRPr sz="2000"/>
+            </a:lvl4pPr>
+            <a:lvl5pPr marL="1828800" indent="0">
+              <a:buNone/>
+              <a:defRPr sz="2000"/>
+            </a:lvl5pPr>
+            <a:lvl6pPr marL="2286000" indent="0">
+              <a:buNone/>
+              <a:defRPr sz="2000"/>
+            </a:lvl6pPr>
+            <a:lvl7pPr marL="2743200" indent="0">
+              <a:buNone/>
+              <a:defRPr sz="2000"/>
+            </a:lvl7pPr>
+            <a:lvl8pPr marL="3200400" indent="0">
+              <a:buNone/>
+              <a:defRPr sz="2000"/>
+            </a:lvl8pPr>
+            <a:lvl9pPr marL="3657600" indent="0">
+              <a:buNone/>
+              <a:defRPr sz="2000"/>
+            </a:lvl9pPr>
+          </a:lstStyle>
+          <a:p>
+            <a:r>
+              <a:rPr lang="zh-CN" altLang="en-US" smtClean="0"/>
+              <a:t>将图片拖动到占位符，或单击添加图标</a:t>
+            </a:r>
+            <a:endParaRPr lang="en-US" dirty="0"/>
+          </a:p>
+        </p:txBody>
+      </p:sp>
+      <p:sp>
+        <p:nvSpPr>
+          <p:cNvPr id="4" name="Text Placeholder 3"/>
+          <p:cNvSpPr>
+            <a:spLocks noGrp="1"/>
+          </p:cNvSpPr>
+          <p:nvPr>
+            <p:ph type="body" sz="half" idx="2"/>
+          </p:nvPr>
+        </p:nvSpPr>
+        <p:spPr>
+          <a:xfrm>
+            <a:off x="594360" y="5516716"/>
+            <a:ext cx="7955280" cy="746924"/>
+          </a:xfrm>
+        </p:spPr>
+        <p:txBody>
+          <a:bodyPr/>
+          <a:lstStyle>
+            <a:lvl1pPr marL="0" indent="0" algn="l">
+              <a:buNone/>
+              <a:defRPr sz="1600"/>
+            </a:lvl1pPr>
+            <a:lvl2pPr marL="457200" indent="0">
+              <a:buNone/>
+              <a:defRPr sz="1400"/>
+            </a:lvl2pPr>
+            <a:lvl3pPr marL="914400" indent="0">
+              <a:buNone/>
+              <a:defRPr sz="1200"/>
+            </a:lvl3pPr>
+            <a:lvl4pPr marL="1371600" indent="0">
+              <a:buNone/>
+              <a:defRPr sz="1000"/>
+            </a:lvl4pPr>
+            <a:lvl5pPr marL="1828800" indent="0">
+              <a:buNone/>
+              <a:defRPr sz="1000"/>
+            </a:lvl5pPr>
+            <a:lvl6pPr marL="2286000" indent="0">
+              <a:buNone/>
+              <a:defRPr sz="1000"/>
+            </a:lvl6pPr>
+            <a:lvl7pPr marL="2743200" indent="0">
+              <a:buNone/>
+              <a:defRPr sz="1000"/>
+            </a:lvl7pPr>
+            <a:lvl8pPr marL="3200400" indent="0">
+              <a:buNone/>
+              <a:defRPr sz="1000"/>
+            </a:lvl8pPr>
+            <a:lvl9pPr marL="3657600" indent="0">
+              <a:buNone/>
+              <a:defRPr sz="1000"/>
+            </a:lvl9pPr>
+          </a:lstStyle>
+          <a:p>
+            <a:pPr lvl="0"/>
+            <a:r>
+              <a:rPr lang="zh-CN" altLang="en-US" smtClean="0"/>
+              <a:t>单击此处编辑母版文本样式</a:t>
+            </a:r>
+          </a:p>
+        </p:txBody>
+      </p:sp>
+      <p:sp>
+        <p:nvSpPr>
+          <p:cNvPr id="5" name="Date Placeholder 4"/>
+          <p:cNvSpPr>
+            <a:spLocks noGrp="1"/>
+          </p:cNvSpPr>
+          <p:nvPr>
+            <p:ph type="dt" sz="half" idx="10"/>
+          </p:nvPr>
+        </p:nvSpPr>
+        <p:spPr/>
+        <p:txBody>
+          <a:bodyPr/>
+          <a:lstStyle/>
+          <a:p>
+            <a:fld id="{827F7EC9-FA32-8F41-831C-53EF8A8DB099}" type="datetime1">
+              <a:rPr kumimoji="1" lang="zh-CN" altLang="en-US" smtClean="0"/>
+              <a:t>2017/11/21</a:t>
+            </a:fld>
+            <a:endParaRPr kumimoji="1" lang="zh-CN" altLang="en-US"/>
+          </a:p>
+        </p:txBody>
+      </p:sp>
+      <p:sp>
+        <p:nvSpPr>
+          <p:cNvPr id="6" name="Footer Placeholder 5"/>
+          <p:cNvSpPr>
+            <a:spLocks noGrp="1"/>
+          </p:cNvSpPr>
+          <p:nvPr>
+            <p:ph type="ftr" sz="quarter" idx="11"/>
+          </p:nvPr>
+        </p:nvSpPr>
+        <p:spPr/>
+        <p:txBody>
+          <a:bodyPr/>
+          <a:lstStyle/>
+          <a:p>
+            <a:endParaRPr kumimoji="1" lang="zh-CN" altLang="en-US"/>
+          </a:p>
+        </p:txBody>
+      </p:sp>
+      <p:sp>
+        <p:nvSpPr>
+          <p:cNvPr id="7" name="Slide Number Placeholder 6"/>
+          <p:cNvSpPr>
+            <a:spLocks noGrp="1"/>
+          </p:cNvSpPr>
+          <p:nvPr>
+            <p:ph type="sldNum" sz="quarter" idx="12"/>
+          </p:nvPr>
+        </p:nvSpPr>
+        <p:spPr/>
+        <p:txBody>
+          <a:bodyPr/>
+          <a:lstStyle/>
+          <a:p>
+            <a:fld id="{12924E00-6951-2E4A-9B91-938056433B77}" type="slidenum">
+              <a:rPr kumimoji="1" lang="zh-CN" altLang="en-US" smtClean="0"/>
+              <a:t>‹#›</a:t>
+            </a:fld>
+            <a:endParaRPr kumimoji="1" lang="zh-CN" altLang="en-US"/>
+          </a:p>
+        </p:txBody>
+      </p:sp>
+    </p:spTree>
+  </p:cSld>
+  <p:clrMapOvr>
+    <a:masterClrMapping/>
+  </p:clrMapOvr>
+  <p:hf hdr="0" ftr="0"/>
+</p:sldLayout>
+</file>
+
+<file path=ppt/slideLayouts/slideLayout11.xml><?xml version="1.0" encoding="utf-8"?>
+<p:sldLayout xmlns:a="http://schemas.openxmlformats.org/drawingml/2006/main" xmlns:r="http://schemas.openxmlformats.org/officeDocument/2006/relationships" xmlns:p="http://schemas.openxmlformats.org/presentationml/2006/main" showMasterSp="0" preserve="1">
+  <p:cSld name="标题和题注">
+    <p:spTree>
+      <p:nvGrpSpPr>
+        <p:cNvPr id="1" name=""/>
+        <p:cNvGrpSpPr/>
+        <p:nvPr/>
+      </p:nvGrpSpPr>
+      <p:grpSpPr>
+        <a:xfrm>
+          <a:off x="0" y="0"/>
+          <a:ext cx="0" cy="0"/>
+          <a:chOff x="0" y="0"/>
+          <a:chExt cx="0" cy="0"/>
+        </a:xfrm>
+      </p:grpSpPr>
+      <p:pic>
+        <p:nvPicPr>
+          <p:cNvPr id="9" name="Picture 8" descr="C0-HD-BTM.png"/>
+          <p:cNvPicPr>
+            <a:picLocks noChangeAspect="1"/>
+          </p:cNvPicPr>
+          <p:nvPr/>
+        </p:nvPicPr>
+        <p:blipFill>
+          <a:blip r:embed="rId2">
+            <a:extLst>
+              <a:ext uri="{28A0092B-C50C-407E-A947-70E740481C1C}">
+                <a14:useLocalDpi xmlns:a14="http://schemas.microsoft.com/office/drawing/2010/main" val="0"/>
+              </a:ext>
+            </a:extLst>
+          </a:blip>
+          <a:stretch>
+            <a:fillRect/>
+          </a:stretch>
+        </p:blipFill>
+        <p:spPr>
+          <a:xfrm>
+            <a:off x="0" y="4995862"/>
+            <a:ext cx="9144000" cy="1862138"/>
+          </a:xfrm>
+          <a:prstGeom prst="rect">
+            <a:avLst/>
+          </a:prstGeom>
+        </p:spPr>
+      </p:pic>
+      <p:sp>
+        <p:nvSpPr>
+          <p:cNvPr id="2" name="Title 1"/>
+          <p:cNvSpPr>
+            <a:spLocks noGrp="1"/>
+          </p:cNvSpPr>
+          <p:nvPr>
+            <p:ph type="title"/>
+          </p:nvPr>
+        </p:nvSpPr>
+        <p:spPr>
+          <a:xfrm>
+            <a:off x="594360" y="753533"/>
+            <a:ext cx="7955280" cy="2802467"/>
+          </a:xfrm>
+        </p:spPr>
+        <p:txBody>
+          <a:bodyPr anchor="ctr"/>
+          <a:lstStyle>
+            <a:lvl1pPr algn="l">
+              <a:defRPr sz="3200"/>
+            </a:lvl1pPr>
+          </a:lstStyle>
+          <a:p>
+            <a:r>
+              <a:rPr lang="zh-CN" altLang="en-US" smtClean="0"/>
+              <a:t>单击此处编辑母版标题样式</a:t>
+            </a:r>
+            <a:endParaRPr lang="en-US" dirty="0"/>
+          </a:p>
+        </p:txBody>
+      </p:sp>
+      <p:sp>
+        <p:nvSpPr>
+          <p:cNvPr id="4" name="Text Placeholder 3"/>
+          <p:cNvSpPr>
+            <a:spLocks noGrp="1"/>
+          </p:cNvSpPr>
+          <p:nvPr>
+            <p:ph type="body" sz="half" idx="2"/>
+          </p:nvPr>
+        </p:nvSpPr>
+        <p:spPr>
+          <a:xfrm>
+            <a:off x="685800" y="3649134"/>
+            <a:ext cx="7772400" cy="1330852"/>
+          </a:xfrm>
+        </p:spPr>
+        <p:txBody>
+          <a:bodyPr anchor="ctr"/>
+          <a:lstStyle>
+            <a:lvl1pPr marL="0" indent="0">
+              <a:buNone/>
+              <a:defRPr sz="1600"/>
+            </a:lvl1pPr>
+            <a:lvl2pPr marL="457200" indent="0">
+              <a:buNone/>
+              <a:defRPr sz="1400"/>
+            </a:lvl2pPr>
+            <a:lvl3pPr marL="914400" indent="0">
+              <a:buNone/>
+              <a:defRPr sz="1200"/>
+            </a:lvl3pPr>
+            <a:lvl4pPr marL="1371600" indent="0">
+              <a:buNone/>
+              <a:defRPr sz="1000"/>
+            </a:lvl4pPr>
+            <a:lvl5pPr marL="1828800" indent="0">
+              <a:buNone/>
+              <a:defRPr sz="1000"/>
+            </a:lvl5pPr>
+            <a:lvl6pPr marL="2286000" indent="0">
+              <a:buNone/>
+              <a:defRPr sz="1000"/>
+            </a:lvl6pPr>
+            <a:lvl7pPr marL="2743200" indent="0">
+              <a:buNone/>
+              <a:defRPr sz="1000"/>
+            </a:lvl7pPr>
+            <a:lvl8pPr marL="3200400" indent="0">
+              <a:buNone/>
+              <a:defRPr sz="1000"/>
+            </a:lvl8pPr>
+            <a:lvl9pPr marL="3657600" indent="0">
+              <a:buNone/>
+              <a:defRPr sz="1000"/>
+            </a:lvl9pPr>
+          </a:lstStyle>
+          <a:p>
+            <a:pPr lvl="0"/>
+            <a:r>
+              <a:rPr lang="zh-CN" altLang="en-US" smtClean="0"/>
+              <a:t>单击此处编辑母版文本样式</a:t>
+            </a:r>
+          </a:p>
+        </p:txBody>
+      </p:sp>
+      <p:sp>
+        <p:nvSpPr>
+          <p:cNvPr id="5" name="Date Placeholder 4"/>
+          <p:cNvSpPr>
+            <a:spLocks noGrp="1"/>
+          </p:cNvSpPr>
+          <p:nvPr>
+            <p:ph type="dt" sz="half" idx="10"/>
+          </p:nvPr>
+        </p:nvSpPr>
+        <p:spPr>
+          <a:xfrm>
+            <a:off x="5562176" y="381001"/>
+            <a:ext cx="2183130" cy="365125"/>
+          </a:xfrm>
+        </p:spPr>
+        <p:txBody>
+          <a:bodyPr/>
+          <a:lstStyle>
+            <a:lvl1pPr algn="r">
+              <a:defRPr/>
+            </a:lvl1pPr>
+          </a:lstStyle>
+          <a:p>
+            <a:fld id="{827F7EC9-FA32-8F41-831C-53EF8A8DB099}" type="datetime1">
+              <a:rPr kumimoji="1" lang="zh-CN" altLang="en-US" smtClean="0"/>
+              <a:t>2017/11/21</a:t>
+            </a:fld>
+            <a:endParaRPr kumimoji="1" lang="zh-CN" altLang="en-US"/>
+          </a:p>
+        </p:txBody>
+      </p:sp>
+      <p:sp>
+        <p:nvSpPr>
+          <p:cNvPr id="6" name="Footer Placeholder 5"/>
+          <p:cNvSpPr>
+            <a:spLocks noGrp="1"/>
+          </p:cNvSpPr>
+          <p:nvPr>
+            <p:ph type="ftr" sz="quarter" idx="11"/>
+          </p:nvPr>
+        </p:nvSpPr>
+        <p:spPr>
+          <a:xfrm>
+            <a:off x="594360" y="381001"/>
+            <a:ext cx="4830656" cy="365125"/>
+          </a:xfrm>
+        </p:spPr>
+        <p:txBody>
+          <a:bodyPr/>
+          <a:lstStyle/>
+          <a:p>
+            <a:endParaRPr kumimoji="1" lang="zh-CN" altLang="en-US"/>
+          </a:p>
+        </p:txBody>
+      </p:sp>
+      <p:sp>
+        <p:nvSpPr>
+          <p:cNvPr id="7" name="Slide Number Placeholder 6"/>
+          <p:cNvSpPr>
+            <a:spLocks noGrp="1"/>
+          </p:cNvSpPr>
+          <p:nvPr>
+            <p:ph type="sldNum" sz="quarter" idx="12"/>
+          </p:nvPr>
+        </p:nvSpPr>
+        <p:spPr>
+          <a:xfrm>
+            <a:off x="7882466" y="381001"/>
+            <a:ext cx="667174" cy="365125"/>
+          </a:xfrm>
+        </p:spPr>
+        <p:txBody>
+          <a:bodyPr/>
+          <a:lstStyle/>
+          <a:p>
+            <a:fld id="{12924E00-6951-2E4A-9B91-938056433B77}" type="slidenum">
+              <a:rPr kumimoji="1" lang="zh-CN" altLang="en-US" smtClean="0"/>
+              <a:t>‹#›</a:t>
+            </a:fld>
+            <a:endParaRPr kumimoji="1" lang="zh-CN" altLang="en-US"/>
+          </a:p>
+        </p:txBody>
+      </p:sp>
+    </p:spTree>
+  </p:cSld>
+  <p:clrMapOvr>
+    <a:masterClrMapping/>
+  </p:clrMapOvr>
+  <p:hf hdr="0" ftr="0"/>
+</p:sldLayout>
+</file>
+
+<file path=ppt/slideLayouts/slideLayout12.xml><?xml version="1.0" encoding="utf-8"?>
+<p:sldLayout xmlns:a="http://schemas.openxmlformats.org/drawingml/2006/main" xmlns:r="http://schemas.openxmlformats.org/officeDocument/2006/relationships" xmlns:p="http://schemas.openxmlformats.org/presentationml/2006/main" showMasterSp="0" preserve="1">
+  <p:cSld name="带标题的引述">
+    <p:spTree>
+      <p:nvGrpSpPr>
+        <p:cNvPr id="1" name=""/>
+        <p:cNvGrpSpPr/>
+        <p:nvPr/>
+      </p:nvGrpSpPr>
+      <p:grpSpPr>
+        <a:xfrm>
+          <a:off x="0" y="0"/>
+          <a:ext cx="0" cy="0"/>
+          <a:chOff x="0" y="0"/>
+          <a:chExt cx="0" cy="0"/>
+        </a:xfrm>
+      </p:grpSpPr>
+      <p:pic>
+        <p:nvPicPr>
+          <p:cNvPr id="11" name="Picture 10" descr="C0-HD-BTM.png"/>
+          <p:cNvPicPr>
+            <a:picLocks noChangeAspect="1"/>
+          </p:cNvPicPr>
+          <p:nvPr/>
+        </p:nvPicPr>
+        <p:blipFill>
+          <a:blip r:embed="rId2">
+            <a:extLst>
+              <a:ext uri="{28A0092B-C50C-407E-A947-70E740481C1C}">
+                <a14:useLocalDpi xmlns:a14="http://schemas.microsoft.com/office/drawing/2010/main" val="0"/>
+              </a:ext>
+            </a:extLst>
+          </a:blip>
+          <a:stretch>
+            <a:fillRect/>
+          </a:stretch>
+        </p:blipFill>
+        <p:spPr>
+          <a:xfrm>
+            <a:off x="0" y="4995862"/>
+            <a:ext cx="9144000" cy="1862138"/>
+          </a:xfrm>
+          <a:prstGeom prst="rect">
+            <a:avLst/>
+          </a:prstGeom>
+        </p:spPr>
+      </p:pic>
+      <p:sp>
+        <p:nvSpPr>
+          <p:cNvPr id="2" name="Title 1"/>
+          <p:cNvSpPr>
+            <a:spLocks noGrp="1"/>
+          </p:cNvSpPr>
+          <p:nvPr>
+            <p:ph type="title"/>
+          </p:nvPr>
+        </p:nvSpPr>
+        <p:spPr>
+          <a:xfrm>
+            <a:off x="768351" y="753534"/>
+            <a:ext cx="7613650" cy="2756234"/>
+          </a:xfrm>
+        </p:spPr>
+        <p:txBody>
+          <a:bodyPr anchor="ctr"/>
+          <a:lstStyle>
+            <a:lvl1pPr algn="l">
+              <a:defRPr sz="3200"/>
+            </a:lvl1pPr>
+          </a:lstStyle>
+          <a:p>
+            <a:r>
+              <a:rPr lang="zh-CN" altLang="en-US" smtClean="0"/>
+              <a:t>单击此处编辑母版标题样式</a:t>
+            </a:r>
+            <a:endParaRPr lang="en-US" dirty="0"/>
+          </a:p>
+        </p:txBody>
+      </p:sp>
+      <p:sp>
+        <p:nvSpPr>
+          <p:cNvPr id="12" name="Text Placeholder 3"/>
+          <p:cNvSpPr>
+            <a:spLocks noGrp="1"/>
+          </p:cNvSpPr>
+          <p:nvPr>
+            <p:ph type="body" sz="half" idx="13"/>
+          </p:nvPr>
+        </p:nvSpPr>
+        <p:spPr>
+          <a:xfrm>
+            <a:off x="977899" y="3509768"/>
+            <a:ext cx="7194552" cy="444443"/>
+          </a:xfrm>
+        </p:spPr>
+        <p:txBody>
+          <a:bodyPr anchor="t">
+            <a:normAutofit/>
+          </a:bodyPr>
+          <a:lstStyle>
+            <a:lvl1pPr marL="0" indent="0">
+              <a:buNone/>
+              <a:defRPr sz="1400"/>
+            </a:lvl1pPr>
+            <a:lvl2pPr marL="457200" indent="0">
+              <a:buNone/>
+              <a:defRPr sz="1400"/>
+            </a:lvl2pPr>
+            <a:lvl3pPr marL="914400" indent="0">
+              <a:buNone/>
+              <a:defRPr sz="1200"/>
+            </a:lvl3pPr>
+            <a:lvl4pPr marL="1371600" indent="0">
+              <a:buNone/>
+              <a:defRPr sz="1000"/>
+            </a:lvl4pPr>
+            <a:lvl5pPr marL="1828800" indent="0">
+              <a:buNone/>
+              <a:defRPr sz="1000"/>
+            </a:lvl5pPr>
+            <a:lvl6pPr marL="2286000" indent="0">
+              <a:buNone/>
+              <a:defRPr sz="1000"/>
+            </a:lvl6pPr>
+            <a:lvl7pPr marL="2743200" indent="0">
+              <a:buNone/>
+              <a:defRPr sz="1000"/>
+            </a:lvl7pPr>
+            <a:lvl8pPr marL="3200400" indent="0">
+              <a:buNone/>
+              <a:defRPr sz="1000"/>
+            </a:lvl8pPr>
+            <a:lvl9pPr marL="3657600" indent="0">
+              <a:buNone/>
+              <a:defRPr sz="1000"/>
+            </a:lvl9pPr>
+          </a:lstStyle>
+          <a:p>
+            <a:pPr lvl="0"/>
+            <a:r>
+              <a:rPr lang="zh-CN" altLang="en-US" smtClean="0"/>
+              <a:t>单击此处编辑母版文本样式</a:t>
+            </a:r>
+          </a:p>
+        </p:txBody>
+      </p:sp>
+      <p:sp>
+        <p:nvSpPr>
+          <p:cNvPr id="4" name="Text Placeholder 3"/>
+          <p:cNvSpPr>
+            <a:spLocks noGrp="1"/>
+          </p:cNvSpPr>
+          <p:nvPr>
+            <p:ph type="body" sz="half" idx="2"/>
+          </p:nvPr>
+        </p:nvSpPr>
+        <p:spPr>
+          <a:xfrm>
+            <a:off x="685800" y="4174597"/>
+            <a:ext cx="7778752" cy="821265"/>
+          </a:xfrm>
+        </p:spPr>
+        <p:txBody>
+          <a:bodyPr anchor="ctr">
+            <a:normAutofit/>
+          </a:bodyPr>
+          <a:lstStyle>
+            <a:lvl1pPr marL="0" indent="0">
+              <a:buNone/>
+              <a:defRPr sz="1600"/>
+            </a:lvl1pPr>
+            <a:lvl2pPr marL="457200" indent="0">
+              <a:buNone/>
+              <a:defRPr sz="1400"/>
+            </a:lvl2pPr>
+            <a:lvl3pPr marL="914400" indent="0">
+              <a:buNone/>
+              <a:defRPr sz="1200"/>
+            </a:lvl3pPr>
+            <a:lvl4pPr marL="1371600" indent="0">
+              <a:buNone/>
+              <a:defRPr sz="1000"/>
+            </a:lvl4pPr>
+            <a:lvl5pPr marL="1828800" indent="0">
+              <a:buNone/>
+              <a:defRPr sz="1000"/>
+            </a:lvl5pPr>
+            <a:lvl6pPr marL="2286000" indent="0">
+              <a:buNone/>
+              <a:defRPr sz="1000"/>
+            </a:lvl6pPr>
+            <a:lvl7pPr marL="2743200" indent="0">
+              <a:buNone/>
+              <a:defRPr sz="1000"/>
+            </a:lvl7pPr>
+            <a:lvl8pPr marL="3200400" indent="0">
+              <a:buNone/>
+              <a:defRPr sz="1000"/>
+            </a:lvl8pPr>
+            <a:lvl9pPr marL="3657600" indent="0">
+              <a:buNone/>
+              <a:defRPr sz="1000"/>
+            </a:lvl9pPr>
+          </a:lstStyle>
+          <a:p>
+            <a:pPr lvl="0"/>
+            <a:r>
+              <a:rPr lang="zh-CN" altLang="en-US" smtClean="0"/>
+              <a:t>单击此处编辑母版文本样式</a:t>
+            </a:r>
+          </a:p>
+        </p:txBody>
+      </p:sp>
+      <p:sp>
+        <p:nvSpPr>
+          <p:cNvPr id="5" name="Date Placeholder 4"/>
+          <p:cNvSpPr>
+            <a:spLocks noGrp="1"/>
+          </p:cNvSpPr>
+          <p:nvPr>
+            <p:ph type="dt" sz="half" idx="10"/>
+          </p:nvPr>
+        </p:nvSpPr>
+        <p:spPr>
+          <a:xfrm>
+            <a:off x="5562176" y="381001"/>
+            <a:ext cx="2183130" cy="365125"/>
+          </a:xfrm>
+        </p:spPr>
+        <p:txBody>
+          <a:bodyPr/>
+          <a:lstStyle>
+            <a:lvl1pPr algn="r">
+              <a:defRPr/>
+            </a:lvl1pPr>
+          </a:lstStyle>
+          <a:p>
+            <a:fld id="{827F7EC9-FA32-8F41-831C-53EF8A8DB099}" type="datetime1">
+              <a:rPr kumimoji="1" lang="zh-CN" altLang="en-US" smtClean="0"/>
+              <a:t>2017/11/21</a:t>
+            </a:fld>
+            <a:endParaRPr kumimoji="1" lang="zh-CN" altLang="en-US"/>
+          </a:p>
+        </p:txBody>
+      </p:sp>
+      <p:sp>
+        <p:nvSpPr>
+          <p:cNvPr id="6" name="Footer Placeholder 5"/>
+          <p:cNvSpPr>
+            <a:spLocks noGrp="1"/>
+          </p:cNvSpPr>
+          <p:nvPr>
+            <p:ph type="ftr" sz="quarter" idx="11"/>
+          </p:nvPr>
+        </p:nvSpPr>
+        <p:spPr>
+          <a:xfrm>
+            <a:off x="594360" y="379438"/>
+            <a:ext cx="4830656" cy="365125"/>
+          </a:xfrm>
+        </p:spPr>
+        <p:txBody>
+          <a:bodyPr/>
+          <a:lstStyle/>
+          <a:p>
+            <a:endParaRPr kumimoji="1" lang="zh-CN" altLang="en-US"/>
+          </a:p>
+        </p:txBody>
+      </p:sp>
+      <p:sp>
+        <p:nvSpPr>
+          <p:cNvPr id="7" name="Slide Number Placeholder 6"/>
+          <p:cNvSpPr>
+            <a:spLocks noGrp="1"/>
+          </p:cNvSpPr>
+          <p:nvPr>
+            <p:ph type="sldNum" sz="quarter" idx="12"/>
+          </p:nvPr>
+        </p:nvSpPr>
+        <p:spPr>
+          <a:xfrm>
+            <a:off x="7882466" y="381001"/>
+            <a:ext cx="667174" cy="365125"/>
+          </a:xfrm>
+        </p:spPr>
+        <p:txBody>
+          <a:bodyPr/>
+          <a:lstStyle/>
+          <a:p>
+            <a:fld id="{12924E00-6951-2E4A-9B91-938056433B77}" type="slidenum">
+              <a:rPr kumimoji="1" lang="zh-CN" altLang="en-US" smtClean="0"/>
+              <a:t>‹#›</a:t>
+            </a:fld>
+            <a:endParaRPr kumimoji="1" lang="zh-CN" altLang="en-US"/>
+          </a:p>
+        </p:txBody>
+      </p:sp>
+      <p:sp>
+        <p:nvSpPr>
+          <p:cNvPr id="13" name="TextBox 12"/>
+          <p:cNvSpPr txBox="1"/>
+          <p:nvPr/>
+        </p:nvSpPr>
+        <p:spPr>
+          <a:xfrm>
+            <a:off x="231458" y="807720"/>
+            <a:ext cx="457200" cy="584776"/>
+          </a:xfrm>
+          <a:prstGeom prst="rect">
+            <a:avLst/>
+          </a:prstGeom>
+        </p:spPr>
+        <p:txBody>
+          <a:bodyPr vert="horz" lIns="91440" tIns="45720" rIns="91440" bIns="45720" rtlCol="0" anchor="ctr">
+            <a:noAutofit/>
+          </a:bodyPr>
+          <a:lstStyle>
+            <a:lvl1pPr>
+              <a:spcBef>
+                <a:spcPct val="0"/>
+              </a:spcBef>
+              <a:buNone/>
+              <a:defRPr sz="3200" b="0" cap="all">
+                <a:ln w="3175" cmpd="sng">
+                  <a:noFill/>
+                </a:ln>
+                <a:effectLst>
+                  <a:glow rad="38100">
+                    <a:schemeClr val="bg1">
+                      <a:lumMod val="65000"/>
+                      <a:lumOff val="35000"/>
+                      <a:alpha val="40000"/>
+                    </a:schemeClr>
+                  </a:glow>
+                  <a:outerShdw blurRad="28575" dist="38100" dir="14040000" algn="tl" rotWithShape="0">
+                    <a:srgbClr val="000000">
+                      <a:alpha val="25000"/>
+                    </a:srgbClr>
+                  </a:outerShdw>
+                </a:effectLst>
+              </a:defRPr>
+            </a:lvl1pPr>
+            <a:lvl2pPr>
+              <a:defRPr>
+                <a:solidFill>
+                  <a:schemeClr val="tx2"/>
+                </a:solidFill>
+              </a:defRPr>
+            </a:lvl2pPr>
+            <a:lvl3pPr>
+              <a:defRPr>
+                <a:solidFill>
+                  <a:schemeClr val="tx2"/>
+                </a:solidFill>
+              </a:defRPr>
+            </a:lvl3pPr>
+            <a:lvl4pPr>
+              <a:defRPr>
+                <a:solidFill>
+                  <a:schemeClr val="tx2"/>
+                </a:solidFill>
+              </a:defRPr>
+            </a:lvl4pPr>
+            <a:lvl5pPr>
+              <a:defRPr>
+                <a:solidFill>
+                  <a:schemeClr val="tx2"/>
+                </a:solidFill>
+              </a:defRPr>
+            </a:lvl5pPr>
+            <a:lvl6pPr>
+              <a:defRPr>
+                <a:solidFill>
+                  <a:schemeClr val="tx2"/>
+                </a:solidFill>
+              </a:defRPr>
+            </a:lvl6pPr>
+            <a:lvl7pPr>
+              <a:defRPr>
+                <a:solidFill>
+                  <a:schemeClr val="tx2"/>
+                </a:solidFill>
+              </a:defRPr>
+            </a:lvl7pPr>
+            <a:lvl8pPr>
+              <a:defRPr>
+                <a:solidFill>
+                  <a:schemeClr val="tx2"/>
+                </a:solidFill>
+              </a:defRPr>
+            </a:lvl8pPr>
+            <a:lvl9pPr>
+              <a:defRPr>
+                <a:solidFill>
+                  <a:schemeClr val="tx2"/>
+                </a:solidFill>
+              </a:defRPr>
+            </a:lvl9pPr>
+          </a:lstStyle>
+          <a:p>
+            <a:pPr lvl="0"/>
+            <a:r>
+              <a:rPr lang="en-US" sz="8000" dirty="0">
+                <a:solidFill>
+                  <a:schemeClr val="tx1"/>
+                </a:solidFill>
+                <a:effectLst/>
+              </a:rPr>
+              <a:t>“</a:t>
+            </a:r>
+          </a:p>
+        </p:txBody>
+      </p:sp>
+      <p:sp>
+        <p:nvSpPr>
+          <p:cNvPr id="14" name="TextBox 13"/>
+          <p:cNvSpPr txBox="1"/>
+          <p:nvPr/>
+        </p:nvSpPr>
+        <p:spPr>
+          <a:xfrm>
+            <a:off x="8146733" y="3021330"/>
+            <a:ext cx="457200" cy="584776"/>
+          </a:xfrm>
+          <a:prstGeom prst="rect">
+            <a:avLst/>
+          </a:prstGeom>
+        </p:spPr>
+        <p:txBody>
+          <a:bodyPr vert="horz" lIns="91440" tIns="45720" rIns="91440" bIns="45720" rtlCol="0" anchor="ctr">
+            <a:noAutofit/>
+          </a:bodyPr>
+          <a:lstStyle>
+            <a:lvl1pPr>
+              <a:spcBef>
+                <a:spcPct val="0"/>
+              </a:spcBef>
+              <a:buNone/>
+              <a:defRPr sz="3200" b="0" cap="all">
+                <a:ln w="3175" cmpd="sng">
+                  <a:noFill/>
+                </a:ln>
+                <a:effectLst>
+                  <a:glow rad="38100">
+                    <a:schemeClr val="bg1">
+                      <a:lumMod val="65000"/>
+                      <a:lumOff val="35000"/>
+                      <a:alpha val="40000"/>
+                    </a:schemeClr>
+                  </a:glow>
+                  <a:outerShdw blurRad="28575" dist="38100" dir="14040000" algn="tl" rotWithShape="0">
+                    <a:srgbClr val="000000">
+                      <a:alpha val="25000"/>
+                    </a:srgbClr>
+                  </a:outerShdw>
+                </a:effectLst>
+              </a:defRPr>
+            </a:lvl1pPr>
+            <a:lvl2pPr>
+              <a:defRPr>
+                <a:solidFill>
+                  <a:schemeClr val="tx2"/>
+                </a:solidFill>
+              </a:defRPr>
+            </a:lvl2pPr>
+            <a:lvl3pPr>
+              <a:defRPr>
+                <a:solidFill>
+                  <a:schemeClr val="tx2"/>
+                </a:solidFill>
+              </a:defRPr>
+            </a:lvl3pPr>
+            <a:lvl4pPr>
+              <a:defRPr>
+                <a:solidFill>
+                  <a:schemeClr val="tx2"/>
+                </a:solidFill>
+              </a:defRPr>
+            </a:lvl4pPr>
+            <a:lvl5pPr>
+              <a:defRPr>
+                <a:solidFill>
+                  <a:schemeClr val="tx2"/>
+                </a:solidFill>
+              </a:defRPr>
+            </a:lvl5pPr>
+            <a:lvl6pPr>
+              <a:defRPr>
+                <a:solidFill>
+                  <a:schemeClr val="tx2"/>
+                </a:solidFill>
+              </a:defRPr>
+            </a:lvl6pPr>
+            <a:lvl7pPr>
+              <a:defRPr>
+                <a:solidFill>
+                  <a:schemeClr val="tx2"/>
+                </a:solidFill>
+              </a:defRPr>
+            </a:lvl7pPr>
+            <a:lvl8pPr>
+              <a:defRPr>
+                <a:solidFill>
+                  <a:schemeClr val="tx2"/>
+                </a:solidFill>
+              </a:defRPr>
+            </a:lvl8pPr>
+            <a:lvl9pPr>
+              <a:defRPr>
+                <a:solidFill>
+                  <a:schemeClr val="tx2"/>
+                </a:solidFill>
+              </a:defRPr>
+            </a:lvl9pPr>
+          </a:lstStyle>
+          <a:p>
+            <a:pPr lvl="0" algn="r"/>
+            <a:r>
+              <a:rPr lang="en-US" sz="8000" dirty="0">
+                <a:solidFill>
+                  <a:schemeClr val="tx1"/>
+                </a:solidFill>
+                <a:effectLst/>
+              </a:rPr>
+              <a:t>”</a:t>
+            </a:r>
+          </a:p>
+        </p:txBody>
+      </p:sp>
+    </p:spTree>
+  </p:cSld>
+  <p:clrMapOvr>
+    <a:masterClrMapping/>
+  </p:clrMapOvr>
+  <p:hf hdr="0" ftr="0"/>
+</p:sldLayout>
+</file>
+
+<file path=ppt/slideLayouts/slideLayout13.xml><?xml version="1.0" encoding="utf-8"?>
+<p:sldLayout xmlns:a="http://schemas.openxmlformats.org/drawingml/2006/main" xmlns:r="http://schemas.openxmlformats.org/officeDocument/2006/relationships" xmlns:p="http://schemas.openxmlformats.org/presentationml/2006/main" showMasterSp="0" preserve="1">
+  <p:cSld name="名片">
+    <p:spTree>
+      <p:nvGrpSpPr>
+        <p:cNvPr id="1" name=""/>
+        <p:cNvGrpSpPr/>
+        <p:nvPr/>
+      </p:nvGrpSpPr>
+      <p:grpSpPr>
+        <a:xfrm>
+          <a:off x="0" y="0"/>
+          <a:ext cx="0" cy="0"/>
+          <a:chOff x="0" y="0"/>
+          <a:chExt cx="0" cy="0"/>
+        </a:xfrm>
+      </p:grpSpPr>
+      <p:pic>
+        <p:nvPicPr>
+          <p:cNvPr id="8" name="Picture 7" descr="C0-HD-BTM.png"/>
+          <p:cNvPicPr>
+            <a:picLocks noChangeAspect="1"/>
+          </p:cNvPicPr>
+          <p:nvPr/>
+        </p:nvPicPr>
+        <p:blipFill>
+          <a:blip r:embed="rId2">
+            <a:extLst>
+              <a:ext uri="{28A0092B-C50C-407E-A947-70E740481C1C}">
+                <a14:useLocalDpi xmlns:a14="http://schemas.microsoft.com/office/drawing/2010/main" val="0"/>
+              </a:ext>
+            </a:extLst>
+          </a:blip>
+          <a:stretch>
+            <a:fillRect/>
+          </a:stretch>
+        </p:blipFill>
+        <p:spPr>
+          <a:xfrm>
+            <a:off x="0" y="4995862"/>
+            <a:ext cx="9144000" cy="1862138"/>
+          </a:xfrm>
+          <a:prstGeom prst="rect">
+            <a:avLst/>
+          </a:prstGeom>
+        </p:spPr>
+      </p:pic>
+      <p:sp>
+        <p:nvSpPr>
+          <p:cNvPr id="2" name="Title 1"/>
+          <p:cNvSpPr>
+            <a:spLocks noGrp="1"/>
+          </p:cNvSpPr>
+          <p:nvPr>
+            <p:ph type="title"/>
+          </p:nvPr>
+        </p:nvSpPr>
+        <p:spPr>
+          <a:xfrm>
+            <a:off x="685800" y="1124702"/>
+            <a:ext cx="7774782" cy="2511835"/>
+          </a:xfrm>
+        </p:spPr>
+        <p:txBody>
+          <a:bodyPr anchor="b"/>
+          <a:lstStyle>
+            <a:lvl1pPr algn="l">
+              <a:defRPr sz="3200"/>
+            </a:lvl1pPr>
+          </a:lstStyle>
+          <a:p>
+            <a:r>
+              <a:rPr lang="zh-CN" altLang="en-US" smtClean="0"/>
+              <a:t>单击此处编辑母版标题样式</a:t>
+            </a:r>
+            <a:endParaRPr lang="en-US" dirty="0"/>
+          </a:p>
+        </p:txBody>
+      </p:sp>
+      <p:sp>
+        <p:nvSpPr>
+          <p:cNvPr id="4" name="Text Placeholder 3"/>
+          <p:cNvSpPr>
+            <a:spLocks noGrp="1"/>
+          </p:cNvSpPr>
+          <p:nvPr>
+            <p:ph type="body" sz="half" idx="2"/>
+          </p:nvPr>
+        </p:nvSpPr>
+        <p:spPr>
+          <a:xfrm>
+            <a:off x="685792" y="3648316"/>
+            <a:ext cx="7773608" cy="999885"/>
+          </a:xfrm>
+        </p:spPr>
+        <p:txBody>
+          <a:bodyPr anchor="t"/>
+          <a:lstStyle>
+            <a:lvl1pPr marL="0" indent="0">
+              <a:buNone/>
+              <a:defRPr sz="1600"/>
+            </a:lvl1pPr>
+            <a:lvl2pPr marL="457200" indent="0">
+              <a:buNone/>
+              <a:defRPr sz="1400"/>
+            </a:lvl2pPr>
+            <a:lvl3pPr marL="914400" indent="0">
+              <a:buNone/>
+              <a:defRPr sz="1200"/>
+            </a:lvl3pPr>
+            <a:lvl4pPr marL="1371600" indent="0">
+              <a:buNone/>
+              <a:defRPr sz="1000"/>
+            </a:lvl4pPr>
+            <a:lvl5pPr marL="1828800" indent="0">
+              <a:buNone/>
+              <a:defRPr sz="1000"/>
+            </a:lvl5pPr>
+            <a:lvl6pPr marL="2286000" indent="0">
+              <a:buNone/>
+              <a:defRPr sz="1000"/>
+            </a:lvl6pPr>
+            <a:lvl7pPr marL="2743200" indent="0">
+              <a:buNone/>
+              <a:defRPr sz="1000"/>
+            </a:lvl7pPr>
+            <a:lvl8pPr marL="3200400" indent="0">
+              <a:buNone/>
+              <a:defRPr sz="1000"/>
+            </a:lvl8pPr>
+            <a:lvl9pPr marL="3657600" indent="0">
+              <a:buNone/>
+              <a:defRPr sz="1000"/>
+            </a:lvl9pPr>
+          </a:lstStyle>
+          <a:p>
+            <a:pPr lvl="0"/>
+            <a:r>
+              <a:rPr lang="zh-CN" altLang="en-US" smtClean="0"/>
+              <a:t>单击此处编辑母版文本样式</a:t>
+            </a:r>
+          </a:p>
+        </p:txBody>
+      </p:sp>
+      <p:sp>
+        <p:nvSpPr>
+          <p:cNvPr id="5" name="Date Placeholder 4"/>
+          <p:cNvSpPr>
+            <a:spLocks noGrp="1"/>
+          </p:cNvSpPr>
+          <p:nvPr>
+            <p:ph type="dt" sz="half" idx="10"/>
+          </p:nvPr>
+        </p:nvSpPr>
+        <p:spPr>
+          <a:xfrm>
+            <a:off x="5562176" y="378884"/>
+            <a:ext cx="2183130" cy="365125"/>
+          </a:xfrm>
+        </p:spPr>
+        <p:txBody>
+          <a:bodyPr/>
+          <a:lstStyle>
+            <a:lvl1pPr algn="r">
+              <a:defRPr/>
+            </a:lvl1pPr>
+          </a:lstStyle>
+          <a:p>
+            <a:fld id="{827F7EC9-FA32-8F41-831C-53EF8A8DB099}" type="datetime1">
+              <a:rPr kumimoji="1" lang="zh-CN" altLang="en-US" smtClean="0"/>
+              <a:t>2017/11/21</a:t>
+            </a:fld>
+            <a:endParaRPr kumimoji="1" lang="zh-CN" altLang="en-US"/>
+          </a:p>
+        </p:txBody>
+      </p:sp>
+      <p:sp>
+        <p:nvSpPr>
+          <p:cNvPr id="6" name="Footer Placeholder 5"/>
+          <p:cNvSpPr>
+            <a:spLocks noGrp="1"/>
+          </p:cNvSpPr>
+          <p:nvPr>
+            <p:ph type="ftr" sz="quarter" idx="11"/>
+          </p:nvPr>
+        </p:nvSpPr>
+        <p:spPr>
+          <a:xfrm>
+            <a:off x="594360" y="378884"/>
+            <a:ext cx="4830656" cy="365125"/>
+          </a:xfrm>
+        </p:spPr>
+        <p:txBody>
+          <a:bodyPr/>
+          <a:lstStyle/>
+          <a:p>
+            <a:endParaRPr kumimoji="1" lang="zh-CN" altLang="en-US"/>
+          </a:p>
+        </p:txBody>
+      </p:sp>
+      <p:sp>
+        <p:nvSpPr>
+          <p:cNvPr id="7" name="Slide Number Placeholder 6"/>
+          <p:cNvSpPr>
+            <a:spLocks noGrp="1"/>
+          </p:cNvSpPr>
+          <p:nvPr>
+            <p:ph type="sldNum" sz="quarter" idx="12"/>
+          </p:nvPr>
+        </p:nvSpPr>
+        <p:spPr>
+          <a:xfrm>
+            <a:off x="7882466" y="381001"/>
+            <a:ext cx="667174" cy="365125"/>
+          </a:xfrm>
+        </p:spPr>
+        <p:txBody>
+          <a:bodyPr/>
+          <a:lstStyle/>
+          <a:p>
+            <a:fld id="{12924E00-6951-2E4A-9B91-938056433B77}" type="slidenum">
+              <a:rPr kumimoji="1" lang="zh-CN" altLang="en-US" smtClean="0"/>
+              <a:t>‹#›</a:t>
+            </a:fld>
+            <a:endParaRPr kumimoji="1" lang="zh-CN" altLang="en-US"/>
+          </a:p>
+        </p:txBody>
+      </p:sp>
+    </p:spTree>
+  </p:cSld>
+  <p:clrMapOvr>
+    <a:masterClrMapping/>
+  </p:clrMapOvr>
+  <p:hf hdr="0" ftr="0"/>
+</p:sldLayout>
+</file>
+
+<file path=ppt/slideLayouts/slideLayout14.xml><?xml version="1.0" encoding="utf-8"?>
+<p:sldLayout xmlns:a="http://schemas.openxmlformats.org/drawingml/2006/main" xmlns:r="http://schemas.openxmlformats.org/officeDocument/2006/relationships" xmlns:p="http://schemas.openxmlformats.org/presentationml/2006/main" preserve="1">
+  <p:cSld name="三栏">
+    <p:spTree>
+      <p:nvGrpSpPr>
+        <p:cNvPr id="1" name=""/>
+        <p:cNvGrpSpPr/>
+        <p:nvPr/>
+      </p:nvGrpSpPr>
+      <p:grpSpPr>
+        <a:xfrm>
+          <a:off x="0" y="0"/>
+          <a:ext cx="0" cy="0"/>
+          <a:chOff x="0" y="0"/>
+          <a:chExt cx="0" cy="0"/>
+        </a:xfrm>
+      </p:grpSpPr>
+      <p:sp>
+        <p:nvSpPr>
+          <p:cNvPr id="15" name="Title 1"/>
+          <p:cNvSpPr>
+            <a:spLocks noGrp="1"/>
+          </p:cNvSpPr>
+          <p:nvPr>
+            <p:ph type="title"/>
+          </p:nvPr>
+        </p:nvSpPr>
+        <p:spPr>
+          <a:xfrm>
+            <a:off x="2171701" y="762000"/>
+            <a:ext cx="6377939" cy="1303867"/>
+          </a:xfrm>
+        </p:spPr>
+        <p:txBody>
+          <a:bodyPr/>
+          <a:lstStyle/>
+          <a:p>
+            <a:r>
+              <a:rPr lang="zh-CN" altLang="en-US" smtClean="0"/>
+              <a:t>单击此处编辑母版标题样式</a:t>
+            </a:r>
+            <a:endParaRPr lang="en-US" dirty="0"/>
+          </a:p>
+        </p:txBody>
+      </p:sp>
+      <p:sp>
+        <p:nvSpPr>
+          <p:cNvPr id="7" name="Text Placeholder 2"/>
+          <p:cNvSpPr>
+            <a:spLocks noGrp="1"/>
+          </p:cNvSpPr>
+          <p:nvPr>
+            <p:ph type="body" idx="1"/>
+          </p:nvPr>
+        </p:nvSpPr>
+        <p:spPr>
+          <a:xfrm>
+            <a:off x="594361" y="2202080"/>
+            <a:ext cx="2560320" cy="617320"/>
+          </a:xfrm>
+        </p:spPr>
+        <p:txBody>
+          <a:bodyPr anchor="b">
+            <a:noAutofit/>
+          </a:bodyPr>
+          <a:lstStyle>
+            <a:lvl1pPr marL="0" indent="0">
+              <a:buNone/>
+              <a:defRPr sz="2400" b="0">
+                <a:solidFill>
+                  <a:schemeClr val="tx1"/>
+                </a:solidFill>
+              </a:defRPr>
+            </a:lvl1pPr>
+            <a:lvl2pPr marL="457200" indent="0">
+              <a:buNone/>
+              <a:defRPr sz="2000" b="1"/>
+            </a:lvl2pPr>
+            <a:lvl3pPr marL="914400" indent="0">
+              <a:buNone/>
+              <a:defRPr sz="1800" b="1"/>
+            </a:lvl3pPr>
+            <a:lvl4pPr marL="1371600" indent="0">
+              <a:buNone/>
+              <a:defRPr sz="1600" b="1"/>
+            </a:lvl4pPr>
+            <a:lvl5pPr marL="1828800" indent="0">
+              <a:buNone/>
+              <a:defRPr sz="1600" b="1"/>
+            </a:lvl5pPr>
+            <a:lvl6pPr marL="2286000" indent="0">
+              <a:buNone/>
+              <a:defRPr sz="1600" b="1"/>
+            </a:lvl6pPr>
+            <a:lvl7pPr marL="2743200" indent="0">
+              <a:buNone/>
+              <a:defRPr sz="1600" b="1"/>
+            </a:lvl7pPr>
+            <a:lvl8pPr marL="3200400" indent="0">
+              <a:buNone/>
+              <a:defRPr sz="1600" b="1"/>
+            </a:lvl8pPr>
+            <a:lvl9pPr marL="3657600" indent="0">
+              <a:buNone/>
+              <a:defRPr sz="1600" b="1"/>
+            </a:lvl9pPr>
+          </a:lstStyle>
+          <a:p>
+            <a:pPr lvl="0"/>
+            <a:r>
+              <a:rPr lang="zh-CN" altLang="en-US" smtClean="0"/>
+              <a:t>单击此处编辑母版文本样式</a:t>
+            </a:r>
+          </a:p>
+        </p:txBody>
+      </p:sp>
+      <p:sp>
+        <p:nvSpPr>
+          <p:cNvPr id="8" name="Text Placeholder 3"/>
+          <p:cNvSpPr>
+            <a:spLocks noGrp="1"/>
+          </p:cNvSpPr>
+          <p:nvPr>
+            <p:ph type="body" sz="half" idx="15"/>
+          </p:nvPr>
+        </p:nvSpPr>
+        <p:spPr>
+          <a:xfrm>
+            <a:off x="594360" y="2904564"/>
+            <a:ext cx="2560320" cy="3359079"/>
+          </a:xfrm>
+        </p:spPr>
+        <p:txBody>
+          <a:bodyPr anchor="t">
+            <a:normAutofit/>
+          </a:bodyPr>
+          <a:lstStyle>
+            <a:lvl1pPr marL="0" indent="0">
+              <a:buNone/>
+              <a:defRPr sz="1400"/>
+            </a:lvl1pPr>
+            <a:lvl2pPr marL="457200" indent="0">
+              <a:buNone/>
+              <a:defRPr sz="1200"/>
+            </a:lvl2pPr>
+            <a:lvl3pPr marL="914400" indent="0">
+              <a:buNone/>
+              <a:defRPr sz="1000"/>
+            </a:lvl3pPr>
+            <a:lvl4pPr marL="1371600" indent="0">
+              <a:buNone/>
+              <a:defRPr sz="900"/>
+            </a:lvl4pPr>
+            <a:lvl5pPr marL="1828800" indent="0">
+              <a:buNone/>
+              <a:defRPr sz="900"/>
+            </a:lvl5pPr>
+            <a:lvl6pPr marL="2286000" indent="0">
+              <a:buNone/>
+              <a:defRPr sz="900"/>
+            </a:lvl6pPr>
+            <a:lvl7pPr marL="2743200" indent="0">
+              <a:buNone/>
+              <a:defRPr sz="900"/>
+            </a:lvl7pPr>
+            <a:lvl8pPr marL="3200400" indent="0">
+              <a:buNone/>
+              <a:defRPr sz="900"/>
+            </a:lvl8pPr>
+            <a:lvl9pPr marL="3657600" indent="0">
+              <a:buNone/>
+              <a:defRPr sz="900"/>
+            </a:lvl9pPr>
+          </a:lstStyle>
+          <a:p>
+            <a:pPr lvl="0"/>
+            <a:r>
+              <a:rPr lang="zh-CN" altLang="en-US" smtClean="0"/>
+              <a:t>单击此处编辑母版文本样式</a:t>
+            </a:r>
+          </a:p>
+        </p:txBody>
+      </p:sp>
+      <p:sp>
+        <p:nvSpPr>
+          <p:cNvPr id="9" name="Text Placeholder 4"/>
+          <p:cNvSpPr>
+            <a:spLocks noGrp="1"/>
+          </p:cNvSpPr>
+          <p:nvPr>
+            <p:ph type="body" sz="quarter" idx="3"/>
+          </p:nvPr>
+        </p:nvSpPr>
+        <p:spPr>
+          <a:xfrm>
+            <a:off x="3302237" y="2201333"/>
+            <a:ext cx="2560320" cy="626534"/>
+          </a:xfrm>
+        </p:spPr>
+        <p:txBody>
+          <a:bodyPr anchor="b">
+            <a:noAutofit/>
+          </a:bodyPr>
+          <a:lstStyle>
+            <a:lvl1pPr marL="0" indent="0">
+              <a:buNone/>
+              <a:defRPr sz="2400" b="0">
+                <a:solidFill>
+                  <a:schemeClr val="tx1"/>
+                </a:solidFill>
+              </a:defRPr>
+            </a:lvl1pPr>
+            <a:lvl2pPr marL="457200" indent="0">
+              <a:buNone/>
+              <a:defRPr sz="2000" b="1"/>
+            </a:lvl2pPr>
+            <a:lvl3pPr marL="914400" indent="0">
+              <a:buNone/>
+              <a:defRPr sz="1800" b="1"/>
+            </a:lvl3pPr>
+            <a:lvl4pPr marL="1371600" indent="0">
+              <a:buNone/>
+              <a:defRPr sz="1600" b="1"/>
+            </a:lvl4pPr>
+            <a:lvl5pPr marL="1828800" indent="0">
+              <a:buNone/>
+              <a:defRPr sz="1600" b="1"/>
+            </a:lvl5pPr>
+            <a:lvl6pPr marL="2286000" indent="0">
+              <a:buNone/>
+              <a:defRPr sz="1600" b="1"/>
+            </a:lvl6pPr>
+            <a:lvl7pPr marL="2743200" indent="0">
+              <a:buNone/>
+              <a:defRPr sz="1600" b="1"/>
+            </a:lvl7pPr>
+            <a:lvl8pPr marL="3200400" indent="0">
+              <a:buNone/>
+              <a:defRPr sz="1600" b="1"/>
+            </a:lvl8pPr>
+            <a:lvl9pPr marL="3657600" indent="0">
+              <a:buNone/>
+              <a:defRPr sz="1600" b="1"/>
+            </a:lvl9pPr>
+          </a:lstStyle>
+          <a:p>
+            <a:pPr lvl="0"/>
+            <a:r>
+              <a:rPr lang="zh-CN" altLang="en-US" smtClean="0"/>
+              <a:t>单击此处编辑母版文本样式</a:t>
+            </a:r>
+          </a:p>
+        </p:txBody>
+      </p:sp>
+      <p:sp>
+        <p:nvSpPr>
+          <p:cNvPr id="10" name="Text Placeholder 3"/>
+          <p:cNvSpPr>
+            <a:spLocks noGrp="1"/>
+          </p:cNvSpPr>
+          <p:nvPr>
+            <p:ph type="body" sz="half" idx="16"/>
+          </p:nvPr>
+        </p:nvSpPr>
+        <p:spPr>
+          <a:xfrm>
+            <a:off x="3300781" y="2904068"/>
+            <a:ext cx="2560320" cy="3359572"/>
+          </a:xfrm>
+        </p:spPr>
+        <p:txBody>
+          <a:bodyPr anchor="t">
+            <a:normAutofit/>
+          </a:bodyPr>
+          <a:lstStyle>
+            <a:lvl1pPr marL="0" indent="0">
+              <a:buNone/>
+              <a:defRPr sz="1400"/>
+            </a:lvl1pPr>
+            <a:lvl2pPr marL="457200" indent="0">
+              <a:buNone/>
+              <a:defRPr sz="1200"/>
+            </a:lvl2pPr>
+            <a:lvl3pPr marL="914400" indent="0">
+              <a:buNone/>
+              <a:defRPr sz="1000"/>
+            </a:lvl3pPr>
+            <a:lvl4pPr marL="1371600" indent="0">
+              <a:buNone/>
+              <a:defRPr sz="900"/>
+            </a:lvl4pPr>
+            <a:lvl5pPr marL="1828800" indent="0">
+              <a:buNone/>
+              <a:defRPr sz="900"/>
+            </a:lvl5pPr>
+            <a:lvl6pPr marL="2286000" indent="0">
+              <a:buNone/>
+              <a:defRPr sz="900"/>
+            </a:lvl6pPr>
+            <a:lvl7pPr marL="2743200" indent="0">
+              <a:buNone/>
+              <a:defRPr sz="900"/>
+            </a:lvl7pPr>
+            <a:lvl8pPr marL="3200400" indent="0">
+              <a:buNone/>
+              <a:defRPr sz="900"/>
+            </a:lvl8pPr>
+            <a:lvl9pPr marL="3657600" indent="0">
+              <a:buNone/>
+              <a:defRPr sz="900"/>
+            </a:lvl9pPr>
+          </a:lstStyle>
+          <a:p>
+            <a:pPr lvl="0"/>
+            <a:r>
+              <a:rPr lang="zh-CN" altLang="en-US" smtClean="0"/>
+              <a:t>单击此处编辑母版文本样式</a:t>
+            </a:r>
+          </a:p>
+        </p:txBody>
+      </p:sp>
+      <p:sp>
+        <p:nvSpPr>
+          <p:cNvPr id="11" name="Text Placeholder 4"/>
+          <p:cNvSpPr>
+            <a:spLocks noGrp="1"/>
+          </p:cNvSpPr>
+          <p:nvPr>
+            <p:ph type="body" sz="quarter" idx="13"/>
+          </p:nvPr>
+        </p:nvSpPr>
+        <p:spPr>
+          <a:xfrm>
+            <a:off x="5989319" y="2192866"/>
+            <a:ext cx="2560320" cy="626534"/>
+          </a:xfrm>
+        </p:spPr>
+        <p:txBody>
+          <a:bodyPr anchor="b">
+            <a:noAutofit/>
+          </a:bodyPr>
+          <a:lstStyle>
+            <a:lvl1pPr marL="0" indent="0">
+              <a:buNone/>
+              <a:defRPr sz="2400" b="0">
+                <a:solidFill>
+                  <a:schemeClr val="tx1"/>
+                </a:solidFill>
+              </a:defRPr>
+            </a:lvl1pPr>
+            <a:lvl2pPr marL="457200" indent="0">
+              <a:buNone/>
+              <a:defRPr sz="2000" b="1"/>
+            </a:lvl2pPr>
+            <a:lvl3pPr marL="914400" indent="0">
+              <a:buNone/>
+              <a:defRPr sz="1800" b="1"/>
+            </a:lvl3pPr>
+            <a:lvl4pPr marL="1371600" indent="0">
+              <a:buNone/>
+              <a:defRPr sz="1600" b="1"/>
+            </a:lvl4pPr>
+            <a:lvl5pPr marL="1828800" indent="0">
+              <a:buNone/>
+              <a:defRPr sz="1600" b="1"/>
+            </a:lvl5pPr>
+            <a:lvl6pPr marL="2286000" indent="0">
+              <a:buNone/>
+              <a:defRPr sz="1600" b="1"/>
+            </a:lvl6pPr>
+            <a:lvl7pPr marL="2743200" indent="0">
+              <a:buNone/>
+              <a:defRPr sz="1600" b="1"/>
+            </a:lvl7pPr>
+            <a:lvl8pPr marL="3200400" indent="0">
+              <a:buNone/>
+              <a:defRPr sz="1600" b="1"/>
+            </a:lvl8pPr>
+            <a:lvl9pPr marL="3657600" indent="0">
+              <a:buNone/>
+              <a:defRPr sz="1600" b="1"/>
+            </a:lvl9pPr>
+          </a:lstStyle>
+          <a:p>
+            <a:pPr lvl="0"/>
+            <a:r>
+              <a:rPr lang="zh-CN" altLang="en-US" smtClean="0"/>
+              <a:t>单击此处编辑母版文本样式</a:t>
+            </a:r>
+          </a:p>
+        </p:txBody>
+      </p:sp>
+      <p:sp>
+        <p:nvSpPr>
+          <p:cNvPr id="12" name="Text Placeholder 3"/>
+          <p:cNvSpPr>
+            <a:spLocks noGrp="1"/>
+          </p:cNvSpPr>
+          <p:nvPr>
+            <p:ph type="body" sz="half" idx="17"/>
+          </p:nvPr>
+        </p:nvSpPr>
+        <p:spPr>
+          <a:xfrm>
+            <a:off x="5989320" y="2904564"/>
+            <a:ext cx="2560320" cy="3359079"/>
+          </a:xfrm>
+        </p:spPr>
+        <p:txBody>
+          <a:bodyPr anchor="t">
+            <a:normAutofit/>
+          </a:bodyPr>
+          <a:lstStyle>
+            <a:lvl1pPr marL="0" indent="0">
+              <a:buNone/>
+              <a:defRPr sz="1400"/>
+            </a:lvl1pPr>
+            <a:lvl2pPr marL="457200" indent="0">
+              <a:buNone/>
+              <a:defRPr sz="1200"/>
+            </a:lvl2pPr>
+            <a:lvl3pPr marL="914400" indent="0">
+              <a:buNone/>
+              <a:defRPr sz="1000"/>
+            </a:lvl3pPr>
+            <a:lvl4pPr marL="1371600" indent="0">
+              <a:buNone/>
+              <a:defRPr sz="900"/>
+            </a:lvl4pPr>
+            <a:lvl5pPr marL="1828800" indent="0">
+              <a:buNone/>
+              <a:defRPr sz="900"/>
+            </a:lvl5pPr>
+            <a:lvl6pPr marL="2286000" indent="0">
+              <a:buNone/>
+              <a:defRPr sz="900"/>
+            </a:lvl6pPr>
+            <a:lvl7pPr marL="2743200" indent="0">
+              <a:buNone/>
+              <a:defRPr sz="900"/>
+            </a:lvl7pPr>
+            <a:lvl8pPr marL="3200400" indent="0">
+              <a:buNone/>
+              <a:defRPr sz="900"/>
+            </a:lvl8pPr>
+            <a:lvl9pPr marL="3657600" indent="0">
+              <a:buNone/>
+              <a:defRPr sz="900"/>
+            </a:lvl9pPr>
+          </a:lstStyle>
+          <a:p>
+            <a:pPr lvl="0"/>
+            <a:r>
+              <a:rPr lang="zh-CN" altLang="en-US" smtClean="0"/>
+              <a:t>单击此处编辑母版文本样式</a:t>
+            </a:r>
+          </a:p>
+        </p:txBody>
+      </p:sp>
+      <p:sp>
+        <p:nvSpPr>
+          <p:cNvPr id="3" name="Date Placeholder 2"/>
+          <p:cNvSpPr>
+            <a:spLocks noGrp="1"/>
+          </p:cNvSpPr>
+          <p:nvPr>
+            <p:ph type="dt" sz="half" idx="10"/>
+          </p:nvPr>
+        </p:nvSpPr>
+        <p:spPr/>
+        <p:txBody>
+          <a:bodyPr/>
+          <a:lstStyle/>
+          <a:p>
+            <a:fld id="{827F7EC9-FA32-8F41-831C-53EF8A8DB099}" type="datetime1">
+              <a:rPr kumimoji="1" lang="zh-CN" altLang="en-US" smtClean="0"/>
+              <a:t>2017/11/21</a:t>
+            </a:fld>
+            <a:endParaRPr kumimoji="1" lang="zh-CN" altLang="en-US"/>
+          </a:p>
+        </p:txBody>
+      </p:sp>
+      <p:sp>
+        <p:nvSpPr>
+          <p:cNvPr id="4" name="Footer Placeholder 3"/>
+          <p:cNvSpPr>
+            <a:spLocks noGrp="1"/>
+          </p:cNvSpPr>
+          <p:nvPr>
+            <p:ph type="ftr" sz="quarter" idx="11"/>
+          </p:nvPr>
+        </p:nvSpPr>
+        <p:spPr/>
+        <p:txBody>
+          <a:bodyPr/>
+          <a:lstStyle/>
+          <a:p>
+            <a:endParaRPr kumimoji="1" lang="zh-CN" altLang="en-US"/>
+          </a:p>
+        </p:txBody>
+      </p:sp>
+      <p:sp>
+        <p:nvSpPr>
+          <p:cNvPr id="5" name="Slide Number Placeholder 4"/>
+          <p:cNvSpPr>
+            <a:spLocks noGrp="1"/>
+          </p:cNvSpPr>
+          <p:nvPr>
+            <p:ph type="sldNum" sz="quarter" idx="12"/>
+          </p:nvPr>
+        </p:nvSpPr>
+        <p:spPr/>
+        <p:txBody>
+          <a:bodyPr/>
+          <a:lstStyle/>
+          <a:p>
+            <a:fld id="{12924E00-6951-2E4A-9B91-938056433B77}" type="slidenum">
+              <a:rPr kumimoji="1" lang="zh-CN" altLang="en-US" smtClean="0"/>
+              <a:t>‹#›</a:t>
+            </a:fld>
+            <a:endParaRPr kumimoji="1" lang="zh-CN" altLang="en-US"/>
+          </a:p>
+        </p:txBody>
+      </p:sp>
+    </p:spTree>
+  </p:cSld>
+  <p:clrMapOvr>
+    <a:masterClrMapping/>
+  </p:clrMapOvr>
+  <p:hf hdr="0" ftr="0"/>
+</p:sldLayout>
+</file>
+
+<file path=ppt/slideLayouts/slideLayout15.xml><?xml version="1.0" encoding="utf-8"?>
+<p:sldLayout xmlns:a="http://schemas.openxmlformats.org/drawingml/2006/main" xmlns:r="http://schemas.openxmlformats.org/officeDocument/2006/relationships" xmlns:p="http://schemas.openxmlformats.org/presentationml/2006/main" preserve="1">
+  <p:cSld name="三栏图片">
+    <p:spTree>
+      <p:nvGrpSpPr>
+        <p:cNvPr id="1" name=""/>
+        <p:cNvGrpSpPr/>
+        <p:nvPr/>
+      </p:nvGrpSpPr>
+      <p:grpSpPr>
+        <a:xfrm>
+          <a:off x="0" y="0"/>
+          <a:ext cx="0" cy="0"/>
+          <a:chOff x="0" y="0"/>
+          <a:chExt cx="0" cy="0"/>
+        </a:xfrm>
+      </p:grpSpPr>
+      <p:sp>
+        <p:nvSpPr>
+          <p:cNvPr id="30" name="Title 1"/>
+          <p:cNvSpPr>
+            <a:spLocks noGrp="1"/>
+          </p:cNvSpPr>
+          <p:nvPr>
+            <p:ph type="title"/>
+          </p:nvPr>
+        </p:nvSpPr>
+        <p:spPr>
+          <a:xfrm>
+            <a:off x="2171702" y="762000"/>
+            <a:ext cx="6381984" cy="1295400"/>
+          </a:xfrm>
+        </p:spPr>
+        <p:txBody>
+          <a:bodyPr/>
+          <a:lstStyle/>
+          <a:p>
+            <a:r>
+              <a:rPr lang="zh-CN" altLang="en-US" smtClean="0"/>
+              <a:t>单击此处编辑母版标题样式</a:t>
+            </a:r>
+            <a:endParaRPr lang="en-US" dirty="0"/>
+          </a:p>
+        </p:txBody>
+      </p:sp>
+      <p:sp>
+        <p:nvSpPr>
+          <p:cNvPr id="19" name="Text Placeholder 2"/>
+          <p:cNvSpPr>
+            <a:spLocks noGrp="1"/>
+          </p:cNvSpPr>
+          <p:nvPr>
+            <p:ph type="body" idx="1"/>
+          </p:nvPr>
+        </p:nvSpPr>
+        <p:spPr>
+          <a:xfrm>
+            <a:off x="594360" y="4113340"/>
+            <a:ext cx="2560320" cy="682765"/>
+          </a:xfrm>
+        </p:spPr>
+        <p:txBody>
+          <a:bodyPr anchor="b">
+            <a:noAutofit/>
+          </a:bodyPr>
+          <a:lstStyle>
+            <a:lvl1pPr marL="0" indent="0">
+              <a:buNone/>
+              <a:defRPr sz="2400" b="0">
+                <a:solidFill>
+                  <a:schemeClr val="tx1"/>
+                </a:solidFill>
+              </a:defRPr>
+            </a:lvl1pPr>
+            <a:lvl2pPr marL="457200" indent="0">
+              <a:buNone/>
+              <a:defRPr sz="2000" b="1"/>
+            </a:lvl2pPr>
+            <a:lvl3pPr marL="914400" indent="0">
+              <a:buNone/>
+              <a:defRPr sz="1800" b="1"/>
+            </a:lvl3pPr>
+            <a:lvl4pPr marL="1371600" indent="0">
+              <a:buNone/>
+              <a:defRPr sz="1600" b="1"/>
+            </a:lvl4pPr>
+            <a:lvl5pPr marL="1828800" indent="0">
+              <a:buNone/>
+              <a:defRPr sz="1600" b="1"/>
+            </a:lvl5pPr>
+            <a:lvl6pPr marL="2286000" indent="0">
+              <a:buNone/>
+              <a:defRPr sz="1600" b="1"/>
+            </a:lvl6pPr>
+            <a:lvl7pPr marL="2743200" indent="0">
+              <a:buNone/>
+              <a:defRPr sz="1600" b="1"/>
+            </a:lvl7pPr>
+            <a:lvl8pPr marL="3200400" indent="0">
+              <a:buNone/>
+              <a:defRPr sz="1600" b="1"/>
+            </a:lvl8pPr>
+            <a:lvl9pPr marL="3657600" indent="0">
+              <a:buNone/>
+              <a:defRPr sz="1600" b="1"/>
+            </a:lvl9pPr>
+          </a:lstStyle>
+          <a:p>
+            <a:pPr lvl="0"/>
+            <a:r>
+              <a:rPr lang="zh-CN" altLang="en-US" smtClean="0"/>
+              <a:t>单击此处编辑母版文本样式</a:t>
+            </a:r>
+          </a:p>
+        </p:txBody>
+      </p:sp>
+      <p:sp>
+        <p:nvSpPr>
+          <p:cNvPr id="20" name="Picture Placeholder 2"/>
+          <p:cNvSpPr>
+            <a:spLocks noGrp="1" noChangeAspect="1"/>
+          </p:cNvSpPr>
+          <p:nvPr>
+            <p:ph type="pic" idx="15"/>
+          </p:nvPr>
+        </p:nvSpPr>
+        <p:spPr>
+          <a:xfrm>
+            <a:off x="594360" y="2331720"/>
+            <a:ext cx="2560320" cy="1507300"/>
+          </a:xfrm>
+          <a:prstGeom prst="roundRect">
+            <a:avLst>
+              <a:gd name="adj" fmla="val 0"/>
+            </a:avLst>
+          </a:prstGeom>
+          <a:effectLst>
+            <a:outerShdw blurRad="50800" dist="50800" dir="5400000" algn="tl" rotWithShape="0">
+              <a:srgbClr val="000000">
+                <a:alpha val="43000"/>
+              </a:srgbClr>
+            </a:outerShdw>
+          </a:effectLst>
+        </p:spPr>
+        <p:txBody>
+          <a:bodyPr anchor="t">
+            <a:normAutofit/>
+          </a:bodyPr>
+          <a:lstStyle>
+            <a:lvl1pPr marL="0" indent="0" algn="ctr">
+              <a:buNone/>
+              <a:defRPr sz="1600"/>
+            </a:lvl1pPr>
+            <a:lvl2pPr marL="457200" indent="0">
+              <a:buNone/>
+              <a:defRPr sz="1600"/>
+            </a:lvl2pPr>
+            <a:lvl3pPr marL="914400" indent="0">
+              <a:buNone/>
+              <a:defRPr sz="1600"/>
+            </a:lvl3pPr>
+            <a:lvl4pPr marL="1371600" indent="0">
+              <a:buNone/>
+              <a:defRPr sz="1600"/>
+            </a:lvl4pPr>
+            <a:lvl5pPr marL="1828800" indent="0">
+              <a:buNone/>
+              <a:defRPr sz="1600"/>
+            </a:lvl5pPr>
+            <a:lvl6pPr marL="2286000" indent="0">
+              <a:buNone/>
+              <a:defRPr sz="1600"/>
+            </a:lvl6pPr>
+            <a:lvl7pPr marL="2743200" indent="0">
+              <a:buNone/>
+              <a:defRPr sz="1600"/>
+            </a:lvl7pPr>
+            <a:lvl8pPr marL="3200400" indent="0">
+              <a:buNone/>
+              <a:defRPr sz="1600"/>
+            </a:lvl8pPr>
+            <a:lvl9pPr marL="3657600" indent="0">
+              <a:buNone/>
+              <a:defRPr sz="1600"/>
+            </a:lvl9pPr>
+          </a:lstStyle>
+          <a:p>
+            <a:r>
+              <a:rPr lang="zh-CN" altLang="en-US" smtClean="0"/>
+              <a:t>将图片拖动到占位符，或单击添加图标</a:t>
+            </a:r>
+            <a:endParaRPr lang="en-US" dirty="0"/>
+          </a:p>
+        </p:txBody>
+      </p:sp>
+      <p:sp>
+        <p:nvSpPr>
+          <p:cNvPr id="21" name="Text Placeholder 3"/>
+          <p:cNvSpPr>
+            <a:spLocks noGrp="1"/>
+          </p:cNvSpPr>
+          <p:nvPr>
+            <p:ph type="body" sz="half" idx="18"/>
+          </p:nvPr>
+        </p:nvSpPr>
+        <p:spPr>
+          <a:xfrm>
+            <a:off x="594360" y="4796103"/>
+            <a:ext cx="2560320" cy="1467537"/>
+          </a:xfrm>
+        </p:spPr>
+        <p:txBody>
+          <a:bodyPr anchor="t">
+            <a:normAutofit/>
+          </a:bodyPr>
+          <a:lstStyle>
+            <a:lvl1pPr marL="0" indent="0">
+              <a:buNone/>
+              <a:defRPr sz="1400"/>
+            </a:lvl1pPr>
+            <a:lvl2pPr marL="457200" indent="0">
+              <a:buNone/>
+              <a:defRPr sz="1200"/>
+            </a:lvl2pPr>
+            <a:lvl3pPr marL="914400" indent="0">
+              <a:buNone/>
+              <a:defRPr sz="1000"/>
+            </a:lvl3pPr>
+            <a:lvl4pPr marL="1371600" indent="0">
+              <a:buNone/>
+              <a:defRPr sz="900"/>
+            </a:lvl4pPr>
+            <a:lvl5pPr marL="1828800" indent="0">
+              <a:buNone/>
+              <a:defRPr sz="900"/>
+            </a:lvl5pPr>
+            <a:lvl6pPr marL="2286000" indent="0">
+              <a:buNone/>
+              <a:defRPr sz="900"/>
+            </a:lvl6pPr>
+            <a:lvl7pPr marL="2743200" indent="0">
+              <a:buNone/>
+              <a:defRPr sz="900"/>
+            </a:lvl7pPr>
+            <a:lvl8pPr marL="3200400" indent="0">
+              <a:buNone/>
+              <a:defRPr sz="900"/>
+            </a:lvl8pPr>
+            <a:lvl9pPr marL="3657600" indent="0">
+              <a:buNone/>
+              <a:defRPr sz="900"/>
+            </a:lvl9pPr>
+          </a:lstStyle>
+          <a:p>
+            <a:pPr lvl="0"/>
+            <a:r>
+              <a:rPr lang="zh-CN" altLang="en-US" smtClean="0"/>
+              <a:t>单击此处编辑母版文本样式</a:t>
+            </a:r>
+          </a:p>
+        </p:txBody>
+      </p:sp>
+      <p:sp>
+        <p:nvSpPr>
+          <p:cNvPr id="22" name="Text Placeholder 4"/>
+          <p:cNvSpPr>
+            <a:spLocks noGrp="1"/>
+          </p:cNvSpPr>
+          <p:nvPr>
+            <p:ph type="body" sz="quarter" idx="3"/>
+          </p:nvPr>
+        </p:nvSpPr>
+        <p:spPr>
+          <a:xfrm>
+            <a:off x="3291873" y="4113340"/>
+            <a:ext cx="2560320" cy="682765"/>
+          </a:xfrm>
+        </p:spPr>
+        <p:txBody>
+          <a:bodyPr anchor="b">
+            <a:noAutofit/>
+          </a:bodyPr>
+          <a:lstStyle>
+            <a:lvl1pPr marL="0" indent="0">
+              <a:buNone/>
+              <a:defRPr sz="2400" b="0">
+                <a:solidFill>
+                  <a:schemeClr val="tx1"/>
+                </a:solidFill>
+              </a:defRPr>
+            </a:lvl1pPr>
+            <a:lvl2pPr marL="457200" indent="0">
+              <a:buNone/>
+              <a:defRPr sz="2000" b="1"/>
+            </a:lvl2pPr>
+            <a:lvl3pPr marL="914400" indent="0">
+              <a:buNone/>
+              <a:defRPr sz="1800" b="1"/>
+            </a:lvl3pPr>
+            <a:lvl4pPr marL="1371600" indent="0">
+              <a:buNone/>
+              <a:defRPr sz="1600" b="1"/>
+            </a:lvl4pPr>
+            <a:lvl5pPr marL="1828800" indent="0">
+              <a:buNone/>
+              <a:defRPr sz="1600" b="1"/>
+            </a:lvl5pPr>
+            <a:lvl6pPr marL="2286000" indent="0">
+              <a:buNone/>
+              <a:defRPr sz="1600" b="1"/>
+            </a:lvl6pPr>
+            <a:lvl7pPr marL="2743200" indent="0">
+              <a:buNone/>
+              <a:defRPr sz="1600" b="1"/>
+            </a:lvl7pPr>
+            <a:lvl8pPr marL="3200400" indent="0">
+              <a:buNone/>
+              <a:defRPr sz="1600" b="1"/>
+            </a:lvl8pPr>
+            <a:lvl9pPr marL="3657600" indent="0">
+              <a:buNone/>
+              <a:defRPr sz="1600" b="1"/>
+            </a:lvl9pPr>
+          </a:lstStyle>
+          <a:p>
+            <a:pPr lvl="0"/>
+            <a:r>
+              <a:rPr lang="zh-CN" altLang="en-US" smtClean="0"/>
+              <a:t>单击此处编辑母版文本样式</a:t>
+            </a:r>
+          </a:p>
+        </p:txBody>
+      </p:sp>
+      <p:sp>
+        <p:nvSpPr>
+          <p:cNvPr id="23" name="Picture Placeholder 2"/>
+          <p:cNvSpPr>
+            <a:spLocks noGrp="1" noChangeAspect="1"/>
+          </p:cNvSpPr>
+          <p:nvPr>
+            <p:ph type="pic" idx="21"/>
+          </p:nvPr>
+        </p:nvSpPr>
+        <p:spPr>
+          <a:xfrm>
+            <a:off x="3291872" y="2331720"/>
+            <a:ext cx="2560320" cy="1509862"/>
+          </a:xfrm>
+          <a:prstGeom prst="roundRect">
+            <a:avLst>
+              <a:gd name="adj" fmla="val 0"/>
+            </a:avLst>
+          </a:prstGeom>
+          <a:effectLst>
+            <a:outerShdw blurRad="50800" dist="50800" dir="5400000" algn="tl" rotWithShape="0">
+              <a:srgbClr val="000000">
+                <a:alpha val="43000"/>
+              </a:srgbClr>
+            </a:outerShdw>
+          </a:effectLst>
+        </p:spPr>
+        <p:txBody>
+          <a:bodyPr anchor="t">
+            <a:normAutofit/>
+          </a:bodyPr>
+          <a:lstStyle>
+            <a:lvl1pPr marL="0" indent="0" algn="ctr">
+              <a:buNone/>
+              <a:defRPr sz="1600"/>
+            </a:lvl1pPr>
+            <a:lvl2pPr marL="457200" indent="0">
+              <a:buNone/>
+              <a:defRPr sz="1600"/>
+            </a:lvl2pPr>
+            <a:lvl3pPr marL="914400" indent="0">
+              <a:buNone/>
+              <a:defRPr sz="1600"/>
+            </a:lvl3pPr>
+            <a:lvl4pPr marL="1371600" indent="0">
+              <a:buNone/>
+              <a:defRPr sz="1600"/>
+            </a:lvl4pPr>
+            <a:lvl5pPr marL="1828800" indent="0">
+              <a:buNone/>
+              <a:defRPr sz="1600"/>
+            </a:lvl5pPr>
+            <a:lvl6pPr marL="2286000" indent="0">
+              <a:buNone/>
+              <a:defRPr sz="1600"/>
+            </a:lvl6pPr>
+            <a:lvl7pPr marL="2743200" indent="0">
+              <a:buNone/>
+              <a:defRPr sz="1600"/>
+            </a:lvl7pPr>
+            <a:lvl8pPr marL="3200400" indent="0">
+              <a:buNone/>
+              <a:defRPr sz="1600"/>
+            </a:lvl8pPr>
+            <a:lvl9pPr marL="3657600" indent="0">
+              <a:buNone/>
+              <a:defRPr sz="1600"/>
+            </a:lvl9pPr>
+          </a:lstStyle>
+          <a:p>
+            <a:r>
+              <a:rPr lang="zh-CN" altLang="en-US" smtClean="0"/>
+              <a:t>将图片拖动到占位符，或单击添加图标</a:t>
+            </a:r>
+            <a:endParaRPr lang="en-US" dirty="0"/>
+          </a:p>
+        </p:txBody>
+      </p:sp>
+      <p:sp>
+        <p:nvSpPr>
+          <p:cNvPr id="24" name="Text Placeholder 3"/>
+          <p:cNvSpPr>
+            <a:spLocks noGrp="1"/>
+          </p:cNvSpPr>
+          <p:nvPr>
+            <p:ph type="body" sz="half" idx="19"/>
+          </p:nvPr>
+        </p:nvSpPr>
+        <p:spPr>
+          <a:xfrm>
+            <a:off x="3290858" y="4796102"/>
+            <a:ext cx="2560320" cy="1467537"/>
+          </a:xfrm>
+        </p:spPr>
+        <p:txBody>
+          <a:bodyPr anchor="t">
+            <a:normAutofit/>
+          </a:bodyPr>
+          <a:lstStyle>
+            <a:lvl1pPr marL="0" indent="0">
+              <a:buNone/>
+              <a:defRPr sz="1400"/>
+            </a:lvl1pPr>
+            <a:lvl2pPr marL="457200" indent="0">
+              <a:buNone/>
+              <a:defRPr sz="1200"/>
+            </a:lvl2pPr>
+            <a:lvl3pPr marL="914400" indent="0">
+              <a:buNone/>
+              <a:defRPr sz="1000"/>
+            </a:lvl3pPr>
+            <a:lvl4pPr marL="1371600" indent="0">
+              <a:buNone/>
+              <a:defRPr sz="900"/>
+            </a:lvl4pPr>
+            <a:lvl5pPr marL="1828800" indent="0">
+              <a:buNone/>
+              <a:defRPr sz="900"/>
+            </a:lvl5pPr>
+            <a:lvl6pPr marL="2286000" indent="0">
+              <a:buNone/>
+              <a:defRPr sz="900"/>
+            </a:lvl6pPr>
+            <a:lvl7pPr marL="2743200" indent="0">
+              <a:buNone/>
+              <a:defRPr sz="900"/>
+            </a:lvl7pPr>
+            <a:lvl8pPr marL="3200400" indent="0">
+              <a:buNone/>
+              <a:defRPr sz="900"/>
+            </a:lvl8pPr>
+            <a:lvl9pPr marL="3657600" indent="0">
+              <a:buNone/>
+              <a:defRPr sz="900"/>
+            </a:lvl9pPr>
+          </a:lstStyle>
+          <a:p>
+            <a:pPr lvl="0"/>
+            <a:r>
+              <a:rPr lang="zh-CN" altLang="en-US" smtClean="0"/>
+              <a:t>单击此处编辑母版文本样式</a:t>
+            </a:r>
+          </a:p>
+        </p:txBody>
+      </p:sp>
+      <p:sp>
+        <p:nvSpPr>
+          <p:cNvPr id="25" name="Text Placeholder 4"/>
+          <p:cNvSpPr>
+            <a:spLocks noGrp="1"/>
+          </p:cNvSpPr>
+          <p:nvPr>
+            <p:ph type="body" sz="quarter" idx="13"/>
+          </p:nvPr>
+        </p:nvSpPr>
+        <p:spPr>
+          <a:xfrm>
+            <a:off x="5993365" y="4113340"/>
+            <a:ext cx="2560320" cy="682765"/>
+          </a:xfrm>
+        </p:spPr>
+        <p:txBody>
+          <a:bodyPr anchor="b">
+            <a:noAutofit/>
+          </a:bodyPr>
+          <a:lstStyle>
+            <a:lvl1pPr marL="0" indent="0">
+              <a:buNone/>
+              <a:defRPr sz="2400" b="0">
+                <a:solidFill>
+                  <a:schemeClr val="tx1"/>
+                </a:solidFill>
+              </a:defRPr>
+            </a:lvl1pPr>
+            <a:lvl2pPr marL="457200" indent="0">
+              <a:buNone/>
+              <a:defRPr sz="2000" b="1"/>
+            </a:lvl2pPr>
+            <a:lvl3pPr marL="914400" indent="0">
+              <a:buNone/>
+              <a:defRPr sz="1800" b="1"/>
+            </a:lvl3pPr>
+            <a:lvl4pPr marL="1371600" indent="0">
+              <a:buNone/>
+              <a:defRPr sz="1600" b="1"/>
+            </a:lvl4pPr>
+            <a:lvl5pPr marL="1828800" indent="0">
+              <a:buNone/>
+              <a:defRPr sz="1600" b="1"/>
+            </a:lvl5pPr>
+            <a:lvl6pPr marL="2286000" indent="0">
+              <a:buNone/>
+              <a:defRPr sz="1600" b="1"/>
+            </a:lvl6pPr>
+            <a:lvl7pPr marL="2743200" indent="0">
+              <a:buNone/>
+              <a:defRPr sz="1600" b="1"/>
+            </a:lvl7pPr>
+            <a:lvl8pPr marL="3200400" indent="0">
+              <a:buNone/>
+              <a:defRPr sz="1600" b="1"/>
+            </a:lvl8pPr>
+            <a:lvl9pPr marL="3657600" indent="0">
+              <a:buNone/>
+              <a:defRPr sz="1600" b="1"/>
+            </a:lvl9pPr>
+          </a:lstStyle>
+          <a:p>
+            <a:pPr lvl="0"/>
+            <a:r>
+              <a:rPr lang="zh-CN" altLang="en-US" smtClean="0"/>
+              <a:t>单击此处编辑母版文本样式</a:t>
+            </a:r>
+          </a:p>
+        </p:txBody>
+      </p:sp>
+      <p:sp>
+        <p:nvSpPr>
+          <p:cNvPr id="26" name="Picture Placeholder 2"/>
+          <p:cNvSpPr>
+            <a:spLocks noGrp="1" noChangeAspect="1"/>
+          </p:cNvSpPr>
+          <p:nvPr>
+            <p:ph type="pic" idx="22"/>
+          </p:nvPr>
+        </p:nvSpPr>
+        <p:spPr>
+          <a:xfrm>
+            <a:off x="5993364" y="2331721"/>
+            <a:ext cx="2560320" cy="1508919"/>
+          </a:xfrm>
+          <a:prstGeom prst="roundRect">
+            <a:avLst>
+              <a:gd name="adj" fmla="val 0"/>
+            </a:avLst>
+          </a:prstGeom>
+          <a:effectLst>
+            <a:outerShdw blurRad="50800" dist="50800" dir="5400000" algn="tl" rotWithShape="0">
+              <a:srgbClr val="000000">
+                <a:alpha val="43000"/>
+              </a:srgbClr>
+            </a:outerShdw>
+          </a:effectLst>
+        </p:spPr>
+        <p:txBody>
+          <a:bodyPr anchor="t">
+            <a:normAutofit/>
+          </a:bodyPr>
+          <a:lstStyle>
+            <a:lvl1pPr marL="0" indent="0" algn="ctr">
+              <a:buNone/>
+              <a:defRPr sz="1600"/>
+            </a:lvl1pPr>
+            <a:lvl2pPr marL="457200" indent="0">
+              <a:buNone/>
+              <a:defRPr sz="1600"/>
+            </a:lvl2pPr>
+            <a:lvl3pPr marL="914400" indent="0">
+              <a:buNone/>
+              <a:defRPr sz="1600"/>
+            </a:lvl3pPr>
+            <a:lvl4pPr marL="1371600" indent="0">
+              <a:buNone/>
+              <a:defRPr sz="1600"/>
+            </a:lvl4pPr>
+            <a:lvl5pPr marL="1828800" indent="0">
+              <a:buNone/>
+              <a:defRPr sz="1600"/>
+            </a:lvl5pPr>
+            <a:lvl6pPr marL="2286000" indent="0">
+              <a:buNone/>
+              <a:defRPr sz="1600"/>
+            </a:lvl6pPr>
+            <a:lvl7pPr marL="2743200" indent="0">
+              <a:buNone/>
+              <a:defRPr sz="1600"/>
+            </a:lvl7pPr>
+            <a:lvl8pPr marL="3200400" indent="0">
+              <a:buNone/>
+              <a:defRPr sz="1600"/>
+            </a:lvl8pPr>
+            <a:lvl9pPr marL="3657600" indent="0">
+              <a:buNone/>
+              <a:defRPr sz="1600"/>
+            </a:lvl9pPr>
+          </a:lstStyle>
+          <a:p>
+            <a:r>
+              <a:rPr lang="zh-CN" altLang="en-US" smtClean="0"/>
+              <a:t>将图片拖动到占位符，或单击添加图标</a:t>
+            </a:r>
+            <a:endParaRPr lang="en-US" dirty="0"/>
+          </a:p>
+        </p:txBody>
+      </p:sp>
+      <p:sp>
+        <p:nvSpPr>
+          <p:cNvPr id="27" name="Text Placeholder 3"/>
+          <p:cNvSpPr>
+            <a:spLocks noGrp="1"/>
+          </p:cNvSpPr>
+          <p:nvPr>
+            <p:ph type="body" sz="half" idx="20"/>
+          </p:nvPr>
+        </p:nvSpPr>
+        <p:spPr>
+          <a:xfrm>
+            <a:off x="5993272" y="4796100"/>
+            <a:ext cx="2560320" cy="1467537"/>
+          </a:xfrm>
+        </p:spPr>
+        <p:txBody>
+          <a:bodyPr anchor="t">
+            <a:normAutofit/>
+          </a:bodyPr>
+          <a:lstStyle>
+            <a:lvl1pPr marL="0" indent="0">
+              <a:buNone/>
+              <a:defRPr sz="1400"/>
+            </a:lvl1pPr>
+            <a:lvl2pPr marL="457200" indent="0">
+              <a:buNone/>
+              <a:defRPr sz="1200"/>
+            </a:lvl2pPr>
+            <a:lvl3pPr marL="914400" indent="0">
+              <a:buNone/>
+              <a:defRPr sz="1000"/>
+            </a:lvl3pPr>
+            <a:lvl4pPr marL="1371600" indent="0">
+              <a:buNone/>
+              <a:defRPr sz="900"/>
+            </a:lvl4pPr>
+            <a:lvl5pPr marL="1828800" indent="0">
+              <a:buNone/>
+              <a:defRPr sz="900"/>
+            </a:lvl5pPr>
+            <a:lvl6pPr marL="2286000" indent="0">
+              <a:buNone/>
+              <a:defRPr sz="900"/>
+            </a:lvl6pPr>
+            <a:lvl7pPr marL="2743200" indent="0">
+              <a:buNone/>
+              <a:defRPr sz="900"/>
+            </a:lvl7pPr>
+            <a:lvl8pPr marL="3200400" indent="0">
+              <a:buNone/>
+              <a:defRPr sz="900"/>
+            </a:lvl8pPr>
+            <a:lvl9pPr marL="3657600" indent="0">
+              <a:buNone/>
+              <a:defRPr sz="900"/>
+            </a:lvl9pPr>
+          </a:lstStyle>
+          <a:p>
+            <a:pPr lvl="0"/>
+            <a:r>
+              <a:rPr lang="zh-CN" altLang="en-US" smtClean="0"/>
+              <a:t>单击此处编辑母版文本样式</a:t>
+            </a:r>
+          </a:p>
+        </p:txBody>
+      </p:sp>
+      <p:sp>
+        <p:nvSpPr>
+          <p:cNvPr id="3" name="Date Placeholder 2"/>
+          <p:cNvSpPr>
+            <a:spLocks noGrp="1"/>
+          </p:cNvSpPr>
+          <p:nvPr>
+            <p:ph type="dt" sz="half" idx="10"/>
+          </p:nvPr>
+        </p:nvSpPr>
+        <p:spPr/>
+        <p:txBody>
+          <a:bodyPr/>
+          <a:lstStyle/>
+          <a:p>
+            <a:fld id="{827F7EC9-FA32-8F41-831C-53EF8A8DB099}" type="datetime1">
+              <a:rPr kumimoji="1" lang="zh-CN" altLang="en-US" smtClean="0"/>
+              <a:t>2017/11/21</a:t>
+            </a:fld>
+            <a:endParaRPr kumimoji="1" lang="zh-CN" altLang="en-US"/>
+          </a:p>
+        </p:txBody>
+      </p:sp>
+      <p:sp>
+        <p:nvSpPr>
+          <p:cNvPr id="4" name="Footer Placeholder 3"/>
+          <p:cNvSpPr>
+            <a:spLocks noGrp="1"/>
+          </p:cNvSpPr>
+          <p:nvPr>
+            <p:ph type="ftr" sz="quarter" idx="11"/>
+          </p:nvPr>
+        </p:nvSpPr>
+        <p:spPr/>
+        <p:txBody>
+          <a:bodyPr/>
+          <a:lstStyle/>
+          <a:p>
+            <a:endParaRPr kumimoji="1" lang="zh-CN" altLang="en-US"/>
+          </a:p>
+        </p:txBody>
+      </p:sp>
+      <p:sp>
+        <p:nvSpPr>
+          <p:cNvPr id="5" name="Slide Number Placeholder 4"/>
+          <p:cNvSpPr>
+            <a:spLocks noGrp="1"/>
+          </p:cNvSpPr>
+          <p:nvPr>
+            <p:ph type="sldNum" sz="quarter" idx="12"/>
+          </p:nvPr>
+        </p:nvSpPr>
+        <p:spPr/>
+        <p:txBody>
+          <a:bodyPr/>
+          <a:lstStyle/>
+          <a:p>
+            <a:fld id="{12924E00-6951-2E4A-9B91-938056433B77}" type="slidenum">
+              <a:rPr kumimoji="1" lang="zh-CN" altLang="en-US" smtClean="0"/>
+              <a:t>‹#›</a:t>
+            </a:fld>
+            <a:endParaRPr kumimoji="1" lang="zh-CN" altLang="en-US"/>
+          </a:p>
+        </p:txBody>
+      </p:sp>
+    </p:spTree>
+  </p:cSld>
+  <p:clrMapOvr>
+    <a:masterClrMapping/>
+  </p:clrMapOvr>
+  <p:hf hdr="0" ftr="0"/>
+</p:sldLayout>
+</file>
+
+<file path=ppt/slideLayouts/slideLayout16.xml><?xml version="1.0" encoding="utf-8"?>
 <p:sldLayout xmlns:a="http://schemas.openxmlformats.org/drawingml/2006/main" xmlns:r="http://schemas.openxmlformats.org/officeDocument/2006/relationships" xmlns:p="http://schemas.openxmlformats.org/presentationml/2006/main" type="vertTx" preserve="1">
   <p:cSld name="标题和竖排文本">
     <p:spTree>
@@ -782,7 +3399,12 @@
             <p:ph type="body" orient="vert" idx="1"/>
           </p:nvPr>
         </p:nvSpPr>
-        <p:spPr/>
+        <p:spPr>
+          <a:xfrm>
+            <a:off x="594360" y="2194560"/>
+            <a:ext cx="7955280" cy="4069080"/>
+          </a:xfrm>
+        </p:spPr>
         <p:txBody>
           <a:bodyPr vert="eaVert"/>
           <a:lstStyle/>
@@ -897,8 +3519,8 @@
 </p:sldLayout>
 </file>
 
-<file path=ppt/slideLayouts/slideLayout11.xml><?xml version="1.0" encoding="utf-8"?>
-<p:sldLayout xmlns:a="http://schemas.openxmlformats.org/drawingml/2006/main" xmlns:r="http://schemas.openxmlformats.org/officeDocument/2006/relationships" xmlns:p="http://schemas.openxmlformats.org/presentationml/2006/main" type="vertTitleAndTx" preserve="1">
+<file path=ppt/slideLayouts/slideLayout17.xml><?xml version="1.0" encoding="utf-8"?>
+<p:sldLayout xmlns:a="http://schemas.openxmlformats.org/drawingml/2006/main" xmlns:r="http://schemas.openxmlformats.org/officeDocument/2006/relationships" xmlns:p="http://schemas.openxmlformats.org/presentationml/2006/main" showMasterSp="0" type="vertTitleAndTx" preserve="1">
   <p:cSld name="竖排标题和文本">
     <p:spTree>
       <p:nvGrpSpPr>
@@ -914,6 +3536,36 @@
           <a:chExt cx="0" cy="0"/>
         </a:xfrm>
       </p:grpSpPr>
+      <p:pic>
+        <p:nvPicPr>
+          <p:cNvPr id="9" name="Picture 8" descr="C0-HD-BTM.png"/>
+          <p:cNvPicPr>
+            <a:picLocks noChangeAspect="1"/>
+          </p:cNvPicPr>
+          <p:nvPr/>
+        </p:nvPicPr>
+        <p:blipFill>
+          <a:blip r:embed="rId2">
+            <a:extLst>
+              <a:ext uri="{28A0092B-C50C-407E-A947-70E740481C1C}">
+                <a14:useLocalDpi xmlns:a14="http://schemas.microsoft.com/office/drawing/2010/main" val="0"/>
+              </a:ext>
+            </a:extLst>
+          </a:blip>
+          <a:stretch>
+            <a:fillRect/>
+          </a:stretch>
+        </p:blipFill>
+        <p:spPr>
+          <a:xfrm>
+            <a:off x="0" y="4995862"/>
+            <a:ext cx="9144000" cy="1862138"/>
+          </a:xfrm>
+          <a:prstGeom prst="rect">
+            <a:avLst/>
+          </a:prstGeom>
+        </p:spPr>
+      </p:pic>
       <p:sp>
         <p:nvSpPr>
           <p:cNvPr id="2" name="Vertical Title 1"/>
@@ -926,13 +3578,17 @@
         </p:nvSpPr>
         <p:spPr>
           <a:xfrm>
-            <a:off x="6543675" y="365125"/>
-            <a:ext cx="1971675" cy="5811838"/>
+            <a:off x="7006590" y="747183"/>
+            <a:ext cx="1543050" cy="4248675"/>
           </a:xfrm>
         </p:spPr>
         <p:txBody>
           <a:bodyPr vert="eaVert"/>
-          <a:lstStyle/>
+          <a:lstStyle>
+            <a:lvl1pPr algn="l">
+              <a:defRPr/>
+            </a:lvl1pPr>
+          </a:lstStyle>
           <a:p>
             <a:r>
               <a:rPr lang="zh-CN" altLang="en-US" smtClean="0"/>
@@ -954,8 +3610,8 @@
         </p:nvSpPr>
         <p:spPr>
           <a:xfrm>
-            <a:off x="628650" y="365125"/>
-            <a:ext cx="5800725" cy="5811838"/>
+            <a:off x="594360" y="746126"/>
+            <a:ext cx="6278035" cy="4249732"/>
           </a:xfrm>
         </p:spPr>
         <p:txBody>
@@ -1009,10 +3665,19 @@
             <p:ph type="dt" sz="half" idx="10"/>
           </p:nvPr>
         </p:nvSpPr>
-        <p:spPr/>
-        <p:txBody>
-          <a:bodyPr/>
-          <a:lstStyle/>
+        <p:spPr>
+          <a:xfrm>
+            <a:off x="5562176" y="381001"/>
+            <a:ext cx="2183130" cy="365125"/>
+          </a:xfrm>
+        </p:spPr>
+        <p:txBody>
+          <a:bodyPr/>
+          <a:lstStyle>
+            <a:lvl1pPr algn="r">
+              <a:defRPr/>
+            </a:lvl1pPr>
+          </a:lstStyle>
           <a:p>
             <a:fld id="{89E89219-512D-554F-9003-F40ADF720299}" type="datetime1">
               <a:rPr kumimoji="1" lang="zh-CN" altLang="en-US" smtClean="0"/>
@@ -1032,7 +3697,12 @@
             <p:ph type="ftr" sz="quarter" idx="11"/>
           </p:nvPr>
         </p:nvSpPr>
-        <p:spPr/>
+        <p:spPr>
+          <a:xfrm>
+            <a:off x="594360" y="381001"/>
+            <a:ext cx="4830656" cy="365125"/>
+          </a:xfrm>
+        </p:spPr>
         <p:txBody>
           <a:bodyPr/>
           <a:lstStyle/>
@@ -1051,7 +3721,12 @@
             <p:ph type="sldNum" sz="quarter" idx="12"/>
           </p:nvPr>
         </p:nvSpPr>
-        <p:spPr/>
+        <p:spPr>
+          <a:xfrm>
+            <a:off x="7882466" y="381001"/>
+            <a:ext cx="667174" cy="365125"/>
+          </a:xfrm>
+        </p:spPr>
         <p:txBody>
           <a:bodyPr/>
           <a:lstStyle/>
@@ -1238,7 +3913,7 @@
 </file>
 
 <file path=ppt/slideLayouts/slideLayout3.xml><?xml version="1.0" encoding="utf-8"?>
-<p:sldLayout xmlns:a="http://schemas.openxmlformats.org/drawingml/2006/main" xmlns:r="http://schemas.openxmlformats.org/officeDocument/2006/relationships" xmlns:p="http://schemas.openxmlformats.org/presentationml/2006/main" type="secHead" preserve="1">
+<p:sldLayout xmlns:a="http://schemas.openxmlformats.org/drawingml/2006/main" xmlns:r="http://schemas.openxmlformats.org/officeDocument/2006/relationships" xmlns:p="http://schemas.openxmlformats.org/presentationml/2006/main" showMasterSp="0" type="secHead" preserve="1">
   <p:cSld name="节标题">
     <p:spTree>
       <p:nvGrpSpPr>
@@ -1254,6 +3929,36 @@
           <a:chExt cx="0" cy="0"/>
         </a:xfrm>
       </p:grpSpPr>
+      <p:pic>
+        <p:nvPicPr>
+          <p:cNvPr id="8" name="Picture 7" descr="C0-HD-BTM.png"/>
+          <p:cNvPicPr>
+            <a:picLocks noChangeAspect="1"/>
+          </p:cNvPicPr>
+          <p:nvPr/>
+        </p:nvPicPr>
+        <p:blipFill>
+          <a:blip r:embed="rId2">
+            <a:extLst>
+              <a:ext uri="{28A0092B-C50C-407E-A947-70E740481C1C}">
+                <a14:useLocalDpi xmlns:a14="http://schemas.microsoft.com/office/drawing/2010/main" val="0"/>
+              </a:ext>
+            </a:extLst>
+          </a:blip>
+          <a:stretch>
+            <a:fillRect/>
+          </a:stretch>
+        </p:blipFill>
+        <p:spPr>
+          <a:xfrm>
+            <a:off x="0" y="4995862"/>
+            <a:ext cx="9144000" cy="1862138"/>
+          </a:xfrm>
+          <a:prstGeom prst="rect">
+            <a:avLst/>
+          </a:prstGeom>
+        </p:spPr>
+      </p:pic>
       <p:sp>
         <p:nvSpPr>
           <p:cNvPr id="2" name="Title 1"/>
@@ -1266,15 +3971,17 @@
         </p:nvSpPr>
         <p:spPr>
           <a:xfrm>
-            <a:off x="623888" y="1709739"/>
-            <a:ext cx="7886700" cy="2852737"/>
-          </a:xfrm>
-        </p:spPr>
-        <p:txBody>
-          <a:bodyPr anchor="b"/>
+            <a:off x="594360" y="753534"/>
+            <a:ext cx="7955280" cy="2801935"/>
+          </a:xfrm>
+        </p:spPr>
+        <p:txBody>
+          <a:bodyPr anchor="b">
+            <a:normAutofit/>
+          </a:bodyPr>
           <a:lstStyle>
-            <a:lvl1pPr>
-              <a:defRPr sz="6000"/>
+            <a:lvl1pPr algn="r">
+              <a:defRPr sz="4000"/>
             </a:lvl1pPr>
           </a:lstStyle>
           <a:p>
@@ -1298,18 +4005,22 @@
         </p:nvSpPr>
         <p:spPr>
           <a:xfrm>
-            <a:off x="623888" y="4589464"/>
-            <a:ext cx="7886700" cy="1500187"/>
-          </a:xfrm>
-        </p:spPr>
-        <p:txBody>
-          <a:bodyPr/>
+            <a:off x="594360" y="3641726"/>
+            <a:ext cx="7955281" cy="1354134"/>
+          </a:xfrm>
+        </p:spPr>
+        <p:txBody>
+          <a:bodyPr>
+            <a:normAutofit/>
+          </a:bodyPr>
           <a:lstStyle>
-            <a:lvl1pPr marL="0" indent="0">
-              <a:buNone/>
-              <a:defRPr sz="2400">
+            <a:lvl1pPr marL="0" indent="0" algn="r">
+              <a:buNone/>
+              <a:defRPr sz="2200">
                 <a:solidFill>
-                  <a:schemeClr val="tx1"/>
+                  <a:schemeClr val="tx1">
+                    <a:tint val="75000"/>
+                  </a:schemeClr>
                 </a:solidFill>
               </a:defRPr>
             </a:lvl1pPr>
@@ -1413,10 +4124,19 @@
             <p:ph type="dt" sz="half" idx="10"/>
           </p:nvPr>
         </p:nvSpPr>
-        <p:spPr/>
-        <p:txBody>
-          <a:bodyPr/>
-          <a:lstStyle/>
+        <p:spPr>
+          <a:xfrm>
+            <a:off x="5562176" y="381001"/>
+            <a:ext cx="2183130" cy="365125"/>
+          </a:xfrm>
+        </p:spPr>
+        <p:txBody>
+          <a:bodyPr/>
+          <a:lstStyle>
+            <a:lvl1pPr algn="r">
+              <a:defRPr/>
+            </a:lvl1pPr>
+          </a:lstStyle>
           <a:p>
             <a:fld id="{C12D3BD2-B232-5E48-BF4C-8373DF233EA7}" type="datetime1">
               <a:rPr kumimoji="1" lang="zh-CN" altLang="en-US" smtClean="0"/>
@@ -1436,7 +4156,12 @@
             <p:ph type="ftr" sz="quarter" idx="11"/>
           </p:nvPr>
         </p:nvSpPr>
-        <p:spPr/>
+        <p:spPr>
+          <a:xfrm>
+            <a:off x="594360" y="381001"/>
+            <a:ext cx="4830656" cy="365125"/>
+          </a:xfrm>
+        </p:spPr>
         <p:txBody>
           <a:bodyPr/>
           <a:lstStyle/>
@@ -1455,7 +4180,12 @@
             <p:ph type="sldNum" sz="quarter" idx="12"/>
           </p:nvPr>
         </p:nvSpPr>
-        <p:spPr/>
+        <p:spPr>
+          <a:xfrm>
+            <a:off x="7882466" y="381001"/>
+            <a:ext cx="667173" cy="365125"/>
+          </a:xfrm>
+        </p:spPr>
         <p:txBody>
           <a:bodyPr/>
           <a:lstStyle/>
@@ -1528,8 +4258,8 @@
         </p:nvSpPr>
         <p:spPr>
           <a:xfrm>
-            <a:off x="628650" y="1825625"/>
-            <a:ext cx="3886200" cy="4351338"/>
+            <a:off x="594360" y="2194560"/>
+            <a:ext cx="3910579" cy="4069080"/>
           </a:xfrm>
         </p:spPr>
         <p:txBody>
@@ -1585,8 +4315,8 @@
         </p:nvSpPr>
         <p:spPr>
           <a:xfrm>
-            <a:off x="4629150" y="1825625"/>
-            <a:ext cx="3886200" cy="4351338"/>
+            <a:off x="4642099" y="2194560"/>
+            <a:ext cx="3907540" cy="4069080"/>
           </a:xfrm>
         </p:spPr>
         <p:txBody>
@@ -1700,6 +4430,11 @@
   <p:clrMapOvr>
     <a:masterClrMapping/>
   </p:clrMapOvr>
+  <p:extLst>
+    <p:ext uri="{DCECCB84-F9BA-43D5-87BE-67443E8EF086}">
+      <p15:sldGuideLst xmlns:p15="http://schemas.microsoft.com/office/powerpoint/2012/main"/>
+    </p:ext>
+  </p:extLst>
 </p:sldLayout>
 </file>
 
@@ -1732,8 +4467,8 @@
         </p:nvSpPr>
         <p:spPr>
           <a:xfrm>
-            <a:off x="629841" y="365126"/>
-            <a:ext cx="7886700" cy="1325563"/>
+            <a:off x="2171700" y="762000"/>
+            <a:ext cx="6377940" cy="1295400"/>
           </a:xfrm>
         </p:spPr>
         <p:txBody>
@@ -1760,16 +4495,22 @@
         </p:nvSpPr>
         <p:spPr>
           <a:xfrm>
-            <a:off x="629842" y="1681163"/>
-            <a:ext cx="3868340" cy="823912"/>
-          </a:xfrm>
-        </p:spPr>
-        <p:txBody>
-          <a:bodyPr anchor="b"/>
+            <a:off x="821279" y="2183802"/>
+            <a:ext cx="3683659" cy="823912"/>
+          </a:xfrm>
+        </p:spPr>
+        <p:txBody>
+          <a:bodyPr anchor="b">
+            <a:normAutofit/>
+          </a:bodyPr>
           <a:lstStyle>
             <a:lvl1pPr marL="0" indent="0">
               <a:buNone/>
-              <a:defRPr sz="2400" b="1"/>
+              <a:defRPr sz="2800" b="0">
+                <a:solidFill>
+                  <a:schemeClr val="tx1"/>
+                </a:solidFill>
+              </a:defRPr>
             </a:lvl1pPr>
             <a:lvl2pPr marL="457200" indent="0">
               <a:buNone/>
@@ -1825,8 +4566,8 @@
         </p:nvSpPr>
         <p:spPr>
           <a:xfrm>
-            <a:off x="629842" y="2505075"/>
-            <a:ext cx="3868340" cy="3684588"/>
+            <a:off x="594359" y="3132667"/>
+            <a:ext cx="3910579" cy="3130973"/>
           </a:xfrm>
         </p:spPr>
         <p:txBody>
@@ -1882,16 +4623,22 @@
         </p:nvSpPr>
         <p:spPr>
           <a:xfrm>
-            <a:off x="4629150" y="1681163"/>
-            <a:ext cx="3887391" cy="823912"/>
-          </a:xfrm>
-        </p:spPr>
-        <p:txBody>
-          <a:bodyPr anchor="b"/>
+            <a:off x="4869018" y="2183802"/>
+            <a:ext cx="3680621" cy="823912"/>
+          </a:xfrm>
+        </p:spPr>
+        <p:txBody>
+          <a:bodyPr anchor="b">
+            <a:normAutofit/>
+          </a:bodyPr>
           <a:lstStyle>
             <a:lvl1pPr marL="0" indent="0">
               <a:buNone/>
-              <a:defRPr sz="2400" b="1"/>
+              <a:defRPr sz="2800" b="0">
+                <a:solidFill>
+                  <a:schemeClr val="tx1"/>
+                </a:solidFill>
+              </a:defRPr>
             </a:lvl1pPr>
             <a:lvl2pPr marL="457200" indent="0">
               <a:buNone/>
@@ -1947,8 +4694,8 @@
         </p:nvSpPr>
         <p:spPr>
           <a:xfrm>
-            <a:off x="4629150" y="2505075"/>
-            <a:ext cx="3887391" cy="3684588"/>
+            <a:off x="4642098" y="3132667"/>
+            <a:ext cx="3907541" cy="3130973"/>
           </a:xfrm>
         </p:spPr>
         <p:txBody>
@@ -2062,6 +4809,11 @@
   <p:clrMapOvr>
     <a:masterClrMapping/>
   </p:clrMapOvr>
+  <p:extLst>
+    <p:ext uri="{DCECCB84-F9BA-43D5-87BE-67443E8EF086}">
+      <p15:sldGuideLst xmlns:p15="http://schemas.microsoft.com/office/powerpoint/2012/main"/>
+    </p:ext>
+  </p:extLst>
 </p:sldLayout>
 </file>
 
@@ -2297,14 +5049,14 @@
         </p:nvSpPr>
         <p:spPr>
           <a:xfrm>
-            <a:off x="629841" y="457200"/>
-            <a:ext cx="2949178" cy="1600200"/>
+            <a:off x="594360" y="1524000"/>
+            <a:ext cx="3086100" cy="1600200"/>
           </a:xfrm>
         </p:spPr>
         <p:txBody>
           <a:bodyPr anchor="b"/>
           <a:lstStyle>
-            <a:lvl1pPr>
+            <a:lvl1pPr algn="l">
               <a:defRPr sz="3200"/>
             </a:lvl1pPr>
           </a:lstStyle>
@@ -2329,41 +5081,13 @@
         </p:nvSpPr>
         <p:spPr>
           <a:xfrm>
-            <a:off x="3887391" y="987426"/>
-            <a:ext cx="4629150" cy="4873625"/>
-          </a:xfrm>
-        </p:spPr>
-        <p:txBody>
-          <a:bodyPr/>
-          <a:lstStyle>
-            <a:lvl1pPr>
-              <a:defRPr sz="3200"/>
-            </a:lvl1pPr>
-            <a:lvl2pPr>
-              <a:defRPr sz="2800"/>
-            </a:lvl2pPr>
-            <a:lvl3pPr>
-              <a:defRPr sz="2400"/>
-            </a:lvl3pPr>
-            <a:lvl4pPr>
-              <a:defRPr sz="2000"/>
-            </a:lvl4pPr>
-            <a:lvl5pPr>
-              <a:defRPr sz="2000"/>
-            </a:lvl5pPr>
-            <a:lvl6pPr>
-              <a:defRPr sz="2000"/>
-            </a:lvl6pPr>
-            <a:lvl7pPr>
-              <a:defRPr sz="2000"/>
-            </a:lvl7pPr>
-            <a:lvl8pPr>
-              <a:defRPr sz="2000"/>
-            </a:lvl8pPr>
-            <a:lvl9pPr>
-              <a:defRPr sz="2000"/>
-            </a:lvl9pPr>
-          </a:lstStyle>
+            <a:off x="3886200" y="746760"/>
+            <a:ext cx="4663440" cy="5516880"/>
+          </a:xfrm>
+        </p:spPr>
+        <p:txBody>
+          <a:bodyPr anchor="ctr"/>
+          <a:lstStyle/>
           <a:p>
             <a:pPr lvl="0"/>
             <a:r>
@@ -2414,8 +5138,8 @@
         </p:nvSpPr>
         <p:spPr>
           <a:xfrm>
-            <a:off x="629841" y="2057400"/>
-            <a:ext cx="2949178" cy="3811588"/>
+            <a:off x="594360" y="3124200"/>
+            <a:ext cx="3086100" cy="3139440"/>
           </a:xfrm>
         </p:spPr>
         <p:txBody>
@@ -2537,6 +5261,11 @@
   <p:clrMapOvr>
     <a:masterClrMapping/>
   </p:clrMapOvr>
+  <p:extLst>
+    <p:ext uri="{DCECCB84-F9BA-43D5-87BE-67443E8EF086}">
+      <p15:sldGuideLst xmlns:p15="http://schemas.microsoft.com/office/powerpoint/2012/main"/>
+    </p:ext>
+  </p:extLst>
 </p:sldLayout>
 </file>
 
@@ -2569,14 +5298,14 @@
         </p:nvSpPr>
         <p:spPr>
           <a:xfrm>
-            <a:off x="629841" y="457200"/>
-            <a:ext cx="2949178" cy="1600200"/>
+            <a:off x="594360" y="1524000"/>
+            <a:ext cx="4075730" cy="1600200"/>
           </a:xfrm>
         </p:spPr>
         <p:txBody>
           <a:bodyPr anchor="b"/>
           <a:lstStyle>
-            <a:lvl1pPr>
+            <a:lvl1pPr algn="l">
               <a:defRPr sz="3200"/>
             </a:lvl1pPr>
           </a:lstStyle>
@@ -2601,8 +5330,8 @@
         </p:nvSpPr>
         <p:spPr>
           <a:xfrm>
-            <a:off x="3887391" y="987426"/>
-            <a:ext cx="4629150" cy="4873625"/>
+            <a:off x="4877524" y="751242"/>
+            <a:ext cx="3674234" cy="5512398"/>
           </a:xfrm>
         </p:spPr>
         <p:txBody>
@@ -2666,8 +5395,8 @@
         </p:nvSpPr>
         <p:spPr>
           <a:xfrm>
-            <a:off x="629841" y="2057400"/>
-            <a:ext cx="2949178" cy="3811588"/>
+            <a:off x="594360" y="3124200"/>
+            <a:ext cx="4075730" cy="3139440"/>
           </a:xfrm>
         </p:spPr>
         <p:txBody>
@@ -2757,7 +5486,12 @@
           <a:bodyPr/>
           <a:lstStyle/>
           <a:p>
-            <a:endParaRPr kumimoji="1" lang="zh-CN" altLang="en-US"/>
+            <a:r>
+              <a:rPr lang="en-US" smtClean="0"/>
+              <a:t>
+              </a:t>
+            </a:r>
+            <a:endParaRPr lang="en-US" dirty="0"/>
           </a:p>
         </p:txBody>
       </p:sp>
@@ -2814,25 +5548,55 @@
           <a:chExt cx="0" cy="0"/>
         </a:xfrm>
       </p:grpSpPr>
-      <p:sp>
-        <p:nvSpPr>
-          <p:cNvPr id="2" name="Title Placeholder 1"/>
-          <p:cNvSpPr>
-            <a:spLocks noGrp="1"/>
-          </p:cNvSpPr>
-          <p:nvPr>
-            <p:ph type="title"/>
-          </p:nvPr>
-        </p:nvSpPr>
-        <p:spPr>
-          <a:xfrm>
-            <a:off x="628650" y="365126"/>
-            <a:ext cx="7886700" cy="1325563"/>
+      <p:pic>
+        <p:nvPicPr>
+          <p:cNvPr id="7" name="Picture 6" descr="C0-HD-TOP.png"/>
+          <p:cNvPicPr>
+            <a:picLocks noChangeAspect="1"/>
+          </p:cNvPicPr>
+          <p:nvPr/>
+        </p:nvPicPr>
+        <p:blipFill>
+          <a:blip r:embed="rId19">
+            <a:extLst>
+              <a:ext uri="{28A0092B-C50C-407E-A947-70E740481C1C}">
+                <a14:useLocalDpi xmlns:a14="http://schemas.microsoft.com/office/drawing/2010/main" val="0"/>
+              </a:ext>
+            </a:extLst>
+          </a:blip>
+          <a:stretch>
+            <a:fillRect/>
+          </a:stretch>
+        </p:blipFill>
+        <p:spPr>
+          <a:xfrm>
+            <a:off x="0" y="0"/>
+            <a:ext cx="9144000" cy="1081088"/>
           </a:xfrm>
           <a:prstGeom prst="rect">
             <a:avLst/>
           </a:prstGeom>
         </p:spPr>
+      </p:pic>
+      <p:sp>
+        <p:nvSpPr>
+          <p:cNvPr id="2" name="Title Placeholder 1"/>
+          <p:cNvSpPr>
+            <a:spLocks noGrp="1"/>
+          </p:cNvSpPr>
+          <p:nvPr>
+            <p:ph type="title"/>
+          </p:nvPr>
+        </p:nvSpPr>
+        <p:spPr>
+          <a:xfrm>
+            <a:off x="2171700" y="764373"/>
+            <a:ext cx="6377940" cy="1293028"/>
+          </a:xfrm>
+          <a:prstGeom prst="rect">
+            <a:avLst/>
+          </a:prstGeom>
+        </p:spPr>
         <p:txBody>
           <a:bodyPr vert="horz" lIns="91440" tIns="45720" rIns="91440" bIns="45720" rtlCol="0" anchor="ctr">
             <a:normAutofit/>
@@ -2859,8 +5623,8 @@
         </p:nvSpPr>
         <p:spPr>
           <a:xfrm>
-            <a:off x="628650" y="1825625"/>
-            <a:ext cx="7886700" cy="4351338"/>
+            <a:off x="594360" y="2194560"/>
+            <a:ext cx="7955280" cy="4069080"/>
           </a:xfrm>
           <a:prstGeom prst="rect">
             <a:avLst/>
@@ -2921,8 +5685,8 @@
         </p:nvSpPr>
         <p:spPr>
           <a:xfrm>
-            <a:off x="628650" y="6356351"/>
-            <a:ext cx="2057400" cy="365125"/>
+            <a:off x="6412230" y="6356351"/>
+            <a:ext cx="2137410" cy="365125"/>
           </a:xfrm>
           <a:prstGeom prst="rect">
             <a:avLst/>
@@ -2931,8 +5695,8 @@
         <p:txBody>
           <a:bodyPr vert="horz" lIns="91440" tIns="45720" rIns="91440" bIns="45720" rtlCol="0" anchor="ctr"/>
           <a:lstStyle>
-            <a:lvl1pPr algn="l">
-              <a:defRPr sz="1200">
+            <a:lvl1pPr algn="r">
+              <a:defRPr sz="1050">
                 <a:solidFill>
                   <a:schemeClr val="tx1">
                     <a:tint val="75000"/>
@@ -2962,8 +5726,8 @@
         </p:nvSpPr>
         <p:spPr>
           <a:xfrm>
-            <a:off x="3028950" y="6356351"/>
-            <a:ext cx="3086100" cy="365125"/>
+            <a:off x="594360" y="6355846"/>
+            <a:ext cx="5680710" cy="365125"/>
           </a:xfrm>
           <a:prstGeom prst="rect">
             <a:avLst/>
@@ -2972,8 +5736,8 @@
         <p:txBody>
           <a:bodyPr vert="horz" lIns="91440" tIns="45720" rIns="91440" bIns="45720" rtlCol="0" anchor="ctr"/>
           <a:lstStyle>
-            <a:lvl1pPr algn="ctr">
-              <a:defRPr sz="1200">
+            <a:lvl1pPr algn="l">
+              <a:defRPr sz="1050">
                 <a:solidFill>
                   <a:schemeClr val="tx1">
                     <a:tint val="75000"/>
@@ -2999,8 +5763,8 @@
         </p:nvSpPr>
         <p:spPr>
           <a:xfrm>
-            <a:off x="6457950" y="6356351"/>
-            <a:ext cx="2057400" cy="365125"/>
+            <a:off x="6572250" y="381001"/>
+            <a:ext cx="1977390" cy="365125"/>
           </a:xfrm>
           <a:prstGeom prst="rect">
             <a:avLst/>
@@ -3010,7 +5774,7 @@
           <a:bodyPr vert="horz" lIns="91440" tIns="45720" rIns="91440" bIns="45720" rtlCol="0" anchor="ctr"/>
           <a:lstStyle>
             <a:lvl1pPr algn="r">
-              <a:defRPr sz="1200">
+              <a:defRPr sz="1050">
                 <a:solidFill>
                   <a:schemeClr val="tx1">
                     <a:tint val="75000"/>
@@ -3031,28 +5795,34 @@
     </p:spTree>
     <p:extLst>
       <p:ext uri="{BB962C8B-B14F-4D97-AF65-F5344CB8AC3E}">
-        <p14:creationId xmlns:p14="http://schemas.microsoft.com/office/powerpoint/2010/main" val="1106662445"/>
+        <p14:creationId xmlns:p14="http://schemas.microsoft.com/office/powerpoint/2010/main" val="1518180590"/>
       </p:ext>
     </p:extLst>
   </p:cSld>
-  <p:clrMap bg1="lt1" tx1="dk1" bg2="lt2" tx2="dk2" accent1="accent1" accent2="accent2" accent3="accent3" accent4="accent4" accent5="accent5" accent6="accent6" hlink="hlink" folHlink="folHlink"/>
+  <p:clrMap bg1="dk1" tx1="lt1" bg2="dk2" tx2="lt2" accent1="accent1" accent2="accent2" accent3="accent3" accent4="accent4" accent5="accent5" accent6="accent6" hlink="hlink" folHlink="folHlink"/>
   <p:sldLayoutIdLst>
-    <p:sldLayoutId id="2147483661" r:id="rId1"/>
-    <p:sldLayoutId id="2147483662" r:id="rId2"/>
-    <p:sldLayoutId id="2147483663" r:id="rId3"/>
-    <p:sldLayoutId id="2147483664" r:id="rId4"/>
-    <p:sldLayoutId id="2147483665" r:id="rId5"/>
-    <p:sldLayoutId id="2147483666" r:id="rId6"/>
-    <p:sldLayoutId id="2147483667" r:id="rId7"/>
-    <p:sldLayoutId id="2147483668" r:id="rId8"/>
-    <p:sldLayoutId id="2147483669" r:id="rId9"/>
-    <p:sldLayoutId id="2147483670" r:id="rId10"/>
-    <p:sldLayoutId id="2147483671" r:id="rId11"/>
+    <p:sldLayoutId id="2147483882" r:id="rId1"/>
+    <p:sldLayoutId id="2147483883" r:id="rId2"/>
+    <p:sldLayoutId id="2147483884" r:id="rId3"/>
+    <p:sldLayoutId id="2147483885" r:id="rId4"/>
+    <p:sldLayoutId id="2147483886" r:id="rId5"/>
+    <p:sldLayoutId id="2147483887" r:id="rId6"/>
+    <p:sldLayoutId id="2147483888" r:id="rId7"/>
+    <p:sldLayoutId id="2147483889" r:id="rId8"/>
+    <p:sldLayoutId id="2147483890" r:id="rId9"/>
+    <p:sldLayoutId id="2147483891" r:id="rId10"/>
+    <p:sldLayoutId id="2147483892" r:id="rId11"/>
+    <p:sldLayoutId id="2147483893" r:id="rId12"/>
+    <p:sldLayoutId id="2147483894" r:id="rId13"/>
+    <p:sldLayoutId id="2147483895" r:id="rId14"/>
+    <p:sldLayoutId id="2147483896" r:id="rId15"/>
+    <p:sldLayoutId id="2147483897" r:id="rId16"/>
+    <p:sldLayoutId id="2147483898" r:id="rId17"/>
   </p:sldLayoutIdLst>
   <p:hf hdr="0" ftr="0"/>
   <p:txStyles>
     <p:titleStyle>
-      <a:lvl1pPr algn="l" defTabSz="914400" rtl="0" eaLnBrk="1" latinLnBrk="0" hangingPunct="1">
+      <a:lvl1pPr algn="r" defTabSz="914400" rtl="0" eaLnBrk="1" latinLnBrk="0" hangingPunct="1">
         <a:lnSpc>
           <a:spcPct val="90000"/>
         </a:lnSpc>
@@ -3060,7 +5830,7 @@
           <a:spcPct val="0"/>
         </a:spcBef>
         <a:buNone/>
-        <a:defRPr sz="4400" kern="1200">
+        <a:defRPr sz="4000" kern="1200" cap="all" baseline="0">
           <a:solidFill>
             <a:schemeClr val="tx1"/>
           </a:solidFill>
@@ -3080,7 +5850,7 @@
         </a:spcBef>
         <a:buFont typeface="Arial" panose="020B0604020202020204" pitchFamily="34" charset="0"/>
         <a:buChar char="•"/>
-        <a:defRPr sz="2800" kern="1200">
+        <a:defRPr sz="2200" kern="1200">
           <a:solidFill>
             <a:schemeClr val="tx1"/>
           </a:solidFill>
@@ -3098,7 +5868,7 @@
         </a:spcBef>
         <a:buFont typeface="Arial" panose="020B0604020202020204" pitchFamily="34" charset="0"/>
         <a:buChar char="•"/>
-        <a:defRPr sz="2400" kern="1200">
+        <a:defRPr sz="2000" kern="1200">
           <a:solidFill>
             <a:schemeClr val="tx1"/>
           </a:solidFill>
@@ -3116,7 +5886,7 @@
         </a:spcBef>
         <a:buFont typeface="Arial" panose="020B0604020202020204" pitchFamily="34" charset="0"/>
         <a:buChar char="•"/>
-        <a:defRPr sz="2000" kern="1200">
+        <a:defRPr sz="1800" kern="1200">
           <a:solidFill>
             <a:schemeClr val="tx1"/>
           </a:solidFill>
@@ -3134,7 +5904,7 @@
         </a:spcBef>
         <a:buFont typeface="Arial" panose="020B0604020202020204" pitchFamily="34" charset="0"/>
         <a:buChar char="•"/>
-        <a:defRPr sz="1800" kern="1200">
+        <a:defRPr sz="1600" kern="1200">
           <a:solidFill>
             <a:schemeClr val="tx1"/>
           </a:solidFill>
@@ -3152,7 +5922,7 @@
         </a:spcBef>
         <a:buFont typeface="Arial" panose="020B0604020202020204" pitchFamily="34" charset="0"/>
         <a:buChar char="•"/>
-        <a:defRPr sz="1800" kern="1200">
+        <a:defRPr sz="1600" kern="1200">
           <a:solidFill>
             <a:schemeClr val="tx1"/>
           </a:solidFill>
@@ -3170,7 +5940,7 @@
         </a:spcBef>
         <a:buFont typeface="Arial" panose="020B0604020202020204" pitchFamily="34" charset="0"/>
         <a:buChar char="•"/>
-        <a:defRPr sz="1800" kern="1200">
+        <a:defRPr sz="1600" kern="1200">
           <a:solidFill>
             <a:schemeClr val="tx1"/>
           </a:solidFill>
@@ -3188,7 +5958,7 @@
         </a:spcBef>
         <a:buFont typeface="Arial" panose="020B0604020202020204" pitchFamily="34" charset="0"/>
         <a:buChar char="•"/>
-        <a:defRPr sz="1800" kern="1200">
+        <a:defRPr sz="1600" kern="1200">
           <a:solidFill>
             <a:schemeClr val="tx1"/>
           </a:solidFill>
@@ -3206,7 +5976,7 @@
         </a:spcBef>
         <a:buFont typeface="Arial" panose="020B0604020202020204" pitchFamily="34" charset="0"/>
         <a:buChar char="•"/>
-        <a:defRPr sz="1800" kern="1200">
+        <a:defRPr sz="1600" kern="1200">
           <a:solidFill>
             <a:schemeClr val="tx1"/>
           </a:solidFill>
@@ -3224,7 +5994,7 @@
         </a:spcBef>
         <a:buFont typeface="Arial" panose="020B0604020202020204" pitchFamily="34" charset="0"/>
         <a:buChar char="•"/>
-        <a:defRPr sz="1800" kern="1200">
+        <a:defRPr sz="1600" kern="1200">
           <a:solidFill>
             <a:schemeClr val="tx1"/>
           </a:solidFill>
@@ -3330,6 +6100,11 @@
       </a:lvl9pPr>
     </p:otherStyle>
   </p:txStyles>
+  <p:extLst>
+    <p:ext uri="{27BBF7A9-308A-43DC-89C8-2F10F3537804}">
+      <p15:sldGuideLst xmlns:p15="http://schemas.microsoft.com/office/powerpoint/2012/main"/>
+    </p:ext>
+  </p:extLst>
 </p:sldMaster>
 </file>
 
@@ -3367,14 +6142,11 @@
           <a:p>
             <a:r>
               <a:rPr kumimoji="1" lang="en-US" altLang="zh-CN" dirty="0" smtClean="0"/>
-              <a:t>Introduction to</a:t>
-            </a:r>
-            <a:br>
-              <a:rPr kumimoji="1" lang="en-US" altLang="zh-CN" dirty="0" smtClean="0"/>
-            </a:br>
-            <a:r>
-              <a:rPr kumimoji="1" lang="en-US" altLang="zh-CN" dirty="0" smtClean="0"/>
-              <a:t>Python Programming</a:t>
+              <a:t>Python</a:t>
+            </a:r>
+            <a:r>
+              <a:rPr kumimoji="1" lang="zh-CN" altLang="en-US" dirty="0" smtClean="0"/>
+              <a:t>编程入门</a:t>
             </a:r>
             <a:endParaRPr kumimoji="1" lang="zh-CN" altLang="en-US" dirty="0"/>
           </a:p>
@@ -3390,20 +6162,27 @@
             <p:ph type="subTitle" idx="1"/>
           </p:nvPr>
         </p:nvSpPr>
-        <p:spPr/>
-        <p:txBody>
-          <a:bodyPr/>
-          <a:lstStyle/>
-          <a:p>
-            <a:r>
-              <a:rPr kumimoji="1" lang="en-US" altLang="zh-CN" dirty="0" smtClean="0"/>
+        <p:spPr>
+          <a:xfrm>
+            <a:off x="1143000" y="4327595"/>
+            <a:ext cx="6858000" cy="1655762"/>
+          </a:xfrm>
+        </p:spPr>
+        <p:txBody>
+          <a:bodyPr>
+            <a:normAutofit/>
+          </a:bodyPr>
+          <a:lstStyle/>
+          <a:p>
+            <a:r>
+              <a:rPr kumimoji="1" lang="en-US" altLang="zh-CN" sz="4800" dirty="0" smtClean="0"/>
               <a:t>Min </a:t>
             </a:r>
             <a:r>
-              <a:rPr kumimoji="1" lang="en-US" altLang="zh-CN" dirty="0" err="1" smtClean="0"/>
+              <a:rPr kumimoji="1" lang="en-US" altLang="zh-CN" sz="4800" dirty="0" err="1" smtClean="0"/>
               <a:t>Cai</a:t>
             </a:r>
-            <a:endParaRPr kumimoji="1" lang="zh-CN" altLang="en-US" dirty="0"/>
+            <a:endParaRPr kumimoji="1" lang="zh-CN" altLang="en-US" sz="4800" dirty="0"/>
           </a:p>
         </p:txBody>
       </p:sp>
@@ -3639,9 +6418,9 @@
 </file>
 
 <file path=ppt/theme/theme1.xml><?xml version="1.0" encoding="utf-8"?>
-<a:theme xmlns:a="http://schemas.openxmlformats.org/drawingml/2006/main" name="Office 主题">
+<a:theme xmlns:a="http://schemas.openxmlformats.org/drawingml/2006/main" name="水汽尾迹">
   <a:themeElements>
-    <a:clrScheme name="Office 主题">
+    <a:clrScheme name="水汽尾迹">
       <a:dk1>
         <a:sysClr val="windowText" lastClr="000000"/>
       </a:dk1>
@@ -3649,44 +6428,44 @@
         <a:sysClr val="window" lastClr="FFFFFF"/>
       </a:lt1>
       <a:dk2>
-        <a:srgbClr val="44546A"/>
+        <a:srgbClr val="454545"/>
       </a:dk2>
       <a:lt2>
-        <a:srgbClr val="E7E6E6"/>
+        <a:srgbClr val="DADADA"/>
       </a:lt2>
       <a:accent1>
-        <a:srgbClr val="4472C4"/>
+        <a:srgbClr val="DF2E28"/>
       </a:accent1>
       <a:accent2>
-        <a:srgbClr val="ED7D31"/>
+        <a:srgbClr val="FE801A"/>
       </a:accent2>
       <a:accent3>
-        <a:srgbClr val="A5A5A5"/>
+        <a:srgbClr val="E9BF35"/>
       </a:accent3>
       <a:accent4>
-        <a:srgbClr val="FFC000"/>
+        <a:srgbClr val="81BB42"/>
       </a:accent4>
       <a:accent5>
-        <a:srgbClr val="5B9BD5"/>
+        <a:srgbClr val="32C7A9"/>
       </a:accent5>
       <a:accent6>
-        <a:srgbClr val="70AD47"/>
+        <a:srgbClr val="4A9BDC"/>
       </a:accent6>
       <a:hlink>
-        <a:srgbClr val="0563C1"/>
+        <a:srgbClr val="F0532B"/>
       </a:hlink>
       <a:folHlink>
-        <a:srgbClr val="954F72"/>
+        <a:srgbClr val="F38B53"/>
       </a:folHlink>
     </a:clrScheme>
-    <a:fontScheme name="Office 主题">
+    <a:fontScheme name="水汽尾迹">
       <a:majorFont>
-        <a:latin typeface="Calibri Light" panose="020F0302020204030204"/>
+        <a:latin typeface="Century Gothic" panose="020B0502020202020204"/>
         <a:ea typeface=""/>
         <a:cs typeface=""/>
-        <a:font script="Jpan" typeface="游ゴシック Light"/>
+        <a:font script="Jpan" typeface="ＭＳ Ｐゴシック"/>
         <a:font script="Hang" typeface="맑은 고딕"/>
-        <a:font script="Hans" typeface="等线 Light"/>
+        <a:font script="Hans" typeface="宋体"/>
         <a:font script="Hant" typeface="新細明體"/>
         <a:font script="Arab" typeface="Times New Roman"/>
         <a:font script="Hebr" typeface="Times New Roman"/>
@@ -3716,12 +6495,12 @@
         <a:font script="Geor" typeface="Sylfaen"/>
       </a:majorFont>
       <a:minorFont>
-        <a:latin typeface="Calibri" panose="020F0502020204030204"/>
+        <a:latin typeface="Century Gothic" panose="020B0502020202020204"/>
         <a:ea typeface=""/>
         <a:cs typeface=""/>
-        <a:font script="Jpan" typeface="游ゴシック"/>
+        <a:font script="Jpan" typeface="ＭＳ Ｐゴシック"/>
         <a:font script="Hang" typeface="맑은 고딕"/>
-        <a:font script="Hans" typeface="等线"/>
+        <a:font script="Hans" typeface="宋体"/>
         <a:font script="Hant" typeface="新細明體"/>
         <a:font script="Arab" typeface="Arial"/>
         <a:font script="Hebr" typeface="Arial"/>
@@ -3751,7 +6530,7 @@
         <a:font script="Geor" typeface="Sylfaen"/>
       </a:minorFont>
     </a:fontScheme>
-    <a:fmtScheme name="Office 主题">
+    <a:fmtScheme name="水汽尾迹">
       <a:fillStyleLst>
         <a:solidFill>
           <a:schemeClr val="phClr"/>
@@ -3760,23 +6539,24 @@
           <a:gsLst>
             <a:gs pos="0">
               <a:schemeClr val="phClr">
+                <a:tint val="69000"/>
+                <a:alpha val="100000"/>
+                <a:satMod val="109000"/>
                 <a:lumMod val="110000"/>
-                <a:satMod val="105000"/>
-                <a:tint val="67000"/>
               </a:schemeClr>
             </a:gs>
-            <a:gs pos="50000">
+            <a:gs pos="52000">
               <a:schemeClr val="phClr">
-                <a:lumMod val="105000"/>
-                <a:satMod val="103000"/>
-                <a:tint val="73000"/>
+                <a:tint val="74000"/>
+                <a:satMod val="100000"/>
+                <a:lumMod val="104000"/>
               </a:schemeClr>
             </a:gs>
             <a:gs pos="100000">
               <a:schemeClr val="phClr">
-                <a:lumMod val="105000"/>
-                <a:satMod val="109000"/>
-                <a:tint val="81000"/>
+                <a:tint val="78000"/>
+                <a:satMod val="100000"/>
+                <a:lumMod val="100000"/>
               </a:schemeClr>
             </a:gs>
           </a:gsLst>
@@ -3786,23 +6566,16 @@
           <a:gsLst>
             <a:gs pos="0">
               <a:schemeClr val="phClr">
-                <a:satMod val="103000"/>
-                <a:lumMod val="102000"/>
-                <a:tint val="94000"/>
+                <a:tint val="96000"/>
+                <a:satMod val="100000"/>
+                <a:lumMod val="104000"/>
               </a:schemeClr>
             </a:gs>
-            <a:gs pos="50000">
+            <a:gs pos="78000">
               <a:schemeClr val="phClr">
+                <a:shade val="100000"/>
                 <a:satMod val="110000"/>
                 <a:lumMod val="100000"/>
-                <a:shade val="100000"/>
-              </a:schemeClr>
-            </a:gs>
-            <a:gs pos="100000">
-              <a:schemeClr val="phClr">
-                <a:lumMod val="99000"/>
-                <a:satMod val="120000"/>
-                <a:shade val="78000"/>
               </a:schemeClr>
             </a:gs>
           </a:gsLst>
@@ -3810,26 +6583,23 @@
         </a:gradFill>
       </a:fillStyleLst>
       <a:lnStyleLst>
-        <a:ln w="6350" cap="flat" cmpd="sng" algn="ctr">
+        <a:ln w="9525" cap="flat" cmpd="sng" algn="ctr">
           <a:solidFill>
             <a:schemeClr val="phClr"/>
           </a:solidFill>
           <a:prstDash val="solid"/>
-          <a:miter lim="800000"/>
         </a:ln>
         <a:ln w="12700" cap="flat" cmpd="sng" algn="ctr">
           <a:solidFill>
             <a:schemeClr val="phClr"/>
           </a:solidFill>
           <a:prstDash val="solid"/>
-          <a:miter lim="800000"/>
         </a:ln>
         <a:ln w="19050" cap="flat" cmpd="sng" algn="ctr">
           <a:solidFill>
             <a:schemeClr val="phClr"/>
           </a:solidFill>
           <a:prstDash val="solid"/>
-          <a:miter lim="800000"/>
         </a:ln>
       </a:lnStyleLst>
       <a:effectStyleLst>
@@ -3838,15 +6608,33 @@
         </a:effectStyle>
         <a:effectStyle>
           <a:effectLst/>
+          <a:scene3d>
+            <a:camera prst="orthographicFront">
+              <a:rot lat="0" lon="0" rev="0"/>
+            </a:camera>
+            <a:lightRig rig="threePt" dir="t"/>
+          </a:scene3d>
+          <a:sp3d>
+            <a:bevelT w="25400" h="12700"/>
+          </a:sp3d>
         </a:effectStyle>
         <a:effectStyle>
           <a:effectLst>
             <a:outerShdw blurRad="57150" dist="19050" dir="5400000" algn="ctr" rotWithShape="0">
               <a:srgbClr val="000000">
-                <a:alpha val="63000"/>
+                <a:alpha val="48000"/>
               </a:srgbClr>
             </a:outerShdw>
           </a:effectLst>
+          <a:scene3d>
+            <a:camera prst="orthographicFront">
+              <a:rot lat="0" lon="0" rev="0"/>
+            </a:camera>
+            <a:lightRig rig="threePt" dir="t"/>
+          </a:scene3d>
+          <a:sp3d>
+            <a:bevelT w="50800" h="25400"/>
+          </a:sp3d>
         </a:effectStyle>
       </a:effectStyleLst>
       <a:bgFillStyleLst>
@@ -3864,16 +6652,16 @@
             <a:gs pos="0">
               <a:schemeClr val="phClr">
                 <a:tint val="93000"/>
+                <a:shade val="98000"/>
                 <a:satMod val="150000"/>
-                <a:shade val="98000"/>
                 <a:lumMod val="102000"/>
               </a:schemeClr>
             </a:gs>
             <a:gs pos="50000">
               <a:schemeClr val="phClr">
                 <a:tint val="98000"/>
+                <a:shade val="90000"/>
                 <a:satMod val="130000"/>
-                <a:shade val="90000"/>
                 <a:lumMod val="103000"/>
               </a:schemeClr>
             </a:gs>
@@ -3893,7 +6681,7 @@
   <a:extraClrSchemeLst/>
   <a:extLst>
     <a:ext uri="{05A4C25C-085E-4340-85A3-A5531E510DB2}">
-      <thm15:themeFamily xmlns:thm15="http://schemas.microsoft.com/office/thememl/2012/main" name="Office Theme" id="{62F939B6-93AF-4DB8-9C6B-D6C7DFDC589F}" vid="{4A3C46E8-61CC-4603-A589-7422A47A8E4A}"/>
+      <thm15:themeFamily xmlns:thm15="http://schemas.microsoft.com/office/thememl/2012/main" name="Vapor Trail" id="{4FDF2955-7D9C-493C-B9F9-C205151B46CD}" vid="{8F31A783-2159-4870-BC29-2BA7D038EA44}"/>
     </a:ext>
   </a:extLst>
 </a:theme>

--- a/intro_python_programming.pptx
+++ b/intro_python_programming.pptx
@@ -5,7 +5,7 @@
     <p:sldMasterId id="2147484112" r:id="rId1"/>
   </p:sldMasterIdLst>
   <p:notesMasterIdLst>
-    <p:notesMasterId r:id="rId39"/>
+    <p:notesMasterId r:id="rId40"/>
   </p:notesMasterIdLst>
   <p:sldIdLst>
     <p:sldId id="256" r:id="rId2"/>
@@ -26,25 +26,26 @@
     <p:sldId id="287" r:id="rId17"/>
     <p:sldId id="269" r:id="rId18"/>
     <p:sldId id="284" r:id="rId19"/>
-    <p:sldId id="285" r:id="rId20"/>
-    <p:sldId id="286" r:id="rId21"/>
-    <p:sldId id="270" r:id="rId22"/>
-    <p:sldId id="271" r:id="rId23"/>
-    <p:sldId id="272" r:id="rId24"/>
-    <p:sldId id="273" r:id="rId25"/>
-    <p:sldId id="274" r:id="rId26"/>
-    <p:sldId id="275" r:id="rId27"/>
-    <p:sldId id="276" r:id="rId28"/>
-    <p:sldId id="277" r:id="rId29"/>
-    <p:sldId id="278" r:id="rId30"/>
-    <p:sldId id="297" r:id="rId31"/>
-    <p:sldId id="280" r:id="rId32"/>
-    <p:sldId id="281" r:id="rId33"/>
-    <p:sldId id="282" r:id="rId34"/>
-    <p:sldId id="283" r:id="rId35"/>
-    <p:sldId id="298" r:id="rId36"/>
-    <p:sldId id="299" r:id="rId37"/>
-    <p:sldId id="288" r:id="rId38"/>
+    <p:sldId id="300" r:id="rId20"/>
+    <p:sldId id="285" r:id="rId21"/>
+    <p:sldId id="286" r:id="rId22"/>
+    <p:sldId id="270" r:id="rId23"/>
+    <p:sldId id="271" r:id="rId24"/>
+    <p:sldId id="272" r:id="rId25"/>
+    <p:sldId id="273" r:id="rId26"/>
+    <p:sldId id="274" r:id="rId27"/>
+    <p:sldId id="275" r:id="rId28"/>
+    <p:sldId id="276" r:id="rId29"/>
+    <p:sldId id="277" r:id="rId30"/>
+    <p:sldId id="278" r:id="rId31"/>
+    <p:sldId id="297" r:id="rId32"/>
+    <p:sldId id="280" r:id="rId33"/>
+    <p:sldId id="281" r:id="rId34"/>
+    <p:sldId id="282" r:id="rId35"/>
+    <p:sldId id="283" r:id="rId36"/>
+    <p:sldId id="298" r:id="rId37"/>
+    <p:sldId id="299" r:id="rId38"/>
+    <p:sldId id="288" r:id="rId39"/>
   </p:sldIdLst>
   <p:sldSz cx="9144000" cy="6858000" type="screen4x3"/>
   <p:notesSz cx="6858000" cy="9144000"/>
@@ -625,7 +626,7 @@
             <a:fld id="{6EC7CCC9-5C7D-CD47-8062-4DE0E2E185A5}" type="slidenum">
               <a:rPr lang="en-US" altLang="zh-CN"/>
               <a:pPr/>
-              <a:t>29</a:t>
+              <a:t>30</a:t>
             </a:fld>
             <a:endParaRPr lang="en-US" altLang="zh-CN"/>
           </a:p>
@@ -796,7 +797,7 @@
           <a:p>
             <a:fld id="{137816C6-04A1-6945-9B59-511E9061E597}" type="slidenum">
               <a:rPr kumimoji="1" lang="zh-CN" altLang="en-US" smtClean="0"/>
-              <a:t>30</a:t>
+              <a:t>31</a:t>
             </a:fld>
             <a:endParaRPr kumimoji="1" lang="zh-CN" altLang="en-US"/>
           </a:p>
@@ -860,7 +861,7 @@
             <a:fld id="{2E0A358A-B640-E34C-9E65-121E5713017D}" type="slidenum">
               <a:rPr lang="en-US" altLang="zh-CN"/>
               <a:pPr/>
-              <a:t>32</a:t>
+              <a:t>33</a:t>
             </a:fld>
             <a:endParaRPr lang="en-US" altLang="zh-CN"/>
           </a:p>
@@ -1031,7 +1032,7 @@
           <a:p>
             <a:fld id="{137816C6-04A1-6945-9B59-511E9061E597}" type="slidenum">
               <a:rPr kumimoji="1" lang="zh-CN" altLang="en-US" smtClean="0"/>
-              <a:t>34</a:t>
+              <a:t>35</a:t>
             </a:fld>
             <a:endParaRPr kumimoji="1" lang="zh-CN" altLang="en-US"/>
           </a:p>
@@ -1436,7 +1437,7 @@
             <a:fld id="{5D4D2B14-0F58-2A4B-A5A5-DA16252B5FB6}" type="slidenum">
               <a:rPr lang="en-US" altLang="zh-CN"/>
               <a:pPr/>
-              <a:t>21</a:t>
+              <a:t>22</a:t>
             </a:fld>
             <a:endParaRPr lang="en-US" altLang="zh-CN"/>
           </a:p>
@@ -1538,7 +1539,7 @@
             <a:fld id="{EE14AC1B-D4FD-EA4B-9879-F809F76C31A4}" type="slidenum">
               <a:rPr lang="en-US" altLang="zh-CN"/>
               <a:pPr/>
-              <a:t>22</a:t>
+              <a:t>23</a:t>
             </a:fld>
             <a:endParaRPr lang="en-US" altLang="zh-CN"/>
           </a:p>
@@ -1681,7 +1682,7 @@
             <a:fld id="{4E9CEB1A-C5BE-CF4E-B8AD-5BDA8B4E216D}" type="slidenum">
               <a:rPr lang="en-US" altLang="zh-CN"/>
               <a:pPr/>
-              <a:t>23</a:t>
+              <a:t>24</a:t>
             </a:fld>
             <a:endParaRPr lang="en-US" altLang="zh-CN"/>
           </a:p>
@@ -1775,7 +1776,7 @@
             <a:fld id="{BD831522-31C7-D244-9841-0ECAEA2E8516}" type="slidenum">
               <a:rPr lang="en-US" altLang="zh-CN"/>
               <a:pPr/>
-              <a:t>24</a:t>
+              <a:t>25</a:t>
             </a:fld>
             <a:endParaRPr lang="en-US" altLang="zh-CN"/>
           </a:p>
@@ -15263,9 +15264,38 @@
               <a:t>): </a:t>
             </a:r>
             <a:r>
-              <a:rPr lang="en-US" altLang="zh-CN" dirty="0"/>
-              <a:t>	</a:t>
-            </a:r>
+              <a:rPr lang="en-US" altLang="zh-CN" sz="1900" b="1" dirty="0">
+                <a:solidFill>
+                  <a:srgbClr val="008080"/>
+                </a:solidFill>
+              </a:rPr>
+              <a:t>#</a:t>
+            </a:r>
+            <a:r>
+              <a:rPr lang="zh-CN" altLang="en-US" sz="1900" b="1" dirty="0">
+                <a:solidFill>
+                  <a:srgbClr val="008080"/>
+                </a:solidFill>
+              </a:rPr>
+              <a:t> 参数</a:t>
+            </a:r>
+            <a:r>
+              <a:rPr lang="zh-CN" altLang="en-US" sz="1900" b="1" dirty="0">
+                <a:solidFill>
+                  <a:srgbClr val="008080"/>
+                </a:solidFill>
+              </a:rPr>
+              <a:t>列表可为空，可以有默认</a:t>
+            </a:r>
+            <a:r>
+              <a:rPr lang="zh-CN" altLang="en-US" sz="1900" b="1" dirty="0" smtClean="0">
+                <a:solidFill>
+                  <a:srgbClr val="008080"/>
+                </a:solidFill>
+              </a:rPr>
+              <a:t>值</a:t>
+            </a:r>
+            <a:endParaRPr lang="en-US" altLang="zh-CN" dirty="0"/>
           </a:p>
           <a:p>
             <a:pPr marL="457200" lvl="1" indent="0">
@@ -15745,18 +15775,10 @@
           <a:lstStyle/>
           <a:p>
             <a:r>
-              <a:rPr kumimoji="1" lang="zh-CN" altLang="en-US" dirty="0" smtClean="0"/>
-              <a:t>一个完整的</a:t>
-            </a:r>
-            <a:r>
-              <a:rPr kumimoji="1" lang="en-US" altLang="zh-CN" dirty="0" smtClean="0"/>
-              <a:t>Python</a:t>
-            </a:r>
-            <a:r>
-              <a:rPr kumimoji="1" lang="zh-CN" altLang="en-US" dirty="0" smtClean="0"/>
-              <a:t>程序</a:t>
-            </a:r>
-            <a:endParaRPr kumimoji="1" lang="zh-CN" altLang="en-US" dirty="0"/>
+              <a:rPr lang="zh-CN" altLang="en-US" smtClean="0"/>
+              <a:t>类与模块</a:t>
+            </a:r>
+            <a:endParaRPr lang="zh-CN" altLang="en-US" dirty="0"/>
           </a:p>
         </p:txBody>
       </p:sp>
@@ -15773,31 +15795,58 @@
         <p:spPr/>
         <p:txBody>
           <a:bodyPr>
-            <a:normAutofit fontScale="85000" lnSpcReduction="20000"/>
+            <a:normAutofit lnSpcReduction="10000"/>
           </a:bodyPr>
           <a:lstStyle/>
           <a:p>
-            <a:pPr marL="0" indent="0">
+            <a:r>
+              <a:rPr lang="zh-CN" altLang="en-US" dirty="0" smtClean="0"/>
+              <a:t>类：相关数据及逻辑的容器，构建创建真实对象的蓝图。</a:t>
+            </a:r>
+          </a:p>
+          <a:p>
+            <a:pPr marL="457200" lvl="1" indent="0">
               <a:buNone/>
             </a:pPr>
             <a:r>
-              <a:rPr kumimoji="1" lang="en-US" altLang="zh-CN" dirty="0"/>
-              <a:t>i</a:t>
-            </a:r>
-            <a:r>
-              <a:rPr kumimoji="1" lang="en-US" altLang="zh-CN" dirty="0" smtClean="0"/>
-              <a:t>mport </a:t>
-            </a:r>
-            <a:r>
-              <a:rPr kumimoji="1" lang="en-US" altLang="zh-CN" dirty="0" err="1" smtClean="0"/>
-              <a:t>os</a:t>
-            </a:r>
-            <a:r>
-              <a:rPr kumimoji="1" lang="en-US" altLang="zh-CN" dirty="0" smtClean="0"/>
-              <a:t> </a:t>
-            </a:r>
-            <a:r>
-              <a:rPr lang="en-US" altLang="zh-CN" b="1" dirty="0">
+              <a:rPr lang="en-US" altLang="zh-CN" dirty="0" smtClean="0"/>
+              <a:t>class </a:t>
+            </a:r>
+            <a:r>
+              <a:rPr lang="en-US" altLang="zh-CN" dirty="0" err="1" smtClean="0"/>
+              <a:t>className</a:t>
+            </a:r>
+            <a:r>
+              <a:rPr lang="en-US" altLang="zh-CN" dirty="0" smtClean="0"/>
+              <a:t>(</a:t>
+            </a:r>
+            <a:r>
+              <a:rPr lang="en-US" altLang="zh-CN" dirty="0" err="1" smtClean="0"/>
+              <a:t>baseClass</a:t>
+            </a:r>
+            <a:r>
+              <a:rPr lang="en-US" altLang="zh-CN" dirty="0" smtClean="0"/>
+              <a:t>[</a:t>
+            </a:r>
+            <a:r>
+              <a:rPr lang="en-US" altLang="zh-CN" dirty="0" err="1" smtClean="0"/>
+              <a:t>es</a:t>
+            </a:r>
+            <a:r>
+              <a:rPr lang="en-US" altLang="zh-CN" dirty="0" smtClean="0"/>
+              <a:t>]):</a:t>
+            </a:r>
+          </a:p>
+          <a:p>
+            <a:pPr marL="457200" lvl="1" indent="0">
+              <a:buNone/>
+            </a:pPr>
+            <a:r>
+              <a:rPr lang="en-US" altLang="zh-CN" dirty="0" smtClean="0"/>
+              <a:t>    “optional documentation string” </a:t>
+            </a:r>
+            <a:r>
+              <a:rPr lang="en-US" altLang="zh-CN" sz="1900" b="1" dirty="0">
                 <a:solidFill>
                   <a:srgbClr val="008080"/>
                 </a:solidFill>
@@ -15805,543 +15854,250 @@
               <a:t># </a:t>
             </a:r>
             <a:r>
-              <a:rPr lang="zh-CN" altLang="en-US" b="1" dirty="0">
+              <a:rPr lang="zh-CN" altLang="en-US" sz="1900" b="1" dirty="0">
                 <a:solidFill>
                   <a:srgbClr val="008080"/>
                 </a:solidFill>
               </a:rPr>
-              <a:t>导入</a:t>
-            </a:r>
-            <a:r>
-              <a:rPr lang="en-US" altLang="zh-CN" b="1" dirty="0" err="1">
+              <a:t>说明性文字</a:t>
+            </a:r>
+            <a:r>
+              <a:rPr lang="en-US" altLang="zh-CN" sz="1900" b="1" dirty="0">
                 <a:solidFill>
                   <a:srgbClr val="008080"/>
                 </a:solidFill>
               </a:rPr>
-              <a:t>os</a:t>
-            </a:r>
-            <a:r>
-              <a:rPr lang="zh-CN" altLang="en-US" b="1" dirty="0">
+              <a:t>(</a:t>
+            </a:r>
+            <a:r>
+              <a:rPr lang="zh-CN" altLang="en-US" sz="1900" b="1" dirty="0">
                 <a:solidFill>
                   <a:srgbClr val="008080"/>
                 </a:solidFill>
               </a:rPr>
-              <a:t>包</a:t>
-            </a:r>
-            <a:endParaRPr lang="en-US" altLang="zh-CN" b="1" dirty="0">
+              <a:t>可选</a:t>
+            </a:r>
+            <a:r>
+              <a:rPr lang="en-US" altLang="zh-CN" sz="1900" b="1" dirty="0">
+                <a:solidFill>
+                  <a:srgbClr val="008080"/>
+                </a:solidFill>
+              </a:rPr>
+              <a:t>)</a:t>
+            </a:r>
+          </a:p>
+          <a:p>
+            <a:pPr marL="457200" lvl="1" indent="0">
+              <a:buNone/>
+            </a:pPr>
+            <a:r>
+              <a:rPr lang="en-US" altLang="zh-CN" dirty="0" smtClean="0"/>
+              <a:t>    </a:t>
+            </a:r>
+            <a:r>
+              <a:rPr lang="en-US" altLang="zh-CN" dirty="0" err="1" smtClean="0"/>
+              <a:t>static_member_declarations</a:t>
+            </a:r>
+            <a:r>
+              <a:rPr lang="en-US" altLang="zh-CN" dirty="0" smtClean="0"/>
+              <a:t>        </a:t>
+            </a:r>
+            <a:r>
+              <a:rPr lang="en-US" altLang="zh-CN" sz="1900" b="1" dirty="0">
+                <a:solidFill>
+                  <a:srgbClr val="008080"/>
+                </a:solidFill>
+              </a:rPr>
+              <a:t># </a:t>
+            </a:r>
+            <a:r>
+              <a:rPr lang="zh-CN" altLang="en-US" sz="1900" b="1" dirty="0">
+                <a:solidFill>
+                  <a:srgbClr val="008080"/>
+                </a:solidFill>
+              </a:rPr>
+              <a:t>静态成员定义</a:t>
+            </a:r>
+            <a:endParaRPr lang="en-US" altLang="zh-CN" sz="1900" b="1" dirty="0">
               <a:solidFill>
                 <a:srgbClr val="008080"/>
               </a:solidFill>
             </a:endParaRPr>
           </a:p>
           <a:p>
-            <a:pPr marL="0" indent="0">
+            <a:pPr marL="457200" lvl="1" indent="0">
               <a:buNone/>
             </a:pPr>
             <a:r>
-              <a:rPr kumimoji="1" lang="en-US" altLang="zh-CN" dirty="0"/>
-              <a:t>i</a:t>
-            </a:r>
-            <a:r>
-              <a:rPr kumimoji="1" lang="en-US" altLang="zh-CN" dirty="0" smtClean="0"/>
-              <a:t>mport sys</a:t>
-            </a:r>
-            <a:r>
-              <a:rPr kumimoji="1" lang="zh-CN" altLang="en-US" dirty="0" smtClean="0"/>
-              <a:t> </a:t>
-            </a:r>
-            <a:r>
-              <a:rPr lang="en-US" altLang="zh-CN" b="1" dirty="0">
+              <a:rPr lang="en-US" altLang="zh-CN" dirty="0" smtClean="0"/>
+              <a:t>    </a:t>
+            </a:r>
+            <a:r>
+              <a:rPr lang="en-US" altLang="zh-CN" dirty="0" err="1" smtClean="0"/>
+              <a:t>method_declarations</a:t>
+            </a:r>
+            <a:r>
+              <a:rPr lang="en-US" altLang="zh-CN" dirty="0" smtClean="0"/>
+              <a:t>               </a:t>
+            </a:r>
+            <a:r>
+              <a:rPr lang="en-US" altLang="zh-CN" sz="1900" b="1" dirty="0">
                 <a:solidFill>
                   <a:srgbClr val="008080"/>
                 </a:solidFill>
               </a:rPr>
-              <a:t>#</a:t>
-            </a:r>
-            <a:r>
-              <a:rPr lang="zh-CN" altLang="en-US" b="1" dirty="0">
+              <a:t># </a:t>
+            </a:r>
+            <a:r>
+              <a:rPr lang="zh-CN" altLang="en-US" sz="1900" b="1" dirty="0">
                 <a:solidFill>
                   <a:srgbClr val="008080"/>
                 </a:solidFill>
               </a:rPr>
-              <a:t> 导入</a:t>
-            </a:r>
-            <a:r>
-              <a:rPr lang="en-US" altLang="zh-CN" b="1" dirty="0">
-                <a:solidFill>
-                  <a:srgbClr val="008080"/>
-                </a:solidFill>
-              </a:rPr>
-              <a:t>sys</a:t>
-            </a:r>
-            <a:r>
-              <a:rPr lang="zh-CN" altLang="en-US" b="1" dirty="0">
-                <a:solidFill>
-                  <a:srgbClr val="008080"/>
-                </a:solidFill>
-              </a:rPr>
-              <a:t>包</a:t>
-            </a:r>
-            <a:endParaRPr lang="en-US" altLang="zh-CN" b="1" dirty="0">
+              <a:t>方法定义</a:t>
+            </a:r>
+            <a:endParaRPr lang="en-US" altLang="zh-CN" sz="1900" b="1" dirty="0">
               <a:solidFill>
                 <a:srgbClr val="008080"/>
               </a:solidFill>
             </a:endParaRPr>
           </a:p>
           <a:p>
-            <a:pPr marL="0" indent="0">
+            <a:endParaRPr lang="en-US" altLang="zh-CN" dirty="0" smtClean="0"/>
+          </a:p>
+          <a:p>
+            <a:r>
+              <a:rPr lang="zh-CN" altLang="en-US" dirty="0" smtClean="0"/>
+              <a:t>模块：一种组织形式，将有联系的代码组织到独立文件中</a:t>
+            </a:r>
+          </a:p>
+          <a:p>
+            <a:pPr marL="457200" lvl="1" indent="0">
               <a:buNone/>
             </a:pPr>
-            <a:endParaRPr kumimoji="1" lang="en-US" altLang="zh-CN" dirty="0" smtClean="0"/>
-          </a:p>
-          <a:p>
-            <a:pPr marL="0" indent="0">
+            <a:r>
+              <a:rPr lang="en-US" altLang="zh-CN" dirty="0" smtClean="0"/>
+              <a:t># </a:t>
+            </a:r>
+            <a:r>
+              <a:rPr lang="zh-CN" altLang="en-US" dirty="0" smtClean="0"/>
+              <a:t>模块可以包含可执行代码、函数和类。</a:t>
+            </a:r>
+            <a:endParaRPr lang="en-US" altLang="zh-CN" dirty="0" smtClean="0"/>
+          </a:p>
+          <a:p>
+            <a:pPr marL="457200" lvl="1" indent="0">
               <a:buNone/>
             </a:pPr>
             <a:r>
-              <a:rPr kumimoji="1" lang="en-US" altLang="zh-CN" dirty="0" smtClean="0"/>
-              <a:t>class A:</a:t>
-            </a:r>
-            <a:r>
-              <a:rPr kumimoji="1" lang="zh-CN" altLang="en-US" dirty="0" smtClean="0"/>
-              <a:t> </a:t>
-            </a:r>
-            <a:r>
-              <a:rPr lang="en-US" altLang="zh-CN" b="1" dirty="0">
+              <a:rPr lang="en-US" altLang="zh-CN" dirty="0" smtClean="0"/>
+              <a:t>&gt;&gt;&gt;import sys  </a:t>
+            </a:r>
+            <a:r>
+              <a:rPr lang="en-US" altLang="zh-CN" sz="1900" b="1" dirty="0">
                 <a:solidFill>
                   <a:srgbClr val="008080"/>
                 </a:solidFill>
               </a:rPr>
-              <a:t>#</a:t>
-            </a:r>
-            <a:r>
-              <a:rPr lang="zh-CN" altLang="en-US" b="1" dirty="0">
+              <a:t># </a:t>
+            </a:r>
+            <a:r>
+              <a:rPr lang="zh-CN" altLang="en-US" sz="1900" b="1" dirty="0">
                 <a:solidFill>
                   <a:srgbClr val="008080"/>
                 </a:solidFill>
               </a:rPr>
-              <a:t> 定义类型</a:t>
-            </a:r>
-            <a:r>
-              <a:rPr lang="en-US" altLang="zh-CN" b="1" dirty="0">
+              <a:t>导入方法，</a:t>
+            </a:r>
+            <a:r>
+              <a:rPr lang="en-US" altLang="zh-CN" sz="1900" b="1" dirty="0">
                 <a:solidFill>
                   <a:srgbClr val="008080"/>
                 </a:solidFill>
               </a:rPr>
-              <a:t>A</a:t>
-            </a:r>
-          </a:p>
-          <a:p>
-            <a:pPr marL="457200" lvl="1" indent="0">
-              <a:buNone/>
-            </a:pPr>
-            <a:r>
-              <a:rPr kumimoji="1" lang="en-US" altLang="zh-CN" dirty="0" err="1" smtClean="0"/>
-              <a:t>def</a:t>
-            </a:r>
-            <a:r>
-              <a:rPr kumimoji="1" lang="en-US" altLang="zh-CN" dirty="0" smtClean="0"/>
-              <a:t> __</a:t>
-            </a:r>
-            <a:r>
-              <a:rPr kumimoji="1" lang="en-US" altLang="zh-CN" dirty="0" err="1" smtClean="0"/>
-              <a:t>init</a:t>
-            </a:r>
-            <a:r>
-              <a:rPr kumimoji="1" lang="en-US" altLang="zh-CN" dirty="0" smtClean="0"/>
-              <a:t>__(self, data=None):</a:t>
-            </a:r>
-            <a:r>
-              <a:rPr kumimoji="1" lang="zh-CN" altLang="en-US" dirty="0" smtClean="0"/>
-              <a:t> </a:t>
-            </a:r>
-            <a:r>
-              <a:rPr lang="en-US" altLang="zh-CN" sz="2200" b="1" dirty="0">
+              <a:t>sys</a:t>
+            </a:r>
+            <a:r>
+              <a:rPr lang="zh-CN" altLang="en-US" sz="1900" b="1" dirty="0">
                 <a:solidFill>
                   <a:srgbClr val="008080"/>
                 </a:solidFill>
               </a:rPr>
-              <a:t>#</a:t>
-            </a:r>
-            <a:r>
-              <a:rPr lang="zh-CN" altLang="en-US" sz="2200" b="1" dirty="0">
-                <a:solidFill>
-                  <a:srgbClr val="008080"/>
-                </a:solidFill>
-              </a:rPr>
-              <a:t> 定义构造函数</a:t>
-            </a:r>
-            <a:endParaRPr lang="en-US" altLang="zh-CN" sz="2200" b="1" dirty="0">
+              <a:t>为模块名称</a:t>
+            </a:r>
+            <a:endParaRPr lang="en-US" altLang="zh-CN" sz="1900" b="1" dirty="0">
               <a:solidFill>
                 <a:srgbClr val="008080"/>
               </a:solidFill>
             </a:endParaRPr>
           </a:p>
           <a:p>
-            <a:pPr marL="914400" lvl="2" indent="0">
+            <a:pPr marL="457200" lvl="1" indent="0">
               <a:buNone/>
             </a:pPr>
             <a:r>
-              <a:rPr kumimoji="1" lang="en-US" altLang="zh-CN" dirty="0" err="1" smtClean="0"/>
-              <a:t>self.data</a:t>
-            </a:r>
-            <a:r>
-              <a:rPr kumimoji="1" lang="en-US" altLang="zh-CN" dirty="0" smtClean="0"/>
-              <a:t> = data</a:t>
-            </a:r>
-            <a:r>
-              <a:rPr kumimoji="1" lang="zh-CN" altLang="en-US" dirty="0" smtClean="0"/>
-              <a:t> </a:t>
-            </a:r>
-            <a:r>
-              <a:rPr lang="en-US" altLang="zh-CN" sz="2200" b="1" dirty="0">
+              <a:rPr lang="en-US" altLang="zh-CN" dirty="0" smtClean="0"/>
+              <a:t>&gt;&gt;&gt;</a:t>
+            </a:r>
+            <a:r>
+              <a:rPr lang="en-US" altLang="zh-CN" dirty="0" err="1" smtClean="0"/>
+              <a:t>sys.stdout.write</a:t>
+            </a:r>
+            <a:r>
+              <a:rPr lang="en-US" altLang="zh-CN" dirty="0" smtClean="0"/>
+              <a:t>(‘Hello world!’)</a:t>
+            </a:r>
+          </a:p>
+          <a:p>
+            <a:pPr marL="457200" lvl="1" indent="0">
+              <a:buNone/>
+            </a:pPr>
+            <a:r>
+              <a:rPr lang="en-US" altLang="zh-CN" dirty="0" smtClean="0"/>
+              <a:t>&gt;&gt;&gt;</a:t>
+            </a:r>
+            <a:r>
+              <a:rPr lang="en-US" altLang="zh-CN" dirty="0" err="1" smtClean="0"/>
+              <a:t>sys.platform</a:t>
+            </a:r>
+            <a:r>
+              <a:rPr lang="en-US" altLang="zh-CN" dirty="0" smtClean="0"/>
+              <a:t>   </a:t>
+            </a:r>
+            <a:r>
+              <a:rPr lang="en-US" altLang="zh-CN" sz="1900" b="1" dirty="0">
                 <a:solidFill>
                   <a:srgbClr val="008080"/>
                 </a:solidFill>
               </a:rPr>
-              <a:t>#</a:t>
-            </a:r>
-            <a:r>
-              <a:rPr lang="zh-CN" altLang="en-US" sz="2200" b="1" dirty="0">
+              <a:t># 'win32'</a:t>
+            </a:r>
+          </a:p>
+          <a:p>
+            <a:pPr marL="457200" lvl="1" indent="0">
+              <a:buNone/>
+            </a:pPr>
+            <a:r>
+              <a:rPr lang="en-US" altLang="zh-CN" dirty="0" smtClean="0"/>
+              <a:t>&gt;&gt;&gt;</a:t>
+            </a:r>
+            <a:r>
+              <a:rPr lang="en-US" altLang="zh-CN" dirty="0" err="1" smtClean="0"/>
+              <a:t>sys.version</a:t>
+            </a:r>
+            <a:r>
+              <a:rPr lang="en-US" altLang="zh-CN" dirty="0" smtClean="0"/>
+              <a:t>    </a:t>
+            </a:r>
+            <a:r>
+              <a:rPr lang="en-US" altLang="zh-CN" sz="1900" b="1" dirty="0">
                 <a:solidFill>
                   <a:srgbClr val="008080"/>
                 </a:solidFill>
               </a:rPr>
-              <a:t> 将参数</a:t>
-            </a:r>
-            <a:r>
-              <a:rPr lang="en-US" altLang="zh-CN" sz="2200" b="1" dirty="0">
-                <a:solidFill>
-                  <a:srgbClr val="008080"/>
-                </a:solidFill>
-              </a:rPr>
-              <a:t>data</a:t>
-            </a:r>
-            <a:r>
-              <a:rPr lang="zh-CN" altLang="en-US" sz="2200" b="1" dirty="0">
-                <a:solidFill>
-                  <a:srgbClr val="008080"/>
-                </a:solidFill>
-              </a:rPr>
-              <a:t>的值赋给字段</a:t>
-            </a:r>
-            <a:r>
-              <a:rPr lang="en-US" altLang="zh-CN" sz="2200" b="1" dirty="0">
-                <a:solidFill>
-                  <a:srgbClr val="008080"/>
-                </a:solidFill>
-              </a:rPr>
-              <a:t>data</a:t>
-            </a:r>
-          </a:p>
-          <a:p>
-            <a:pPr marL="457200" lvl="1" indent="0">
-              <a:buNone/>
-            </a:pPr>
-            <a:r>
-              <a:rPr kumimoji="1" lang="en-US" altLang="zh-CN" dirty="0" err="1"/>
-              <a:t>d</a:t>
-            </a:r>
-            <a:r>
-              <a:rPr kumimoji="1" lang="en-US" altLang="zh-CN" dirty="0" err="1" smtClean="0"/>
-              <a:t>ef</a:t>
-            </a:r>
-            <a:r>
-              <a:rPr kumimoji="1" lang="en-US" altLang="zh-CN" dirty="0" smtClean="0"/>
-              <a:t> method(self, message):</a:t>
-            </a:r>
-            <a:r>
-              <a:rPr kumimoji="1" lang="zh-CN" altLang="en-US" dirty="0" smtClean="0"/>
-              <a:t> </a:t>
-            </a:r>
-            <a:r>
-              <a:rPr lang="en-US" altLang="zh-CN" sz="2400" b="1" dirty="0">
-                <a:solidFill>
-                  <a:srgbClr val="008080"/>
-                </a:solidFill>
-              </a:rPr>
-              <a:t>#</a:t>
-            </a:r>
-            <a:r>
-              <a:rPr lang="zh-CN" altLang="en-US" sz="2400" b="1" dirty="0">
-                <a:solidFill>
-                  <a:srgbClr val="008080"/>
-                </a:solidFill>
-              </a:rPr>
-              <a:t> 定义</a:t>
-            </a:r>
-            <a:r>
-              <a:rPr lang="en-US" altLang="zh-CN" sz="2400" b="1" dirty="0">
-                <a:solidFill>
-                  <a:srgbClr val="008080"/>
-                </a:solidFill>
-              </a:rPr>
-              <a:t>method</a:t>
-            </a:r>
-            <a:r>
-              <a:rPr lang="zh-CN" altLang="en-US" sz="2400" b="1" dirty="0">
-                <a:solidFill>
-                  <a:srgbClr val="008080"/>
-                </a:solidFill>
-              </a:rPr>
-              <a:t>方法</a:t>
-            </a:r>
-            <a:endParaRPr lang="en-US" altLang="zh-CN" sz="2400" b="1" dirty="0">
-              <a:solidFill>
-                <a:srgbClr val="008080"/>
-              </a:solidFill>
-            </a:endParaRPr>
-          </a:p>
-          <a:p>
-            <a:pPr marL="914400" lvl="2" indent="0">
-              <a:buNone/>
-            </a:pPr>
-            <a:r>
-              <a:rPr kumimoji="1" lang="en-US" altLang="zh-CN" dirty="0" smtClean="0"/>
-              <a:t>print message</a:t>
-            </a:r>
-            <a:r>
-              <a:rPr kumimoji="1" lang="zh-CN" altLang="en-US" dirty="0" smtClean="0"/>
-              <a:t> </a:t>
-            </a:r>
-            <a:r>
-              <a:rPr lang="en-US" altLang="zh-CN" sz="2400" b="1" dirty="0">
-                <a:solidFill>
-                  <a:srgbClr val="008080"/>
-                </a:solidFill>
-              </a:rPr>
-              <a:t>#</a:t>
-            </a:r>
-            <a:r>
-              <a:rPr lang="zh-CN" altLang="en-US" sz="2400" b="1" dirty="0">
-                <a:solidFill>
-                  <a:srgbClr val="008080"/>
-                </a:solidFill>
-              </a:rPr>
-              <a:t> 在屏幕上打印</a:t>
-            </a:r>
-            <a:r>
-              <a:rPr lang="en-US" altLang="zh-CN" sz="2400" b="1" dirty="0">
-                <a:solidFill>
-                  <a:srgbClr val="008080"/>
-                </a:solidFill>
-              </a:rPr>
-              <a:t>message</a:t>
-            </a:r>
-            <a:r>
-              <a:rPr lang="zh-CN" altLang="en-US" sz="2400" b="1" dirty="0">
-                <a:solidFill>
-                  <a:srgbClr val="008080"/>
-                </a:solidFill>
-              </a:rPr>
-              <a:t>的值</a:t>
-            </a:r>
-            <a:endParaRPr lang="en-US" altLang="zh-CN" sz="2400" b="1" dirty="0">
-              <a:solidFill>
-                <a:srgbClr val="008080"/>
-              </a:solidFill>
-            </a:endParaRPr>
-          </a:p>
-          <a:p>
-            <a:pPr marL="0" indent="0">
-              <a:buNone/>
-            </a:pPr>
-            <a:endParaRPr kumimoji="1" lang="en-US" altLang="zh-CN" dirty="0"/>
-          </a:p>
-          <a:p>
-            <a:pPr marL="0" indent="0">
-              <a:buNone/>
-            </a:pPr>
-            <a:r>
-              <a:rPr kumimoji="1" lang="en-US" altLang="zh-CN" dirty="0" smtClean="0"/>
-              <a:t>test = A(‘data here’)</a:t>
-            </a:r>
-            <a:r>
-              <a:rPr kumimoji="1" lang="zh-CN" altLang="en-US" dirty="0" smtClean="0"/>
-              <a:t> </a:t>
-            </a:r>
-            <a:r>
-              <a:rPr lang="en-US" altLang="zh-CN" b="1" dirty="0">
-                <a:solidFill>
-                  <a:srgbClr val="008080"/>
-                </a:solidFill>
-              </a:rPr>
-              <a:t>#</a:t>
-            </a:r>
-            <a:r>
-              <a:rPr lang="zh-CN" altLang="en-US" b="1" dirty="0">
-                <a:solidFill>
-                  <a:srgbClr val="008080"/>
-                </a:solidFill>
-              </a:rPr>
-              <a:t> 实例化类型</a:t>
-            </a:r>
-            <a:r>
-              <a:rPr lang="en-US" altLang="zh-CN" b="1" dirty="0">
-                <a:solidFill>
-                  <a:srgbClr val="008080"/>
-                </a:solidFill>
-              </a:rPr>
-              <a:t>A</a:t>
-            </a:r>
-            <a:r>
-              <a:rPr lang="zh-CN" altLang="en-US" b="1" dirty="0">
-                <a:solidFill>
-                  <a:srgbClr val="008080"/>
-                </a:solidFill>
-              </a:rPr>
-              <a:t>的对象</a:t>
-            </a:r>
-            <a:r>
-              <a:rPr lang="en-US" altLang="zh-CN" b="1" dirty="0">
-                <a:solidFill>
-                  <a:srgbClr val="008080"/>
-                </a:solidFill>
-              </a:rPr>
-              <a:t>test</a:t>
-            </a:r>
-          </a:p>
-          <a:p>
-            <a:pPr marL="0" indent="0">
-              <a:buNone/>
-            </a:pPr>
-            <a:r>
-              <a:rPr kumimoji="1" lang="en-US" altLang="zh-CN" dirty="0" smtClean="0"/>
-              <a:t>print </a:t>
-            </a:r>
-            <a:r>
-              <a:rPr kumimoji="1" lang="en-US" altLang="zh-CN" dirty="0" err="1" smtClean="0"/>
-              <a:t>test.data</a:t>
-            </a:r>
-            <a:r>
-              <a:rPr kumimoji="1" lang="zh-CN" altLang="en-US" dirty="0" smtClean="0"/>
-              <a:t> </a:t>
-            </a:r>
-            <a:r>
-              <a:rPr lang="en-US" altLang="zh-CN" b="1" dirty="0">
-                <a:solidFill>
-                  <a:srgbClr val="008080"/>
-                </a:solidFill>
-              </a:rPr>
-              <a:t>#</a:t>
-            </a:r>
-            <a:r>
-              <a:rPr lang="zh-CN" altLang="en-US" b="1" dirty="0">
-                <a:solidFill>
-                  <a:srgbClr val="008080"/>
-                </a:solidFill>
-              </a:rPr>
-              <a:t> 在屏幕上打印对象</a:t>
-            </a:r>
-            <a:r>
-              <a:rPr lang="en-US" altLang="zh-CN" b="1" dirty="0">
-                <a:solidFill>
-                  <a:srgbClr val="008080"/>
-                </a:solidFill>
-              </a:rPr>
-              <a:t>test</a:t>
-            </a:r>
-            <a:r>
-              <a:rPr lang="zh-CN" altLang="en-US" b="1" dirty="0">
-                <a:solidFill>
-                  <a:srgbClr val="008080"/>
-                </a:solidFill>
-              </a:rPr>
-              <a:t>的字段</a:t>
-            </a:r>
-            <a:r>
-              <a:rPr lang="en-US" altLang="zh-CN" b="1" dirty="0">
-                <a:solidFill>
-                  <a:srgbClr val="008080"/>
-                </a:solidFill>
-              </a:rPr>
-              <a:t>data</a:t>
-            </a:r>
-            <a:r>
-              <a:rPr lang="zh-CN" altLang="en-US" b="1" dirty="0">
-                <a:solidFill>
-                  <a:srgbClr val="008080"/>
-                </a:solidFill>
-              </a:rPr>
-              <a:t>的值</a:t>
-            </a:r>
-            <a:endParaRPr lang="en-US" altLang="zh-CN" b="1" dirty="0">
-              <a:solidFill>
-                <a:srgbClr val="008080"/>
-              </a:solidFill>
-            </a:endParaRPr>
-          </a:p>
-          <a:p>
-            <a:pPr marL="0" indent="0">
-              <a:buNone/>
-            </a:pPr>
-            <a:endParaRPr kumimoji="1" lang="en-US" altLang="zh-CN" dirty="0"/>
-          </a:p>
-          <a:p>
-            <a:pPr marL="0" indent="0">
-              <a:buNone/>
-            </a:pPr>
-            <a:r>
-              <a:rPr kumimoji="1" lang="en-US" altLang="zh-CN" dirty="0" err="1" smtClean="0"/>
-              <a:t>test.method</a:t>
-            </a:r>
-            <a:r>
-              <a:rPr kumimoji="1" lang="en-US" altLang="zh-CN" dirty="0" smtClean="0"/>
-              <a:t>(‘goes here’)</a:t>
-            </a:r>
-            <a:r>
-              <a:rPr kumimoji="1" lang="zh-CN" altLang="en-US" dirty="0" smtClean="0"/>
-              <a:t> </a:t>
-            </a:r>
-            <a:r>
-              <a:rPr lang="en-US" altLang="zh-CN" b="1" dirty="0">
-                <a:solidFill>
-                  <a:srgbClr val="008080"/>
-                </a:solidFill>
-              </a:rPr>
-              <a:t>#</a:t>
-            </a:r>
-            <a:r>
-              <a:rPr lang="zh-CN" altLang="en-US" b="1" dirty="0">
-                <a:solidFill>
-                  <a:srgbClr val="008080"/>
-                </a:solidFill>
-              </a:rPr>
-              <a:t>调用对象</a:t>
-            </a:r>
-            <a:r>
-              <a:rPr lang="en-US" altLang="zh-CN" b="1" dirty="0">
-                <a:solidFill>
-                  <a:srgbClr val="008080"/>
-                </a:solidFill>
-              </a:rPr>
-              <a:t>test</a:t>
-            </a:r>
-            <a:r>
-              <a:rPr lang="zh-CN" altLang="en-US" b="1" dirty="0">
-                <a:solidFill>
-                  <a:srgbClr val="008080"/>
-                </a:solidFill>
-              </a:rPr>
-              <a:t>的</a:t>
-            </a:r>
-            <a:r>
-              <a:rPr lang="en-US" altLang="zh-CN" b="1" dirty="0">
-                <a:solidFill>
-                  <a:srgbClr val="008080"/>
-                </a:solidFill>
-              </a:rPr>
-              <a:t>method</a:t>
-            </a:r>
-            <a:r>
-              <a:rPr lang="zh-CN" altLang="en-US" b="1" dirty="0">
-                <a:solidFill>
-                  <a:srgbClr val="008080"/>
-                </a:solidFill>
-              </a:rPr>
-              <a:t>方法</a:t>
-            </a:r>
-            <a:endParaRPr lang="zh-CN" altLang="en-US" b="1" dirty="0">
+              <a:t># '2.6.5 (r265:79096,……</a:t>
+            </a:r>
+            <a:endParaRPr lang="en-US" altLang="zh-CN" sz="1900" b="1" dirty="0">
               <a:solidFill>
                 <a:srgbClr val="008080"/>
               </a:solidFill>
@@ -16364,11 +16120,12 @@
           <a:bodyPr/>
           <a:lstStyle/>
           <a:p>
-            <a:fld id="{D534BC6D-8961-F742-A80A-2130D5CE01BF}" type="datetime1">
-              <a:rPr kumimoji="1" lang="zh-CN" altLang="en-US" smtClean="0"/>
+            <a:fld id="{EE68F876-7E36-674A-B10D-5A9F875FF917}" type="datetime1">
+              <a:rPr lang="zh-CN" altLang="en-US" smtClean="0"/>
+              <a:pPr/>
               <a:t>2017/11/22</a:t>
             </a:fld>
-            <a:endParaRPr kumimoji="1" lang="zh-CN" altLang="en-US"/>
+            <a:endParaRPr lang="zh-CN" altLang="en-US"/>
           </a:p>
         </p:txBody>
       </p:sp>
@@ -16388,42 +16145,24 @@
           <a:lstStyle/>
           <a:p>
             <a:fld id="{12924E00-6951-2E4A-9B91-938056433B77}" type="slidenum">
-              <a:rPr kumimoji="1" lang="zh-CN" altLang="en-US" smtClean="0"/>
+              <a:rPr lang="zh-CN" altLang="en-US" smtClean="0"/>
+              <a:pPr/>
               <a:t>19</a:t>
             </a:fld>
-            <a:endParaRPr kumimoji="1" lang="zh-CN" altLang="en-US"/>
+            <a:endParaRPr lang="zh-CN" altLang="en-US"/>
           </a:p>
         </p:txBody>
       </p:sp>
     </p:spTree>
     <p:extLst>
       <p:ext uri="{BB962C8B-B14F-4D97-AF65-F5344CB8AC3E}">
-        <p14:creationId xmlns:p14="http://schemas.microsoft.com/office/powerpoint/2010/main" val="481075754"/>
+        <p14:creationId xmlns:p14="http://schemas.microsoft.com/office/powerpoint/2010/main" val="100836677"/>
       </p:ext>
     </p:extLst>
   </p:cSld>
   <p:clrMapOvr>
     <a:masterClrMapping/>
   </p:clrMapOvr>
-  <mc:AlternateContent xmlns:mc="http://schemas.openxmlformats.org/markup-compatibility/2006">
-    <mc:Choice xmlns:p14="http://schemas.microsoft.com/office/powerpoint/2010/main" Requires="p14">
-      <p:transition spd="slow" p14:dur="1500">
-        <p:random/>
-      </p:transition>
-    </mc:Choice>
-    <mc:Fallback>
-      <p:transition spd="slow">
-        <p:random/>
-      </p:transition>
-    </mc:Fallback>
-  </mc:AlternateContent>
-  <p:timing>
-    <p:tnLst>
-      <p:par>
-        <p:cTn id="1" dur="indefinite" restart="never" nodeType="tmRoot"/>
-      </p:par>
-    </p:tnLst>
-  </p:timing>
 </p:sld>
 </file>
 
@@ -16788,14 +16527,607 @@
           <a:lstStyle/>
           <a:p>
             <a:r>
+              <a:rPr kumimoji="1" lang="zh-CN" altLang="en-US" dirty="0" smtClean="0"/>
+              <a:t>一个完整的</a:t>
+            </a:r>
+            <a:r>
               <a:rPr kumimoji="1" lang="en-US" altLang="zh-CN" dirty="0" smtClean="0"/>
               <a:t>Python</a:t>
             </a:r>
             <a:r>
               <a:rPr kumimoji="1" lang="zh-CN" altLang="en-US" dirty="0" smtClean="0"/>
-              <a:t>项目文件层次</a:t>
+              <a:t>程序</a:t>
             </a:r>
             <a:endParaRPr kumimoji="1" lang="zh-CN" altLang="en-US" dirty="0"/>
+          </a:p>
+        </p:txBody>
+      </p:sp>
+      <p:sp>
+        <p:nvSpPr>
+          <p:cNvPr id="3" name="内容占位符 2"/>
+          <p:cNvSpPr>
+            <a:spLocks noGrp="1"/>
+          </p:cNvSpPr>
+          <p:nvPr>
+            <p:ph idx="1"/>
+          </p:nvPr>
+        </p:nvSpPr>
+        <p:spPr/>
+        <p:txBody>
+          <a:bodyPr>
+            <a:normAutofit fontScale="85000" lnSpcReduction="20000"/>
+          </a:bodyPr>
+          <a:lstStyle/>
+          <a:p>
+            <a:pPr marL="0" indent="0">
+              <a:buNone/>
+            </a:pPr>
+            <a:r>
+              <a:rPr kumimoji="1" lang="en-US" altLang="zh-CN" dirty="0"/>
+              <a:t>i</a:t>
+            </a:r>
+            <a:r>
+              <a:rPr kumimoji="1" lang="en-US" altLang="zh-CN" dirty="0" smtClean="0"/>
+              <a:t>mport </a:t>
+            </a:r>
+            <a:r>
+              <a:rPr kumimoji="1" lang="en-US" altLang="zh-CN" dirty="0" err="1" smtClean="0"/>
+              <a:t>os</a:t>
+            </a:r>
+            <a:r>
+              <a:rPr kumimoji="1" lang="en-US" altLang="zh-CN" dirty="0" smtClean="0"/>
+              <a:t> </a:t>
+            </a:r>
+            <a:r>
+              <a:rPr lang="en-US" altLang="zh-CN" b="1" dirty="0">
+                <a:solidFill>
+                  <a:srgbClr val="008080"/>
+                </a:solidFill>
+              </a:rPr>
+              <a:t># </a:t>
+            </a:r>
+            <a:r>
+              <a:rPr lang="zh-CN" altLang="en-US" b="1" dirty="0">
+                <a:solidFill>
+                  <a:srgbClr val="008080"/>
+                </a:solidFill>
+              </a:rPr>
+              <a:t>导入</a:t>
+            </a:r>
+            <a:r>
+              <a:rPr lang="en-US" altLang="zh-CN" b="1" dirty="0" err="1">
+                <a:solidFill>
+                  <a:srgbClr val="008080"/>
+                </a:solidFill>
+              </a:rPr>
+              <a:t>os</a:t>
+            </a:r>
+            <a:r>
+              <a:rPr lang="zh-CN" altLang="en-US" b="1" dirty="0">
+                <a:solidFill>
+                  <a:srgbClr val="008080"/>
+                </a:solidFill>
+              </a:rPr>
+              <a:t>包</a:t>
+            </a:r>
+            <a:endParaRPr lang="en-US" altLang="zh-CN" b="1" dirty="0">
+              <a:solidFill>
+                <a:srgbClr val="008080"/>
+              </a:solidFill>
+            </a:endParaRPr>
+          </a:p>
+          <a:p>
+            <a:pPr marL="0" indent="0">
+              <a:buNone/>
+            </a:pPr>
+            <a:r>
+              <a:rPr kumimoji="1" lang="en-US" altLang="zh-CN" dirty="0"/>
+              <a:t>i</a:t>
+            </a:r>
+            <a:r>
+              <a:rPr kumimoji="1" lang="en-US" altLang="zh-CN" dirty="0" smtClean="0"/>
+              <a:t>mport sys</a:t>
+            </a:r>
+            <a:r>
+              <a:rPr kumimoji="1" lang="zh-CN" altLang="en-US" dirty="0" smtClean="0"/>
+              <a:t> </a:t>
+            </a:r>
+            <a:r>
+              <a:rPr lang="en-US" altLang="zh-CN" b="1" dirty="0">
+                <a:solidFill>
+                  <a:srgbClr val="008080"/>
+                </a:solidFill>
+              </a:rPr>
+              <a:t>#</a:t>
+            </a:r>
+            <a:r>
+              <a:rPr lang="zh-CN" altLang="en-US" b="1" dirty="0">
+                <a:solidFill>
+                  <a:srgbClr val="008080"/>
+                </a:solidFill>
+              </a:rPr>
+              <a:t> 导入</a:t>
+            </a:r>
+            <a:r>
+              <a:rPr lang="en-US" altLang="zh-CN" b="1" dirty="0">
+                <a:solidFill>
+                  <a:srgbClr val="008080"/>
+                </a:solidFill>
+              </a:rPr>
+              <a:t>sys</a:t>
+            </a:r>
+            <a:r>
+              <a:rPr lang="zh-CN" altLang="en-US" b="1" dirty="0">
+                <a:solidFill>
+                  <a:srgbClr val="008080"/>
+                </a:solidFill>
+              </a:rPr>
+              <a:t>包</a:t>
+            </a:r>
+            <a:endParaRPr lang="en-US" altLang="zh-CN" b="1" dirty="0">
+              <a:solidFill>
+                <a:srgbClr val="008080"/>
+              </a:solidFill>
+            </a:endParaRPr>
+          </a:p>
+          <a:p>
+            <a:pPr marL="0" indent="0">
+              <a:buNone/>
+            </a:pPr>
+            <a:endParaRPr kumimoji="1" lang="en-US" altLang="zh-CN" dirty="0" smtClean="0"/>
+          </a:p>
+          <a:p>
+            <a:pPr marL="0" indent="0">
+              <a:buNone/>
+            </a:pPr>
+            <a:r>
+              <a:rPr kumimoji="1" lang="en-US" altLang="zh-CN" dirty="0" smtClean="0"/>
+              <a:t>class A:</a:t>
+            </a:r>
+            <a:r>
+              <a:rPr kumimoji="1" lang="zh-CN" altLang="en-US" dirty="0" smtClean="0"/>
+              <a:t> </a:t>
+            </a:r>
+            <a:r>
+              <a:rPr lang="en-US" altLang="zh-CN" b="1" dirty="0">
+                <a:solidFill>
+                  <a:srgbClr val="008080"/>
+                </a:solidFill>
+              </a:rPr>
+              <a:t>#</a:t>
+            </a:r>
+            <a:r>
+              <a:rPr lang="zh-CN" altLang="en-US" b="1" dirty="0">
+                <a:solidFill>
+                  <a:srgbClr val="008080"/>
+                </a:solidFill>
+              </a:rPr>
+              <a:t> 定义类型</a:t>
+            </a:r>
+            <a:r>
+              <a:rPr lang="en-US" altLang="zh-CN" b="1" dirty="0">
+                <a:solidFill>
+                  <a:srgbClr val="008080"/>
+                </a:solidFill>
+              </a:rPr>
+              <a:t>A</a:t>
+            </a:r>
+          </a:p>
+          <a:p>
+            <a:pPr marL="457200" lvl="1" indent="0">
+              <a:buNone/>
+            </a:pPr>
+            <a:r>
+              <a:rPr kumimoji="1" lang="en-US" altLang="zh-CN" dirty="0" err="1" smtClean="0"/>
+              <a:t>def</a:t>
+            </a:r>
+            <a:r>
+              <a:rPr kumimoji="1" lang="en-US" altLang="zh-CN" dirty="0" smtClean="0"/>
+              <a:t> __</a:t>
+            </a:r>
+            <a:r>
+              <a:rPr kumimoji="1" lang="en-US" altLang="zh-CN" dirty="0" err="1" smtClean="0"/>
+              <a:t>init</a:t>
+            </a:r>
+            <a:r>
+              <a:rPr kumimoji="1" lang="en-US" altLang="zh-CN" dirty="0" smtClean="0"/>
+              <a:t>__(self, data=None):</a:t>
+            </a:r>
+            <a:r>
+              <a:rPr kumimoji="1" lang="zh-CN" altLang="en-US" dirty="0" smtClean="0"/>
+              <a:t> </a:t>
+            </a:r>
+            <a:r>
+              <a:rPr lang="en-US" altLang="zh-CN" sz="2200" b="1" dirty="0">
+                <a:solidFill>
+                  <a:srgbClr val="008080"/>
+                </a:solidFill>
+              </a:rPr>
+              <a:t>#</a:t>
+            </a:r>
+            <a:r>
+              <a:rPr lang="zh-CN" altLang="en-US" sz="2200" b="1" dirty="0">
+                <a:solidFill>
+                  <a:srgbClr val="008080"/>
+                </a:solidFill>
+              </a:rPr>
+              <a:t> 定义构造函数</a:t>
+            </a:r>
+            <a:endParaRPr lang="en-US" altLang="zh-CN" sz="2200" b="1" dirty="0">
+              <a:solidFill>
+                <a:srgbClr val="008080"/>
+              </a:solidFill>
+            </a:endParaRPr>
+          </a:p>
+          <a:p>
+            <a:pPr marL="914400" lvl="2" indent="0">
+              <a:buNone/>
+            </a:pPr>
+            <a:r>
+              <a:rPr kumimoji="1" lang="en-US" altLang="zh-CN" dirty="0" err="1" smtClean="0"/>
+              <a:t>self.data</a:t>
+            </a:r>
+            <a:r>
+              <a:rPr kumimoji="1" lang="en-US" altLang="zh-CN" dirty="0" smtClean="0"/>
+              <a:t> = data</a:t>
+            </a:r>
+            <a:r>
+              <a:rPr kumimoji="1" lang="zh-CN" altLang="en-US" dirty="0" smtClean="0"/>
+              <a:t> </a:t>
+            </a:r>
+            <a:r>
+              <a:rPr lang="en-US" altLang="zh-CN" sz="2200" b="1" dirty="0">
+                <a:solidFill>
+                  <a:srgbClr val="008080"/>
+                </a:solidFill>
+              </a:rPr>
+              <a:t>#</a:t>
+            </a:r>
+            <a:r>
+              <a:rPr lang="zh-CN" altLang="en-US" sz="2200" b="1" dirty="0">
+                <a:solidFill>
+                  <a:srgbClr val="008080"/>
+                </a:solidFill>
+              </a:rPr>
+              <a:t> 将参数</a:t>
+            </a:r>
+            <a:r>
+              <a:rPr lang="en-US" altLang="zh-CN" sz="2200" b="1" dirty="0">
+                <a:solidFill>
+                  <a:srgbClr val="008080"/>
+                </a:solidFill>
+              </a:rPr>
+              <a:t>data</a:t>
+            </a:r>
+            <a:r>
+              <a:rPr lang="zh-CN" altLang="en-US" sz="2200" b="1" dirty="0">
+                <a:solidFill>
+                  <a:srgbClr val="008080"/>
+                </a:solidFill>
+              </a:rPr>
+              <a:t>的值赋给字段</a:t>
+            </a:r>
+            <a:r>
+              <a:rPr lang="en-US" altLang="zh-CN" sz="2200" b="1" dirty="0">
+                <a:solidFill>
+                  <a:srgbClr val="008080"/>
+                </a:solidFill>
+              </a:rPr>
+              <a:t>data</a:t>
+            </a:r>
+          </a:p>
+          <a:p>
+            <a:pPr marL="457200" lvl="1" indent="0">
+              <a:buNone/>
+            </a:pPr>
+            <a:r>
+              <a:rPr kumimoji="1" lang="en-US" altLang="zh-CN" dirty="0" err="1"/>
+              <a:t>d</a:t>
+            </a:r>
+            <a:r>
+              <a:rPr kumimoji="1" lang="en-US" altLang="zh-CN" dirty="0" err="1" smtClean="0"/>
+              <a:t>ef</a:t>
+            </a:r>
+            <a:r>
+              <a:rPr kumimoji="1" lang="en-US" altLang="zh-CN" dirty="0" smtClean="0"/>
+              <a:t> method(self, message):</a:t>
+            </a:r>
+            <a:r>
+              <a:rPr kumimoji="1" lang="zh-CN" altLang="en-US" dirty="0" smtClean="0"/>
+              <a:t> </a:t>
+            </a:r>
+            <a:r>
+              <a:rPr lang="en-US" altLang="zh-CN" sz="2400" b="1" dirty="0">
+                <a:solidFill>
+                  <a:srgbClr val="008080"/>
+                </a:solidFill>
+              </a:rPr>
+              <a:t>#</a:t>
+            </a:r>
+            <a:r>
+              <a:rPr lang="zh-CN" altLang="en-US" sz="2400" b="1" dirty="0">
+                <a:solidFill>
+                  <a:srgbClr val="008080"/>
+                </a:solidFill>
+              </a:rPr>
+              <a:t> 定义</a:t>
+            </a:r>
+            <a:r>
+              <a:rPr lang="en-US" altLang="zh-CN" sz="2400" b="1" dirty="0">
+                <a:solidFill>
+                  <a:srgbClr val="008080"/>
+                </a:solidFill>
+              </a:rPr>
+              <a:t>method</a:t>
+            </a:r>
+            <a:r>
+              <a:rPr lang="zh-CN" altLang="en-US" sz="2400" b="1" dirty="0">
+                <a:solidFill>
+                  <a:srgbClr val="008080"/>
+                </a:solidFill>
+              </a:rPr>
+              <a:t>方法</a:t>
+            </a:r>
+            <a:endParaRPr lang="en-US" altLang="zh-CN" sz="2400" b="1" dirty="0">
+              <a:solidFill>
+                <a:srgbClr val="008080"/>
+              </a:solidFill>
+            </a:endParaRPr>
+          </a:p>
+          <a:p>
+            <a:pPr marL="914400" lvl="2" indent="0">
+              <a:buNone/>
+            </a:pPr>
+            <a:r>
+              <a:rPr kumimoji="1" lang="en-US" altLang="zh-CN" dirty="0" smtClean="0"/>
+              <a:t>print message</a:t>
+            </a:r>
+            <a:r>
+              <a:rPr kumimoji="1" lang="zh-CN" altLang="en-US" dirty="0" smtClean="0"/>
+              <a:t> </a:t>
+            </a:r>
+            <a:r>
+              <a:rPr lang="en-US" altLang="zh-CN" sz="2400" b="1" dirty="0">
+                <a:solidFill>
+                  <a:srgbClr val="008080"/>
+                </a:solidFill>
+              </a:rPr>
+              <a:t>#</a:t>
+            </a:r>
+            <a:r>
+              <a:rPr lang="zh-CN" altLang="en-US" sz="2400" b="1" dirty="0">
+                <a:solidFill>
+                  <a:srgbClr val="008080"/>
+                </a:solidFill>
+              </a:rPr>
+              <a:t> 在屏幕上打印</a:t>
+            </a:r>
+            <a:r>
+              <a:rPr lang="en-US" altLang="zh-CN" sz="2400" b="1" dirty="0">
+                <a:solidFill>
+                  <a:srgbClr val="008080"/>
+                </a:solidFill>
+              </a:rPr>
+              <a:t>message</a:t>
+            </a:r>
+            <a:r>
+              <a:rPr lang="zh-CN" altLang="en-US" sz="2400" b="1" dirty="0">
+                <a:solidFill>
+                  <a:srgbClr val="008080"/>
+                </a:solidFill>
+              </a:rPr>
+              <a:t>的值</a:t>
+            </a:r>
+            <a:endParaRPr lang="en-US" altLang="zh-CN" sz="2400" b="1" dirty="0">
+              <a:solidFill>
+                <a:srgbClr val="008080"/>
+              </a:solidFill>
+            </a:endParaRPr>
+          </a:p>
+          <a:p>
+            <a:pPr marL="0" indent="0">
+              <a:buNone/>
+            </a:pPr>
+            <a:endParaRPr kumimoji="1" lang="en-US" altLang="zh-CN" dirty="0"/>
+          </a:p>
+          <a:p>
+            <a:pPr marL="0" indent="0">
+              <a:buNone/>
+            </a:pPr>
+            <a:r>
+              <a:rPr kumimoji="1" lang="en-US" altLang="zh-CN" dirty="0" smtClean="0"/>
+              <a:t>test = A(‘data here’)</a:t>
+            </a:r>
+            <a:r>
+              <a:rPr kumimoji="1" lang="zh-CN" altLang="en-US" dirty="0" smtClean="0"/>
+              <a:t> </a:t>
+            </a:r>
+            <a:r>
+              <a:rPr lang="en-US" altLang="zh-CN" b="1" dirty="0">
+                <a:solidFill>
+                  <a:srgbClr val="008080"/>
+                </a:solidFill>
+              </a:rPr>
+              <a:t>#</a:t>
+            </a:r>
+            <a:r>
+              <a:rPr lang="zh-CN" altLang="en-US" b="1" dirty="0">
+                <a:solidFill>
+                  <a:srgbClr val="008080"/>
+                </a:solidFill>
+              </a:rPr>
+              <a:t> 实例化类型</a:t>
+            </a:r>
+            <a:r>
+              <a:rPr lang="en-US" altLang="zh-CN" b="1" dirty="0">
+                <a:solidFill>
+                  <a:srgbClr val="008080"/>
+                </a:solidFill>
+              </a:rPr>
+              <a:t>A</a:t>
+            </a:r>
+            <a:r>
+              <a:rPr lang="zh-CN" altLang="en-US" b="1" dirty="0">
+                <a:solidFill>
+                  <a:srgbClr val="008080"/>
+                </a:solidFill>
+              </a:rPr>
+              <a:t>的对象</a:t>
+            </a:r>
+            <a:r>
+              <a:rPr lang="en-US" altLang="zh-CN" b="1" dirty="0">
+                <a:solidFill>
+                  <a:srgbClr val="008080"/>
+                </a:solidFill>
+              </a:rPr>
+              <a:t>test</a:t>
+            </a:r>
+          </a:p>
+          <a:p>
+            <a:pPr marL="0" indent="0">
+              <a:buNone/>
+            </a:pPr>
+            <a:r>
+              <a:rPr kumimoji="1" lang="en-US" altLang="zh-CN" dirty="0" smtClean="0"/>
+              <a:t>print </a:t>
+            </a:r>
+            <a:r>
+              <a:rPr kumimoji="1" lang="en-US" altLang="zh-CN" dirty="0" err="1" smtClean="0"/>
+              <a:t>test.data</a:t>
+            </a:r>
+            <a:r>
+              <a:rPr kumimoji="1" lang="zh-CN" altLang="en-US" dirty="0" smtClean="0"/>
+              <a:t> </a:t>
+            </a:r>
+            <a:r>
+              <a:rPr lang="en-US" altLang="zh-CN" b="1" dirty="0">
+                <a:solidFill>
+                  <a:srgbClr val="008080"/>
+                </a:solidFill>
+              </a:rPr>
+              <a:t>#</a:t>
+            </a:r>
+            <a:r>
+              <a:rPr lang="zh-CN" altLang="en-US" b="1" dirty="0">
+                <a:solidFill>
+                  <a:srgbClr val="008080"/>
+                </a:solidFill>
+              </a:rPr>
+              <a:t> 在屏幕上打印对象</a:t>
+            </a:r>
+            <a:r>
+              <a:rPr lang="en-US" altLang="zh-CN" b="1" dirty="0">
+                <a:solidFill>
+                  <a:srgbClr val="008080"/>
+                </a:solidFill>
+              </a:rPr>
+              <a:t>test</a:t>
+            </a:r>
+            <a:r>
+              <a:rPr lang="zh-CN" altLang="en-US" b="1" dirty="0">
+                <a:solidFill>
+                  <a:srgbClr val="008080"/>
+                </a:solidFill>
+              </a:rPr>
+              <a:t>的字段</a:t>
+            </a:r>
+            <a:r>
+              <a:rPr lang="en-US" altLang="zh-CN" b="1" dirty="0">
+                <a:solidFill>
+                  <a:srgbClr val="008080"/>
+                </a:solidFill>
+              </a:rPr>
+              <a:t>data</a:t>
+            </a:r>
+            <a:r>
+              <a:rPr lang="zh-CN" altLang="en-US" b="1" dirty="0">
+                <a:solidFill>
+                  <a:srgbClr val="008080"/>
+                </a:solidFill>
+              </a:rPr>
+              <a:t>的值</a:t>
+            </a:r>
+            <a:endParaRPr lang="en-US" altLang="zh-CN" b="1" dirty="0">
+              <a:solidFill>
+                <a:srgbClr val="008080"/>
+              </a:solidFill>
+            </a:endParaRPr>
+          </a:p>
+          <a:p>
+            <a:pPr marL="0" indent="0">
+              <a:buNone/>
+            </a:pPr>
+            <a:endParaRPr kumimoji="1" lang="en-US" altLang="zh-CN" dirty="0"/>
+          </a:p>
+          <a:p>
+            <a:pPr marL="0" indent="0">
+              <a:buNone/>
+            </a:pPr>
+            <a:r>
+              <a:rPr kumimoji="1" lang="en-US" altLang="zh-CN" dirty="0" err="1" smtClean="0"/>
+              <a:t>test.method</a:t>
+            </a:r>
+            <a:r>
+              <a:rPr kumimoji="1" lang="en-US" altLang="zh-CN" dirty="0" smtClean="0"/>
+              <a:t>(‘goes here’)</a:t>
+            </a:r>
+            <a:r>
+              <a:rPr kumimoji="1" lang="zh-CN" altLang="en-US" dirty="0" smtClean="0"/>
+              <a:t> </a:t>
+            </a:r>
+            <a:r>
+              <a:rPr lang="en-US" altLang="zh-CN" b="1" dirty="0">
+                <a:solidFill>
+                  <a:srgbClr val="008080"/>
+                </a:solidFill>
+              </a:rPr>
+              <a:t>#</a:t>
+            </a:r>
+            <a:r>
+              <a:rPr lang="zh-CN" altLang="en-US" b="1" dirty="0">
+                <a:solidFill>
+                  <a:srgbClr val="008080"/>
+                </a:solidFill>
+              </a:rPr>
+              <a:t>调用对象</a:t>
+            </a:r>
+            <a:r>
+              <a:rPr lang="en-US" altLang="zh-CN" b="1" dirty="0">
+                <a:solidFill>
+                  <a:srgbClr val="008080"/>
+                </a:solidFill>
+              </a:rPr>
+              <a:t>test</a:t>
+            </a:r>
+            <a:r>
+              <a:rPr lang="zh-CN" altLang="en-US" b="1" dirty="0">
+                <a:solidFill>
+                  <a:srgbClr val="008080"/>
+                </a:solidFill>
+              </a:rPr>
+              <a:t>的</a:t>
+            </a:r>
+            <a:r>
+              <a:rPr lang="en-US" altLang="zh-CN" b="1" dirty="0">
+                <a:solidFill>
+                  <a:srgbClr val="008080"/>
+                </a:solidFill>
+              </a:rPr>
+              <a:t>method</a:t>
+            </a:r>
+            <a:r>
+              <a:rPr lang="zh-CN" altLang="en-US" b="1" dirty="0">
+                <a:solidFill>
+                  <a:srgbClr val="008080"/>
+                </a:solidFill>
+              </a:rPr>
+              <a:t>方法</a:t>
+            </a:r>
+            <a:endParaRPr lang="zh-CN" altLang="en-US" b="1" dirty="0">
+              <a:solidFill>
+                <a:srgbClr val="008080"/>
+              </a:solidFill>
+            </a:endParaRPr>
           </a:p>
         </p:txBody>
       </p:sp>
@@ -16814,7 +17146,7 @@
           <a:bodyPr/>
           <a:lstStyle/>
           <a:p>
-            <a:fld id="{D34D3014-94F6-4242-B7FC-4629A1D84031}" type="datetime1">
+            <a:fld id="{D534BC6D-8961-F742-A80A-2130D5CE01BF}" type="datetime1">
               <a:rPr kumimoji="1" lang="zh-CN" altLang="en-US" smtClean="0"/>
               <a:t>2017/11/22</a:t>
             </a:fld>
@@ -16840,6 +17172,128 @@
             <a:fld id="{12924E00-6951-2E4A-9B91-938056433B77}" type="slidenum">
               <a:rPr kumimoji="1" lang="zh-CN" altLang="en-US" smtClean="0"/>
               <a:t>20</a:t>
+            </a:fld>
+            <a:endParaRPr kumimoji="1" lang="zh-CN" altLang="en-US"/>
+          </a:p>
+        </p:txBody>
+      </p:sp>
+    </p:spTree>
+    <p:extLst>
+      <p:ext uri="{BB962C8B-B14F-4D97-AF65-F5344CB8AC3E}">
+        <p14:creationId xmlns:p14="http://schemas.microsoft.com/office/powerpoint/2010/main" val="481075754"/>
+      </p:ext>
+    </p:extLst>
+  </p:cSld>
+  <p:clrMapOvr>
+    <a:masterClrMapping/>
+  </p:clrMapOvr>
+  <mc:AlternateContent xmlns:mc="http://schemas.openxmlformats.org/markup-compatibility/2006">
+    <mc:Choice xmlns:p14="http://schemas.microsoft.com/office/powerpoint/2010/main" Requires="p14">
+      <p:transition spd="slow" p14:dur="1500">
+        <p:random/>
+      </p:transition>
+    </mc:Choice>
+    <mc:Fallback>
+      <p:transition spd="slow">
+        <p:random/>
+      </p:transition>
+    </mc:Fallback>
+  </mc:AlternateContent>
+  <p:timing>
+    <p:tnLst>
+      <p:par>
+        <p:cTn id="1" dur="indefinite" restart="never" nodeType="tmRoot"/>
+      </p:par>
+    </p:tnLst>
+  </p:timing>
+</p:sld>
+</file>
+
+<file path=ppt/slides/slide21.xml><?xml version="1.0" encoding="utf-8"?>
+<p:sld xmlns:a="http://schemas.openxmlformats.org/drawingml/2006/main" xmlns:r="http://schemas.openxmlformats.org/officeDocument/2006/relationships" xmlns:p="http://schemas.openxmlformats.org/presentationml/2006/main">
+  <p:cSld>
+    <p:spTree>
+      <p:nvGrpSpPr>
+        <p:cNvPr id="1" name=""/>
+        <p:cNvGrpSpPr/>
+        <p:nvPr/>
+      </p:nvGrpSpPr>
+      <p:grpSpPr>
+        <a:xfrm>
+          <a:off x="0" y="0"/>
+          <a:ext cx="0" cy="0"/>
+          <a:chOff x="0" y="0"/>
+          <a:chExt cx="0" cy="0"/>
+        </a:xfrm>
+      </p:grpSpPr>
+      <p:sp>
+        <p:nvSpPr>
+          <p:cNvPr id="2" name="标题 1"/>
+          <p:cNvSpPr>
+            <a:spLocks noGrp="1"/>
+          </p:cNvSpPr>
+          <p:nvPr>
+            <p:ph type="title"/>
+          </p:nvPr>
+        </p:nvSpPr>
+        <p:spPr/>
+        <p:txBody>
+          <a:bodyPr/>
+          <a:lstStyle/>
+          <a:p>
+            <a:r>
+              <a:rPr kumimoji="1" lang="en-US" altLang="zh-CN" dirty="0" smtClean="0"/>
+              <a:t>Python</a:t>
+            </a:r>
+            <a:r>
+              <a:rPr kumimoji="1" lang="zh-CN" altLang="en-US" dirty="0" smtClean="0"/>
+              <a:t>项目文件层次</a:t>
+            </a:r>
+            <a:endParaRPr kumimoji="1" lang="zh-CN" altLang="en-US" dirty="0"/>
+          </a:p>
+        </p:txBody>
+      </p:sp>
+      <p:sp>
+        <p:nvSpPr>
+          <p:cNvPr id="4" name="日期占位符 3"/>
+          <p:cNvSpPr>
+            <a:spLocks noGrp="1"/>
+          </p:cNvSpPr>
+          <p:nvPr>
+            <p:ph type="dt" sz="half" idx="10"/>
+          </p:nvPr>
+        </p:nvSpPr>
+        <p:spPr/>
+        <p:txBody>
+          <a:bodyPr/>
+          <a:lstStyle/>
+          <a:p>
+            <a:fld id="{D34D3014-94F6-4242-B7FC-4629A1D84031}" type="datetime1">
+              <a:rPr kumimoji="1" lang="zh-CN" altLang="en-US" smtClean="0"/>
+              <a:t>2017/11/22</a:t>
+            </a:fld>
+            <a:endParaRPr kumimoji="1" lang="zh-CN" altLang="en-US"/>
+          </a:p>
+        </p:txBody>
+      </p:sp>
+      <p:sp>
+        <p:nvSpPr>
+          <p:cNvPr id="5" name="幻灯片编号占位符 4"/>
+          <p:cNvSpPr>
+            <a:spLocks noGrp="1"/>
+          </p:cNvSpPr>
+          <p:nvPr>
+            <p:ph type="sldNum" sz="quarter" idx="12"/>
+          </p:nvPr>
+        </p:nvSpPr>
+        <p:spPr/>
+        <p:txBody>
+          <a:bodyPr/>
+          <a:lstStyle/>
+          <a:p>
+            <a:fld id="{12924E00-6951-2E4A-9B91-938056433B77}" type="slidenum">
+              <a:rPr kumimoji="1" lang="zh-CN" altLang="en-US" smtClean="0"/>
+              <a:t>21</a:t>
             </a:fld>
             <a:endParaRPr kumimoji="1" lang="zh-CN" altLang="en-US"/>
           </a:p>
@@ -16905,7 +17359,7 @@
 </p:sld>
 </file>
 
-<file path=ppt/slides/slide21.xml><?xml version="1.0" encoding="utf-8"?>
+<file path=ppt/slides/slide22.xml><?xml version="1.0" encoding="utf-8"?>
 <p:sld xmlns:a="http://schemas.openxmlformats.org/drawingml/2006/main" xmlns:r="http://schemas.openxmlformats.org/officeDocument/2006/relationships" xmlns:p="http://schemas.openxmlformats.org/presentationml/2006/main">
   <p:cSld>
     <p:spTree>
@@ -23148,7 +23602,7 @@
           <a:p>
             <a:fld id="{12924E00-6951-2E4A-9B91-938056433B77}" type="slidenum">
               <a:rPr kumimoji="1" lang="zh-CN" altLang="en-US" smtClean="0"/>
-              <a:t>21</a:t>
+              <a:t>22</a:t>
             </a:fld>
             <a:endParaRPr kumimoji="1" lang="zh-CN" altLang="en-US"/>
           </a:p>
@@ -23186,7 +23640,7 @@
 </p:sld>
 </file>
 
-<file path=ppt/slides/slide22.xml><?xml version="1.0" encoding="utf-8"?>
+<file path=ppt/slides/slide23.xml><?xml version="1.0" encoding="utf-8"?>
 <p:sld xmlns:a="http://schemas.openxmlformats.org/drawingml/2006/main" xmlns:r="http://schemas.openxmlformats.org/officeDocument/2006/relationships" xmlns:p="http://schemas.openxmlformats.org/presentationml/2006/main">
   <p:cSld>
     <p:spTree>
@@ -23875,7 +24329,7 @@
           <a:p>
             <a:fld id="{12924E00-6951-2E4A-9B91-938056433B77}" type="slidenum">
               <a:rPr kumimoji="1" lang="zh-CN" altLang="en-US" smtClean="0"/>
-              <a:t>22</a:t>
+              <a:t>23</a:t>
             </a:fld>
             <a:endParaRPr kumimoji="1" lang="zh-CN" altLang="en-US"/>
           </a:p>
@@ -23933,7 +24387,7 @@
 </p:sld>
 </file>
 
-<file path=ppt/slides/slide23.xml><?xml version="1.0" encoding="utf-8"?>
+<file path=ppt/slides/slide24.xml><?xml version="1.0" encoding="utf-8"?>
 <p:sld xmlns:a="http://schemas.openxmlformats.org/drawingml/2006/main" xmlns:r="http://schemas.openxmlformats.org/officeDocument/2006/relationships" xmlns:p="http://schemas.openxmlformats.org/presentationml/2006/main">
   <p:cSld>
     <p:spTree>
@@ -24226,7 +24680,7 @@
           <a:p>
             <a:fld id="{12924E00-6951-2E4A-9B91-938056433B77}" type="slidenum">
               <a:rPr kumimoji="1" lang="zh-CN" altLang="en-US" smtClean="0"/>
-              <a:t>23</a:t>
+              <a:t>24</a:t>
             </a:fld>
             <a:endParaRPr kumimoji="1" lang="zh-CN" altLang="en-US"/>
           </a:p>
@@ -24264,7 +24718,7 @@
 </p:sld>
 </file>
 
-<file path=ppt/slides/slide24.xml><?xml version="1.0" encoding="utf-8"?>
+<file path=ppt/slides/slide25.xml><?xml version="1.0" encoding="utf-8"?>
 <p:sld xmlns:a="http://schemas.openxmlformats.org/drawingml/2006/main" xmlns:r="http://schemas.openxmlformats.org/officeDocument/2006/relationships" xmlns:p="http://schemas.openxmlformats.org/presentationml/2006/main">
   <p:cSld>
     <p:spTree>
@@ -24679,7 +25133,7 @@
           <a:p>
             <a:fld id="{12924E00-6951-2E4A-9B91-938056433B77}" type="slidenum">
               <a:rPr kumimoji="1" lang="zh-CN" altLang="en-US" smtClean="0"/>
-              <a:t>24</a:t>
+              <a:t>25</a:t>
             </a:fld>
             <a:endParaRPr kumimoji="1" lang="zh-CN" altLang="en-US"/>
           </a:p>
@@ -24717,7 +25171,7 @@
 </p:sld>
 </file>
 
-<file path=ppt/slides/slide25.xml><?xml version="1.0" encoding="utf-8"?>
+<file path=ppt/slides/slide26.xml><?xml version="1.0" encoding="utf-8"?>
 <p:sld xmlns:a="http://schemas.openxmlformats.org/drawingml/2006/main" xmlns:r="http://schemas.openxmlformats.org/officeDocument/2006/relationships" xmlns:p="http://schemas.openxmlformats.org/presentationml/2006/main">
   <p:cSld>
     <p:spTree>
@@ -32828,7 +33282,7 @@
           <a:p>
             <a:fld id="{12924E00-6951-2E4A-9B91-938056433B77}" type="slidenum">
               <a:rPr kumimoji="1" lang="zh-CN" altLang="en-US" smtClean="0"/>
-              <a:t>25</a:t>
+              <a:t>26</a:t>
             </a:fld>
             <a:endParaRPr kumimoji="1" lang="zh-CN" altLang="en-US"/>
           </a:p>
@@ -32866,7 +33320,7 @@
 </p:sld>
 </file>
 
-<file path=ppt/slides/slide26.xml><?xml version="1.0" encoding="utf-8"?>
+<file path=ppt/slides/slide27.xml><?xml version="1.0" encoding="utf-8"?>
 <p:sld xmlns:a="http://schemas.openxmlformats.org/drawingml/2006/main" xmlns:r="http://schemas.openxmlformats.org/officeDocument/2006/relationships" xmlns:p="http://schemas.openxmlformats.org/presentationml/2006/main">
   <p:cSld>
     <p:spTree>
@@ -33439,7 +33893,7 @@
           <a:p>
             <a:fld id="{12924E00-6951-2E4A-9B91-938056433B77}" type="slidenum">
               <a:rPr kumimoji="1" lang="zh-CN" altLang="en-US" smtClean="0"/>
-              <a:t>26</a:t>
+              <a:t>27</a:t>
             </a:fld>
             <a:endParaRPr kumimoji="1" lang="zh-CN" altLang="en-US"/>
           </a:p>
@@ -33487,383 +33941,6 @@
     <p:extLst>
       <p:ext uri="{BB962C8B-B14F-4D97-AF65-F5344CB8AC3E}">
         <p14:creationId xmlns:p14="http://schemas.microsoft.com/office/powerpoint/2010/main" val="167418964"/>
-      </p:ext>
-    </p:extLst>
-  </p:cSld>
-  <p:clrMapOvr>
-    <a:masterClrMapping/>
-  </p:clrMapOvr>
-  <mc:AlternateContent xmlns:mc="http://schemas.openxmlformats.org/markup-compatibility/2006">
-    <mc:Choice xmlns:p14="http://schemas.microsoft.com/office/powerpoint/2010/main" Requires="p14">
-      <p:transition spd="slow" p14:dur="1500">
-        <p:random/>
-      </p:transition>
-    </mc:Choice>
-    <mc:Fallback>
-      <p:transition spd="slow">
-        <p:random/>
-      </p:transition>
-    </mc:Fallback>
-  </mc:AlternateContent>
-  <p:timing>
-    <p:tnLst>
-      <p:par>
-        <p:cTn id="1" dur="indefinite" restart="never" nodeType="tmRoot"/>
-      </p:par>
-    </p:tnLst>
-  </p:timing>
-</p:sld>
-</file>
-
-<file path=ppt/slides/slide27.xml><?xml version="1.0" encoding="utf-8"?>
-<p:sld xmlns:a="http://schemas.openxmlformats.org/drawingml/2006/main" xmlns:r="http://schemas.openxmlformats.org/officeDocument/2006/relationships" xmlns:p="http://schemas.openxmlformats.org/presentationml/2006/main">
-  <p:cSld>
-    <p:spTree>
-      <p:nvGrpSpPr>
-        <p:cNvPr id="1" name=""/>
-        <p:cNvGrpSpPr/>
-        <p:nvPr/>
-      </p:nvGrpSpPr>
-      <p:grpSpPr>
-        <a:xfrm>
-          <a:off x="0" y="0"/>
-          <a:ext cx="0" cy="0"/>
-          <a:chOff x="0" y="0"/>
-          <a:chExt cx="0" cy="0"/>
-        </a:xfrm>
-      </p:grpSpPr>
-      <p:sp>
-        <p:nvSpPr>
-          <p:cNvPr id="109570" name="Rectangle 2"/>
-          <p:cNvSpPr>
-            <a:spLocks noGrp="1" noChangeArrowheads="1"/>
-          </p:cNvSpPr>
-          <p:nvPr>
-            <p:ph type="title"/>
-          </p:nvPr>
-        </p:nvSpPr>
-        <p:spPr/>
-        <p:txBody>
-          <a:bodyPr/>
-          <a:lstStyle/>
-          <a:p>
-            <a:r>
-              <a:rPr lang="en-US" altLang="zh-CN" dirty="0" smtClean="0">
-                <a:latin typeface="Courier New" charset="0"/>
-              </a:rPr>
-              <a:t>While</a:t>
-            </a:r>
-            <a:r>
-              <a:rPr lang="zh-CN" altLang="en-US" dirty="0" smtClean="0">
-                <a:latin typeface="Courier New" charset="0"/>
-              </a:rPr>
-              <a:t>循环</a:t>
-            </a:r>
-            <a:endParaRPr lang="en-US" altLang="zh-CN" dirty="0"/>
-          </a:p>
-        </p:txBody>
-      </p:sp>
-      <p:sp>
-        <p:nvSpPr>
-          <p:cNvPr id="109571" name="Rectangle 3"/>
-          <p:cNvSpPr>
-            <a:spLocks noGrp="1" noChangeArrowheads="1"/>
-          </p:cNvSpPr>
-          <p:nvPr>
-            <p:ph type="body" idx="1"/>
-          </p:nvPr>
-        </p:nvSpPr>
-        <p:spPr/>
-        <p:txBody>
-          <a:bodyPr>
-            <a:normAutofit fontScale="92500" lnSpcReduction="20000"/>
-          </a:bodyPr>
-          <a:lstStyle/>
-          <a:p>
-            <a:r>
-              <a:rPr lang="en-US" altLang="zh-CN" b="1" dirty="0">
-                <a:latin typeface="Courier New" charset="0"/>
-              </a:rPr>
-              <a:t>while</a:t>
-            </a:r>
-            <a:r>
-              <a:rPr lang="en-US" altLang="zh-CN" b="1" dirty="0"/>
-              <a:t> </a:t>
-            </a:r>
-            <a:r>
-              <a:rPr lang="zh-CN" altLang="en-US" b="1" dirty="0" smtClean="0"/>
-              <a:t>循环</a:t>
-            </a:r>
-            <a:r>
-              <a:rPr lang="en-US" altLang="zh-CN" dirty="0" smtClean="0"/>
-              <a:t>:</a:t>
-            </a:r>
-            <a:r>
-              <a:rPr lang="zh-CN" altLang="en-US" dirty="0" smtClean="0"/>
-              <a:t> 只要</a:t>
-            </a:r>
-            <a:r>
-              <a:rPr lang="zh-CN" altLang="en-US" dirty="0"/>
-              <a:t>条件成立就执行</a:t>
-            </a:r>
-            <a:r>
-              <a:rPr lang="en-US" altLang="zh-CN" dirty="0" smtClean="0"/>
-              <a:t>.</a:t>
-            </a:r>
-            <a:endParaRPr lang="en-US" altLang="zh-CN" dirty="0"/>
-          </a:p>
-          <a:p>
-            <a:pPr lvl="1"/>
-            <a:r>
-              <a:rPr lang="zh-CN" altLang="en-US" dirty="0"/>
-              <a:t>适用于无限循环</a:t>
-            </a:r>
-            <a:r>
-              <a:rPr lang="en-US" altLang="zh-CN" dirty="0" smtClean="0"/>
-              <a:t>(</a:t>
-            </a:r>
-            <a:r>
-              <a:rPr lang="zh-CN" altLang="en-US" dirty="0"/>
-              <a:t>重复未知的次数</a:t>
-            </a:r>
-            <a:r>
-              <a:rPr lang="en-US" altLang="zh-CN" dirty="0" smtClean="0"/>
-              <a:t>)</a:t>
-            </a:r>
-            <a:endParaRPr lang="en-US" altLang="zh-CN" i="1" dirty="0"/>
-          </a:p>
-          <a:p>
-            <a:pPr lvl="1"/>
-            <a:endParaRPr lang="en-US" altLang="zh-CN" sz="1000" dirty="0"/>
-          </a:p>
-          <a:p>
-            <a:r>
-              <a:rPr lang="zh-CN" altLang="en-US" dirty="0" smtClean="0"/>
-              <a:t>语法</a:t>
-            </a:r>
-            <a:r>
-              <a:rPr lang="en-US" altLang="zh-CN" dirty="0" smtClean="0"/>
-              <a:t>:</a:t>
-            </a:r>
-            <a:endParaRPr lang="en-US" altLang="zh-CN" dirty="0"/>
-          </a:p>
-          <a:p>
-            <a:pPr lvl="1">
-              <a:buFontTx/>
-              <a:buNone/>
-            </a:pPr>
-            <a:r>
-              <a:rPr lang="en-US" altLang="zh-CN" dirty="0"/>
-              <a:t>	</a:t>
-            </a:r>
-            <a:r>
-              <a:rPr lang="en-US" altLang="zh-CN" dirty="0">
-                <a:latin typeface="Courier New" charset="0"/>
-              </a:rPr>
-              <a:t>while </a:t>
-            </a:r>
-            <a:r>
-              <a:rPr lang="zh-CN" altLang="en-US" b="1" dirty="0" smtClean="0"/>
-              <a:t>条件</a:t>
-            </a:r>
-            <a:r>
-              <a:rPr lang="en-US" altLang="zh-CN" dirty="0" smtClean="0">
-                <a:latin typeface="Courier New" charset="0"/>
-              </a:rPr>
-              <a:t>:</a:t>
-            </a:r>
-            <a:endParaRPr lang="en-US" altLang="zh-CN" dirty="0">
-              <a:latin typeface="Courier New" charset="0"/>
-            </a:endParaRPr>
-          </a:p>
-          <a:p>
-            <a:pPr lvl="1">
-              <a:buFontTx/>
-              <a:buNone/>
-            </a:pPr>
-            <a:r>
-              <a:rPr lang="en-US" altLang="zh-CN" dirty="0">
-                <a:latin typeface="Courier New" charset="0"/>
-              </a:rPr>
-              <a:t>	    </a:t>
-            </a:r>
-            <a:r>
-              <a:rPr lang="zh-CN" altLang="en-US" b="1" dirty="0" smtClean="0"/>
-              <a:t>语句</a:t>
-            </a:r>
-            <a:endParaRPr lang="en-US" altLang="zh-CN" dirty="0">
-              <a:latin typeface="Courier New" charset="0"/>
-            </a:endParaRPr>
-          </a:p>
-          <a:p>
-            <a:pPr lvl="1">
-              <a:buFontTx/>
-              <a:buNone/>
-            </a:pPr>
-            <a:endParaRPr lang="en-US" altLang="zh-CN" sz="800" dirty="0">
-              <a:latin typeface="Courier New" charset="0"/>
-            </a:endParaRPr>
-          </a:p>
-          <a:p>
-            <a:r>
-              <a:rPr lang="zh-CN" altLang="en-US" dirty="0" smtClean="0"/>
-              <a:t>例子</a:t>
-            </a:r>
-            <a:r>
-              <a:rPr lang="en-US" altLang="zh-CN" dirty="0" smtClean="0"/>
-              <a:t>:</a:t>
-            </a:r>
-            <a:endParaRPr lang="en-US" altLang="zh-CN" dirty="0"/>
-          </a:p>
-          <a:p>
-            <a:pPr lvl="1">
-              <a:lnSpc>
-                <a:spcPct val="80000"/>
-              </a:lnSpc>
-              <a:buFontTx/>
-              <a:buNone/>
-            </a:pPr>
-            <a:r>
-              <a:rPr lang="en-US" altLang="zh-CN" sz="2000" dirty="0">
-                <a:latin typeface="Courier New" charset="0"/>
-              </a:rPr>
-              <a:t>	number = 1</a:t>
-            </a:r>
-          </a:p>
-          <a:p>
-            <a:pPr lvl="1">
-              <a:lnSpc>
-                <a:spcPct val="80000"/>
-              </a:lnSpc>
-              <a:buFontTx/>
-              <a:buNone/>
-            </a:pPr>
-            <a:r>
-              <a:rPr lang="en-US" altLang="zh-CN" sz="2000" b="1" dirty="0">
-                <a:latin typeface="Courier New" charset="0"/>
-              </a:rPr>
-              <a:t>	while number &lt; 200:</a:t>
-            </a:r>
-          </a:p>
-          <a:p>
-            <a:pPr lvl="1">
-              <a:lnSpc>
-                <a:spcPct val="80000"/>
-              </a:lnSpc>
-              <a:buFontTx/>
-              <a:buNone/>
-            </a:pPr>
-            <a:r>
-              <a:rPr lang="en-US" altLang="zh-CN" sz="2000" dirty="0">
-                <a:latin typeface="Courier New" charset="0"/>
-              </a:rPr>
-              <a:t>	    print number, </a:t>
-            </a:r>
-          </a:p>
-          <a:p>
-            <a:pPr lvl="1">
-              <a:lnSpc>
-                <a:spcPct val="80000"/>
-              </a:lnSpc>
-              <a:buFontTx/>
-              <a:buNone/>
-            </a:pPr>
-            <a:r>
-              <a:rPr lang="en-US" altLang="zh-CN" sz="2000" dirty="0">
-                <a:latin typeface="Courier New" charset="0"/>
-              </a:rPr>
-              <a:t>	    number = number * 2</a:t>
-            </a:r>
-          </a:p>
-          <a:p>
-            <a:pPr lvl="1">
-              <a:buFontTx/>
-              <a:buNone/>
-            </a:pPr>
-            <a:endParaRPr lang="en-US" altLang="zh-CN" sz="800" b="1" dirty="0">
-              <a:latin typeface="Courier New" charset="0"/>
-            </a:endParaRPr>
-          </a:p>
-          <a:p>
-            <a:pPr lvl="1"/>
-            <a:r>
-              <a:rPr lang="zh-CN" altLang="en-US" dirty="0" smtClean="0"/>
-              <a:t>输出</a:t>
-            </a:r>
-            <a:r>
-              <a:rPr lang="en-US" altLang="zh-CN" dirty="0" smtClean="0"/>
-              <a:t>:</a:t>
-            </a:r>
-            <a:endParaRPr lang="en-US" altLang="zh-CN" dirty="0"/>
-          </a:p>
-          <a:p>
-            <a:pPr lvl="1">
-              <a:lnSpc>
-                <a:spcPct val="90000"/>
-              </a:lnSpc>
-              <a:buFontTx/>
-              <a:buNone/>
-            </a:pPr>
-            <a:r>
-              <a:rPr lang="en-US" altLang="zh-CN" sz="2000" dirty="0">
-                <a:latin typeface="Courier New" charset="0"/>
-              </a:rPr>
-              <a:t>	1 2 4 8 16 32 64 128</a:t>
-            </a:r>
-            <a:endParaRPr lang="en-US" altLang="zh-CN" sz="2000" dirty="0"/>
-          </a:p>
-        </p:txBody>
-      </p:sp>
-      <p:sp>
-        <p:nvSpPr>
-          <p:cNvPr id="2" name="日期占位符 1"/>
-          <p:cNvSpPr>
-            <a:spLocks noGrp="1"/>
-          </p:cNvSpPr>
-          <p:nvPr>
-            <p:ph type="dt" sz="half" idx="10"/>
-          </p:nvPr>
-        </p:nvSpPr>
-        <p:spPr/>
-        <p:txBody>
-          <a:bodyPr/>
-          <a:lstStyle/>
-          <a:p>
-            <a:fld id="{643BFFA3-8581-6F47-B19E-0295A2431801}" type="datetime1">
-              <a:rPr kumimoji="1" lang="zh-CN" altLang="en-US" smtClean="0"/>
-              <a:t>2017/11/22</a:t>
-            </a:fld>
-            <a:endParaRPr kumimoji="1" lang="zh-CN" altLang="en-US"/>
-          </a:p>
-        </p:txBody>
-      </p:sp>
-      <p:sp>
-        <p:nvSpPr>
-          <p:cNvPr id="3" name="幻灯片编号占位符 2"/>
-          <p:cNvSpPr>
-            <a:spLocks noGrp="1"/>
-          </p:cNvSpPr>
-          <p:nvPr>
-            <p:ph type="sldNum" sz="quarter" idx="12"/>
-          </p:nvPr>
-        </p:nvSpPr>
-        <p:spPr/>
-        <p:txBody>
-          <a:bodyPr/>
-          <a:lstStyle/>
-          <a:p>
-            <a:fld id="{12924E00-6951-2E4A-9B91-938056433B77}" type="slidenum">
-              <a:rPr kumimoji="1" lang="zh-CN" altLang="en-US" smtClean="0"/>
-              <a:t>27</a:t>
-            </a:fld>
-            <a:endParaRPr kumimoji="1" lang="zh-CN" altLang="en-US"/>
-          </a:p>
-        </p:txBody>
-      </p:sp>
-    </p:spTree>
-    <p:extLst>
-      <p:ext uri="{BB962C8B-B14F-4D97-AF65-F5344CB8AC3E}">
-        <p14:creationId xmlns:p14="http://schemas.microsoft.com/office/powerpoint/2010/main" val="606950378"/>
       </p:ext>
     </p:extLst>
   </p:cSld>
@@ -33911,7 +33988,7 @@
       </p:grpSpPr>
       <p:sp>
         <p:nvSpPr>
-          <p:cNvPr id="112642" name="Rectangle 2"/>
+          <p:cNvPr id="109570" name="Rectangle 2"/>
           <p:cNvSpPr>
             <a:spLocks noGrp="1" noChangeArrowheads="1"/>
           </p:cNvSpPr>
@@ -33925,8 +34002,16 @@
           <a:lstStyle/>
           <a:p>
             <a:r>
-              <a:rPr lang="zh-CN" altLang="en-US" dirty="0" smtClean="0"/>
-              <a:t>随机数</a:t>
+              <a:rPr lang="en-US" altLang="zh-CN" dirty="0" smtClean="0">
+                <a:latin typeface="Courier New" charset="0"/>
+              </a:rPr>
+              <a:t>While</a:t>
+            </a:r>
+            <a:r>
+              <a:rPr lang="zh-CN" altLang="en-US" dirty="0" smtClean="0">
+                <a:latin typeface="Courier New" charset="0"/>
+              </a:rPr>
+              <a:t>循环</a:t>
             </a:r>
             <a:endParaRPr lang="en-US" altLang="zh-CN" dirty="0"/>
           </a:p>
@@ -33934,7 +34019,7 @@
       </p:sp>
       <p:sp>
         <p:nvSpPr>
-          <p:cNvPr id="112643" name="Rectangle 3"/>
+          <p:cNvPr id="109571" name="Rectangle 3"/>
           <p:cNvSpPr>
             <a:spLocks noGrp="1" noChangeArrowheads="1"/>
           </p:cNvSpPr>
@@ -33944,123 +34029,71 @@
         </p:nvSpPr>
         <p:spPr/>
         <p:txBody>
-          <a:bodyPr/>
+          <a:bodyPr>
+            <a:normAutofit fontScale="92500" lnSpcReduction="20000"/>
+          </a:bodyPr>
           <a:lstStyle/>
           <a:p>
+            <a:r>
+              <a:rPr lang="en-US" altLang="zh-CN" b="1" dirty="0">
+                <a:latin typeface="Courier New" charset="0"/>
+              </a:rPr>
+              <a:t>while</a:t>
+            </a:r>
+            <a:r>
+              <a:rPr lang="en-US" altLang="zh-CN" b="1" dirty="0"/>
+              <a:t> </a:t>
+            </a:r>
+            <a:r>
+              <a:rPr lang="zh-CN" altLang="en-US" b="1" dirty="0" smtClean="0"/>
+              <a:t>循环</a:t>
+            </a:r>
+            <a:r>
+              <a:rPr lang="en-US" altLang="zh-CN" dirty="0" smtClean="0"/>
+              <a:t>:</a:t>
+            </a:r>
+            <a:r>
+              <a:rPr lang="zh-CN" altLang="en-US" dirty="0" smtClean="0"/>
+              <a:t> 只要</a:t>
+            </a:r>
+            <a:r>
+              <a:rPr lang="zh-CN" altLang="en-US" dirty="0"/>
+              <a:t>条件成立就执行</a:t>
+            </a:r>
+            <a:r>
+              <a:rPr lang="en-US" altLang="zh-CN" dirty="0" smtClean="0"/>
+              <a:t>.</a:t>
+            </a:r>
+            <a:endParaRPr lang="en-US" altLang="zh-CN" dirty="0"/>
+          </a:p>
+          <a:p>
             <a:pPr lvl="1"/>
             <a:r>
-              <a:rPr lang="en-US" altLang="zh-CN" dirty="0">
-                <a:latin typeface="Courier New" charset="0"/>
-              </a:rPr>
-              <a:t>from random import *</a:t>
-            </a:r>
+              <a:rPr lang="zh-CN" altLang="en-US" dirty="0"/>
+              <a:t>适用于无限循环</a:t>
+            </a:r>
+            <a:r>
+              <a:rPr lang="en-US" altLang="zh-CN" dirty="0" smtClean="0"/>
+              <a:t>(</a:t>
+            </a:r>
+            <a:r>
+              <a:rPr lang="zh-CN" altLang="en-US" dirty="0"/>
+              <a:t>重复未知的次数</a:t>
+            </a:r>
+            <a:r>
+              <a:rPr lang="en-US" altLang="zh-CN" dirty="0" smtClean="0"/>
+              <a:t>)</a:t>
+            </a:r>
+            <a:endParaRPr lang="en-US" altLang="zh-CN" i="1" dirty="0"/>
           </a:p>
           <a:p>
             <a:pPr lvl="1"/>
-            <a:endParaRPr lang="en-US" altLang="zh-CN" dirty="0">
-              <a:latin typeface="Courier New" charset="0"/>
-            </a:endParaRPr>
-          </a:p>
-          <a:p>
-            <a:pPr lvl="1"/>
-            <a:r>
-              <a:rPr lang="en-US" altLang="zh-CN" dirty="0" err="1" smtClean="0">
-                <a:latin typeface="Courier New" charset="0"/>
-              </a:rPr>
-              <a:t>randint</a:t>
-            </a:r>
-            <a:r>
-              <a:rPr lang="en-US" altLang="zh-CN" dirty="0" smtClean="0">
-                <a:latin typeface="Courier New" charset="0"/>
-              </a:rPr>
-              <a:t>(</a:t>
-            </a:r>
-            <a:r>
-              <a:rPr lang="zh-CN" altLang="en-US" b="1" dirty="0" smtClean="0">
-                <a:latin typeface="Verdana" charset="0"/>
-              </a:rPr>
-              <a:t>最小值</a:t>
-            </a:r>
-            <a:r>
-              <a:rPr lang="en-US" altLang="zh-CN" dirty="0" smtClean="0">
-                <a:latin typeface="Courier New" charset="0"/>
-              </a:rPr>
-              <a:t>, </a:t>
-            </a:r>
-            <a:r>
-              <a:rPr lang="zh-CN" altLang="en-US" b="1" dirty="0" smtClean="0">
-                <a:latin typeface="Verdana" charset="0"/>
-              </a:rPr>
-              <a:t>最大值</a:t>
-            </a:r>
-            <a:r>
-              <a:rPr lang="en-US" altLang="zh-CN" dirty="0" smtClean="0">
-                <a:latin typeface="Courier New" charset="0"/>
-              </a:rPr>
-              <a:t>)</a:t>
-            </a:r>
-            <a:r>
-              <a:rPr lang="en-US" altLang="zh-CN" dirty="0">
-                <a:latin typeface="Courier New" charset="0"/>
-              </a:rPr>
-              <a:t/>
-            </a:r>
-            <a:br>
-              <a:rPr lang="en-US" altLang="zh-CN" dirty="0">
-                <a:latin typeface="Courier New" charset="0"/>
-              </a:rPr>
-            </a:br>
+            <a:endParaRPr lang="en-US" altLang="zh-CN" sz="1000" dirty="0"/>
+          </a:p>
+          <a:p>
             <a:r>
               <a:rPr lang="zh-CN" altLang="en-US" dirty="0" smtClean="0"/>
-              <a:t>产生</a:t>
-            </a:r>
-            <a:r>
-              <a:rPr lang="zh-CN" altLang="en-US" b="1" dirty="0">
-                <a:latin typeface="Verdana" charset="0"/>
-              </a:rPr>
-              <a:t>最小值</a:t>
-            </a:r>
-            <a:r>
-              <a:rPr lang="zh-CN" altLang="en-US" dirty="0" smtClean="0"/>
-              <a:t>和</a:t>
-            </a:r>
-            <a:r>
-              <a:rPr lang="zh-CN" altLang="en-US" b="1" dirty="0">
-                <a:latin typeface="Verdana" charset="0"/>
-              </a:rPr>
-              <a:t>最大值</a:t>
-            </a:r>
-            <a:r>
-              <a:rPr lang="zh-CN" altLang="en-US" dirty="0" smtClean="0"/>
-              <a:t>之间</a:t>
-            </a:r>
-            <a:r>
-              <a:rPr lang="zh-CN" altLang="en-US" dirty="0"/>
-              <a:t>（包含</a:t>
-            </a:r>
-            <a:r>
-              <a:rPr lang="zh-CN" altLang="en-US" dirty="0" smtClean="0"/>
-              <a:t>）的</a:t>
-            </a:r>
-            <a:r>
-              <a:rPr lang="zh-CN" altLang="en-US" dirty="0"/>
-              <a:t>随机</a:t>
-            </a:r>
-            <a:r>
-              <a:rPr lang="zh-CN" altLang="en-US" dirty="0" smtClean="0"/>
-              <a:t>值</a:t>
-            </a:r>
-            <a:endParaRPr lang="en-US" altLang="zh-CN" dirty="0" smtClean="0"/>
-          </a:p>
-          <a:p>
-            <a:pPr lvl="1"/>
-            <a:endParaRPr lang="en-US" altLang="zh-CN" dirty="0" smtClean="0"/>
-          </a:p>
-          <a:p>
-            <a:pPr lvl="1"/>
-            <a:r>
-              <a:rPr lang="zh-CN" altLang="en-US" dirty="0" smtClean="0"/>
-              <a:t>例子</a:t>
+              <a:t>语法</a:t>
             </a:r>
             <a:r>
               <a:rPr lang="en-US" altLang="zh-CN" dirty="0" smtClean="0"/>
@@ -34074,11 +34107,67 @@
               <a:buNone/>
             </a:pPr>
             <a:r>
-              <a:rPr lang="en-US" altLang="zh-CN" sz="800" dirty="0">
+              <a:rPr lang="en-US" altLang="zh-CN" dirty="0"/>
+              <a:t>	</a:t>
+            </a:r>
+            <a:r>
+              <a:rPr lang="en-US" altLang="zh-CN" dirty="0">
                 <a:latin typeface="Courier New" charset="0"/>
               </a:rPr>
-              <a:t>	</a:t>
-            </a:r>
+              <a:t>while </a:t>
+            </a:r>
+            <a:r>
+              <a:rPr lang="zh-CN" altLang="en-US" b="1" dirty="0" smtClean="0"/>
+              <a:t>条件</a:t>
+            </a:r>
+            <a:r>
+              <a:rPr lang="en-US" altLang="zh-CN" dirty="0" smtClean="0">
+                <a:latin typeface="Courier New" charset="0"/>
+              </a:rPr>
+              <a:t>:</a:t>
+            </a:r>
+            <a:endParaRPr lang="en-US" altLang="zh-CN" dirty="0">
+              <a:latin typeface="Courier New" charset="0"/>
+            </a:endParaRPr>
+          </a:p>
+          <a:p>
+            <a:pPr lvl="1">
+              <a:buFontTx/>
+              <a:buNone/>
+            </a:pPr>
+            <a:r>
+              <a:rPr lang="en-US" altLang="zh-CN" dirty="0">
+                <a:latin typeface="Courier New" charset="0"/>
+              </a:rPr>
+              <a:t>	    </a:t>
+            </a:r>
+            <a:r>
+              <a:rPr lang="zh-CN" altLang="en-US" b="1" dirty="0" smtClean="0"/>
+              <a:t>语句</a:t>
+            </a:r>
+            <a:endParaRPr lang="en-US" altLang="zh-CN" dirty="0">
+              <a:latin typeface="Courier New" charset="0"/>
+            </a:endParaRPr>
+          </a:p>
+          <a:p>
+            <a:pPr lvl="1">
+              <a:buFontTx/>
+              <a:buNone/>
+            </a:pPr>
+            <a:endParaRPr lang="en-US" altLang="zh-CN" sz="800" dirty="0">
+              <a:latin typeface="Courier New" charset="0"/>
+            </a:endParaRPr>
+          </a:p>
+          <a:p>
+            <a:r>
+              <a:rPr lang="zh-CN" altLang="en-US" dirty="0" smtClean="0"/>
+              <a:t>例子</a:t>
+            </a:r>
+            <a:r>
+              <a:rPr lang="en-US" altLang="zh-CN" dirty="0" smtClean="0"/>
+              <a:t>:</a:t>
+            </a:r>
+            <a:endParaRPr lang="en-US" altLang="zh-CN" dirty="0"/>
           </a:p>
           <a:p>
             <a:pPr lvl="1">
@@ -34089,34 +34178,10 @@
               <a:buNone/>
             </a:pPr>
             <a:r>
-              <a:rPr lang="en-US" altLang="zh-CN" dirty="0">
+              <a:rPr lang="en-US" altLang="zh-CN" sz="2000" dirty="0">
                 <a:latin typeface="Courier New" charset="0"/>
               </a:rPr>
-              <a:t>	</a:t>
-            </a:r>
-            <a:r>
-              <a:rPr lang="en-US" altLang="zh-CN" dirty="0" err="1">
-                <a:latin typeface="Courier New" charset="0"/>
-              </a:rPr>
-              <a:t>coinflip</a:t>
-            </a:r>
-            <a:r>
-              <a:rPr lang="en-US" altLang="zh-CN" dirty="0">
-                <a:latin typeface="Courier New" charset="0"/>
-              </a:rPr>
-              <a:t> = </a:t>
-            </a:r>
-            <a:r>
-              <a:rPr lang="en-US" altLang="zh-CN" b="1" dirty="0" err="1">
-                <a:latin typeface="Courier New" charset="0"/>
-              </a:rPr>
-              <a:t>randint</a:t>
-            </a:r>
-            <a:r>
-              <a:rPr lang="en-US" altLang="zh-CN" b="1" dirty="0">
-                <a:latin typeface="Courier New" charset="0"/>
-              </a:rPr>
-              <a:t>(1, 2)</a:t>
+              <a:t>	number = 1</a:t>
             </a:r>
           </a:p>
           <a:p>
@@ -34128,22 +34193,10 @@
               <a:buNone/>
             </a:pPr>
             <a:r>
-              <a:rPr lang="en-US" altLang="zh-CN" dirty="0">
+              <a:rPr lang="en-US" altLang="zh-CN" sz="2000" b="1" dirty="0">
                 <a:latin typeface="Courier New" charset="0"/>
               </a:rPr>
-              <a:t>	if </a:t>
-            </a:r>
-            <a:r>
-              <a:rPr lang="en-US" altLang="zh-CN" dirty="0" err="1">
-                <a:latin typeface="Courier New" charset="0"/>
-              </a:rPr>
-              <a:t>coinflip</a:t>
-            </a:r>
-            <a:r>
-              <a:rPr lang="en-US" altLang="zh-CN" dirty="0">
-                <a:latin typeface="Courier New" charset="0"/>
-              </a:rPr>
-              <a:t> == 1:</a:t>
+              <a:t>	while number &lt; 200:</a:t>
             </a:r>
           </a:p>
           <a:p>
@@ -34155,10 +34208,10 @@
               <a:buNone/>
             </a:pPr>
             <a:r>
-              <a:rPr lang="en-US" altLang="zh-CN" dirty="0">
+              <a:rPr lang="en-US" altLang="zh-CN" sz="2000" dirty="0">
                 <a:latin typeface="Courier New" charset="0"/>
               </a:rPr>
-              <a:t>	    print "Heads"</a:t>
+              <a:t>	    print number, </a:t>
             </a:r>
           </a:p>
           <a:p>
@@ -34170,26 +34223,48 @@
               <a:buNone/>
             </a:pPr>
             <a:r>
-              <a:rPr lang="en-US" altLang="zh-CN" dirty="0">
+              <a:rPr lang="en-US" altLang="zh-CN" sz="2000" dirty="0">
                 <a:latin typeface="Courier New" charset="0"/>
               </a:rPr>
-              <a:t>	else:</a:t>
-            </a:r>
+              <a:t>	    number = number * 2</a:t>
+            </a:r>
+          </a:p>
+          <a:p>
+            <a:pPr lvl="1">
+              <a:buFontTx/>
+              <a:buNone/>
+            </a:pPr>
+            <a:endParaRPr lang="en-US" altLang="zh-CN" sz="800" b="1" dirty="0">
+              <a:latin typeface="Courier New" charset="0"/>
+            </a:endParaRPr>
+          </a:p>
+          <a:p>
+            <a:pPr lvl="1"/>
+            <a:r>
+              <a:rPr lang="zh-CN" altLang="en-US" dirty="0" smtClean="0"/>
+              <a:t>输出</a:t>
+            </a:r>
+            <a:r>
+              <a:rPr lang="en-US" altLang="zh-CN" dirty="0" smtClean="0"/>
+              <a:t>:</a:t>
+            </a:r>
+            <a:endParaRPr lang="en-US" altLang="zh-CN" dirty="0"/>
           </a:p>
           <a:p>
             <a:pPr lvl="1">
               <a:lnSpc>
-                <a:spcPct val="80000"/>
+                <a:spcPct val="90000"/>
               </a:lnSpc>
               <a:buFontTx/>
               <a:buNone/>
             </a:pPr>
             <a:r>
-              <a:rPr lang="en-US" altLang="zh-CN" dirty="0">
+              <a:rPr lang="en-US" altLang="zh-CN" sz="2000" dirty="0">
                 <a:latin typeface="Courier New" charset="0"/>
               </a:rPr>
-              <a:t>	    print "Tails"</a:t>
-            </a:r>
+              <a:t>	1 2 4 8 16 32 64 128</a:t>
+            </a:r>
+            <a:endParaRPr lang="en-US" altLang="zh-CN" sz="2000" dirty="0"/>
           </a:p>
         </p:txBody>
       </p:sp>
@@ -34208,7 +34283,7 @@
           <a:bodyPr/>
           <a:lstStyle/>
           <a:p>
-            <a:fld id="{72388155-03F4-674F-9918-89D85BB8794D}" type="datetime1">
+            <a:fld id="{643BFFA3-8581-6F47-B19E-0295A2431801}" type="datetime1">
               <a:rPr kumimoji="1" lang="zh-CN" altLang="en-US" smtClean="0"/>
               <a:t>2017/11/22</a:t>
             </a:fld>
@@ -34242,7 +34317,7 @@
     </p:spTree>
     <p:extLst>
       <p:ext uri="{BB962C8B-B14F-4D97-AF65-F5344CB8AC3E}">
-        <p14:creationId xmlns:p14="http://schemas.microsoft.com/office/powerpoint/2010/main" val="467679796"/>
+        <p14:creationId xmlns:p14="http://schemas.microsoft.com/office/powerpoint/2010/main" val="606950378"/>
       </p:ext>
     </p:extLst>
   </p:cSld>
@@ -34290,476 +34365,7 @@
       </p:grpSpPr>
       <p:sp>
         <p:nvSpPr>
-          <p:cNvPr id="71682" name="Rectangle 2"/>
-          <p:cNvSpPr>
-            <a:spLocks noGrp="1" noChangeArrowheads="1"/>
-          </p:cNvSpPr>
-          <p:nvPr>
-            <p:ph type="body" idx="1"/>
-          </p:nvPr>
-        </p:nvSpPr>
-        <p:spPr>
-          <a:xfrm>
-            <a:off x="162339" y="2057401"/>
-            <a:ext cx="8842375" cy="4051300"/>
-          </a:xfrm>
-          <a:ln/>
-          <a:extLst>
-            <a:ext uri="{91240B29-F687-4F45-9708-019B960494DF}">
-              <a14:hiddenLine xmlns:a14="http://schemas.microsoft.com/office/drawing/2010/main" w="9525">
-                <a:solidFill>
-                  <a:srgbClr val="000000"/>
-                </a:solidFill>
-                <a:round/>
-                <a:headEnd/>
-                <a:tailEnd/>
-              </a14:hiddenLine>
-            </a:ext>
-          </a:extLst>
-        </p:spPr>
-        <p:txBody>
-          <a:bodyPr lIns="90000" tIns="46800" rIns="90000" bIns="46800">
-            <a:spAutoFit/>
-          </a:bodyPr>
-          <a:lstStyle/>
-          <a:p>
-            <a:pPr marL="339725" indent="-339725" defTabSz="449263">
-              <a:tabLst>
-                <a:tab pos="454025" algn="l"/>
-                <a:tab pos="911225" algn="l"/>
-                <a:tab pos="1368425" algn="l"/>
-                <a:tab pos="1825625" algn="l"/>
-                <a:tab pos="2282825" algn="l"/>
-                <a:tab pos="2740025" algn="l"/>
-                <a:tab pos="3197225" algn="l"/>
-                <a:tab pos="3654425" algn="l"/>
-                <a:tab pos="4111625" algn="l"/>
-                <a:tab pos="4568825" algn="l"/>
-                <a:tab pos="5026025" algn="l"/>
-                <a:tab pos="5483225" algn="l"/>
-                <a:tab pos="5940425" algn="l"/>
-                <a:tab pos="6397625" algn="l"/>
-                <a:tab pos="6854825" algn="l"/>
-                <a:tab pos="7312025" algn="l"/>
-                <a:tab pos="7769225" algn="l"/>
-                <a:tab pos="8226425" algn="l"/>
-                <a:tab pos="8683625" algn="l"/>
-                <a:tab pos="9140825" algn="l"/>
-              </a:tabLst>
-            </a:pPr>
-            <a:r>
-              <a:rPr lang="zh-CN" altLang="en-US" b="1" dirty="0" smtClean="0"/>
-              <a:t>字符串</a:t>
-            </a:r>
-            <a:r>
-              <a:rPr lang="en-GB" altLang="zh-CN" dirty="0" smtClean="0"/>
-              <a:t>:</a:t>
-            </a:r>
-            <a:r>
-              <a:rPr lang="zh-CN" altLang="en-US" dirty="0" smtClean="0"/>
-              <a:t>一系列</a:t>
-            </a:r>
-            <a:r>
-              <a:rPr lang="zh-CN" altLang="en-US" dirty="0"/>
-              <a:t>文本</a:t>
-            </a:r>
-            <a:r>
-              <a:rPr lang="zh-CN" altLang="en-US" dirty="0" smtClean="0"/>
-              <a:t>字符</a:t>
-            </a:r>
-            <a:endParaRPr lang="en-GB" altLang="zh-CN" dirty="0"/>
-          </a:p>
-          <a:p>
-            <a:pPr marL="739775" lvl="1" indent="-282575" defTabSz="449263">
-              <a:tabLst>
-                <a:tab pos="454025" algn="l"/>
-                <a:tab pos="911225" algn="l"/>
-                <a:tab pos="1368425" algn="l"/>
-                <a:tab pos="1825625" algn="l"/>
-                <a:tab pos="2282825" algn="l"/>
-                <a:tab pos="2740025" algn="l"/>
-                <a:tab pos="3197225" algn="l"/>
-                <a:tab pos="3654425" algn="l"/>
-                <a:tab pos="4111625" algn="l"/>
-                <a:tab pos="4568825" algn="l"/>
-                <a:tab pos="5026025" algn="l"/>
-                <a:tab pos="5483225" algn="l"/>
-                <a:tab pos="5940425" algn="l"/>
-                <a:tab pos="6397625" algn="l"/>
-                <a:tab pos="6854825" algn="l"/>
-                <a:tab pos="7312025" algn="l"/>
-                <a:tab pos="7769225" algn="l"/>
-                <a:tab pos="8226425" algn="l"/>
-                <a:tab pos="8683625" algn="l"/>
-                <a:tab pos="9140825" algn="l"/>
-              </a:tabLst>
-            </a:pPr>
-            <a:r>
-              <a:rPr lang="zh-CN" altLang="en-US" dirty="0"/>
-              <a:t>字符串</a:t>
-            </a:r>
-            <a:r>
-              <a:rPr lang="zh-CN" altLang="en-US" dirty="0" smtClean="0"/>
-              <a:t>以双引</a:t>
-            </a:r>
-            <a:r>
-              <a:rPr lang="zh-CN" altLang="en-US" dirty="0"/>
-              <a:t>号“</a:t>
-            </a:r>
-            <a:r>
-              <a:rPr lang="zh-CN" altLang="en-US" dirty="0" smtClean="0"/>
-              <a:t>或单引号‘字符</a:t>
-            </a:r>
-            <a:r>
-              <a:rPr lang="zh-CN" altLang="en-US" dirty="0"/>
-              <a:t>开头和</a:t>
-            </a:r>
-            <a:r>
-              <a:rPr lang="zh-CN" altLang="en-US" dirty="0" smtClean="0"/>
-              <a:t>结尾，成对使用</a:t>
-            </a:r>
-            <a:endParaRPr lang="en-GB" altLang="zh-CN" sz="2000" dirty="0"/>
-          </a:p>
-          <a:p>
-            <a:pPr marL="739775" lvl="1" indent="-282575" defTabSz="449263">
-              <a:buFontTx/>
-              <a:buNone/>
-              <a:tabLst>
-                <a:tab pos="454025" algn="l"/>
-                <a:tab pos="911225" algn="l"/>
-                <a:tab pos="1368425" algn="l"/>
-                <a:tab pos="1825625" algn="l"/>
-                <a:tab pos="2282825" algn="l"/>
-                <a:tab pos="2740025" algn="l"/>
-                <a:tab pos="3197225" algn="l"/>
-                <a:tab pos="3654425" algn="l"/>
-                <a:tab pos="4111625" algn="l"/>
-                <a:tab pos="4568825" algn="l"/>
-                <a:tab pos="5026025" algn="l"/>
-                <a:tab pos="5483225" algn="l"/>
-                <a:tab pos="5940425" algn="l"/>
-                <a:tab pos="6397625" algn="l"/>
-                <a:tab pos="6854825" algn="l"/>
-                <a:tab pos="7312025" algn="l"/>
-                <a:tab pos="7769225" algn="l"/>
-                <a:tab pos="8226425" algn="l"/>
-                <a:tab pos="8683625" algn="l"/>
-                <a:tab pos="9140825" algn="l"/>
-              </a:tabLst>
-            </a:pPr>
-            <a:r>
-              <a:rPr lang="en-GB" altLang="zh-CN" sz="700" dirty="0"/>
-              <a:t/>
-            </a:r>
-            <a:br>
-              <a:rPr lang="en-GB" altLang="zh-CN" sz="700" dirty="0"/>
-            </a:br>
-            <a:r>
-              <a:rPr lang="en-GB" altLang="zh-CN" sz="2000" dirty="0">
-                <a:latin typeface="Courier New" charset="0"/>
-              </a:rPr>
-              <a:t>"hello"</a:t>
-            </a:r>
-            <a:br>
-              <a:rPr lang="en-GB" altLang="zh-CN" sz="2000" dirty="0">
-                <a:latin typeface="Courier New" charset="0"/>
-              </a:rPr>
-            </a:br>
-            <a:r>
-              <a:rPr lang="en-GB" altLang="zh-CN" sz="2000" dirty="0">
-                <a:latin typeface="Courier New" charset="0"/>
-              </a:rPr>
-              <a:t>"This is a string"</a:t>
-            </a:r>
-            <a:br>
-              <a:rPr lang="en-GB" altLang="zh-CN" sz="2000" dirty="0">
-                <a:latin typeface="Courier New" charset="0"/>
-              </a:rPr>
-            </a:br>
-            <a:r>
-              <a:rPr lang="en-GB" altLang="zh-CN" sz="2000" dirty="0">
-                <a:latin typeface="Courier New" charset="0"/>
-              </a:rPr>
-              <a:t>"This, too, is a string.   It can be very long!"</a:t>
-            </a:r>
-          </a:p>
-          <a:p>
-            <a:pPr marL="739775" lvl="1" indent="-282575" defTabSz="449263">
-              <a:tabLst>
-                <a:tab pos="454025" algn="l"/>
-                <a:tab pos="911225" algn="l"/>
-                <a:tab pos="1368425" algn="l"/>
-                <a:tab pos="1825625" algn="l"/>
-                <a:tab pos="2282825" algn="l"/>
-                <a:tab pos="2740025" algn="l"/>
-                <a:tab pos="3197225" algn="l"/>
-                <a:tab pos="3654425" algn="l"/>
-                <a:tab pos="4111625" algn="l"/>
-                <a:tab pos="4568825" algn="l"/>
-                <a:tab pos="5026025" algn="l"/>
-                <a:tab pos="5483225" algn="l"/>
-                <a:tab pos="5940425" algn="l"/>
-                <a:tab pos="6397625" algn="l"/>
-                <a:tab pos="6854825" algn="l"/>
-                <a:tab pos="7312025" algn="l"/>
-                <a:tab pos="7769225" algn="l"/>
-                <a:tab pos="8226425" algn="l"/>
-                <a:tab pos="8683625" algn="l"/>
-                <a:tab pos="9140825" algn="l"/>
-              </a:tabLst>
-            </a:pPr>
-            <a:endParaRPr lang="en-GB" altLang="zh-CN" sz="2000" dirty="0">
-              <a:latin typeface="Courier New" charset="0"/>
-            </a:endParaRPr>
-          </a:p>
-          <a:p>
-            <a:pPr marL="339725" indent="-339725" defTabSz="449263">
-              <a:spcBef>
-                <a:spcPts val="600"/>
-              </a:spcBef>
-              <a:tabLst>
-                <a:tab pos="454025" algn="l"/>
-                <a:tab pos="911225" algn="l"/>
-                <a:tab pos="1368425" algn="l"/>
-                <a:tab pos="1825625" algn="l"/>
-                <a:tab pos="2282825" algn="l"/>
-                <a:tab pos="2740025" algn="l"/>
-                <a:tab pos="3197225" algn="l"/>
-                <a:tab pos="3654425" algn="l"/>
-                <a:tab pos="4111625" algn="l"/>
-                <a:tab pos="4568825" algn="l"/>
-                <a:tab pos="5026025" algn="l"/>
-                <a:tab pos="5483225" algn="l"/>
-                <a:tab pos="5940425" algn="l"/>
-                <a:tab pos="6397625" algn="l"/>
-                <a:tab pos="6854825" algn="l"/>
-                <a:tab pos="7312025" algn="l"/>
-                <a:tab pos="7769225" algn="l"/>
-                <a:tab pos="8226425" algn="l"/>
-                <a:tab pos="8683625" algn="l"/>
-                <a:tab pos="9140825" algn="l"/>
-              </a:tabLst>
-            </a:pPr>
-            <a:r>
-              <a:rPr lang="zh-CN" altLang="en-US" dirty="0"/>
-              <a:t>字符串可以用反斜杠表示特殊</a:t>
-            </a:r>
-            <a:r>
-              <a:rPr lang="zh-CN" altLang="en-US" dirty="0" smtClean="0"/>
-              <a:t>字符</a:t>
-            </a:r>
-            <a:endParaRPr lang="en-GB" altLang="zh-CN" dirty="0"/>
-          </a:p>
-          <a:p>
-            <a:pPr marL="739775" lvl="1" indent="-282575" defTabSz="449263">
-              <a:lnSpc>
-                <a:spcPct val="80000"/>
-              </a:lnSpc>
-              <a:tabLst>
-                <a:tab pos="454025" algn="l"/>
-                <a:tab pos="911225" algn="l"/>
-                <a:tab pos="1368425" algn="l"/>
-                <a:tab pos="1825625" algn="l"/>
-                <a:tab pos="2282825" algn="l"/>
-                <a:tab pos="2740025" algn="l"/>
-                <a:tab pos="3197225" algn="l"/>
-                <a:tab pos="3654425" algn="l"/>
-                <a:tab pos="4111625" algn="l"/>
-                <a:tab pos="4568825" algn="l"/>
-                <a:tab pos="5026025" algn="l"/>
-                <a:tab pos="5483225" algn="l"/>
-                <a:tab pos="5940425" algn="l"/>
-                <a:tab pos="6397625" algn="l"/>
-                <a:tab pos="6854825" algn="l"/>
-                <a:tab pos="7312025" algn="l"/>
-                <a:tab pos="7769225" algn="l"/>
-                <a:tab pos="8226425" algn="l"/>
-                <a:tab pos="8683625" algn="l"/>
-                <a:tab pos="9140825" algn="l"/>
-              </a:tabLst>
-            </a:pPr>
-            <a:r>
-              <a:rPr lang="en-GB" altLang="zh-CN" sz="2000" dirty="0">
-                <a:latin typeface="Courier New" charset="0"/>
-              </a:rPr>
-              <a:t>\"	</a:t>
-            </a:r>
-            <a:r>
-              <a:rPr lang="zh-CN" altLang="en-US" dirty="0">
-                <a:latin typeface="Courier New" charset="0"/>
-              </a:rPr>
-              <a:t>引号字符</a:t>
-            </a:r>
-            <a:endParaRPr lang="en-GB" altLang="zh-CN" sz="2000" dirty="0">
-              <a:latin typeface="Courier New" charset="0"/>
-            </a:endParaRPr>
-          </a:p>
-          <a:p>
-            <a:pPr marL="739775" lvl="1" indent="-282575" defTabSz="449263">
-              <a:lnSpc>
-                <a:spcPct val="80000"/>
-              </a:lnSpc>
-              <a:spcBef>
-                <a:spcPts val="500"/>
-              </a:spcBef>
-              <a:tabLst>
-                <a:tab pos="454025" algn="l"/>
-                <a:tab pos="911225" algn="l"/>
-                <a:tab pos="1368425" algn="l"/>
-                <a:tab pos="1825625" algn="l"/>
-                <a:tab pos="2282825" algn="l"/>
-                <a:tab pos="2740025" algn="l"/>
-                <a:tab pos="3197225" algn="l"/>
-                <a:tab pos="3654425" algn="l"/>
-                <a:tab pos="4111625" algn="l"/>
-                <a:tab pos="4568825" algn="l"/>
-                <a:tab pos="5026025" algn="l"/>
-                <a:tab pos="5483225" algn="l"/>
-                <a:tab pos="5940425" algn="l"/>
-                <a:tab pos="6397625" algn="l"/>
-                <a:tab pos="6854825" algn="l"/>
-                <a:tab pos="7312025" algn="l"/>
-                <a:tab pos="7769225" algn="l"/>
-                <a:tab pos="8226425" algn="l"/>
-                <a:tab pos="8683625" algn="l"/>
-                <a:tab pos="9140825" algn="l"/>
-              </a:tabLst>
-            </a:pPr>
-            <a:r>
-              <a:rPr lang="en-GB" altLang="zh-CN" sz="2000" dirty="0">
-                <a:latin typeface="Courier New" charset="0"/>
-              </a:rPr>
-              <a:t>\t	</a:t>
-            </a:r>
-            <a:r>
-              <a:rPr lang="zh-CN" altLang="en-US" sz="2000" dirty="0" smtClean="0">
-                <a:latin typeface="Courier New" charset="0"/>
-              </a:rPr>
-              <a:t>制表符字符</a:t>
-            </a:r>
-            <a:endParaRPr lang="en-GB" altLang="zh-CN" sz="2000" dirty="0"/>
-          </a:p>
-          <a:p>
-            <a:pPr marL="739775" lvl="1" indent="-282575" defTabSz="449263">
-              <a:lnSpc>
-                <a:spcPct val="80000"/>
-              </a:lnSpc>
-              <a:spcBef>
-                <a:spcPts val="500"/>
-              </a:spcBef>
-              <a:tabLst>
-                <a:tab pos="454025" algn="l"/>
-                <a:tab pos="911225" algn="l"/>
-                <a:tab pos="1368425" algn="l"/>
-                <a:tab pos="1825625" algn="l"/>
-                <a:tab pos="2282825" algn="l"/>
-                <a:tab pos="2740025" algn="l"/>
-                <a:tab pos="3197225" algn="l"/>
-                <a:tab pos="3654425" algn="l"/>
-                <a:tab pos="4111625" algn="l"/>
-                <a:tab pos="4568825" algn="l"/>
-                <a:tab pos="5026025" algn="l"/>
-                <a:tab pos="5483225" algn="l"/>
-                <a:tab pos="5940425" algn="l"/>
-                <a:tab pos="6397625" algn="l"/>
-                <a:tab pos="6854825" algn="l"/>
-                <a:tab pos="7312025" algn="l"/>
-                <a:tab pos="7769225" algn="l"/>
-                <a:tab pos="8226425" algn="l"/>
-                <a:tab pos="8683625" algn="l"/>
-                <a:tab pos="9140825" algn="l"/>
-              </a:tabLst>
-            </a:pPr>
-            <a:r>
-              <a:rPr lang="en-GB" altLang="zh-CN" sz="2000" dirty="0">
-                <a:latin typeface="Courier New" charset="0"/>
-              </a:rPr>
-              <a:t>\\	</a:t>
-            </a:r>
-            <a:r>
-              <a:rPr lang="zh-CN" altLang="en-US" sz="2000" dirty="0" smtClean="0"/>
-              <a:t>反斜杠字符</a:t>
-            </a:r>
-            <a:endParaRPr lang="en-GB" altLang="zh-CN" sz="2000" dirty="0"/>
-          </a:p>
-          <a:p>
-            <a:pPr marL="739775" lvl="1" indent="-282575" defTabSz="449263">
-              <a:lnSpc>
-                <a:spcPct val="80000"/>
-              </a:lnSpc>
-              <a:spcBef>
-                <a:spcPts val="500"/>
-              </a:spcBef>
-              <a:tabLst>
-                <a:tab pos="454025" algn="l"/>
-                <a:tab pos="911225" algn="l"/>
-                <a:tab pos="1368425" algn="l"/>
-                <a:tab pos="1825625" algn="l"/>
-                <a:tab pos="2282825" algn="l"/>
-                <a:tab pos="2740025" algn="l"/>
-                <a:tab pos="3197225" algn="l"/>
-                <a:tab pos="3654425" algn="l"/>
-                <a:tab pos="4111625" algn="l"/>
-                <a:tab pos="4568825" algn="l"/>
-                <a:tab pos="5026025" algn="l"/>
-                <a:tab pos="5483225" algn="l"/>
-                <a:tab pos="5940425" algn="l"/>
-                <a:tab pos="6397625" algn="l"/>
-                <a:tab pos="6854825" algn="l"/>
-                <a:tab pos="7312025" algn="l"/>
-                <a:tab pos="7769225" algn="l"/>
-                <a:tab pos="8226425" algn="l"/>
-                <a:tab pos="8683625" algn="l"/>
-                <a:tab pos="9140825" algn="l"/>
-              </a:tabLst>
-            </a:pPr>
-            <a:endParaRPr lang="en-GB" altLang="zh-CN" sz="1000" dirty="0"/>
-          </a:p>
-          <a:p>
-            <a:pPr marL="739775" lvl="1" indent="-282575" defTabSz="449263">
-              <a:lnSpc>
-                <a:spcPct val="80000"/>
-              </a:lnSpc>
-              <a:spcBef>
-                <a:spcPts val="500"/>
-              </a:spcBef>
-              <a:buFontTx/>
-              <a:buNone/>
-              <a:tabLst>
-                <a:tab pos="454025" algn="l"/>
-                <a:tab pos="911225" algn="l"/>
-                <a:tab pos="1368425" algn="l"/>
-                <a:tab pos="1825625" algn="l"/>
-                <a:tab pos="2282825" algn="l"/>
-                <a:tab pos="2740025" algn="l"/>
-                <a:tab pos="3197225" algn="l"/>
-                <a:tab pos="3654425" algn="l"/>
-                <a:tab pos="4111625" algn="l"/>
-                <a:tab pos="4568825" algn="l"/>
-                <a:tab pos="5026025" algn="l"/>
-                <a:tab pos="5483225" algn="l"/>
-                <a:tab pos="5940425" algn="l"/>
-                <a:tab pos="6397625" algn="l"/>
-                <a:tab pos="6854825" algn="l"/>
-                <a:tab pos="7312025" algn="l"/>
-                <a:tab pos="7769225" algn="l"/>
-                <a:tab pos="8226425" algn="l"/>
-                <a:tab pos="8683625" algn="l"/>
-                <a:tab pos="9140825" algn="l"/>
-              </a:tabLst>
-            </a:pPr>
-            <a:r>
-              <a:rPr lang="en-GB" altLang="zh-CN" sz="2000" dirty="0">
-                <a:latin typeface="Courier New" charset="0"/>
-              </a:rPr>
-              <a:t>	"Bob said, \"Hello!\" to Susan."</a:t>
-            </a:r>
-          </a:p>
-        </p:txBody>
-      </p:sp>
-      <p:sp>
-        <p:nvSpPr>
-          <p:cNvPr id="71683" name="Rectangle 3"/>
+          <p:cNvPr id="112642" name="Rectangle 2"/>
           <p:cNvSpPr>
             <a:spLocks noGrp="1" noChangeArrowheads="1"/>
           </p:cNvSpPr>
@@ -34774,17 +34380,270 @@
           <a:p>
             <a:r>
               <a:rPr lang="zh-CN" altLang="en-US" dirty="0" smtClean="0"/>
-              <a:t>字符串（</a:t>
-            </a:r>
-            <a:r>
-              <a:rPr lang="en-GB" altLang="zh-CN" dirty="0" smtClean="0"/>
-              <a:t>Strings</a:t>
-            </a:r>
+              <a:t>随机数</a:t>
+            </a:r>
+            <a:endParaRPr lang="en-US" altLang="zh-CN" dirty="0"/>
+          </a:p>
+        </p:txBody>
+      </p:sp>
+      <p:sp>
+        <p:nvSpPr>
+          <p:cNvPr id="112643" name="Rectangle 3"/>
+          <p:cNvSpPr>
+            <a:spLocks noGrp="1" noChangeArrowheads="1"/>
+          </p:cNvSpPr>
+          <p:nvPr>
+            <p:ph type="body" idx="1"/>
+          </p:nvPr>
+        </p:nvSpPr>
+        <p:spPr/>
+        <p:txBody>
+          <a:bodyPr/>
+          <a:lstStyle/>
+          <a:p>
+            <a:pPr lvl="1"/>
+            <a:r>
+              <a:rPr lang="en-US" altLang="zh-CN" dirty="0">
+                <a:latin typeface="Courier New" charset="0"/>
+              </a:rPr>
+              <a:t>from random import *</a:t>
+            </a:r>
+          </a:p>
+          <a:p>
+            <a:pPr lvl="1"/>
+            <a:endParaRPr lang="en-US" altLang="zh-CN" dirty="0">
+              <a:latin typeface="Courier New" charset="0"/>
+            </a:endParaRPr>
+          </a:p>
+          <a:p>
+            <a:pPr lvl="1"/>
+            <a:r>
+              <a:rPr lang="en-US" altLang="zh-CN" dirty="0" err="1" smtClean="0">
+                <a:latin typeface="Courier New" charset="0"/>
+              </a:rPr>
+              <a:t>randint</a:t>
+            </a:r>
+            <a:r>
+              <a:rPr lang="en-US" altLang="zh-CN" dirty="0" smtClean="0">
+                <a:latin typeface="Courier New" charset="0"/>
+              </a:rPr>
+              <a:t>(</a:t>
+            </a:r>
+            <a:r>
+              <a:rPr lang="zh-CN" altLang="en-US" b="1" dirty="0" smtClean="0">
+                <a:latin typeface="Verdana" charset="0"/>
+              </a:rPr>
+              <a:t>最小值</a:t>
+            </a:r>
+            <a:r>
+              <a:rPr lang="en-US" altLang="zh-CN" dirty="0" smtClean="0">
+                <a:latin typeface="Courier New" charset="0"/>
+              </a:rPr>
+              <a:t>, </a:t>
+            </a:r>
+            <a:r>
+              <a:rPr lang="zh-CN" altLang="en-US" b="1" dirty="0" smtClean="0">
+                <a:latin typeface="Verdana" charset="0"/>
+              </a:rPr>
+              <a:t>最大值</a:t>
+            </a:r>
+            <a:r>
+              <a:rPr lang="en-US" altLang="zh-CN" dirty="0" smtClean="0">
+                <a:latin typeface="Courier New" charset="0"/>
+              </a:rPr>
+              <a:t>)</a:t>
+            </a:r>
+            <a:r>
+              <a:rPr lang="en-US" altLang="zh-CN" dirty="0">
+                <a:latin typeface="Courier New" charset="0"/>
+              </a:rPr>
+              <a:t/>
+            </a:r>
+            <a:br>
+              <a:rPr lang="en-US" altLang="zh-CN" dirty="0">
+                <a:latin typeface="Courier New" charset="0"/>
+              </a:rPr>
+            </a:br>
             <a:r>
               <a:rPr lang="zh-CN" altLang="en-US" dirty="0" smtClean="0"/>
-              <a:t>）</a:t>
+              <a:t>产生</a:t>
+            </a:r>
+            <a:r>
+              <a:rPr lang="zh-CN" altLang="en-US" b="1" dirty="0">
+                <a:latin typeface="Verdana" charset="0"/>
+              </a:rPr>
+              <a:t>最小值</a:t>
+            </a:r>
+            <a:r>
+              <a:rPr lang="zh-CN" altLang="en-US" dirty="0" smtClean="0"/>
+              <a:t>和</a:t>
+            </a:r>
+            <a:r>
+              <a:rPr lang="zh-CN" altLang="en-US" b="1" dirty="0">
+                <a:latin typeface="Verdana" charset="0"/>
+              </a:rPr>
+              <a:t>最大值</a:t>
+            </a:r>
+            <a:r>
+              <a:rPr lang="zh-CN" altLang="en-US" dirty="0" smtClean="0"/>
+              <a:t>之间</a:t>
+            </a:r>
+            <a:r>
+              <a:rPr lang="zh-CN" altLang="en-US" dirty="0"/>
+              <a:t>（包含</a:t>
+            </a:r>
+            <a:r>
+              <a:rPr lang="zh-CN" altLang="en-US" dirty="0" smtClean="0"/>
+              <a:t>）的</a:t>
+            </a:r>
+            <a:r>
+              <a:rPr lang="zh-CN" altLang="en-US" dirty="0"/>
+              <a:t>随机</a:t>
+            </a:r>
+            <a:r>
+              <a:rPr lang="zh-CN" altLang="en-US" dirty="0" smtClean="0"/>
+              <a:t>值</a:t>
+            </a:r>
+            <a:endParaRPr lang="en-US" altLang="zh-CN" dirty="0" smtClean="0"/>
+          </a:p>
+          <a:p>
+            <a:pPr lvl="1"/>
+            <a:endParaRPr lang="en-US" altLang="zh-CN" dirty="0" smtClean="0"/>
+          </a:p>
+          <a:p>
+            <a:pPr lvl="1"/>
+            <a:r>
+              <a:rPr lang="zh-CN" altLang="en-US" dirty="0" smtClean="0"/>
+              <a:t>例子</a:t>
+            </a:r>
+            <a:r>
+              <a:rPr lang="en-US" altLang="zh-CN" dirty="0" smtClean="0"/>
+              <a:t>:</a:t>
             </a:r>
             <a:endParaRPr lang="en-US" altLang="zh-CN" dirty="0"/>
+          </a:p>
+          <a:p>
+            <a:pPr lvl="1">
+              <a:buFontTx/>
+              <a:buNone/>
+            </a:pPr>
+            <a:r>
+              <a:rPr lang="en-US" altLang="zh-CN" sz="800" dirty="0">
+                <a:latin typeface="Courier New" charset="0"/>
+              </a:rPr>
+              <a:t>	</a:t>
+            </a:r>
+          </a:p>
+          <a:p>
+            <a:pPr lvl="1">
+              <a:lnSpc>
+                <a:spcPct val="80000"/>
+              </a:lnSpc>
+              <a:buFontTx/>
+              <a:buNone/>
+            </a:pPr>
+            <a:r>
+              <a:rPr lang="en-US" altLang="zh-CN" dirty="0">
+                <a:latin typeface="Courier New" charset="0"/>
+              </a:rPr>
+              <a:t>	</a:t>
+            </a:r>
+            <a:r>
+              <a:rPr lang="en-US" altLang="zh-CN" dirty="0" err="1">
+                <a:latin typeface="Courier New" charset="0"/>
+              </a:rPr>
+              <a:t>coinflip</a:t>
+            </a:r>
+            <a:r>
+              <a:rPr lang="en-US" altLang="zh-CN" dirty="0">
+                <a:latin typeface="Courier New" charset="0"/>
+              </a:rPr>
+              <a:t> = </a:t>
+            </a:r>
+            <a:r>
+              <a:rPr lang="en-US" altLang="zh-CN" b="1" dirty="0" err="1">
+                <a:latin typeface="Courier New" charset="0"/>
+              </a:rPr>
+              <a:t>randint</a:t>
+            </a:r>
+            <a:r>
+              <a:rPr lang="en-US" altLang="zh-CN" b="1" dirty="0">
+                <a:latin typeface="Courier New" charset="0"/>
+              </a:rPr>
+              <a:t>(1, 2)</a:t>
+            </a:r>
+          </a:p>
+          <a:p>
+            <a:pPr lvl="1">
+              <a:lnSpc>
+                <a:spcPct val="80000"/>
+              </a:lnSpc>
+              <a:buFontTx/>
+              <a:buNone/>
+            </a:pPr>
+            <a:r>
+              <a:rPr lang="en-US" altLang="zh-CN" dirty="0">
+                <a:latin typeface="Courier New" charset="0"/>
+              </a:rPr>
+              <a:t>	if </a:t>
+            </a:r>
+            <a:r>
+              <a:rPr lang="en-US" altLang="zh-CN" dirty="0" err="1">
+                <a:latin typeface="Courier New" charset="0"/>
+              </a:rPr>
+              <a:t>coinflip</a:t>
+            </a:r>
+            <a:r>
+              <a:rPr lang="en-US" altLang="zh-CN" dirty="0">
+                <a:latin typeface="Courier New" charset="0"/>
+              </a:rPr>
+              <a:t> == 1:</a:t>
+            </a:r>
+          </a:p>
+          <a:p>
+            <a:pPr lvl="1">
+              <a:lnSpc>
+                <a:spcPct val="80000"/>
+              </a:lnSpc>
+              <a:buFontTx/>
+              <a:buNone/>
+            </a:pPr>
+            <a:r>
+              <a:rPr lang="en-US" altLang="zh-CN" dirty="0">
+                <a:latin typeface="Courier New" charset="0"/>
+              </a:rPr>
+              <a:t>	    print "Heads"</a:t>
+            </a:r>
+          </a:p>
+          <a:p>
+            <a:pPr lvl="1">
+              <a:lnSpc>
+                <a:spcPct val="80000"/>
+              </a:lnSpc>
+              <a:buFontTx/>
+              <a:buNone/>
+            </a:pPr>
+            <a:r>
+              <a:rPr lang="en-US" altLang="zh-CN" dirty="0">
+                <a:latin typeface="Courier New" charset="0"/>
+              </a:rPr>
+              <a:t>	else:</a:t>
+            </a:r>
+          </a:p>
+          <a:p>
+            <a:pPr lvl="1">
+              <a:lnSpc>
+                <a:spcPct val="80000"/>
+              </a:lnSpc>
+              <a:buFontTx/>
+              <a:buNone/>
+            </a:pPr>
+            <a:r>
+              <a:rPr lang="en-US" altLang="zh-CN" dirty="0">
+                <a:latin typeface="Courier New" charset="0"/>
+              </a:rPr>
+              <a:t>	    print "Tails"</a:t>
+            </a:r>
           </a:p>
         </p:txBody>
       </p:sp>
@@ -34803,7 +34662,7 @@
           <a:bodyPr/>
           <a:lstStyle/>
           <a:p>
-            <a:fld id="{B42D0FEC-5C88-714B-B6BF-FCE4212CE002}" type="datetime1">
+            <a:fld id="{72388155-03F4-674F-9918-89D85BB8794D}" type="datetime1">
               <a:rPr kumimoji="1" lang="zh-CN" altLang="en-US" smtClean="0"/>
               <a:t>2017/11/22</a:t>
             </a:fld>
@@ -34837,7 +34696,7 @@
     </p:spTree>
     <p:extLst>
       <p:ext uri="{BB962C8B-B14F-4D97-AF65-F5344CB8AC3E}">
-        <p14:creationId xmlns:p14="http://schemas.microsoft.com/office/powerpoint/2010/main" val="286327968"/>
+        <p14:creationId xmlns:p14="http://schemas.microsoft.com/office/powerpoint/2010/main" val="467679796"/>
       </p:ext>
     </p:extLst>
   </p:cSld>
@@ -34859,27 +34718,7 @@
   <p:timing>
     <p:tnLst>
       <p:par>
-        <p:cTn id="1" dur="indefinite" nodeType="tmRoot">
-          <p:childTnLst>
-            <p:seq concurrent="1" nextAc="seek">
-              <p:cTn id="2" dur="indefinite" nodeType="mainSeq"/>
-              <p:prevCondLst>
-                <p:cond evt="onPrev" delay="0">
-                  <p:tgtEl>
-                    <p:sldTgt/>
-                  </p:tgtEl>
-                </p:cond>
-              </p:prevCondLst>
-              <p:nextCondLst>
-                <p:cond evt="onNext" delay="0">
-                  <p:tgtEl>
-                    <p:sldTgt/>
-                  </p:tgtEl>
-                </p:cond>
-              </p:nextCondLst>
-            </p:seq>
-          </p:childTnLst>
-        </p:cTn>
+        <p:cTn id="1" dur="indefinite" restart="never" nodeType="tmRoot"/>
       </p:par>
     </p:tnLst>
   </p:timing>
@@ -36523,6 +36362,621 @@
       </p:grpSpPr>
       <p:sp>
         <p:nvSpPr>
+          <p:cNvPr id="71682" name="Rectangle 2"/>
+          <p:cNvSpPr>
+            <a:spLocks noGrp="1" noChangeArrowheads="1"/>
+          </p:cNvSpPr>
+          <p:nvPr>
+            <p:ph type="body" idx="1"/>
+          </p:nvPr>
+        </p:nvSpPr>
+        <p:spPr>
+          <a:xfrm>
+            <a:off x="162339" y="2057401"/>
+            <a:ext cx="8842375" cy="4051300"/>
+          </a:xfrm>
+          <a:ln/>
+          <a:extLst>
+            <a:ext uri="{91240B29-F687-4F45-9708-019B960494DF}">
+              <a14:hiddenLine xmlns:a14="http://schemas.microsoft.com/office/drawing/2010/main" w="9525">
+                <a:solidFill>
+                  <a:srgbClr val="000000"/>
+                </a:solidFill>
+                <a:round/>
+                <a:headEnd/>
+                <a:tailEnd/>
+              </a14:hiddenLine>
+            </a:ext>
+          </a:extLst>
+        </p:spPr>
+        <p:txBody>
+          <a:bodyPr lIns="90000" tIns="46800" rIns="90000" bIns="46800">
+            <a:spAutoFit/>
+          </a:bodyPr>
+          <a:lstStyle/>
+          <a:p>
+            <a:pPr marL="339725" indent="-339725" defTabSz="449263">
+              <a:tabLst>
+                <a:tab pos="454025" algn="l"/>
+                <a:tab pos="911225" algn="l"/>
+                <a:tab pos="1368425" algn="l"/>
+                <a:tab pos="1825625" algn="l"/>
+                <a:tab pos="2282825" algn="l"/>
+                <a:tab pos="2740025" algn="l"/>
+                <a:tab pos="3197225" algn="l"/>
+                <a:tab pos="3654425" algn="l"/>
+                <a:tab pos="4111625" algn="l"/>
+                <a:tab pos="4568825" algn="l"/>
+                <a:tab pos="5026025" algn="l"/>
+                <a:tab pos="5483225" algn="l"/>
+                <a:tab pos="5940425" algn="l"/>
+                <a:tab pos="6397625" algn="l"/>
+                <a:tab pos="6854825" algn="l"/>
+                <a:tab pos="7312025" algn="l"/>
+                <a:tab pos="7769225" algn="l"/>
+                <a:tab pos="8226425" algn="l"/>
+                <a:tab pos="8683625" algn="l"/>
+                <a:tab pos="9140825" algn="l"/>
+              </a:tabLst>
+            </a:pPr>
+            <a:r>
+              <a:rPr lang="zh-CN" altLang="en-US" b="1" dirty="0" smtClean="0"/>
+              <a:t>字符串</a:t>
+            </a:r>
+            <a:r>
+              <a:rPr lang="en-GB" altLang="zh-CN" dirty="0" smtClean="0"/>
+              <a:t>:</a:t>
+            </a:r>
+            <a:r>
+              <a:rPr lang="zh-CN" altLang="en-US" dirty="0" smtClean="0"/>
+              <a:t>一系列</a:t>
+            </a:r>
+            <a:r>
+              <a:rPr lang="zh-CN" altLang="en-US" dirty="0"/>
+              <a:t>文本</a:t>
+            </a:r>
+            <a:r>
+              <a:rPr lang="zh-CN" altLang="en-US" dirty="0" smtClean="0"/>
+              <a:t>字符</a:t>
+            </a:r>
+            <a:endParaRPr lang="en-GB" altLang="zh-CN" dirty="0"/>
+          </a:p>
+          <a:p>
+            <a:pPr marL="739775" lvl="1" indent="-282575" defTabSz="449263">
+              <a:tabLst>
+                <a:tab pos="454025" algn="l"/>
+                <a:tab pos="911225" algn="l"/>
+                <a:tab pos="1368425" algn="l"/>
+                <a:tab pos="1825625" algn="l"/>
+                <a:tab pos="2282825" algn="l"/>
+                <a:tab pos="2740025" algn="l"/>
+                <a:tab pos="3197225" algn="l"/>
+                <a:tab pos="3654425" algn="l"/>
+                <a:tab pos="4111625" algn="l"/>
+                <a:tab pos="4568825" algn="l"/>
+                <a:tab pos="5026025" algn="l"/>
+                <a:tab pos="5483225" algn="l"/>
+                <a:tab pos="5940425" algn="l"/>
+                <a:tab pos="6397625" algn="l"/>
+                <a:tab pos="6854825" algn="l"/>
+                <a:tab pos="7312025" algn="l"/>
+                <a:tab pos="7769225" algn="l"/>
+                <a:tab pos="8226425" algn="l"/>
+                <a:tab pos="8683625" algn="l"/>
+                <a:tab pos="9140825" algn="l"/>
+              </a:tabLst>
+            </a:pPr>
+            <a:r>
+              <a:rPr lang="zh-CN" altLang="en-US" dirty="0"/>
+              <a:t>字符串</a:t>
+            </a:r>
+            <a:r>
+              <a:rPr lang="zh-CN" altLang="en-US" dirty="0" smtClean="0"/>
+              <a:t>以双引</a:t>
+            </a:r>
+            <a:r>
+              <a:rPr lang="zh-CN" altLang="en-US" dirty="0"/>
+              <a:t>号“</a:t>
+            </a:r>
+            <a:r>
+              <a:rPr lang="zh-CN" altLang="en-US" dirty="0" smtClean="0"/>
+              <a:t>或单引号‘字符</a:t>
+            </a:r>
+            <a:r>
+              <a:rPr lang="zh-CN" altLang="en-US" dirty="0"/>
+              <a:t>开头和</a:t>
+            </a:r>
+            <a:r>
+              <a:rPr lang="zh-CN" altLang="en-US" dirty="0" smtClean="0"/>
+              <a:t>结尾，成对使用</a:t>
+            </a:r>
+            <a:endParaRPr lang="en-GB" altLang="zh-CN" sz="2000" dirty="0"/>
+          </a:p>
+          <a:p>
+            <a:pPr marL="739775" lvl="1" indent="-282575" defTabSz="449263">
+              <a:buFontTx/>
+              <a:buNone/>
+              <a:tabLst>
+                <a:tab pos="454025" algn="l"/>
+                <a:tab pos="911225" algn="l"/>
+                <a:tab pos="1368425" algn="l"/>
+                <a:tab pos="1825625" algn="l"/>
+                <a:tab pos="2282825" algn="l"/>
+                <a:tab pos="2740025" algn="l"/>
+                <a:tab pos="3197225" algn="l"/>
+                <a:tab pos="3654425" algn="l"/>
+                <a:tab pos="4111625" algn="l"/>
+                <a:tab pos="4568825" algn="l"/>
+                <a:tab pos="5026025" algn="l"/>
+                <a:tab pos="5483225" algn="l"/>
+                <a:tab pos="5940425" algn="l"/>
+                <a:tab pos="6397625" algn="l"/>
+                <a:tab pos="6854825" algn="l"/>
+                <a:tab pos="7312025" algn="l"/>
+                <a:tab pos="7769225" algn="l"/>
+                <a:tab pos="8226425" algn="l"/>
+                <a:tab pos="8683625" algn="l"/>
+                <a:tab pos="9140825" algn="l"/>
+              </a:tabLst>
+            </a:pPr>
+            <a:r>
+              <a:rPr lang="en-GB" altLang="zh-CN" sz="700" dirty="0"/>
+              <a:t/>
+            </a:r>
+            <a:br>
+              <a:rPr lang="en-GB" altLang="zh-CN" sz="700" dirty="0"/>
+            </a:br>
+            <a:r>
+              <a:rPr lang="en-GB" altLang="zh-CN" sz="2000" dirty="0">
+                <a:latin typeface="Courier New" charset="0"/>
+              </a:rPr>
+              <a:t>"hello"</a:t>
+            </a:r>
+            <a:br>
+              <a:rPr lang="en-GB" altLang="zh-CN" sz="2000" dirty="0">
+                <a:latin typeface="Courier New" charset="0"/>
+              </a:rPr>
+            </a:br>
+            <a:r>
+              <a:rPr lang="en-GB" altLang="zh-CN" sz="2000" dirty="0">
+                <a:latin typeface="Courier New" charset="0"/>
+              </a:rPr>
+              <a:t>"This is a string"</a:t>
+            </a:r>
+            <a:br>
+              <a:rPr lang="en-GB" altLang="zh-CN" sz="2000" dirty="0">
+                <a:latin typeface="Courier New" charset="0"/>
+              </a:rPr>
+            </a:br>
+            <a:r>
+              <a:rPr lang="en-GB" altLang="zh-CN" sz="2000" dirty="0">
+                <a:latin typeface="Courier New" charset="0"/>
+              </a:rPr>
+              <a:t>"This, too, is a string.   It can be very long!"</a:t>
+            </a:r>
+          </a:p>
+          <a:p>
+            <a:pPr marL="739775" lvl="1" indent="-282575" defTabSz="449263">
+              <a:tabLst>
+                <a:tab pos="454025" algn="l"/>
+                <a:tab pos="911225" algn="l"/>
+                <a:tab pos="1368425" algn="l"/>
+                <a:tab pos="1825625" algn="l"/>
+                <a:tab pos="2282825" algn="l"/>
+                <a:tab pos="2740025" algn="l"/>
+                <a:tab pos="3197225" algn="l"/>
+                <a:tab pos="3654425" algn="l"/>
+                <a:tab pos="4111625" algn="l"/>
+                <a:tab pos="4568825" algn="l"/>
+                <a:tab pos="5026025" algn="l"/>
+                <a:tab pos="5483225" algn="l"/>
+                <a:tab pos="5940425" algn="l"/>
+                <a:tab pos="6397625" algn="l"/>
+                <a:tab pos="6854825" algn="l"/>
+                <a:tab pos="7312025" algn="l"/>
+                <a:tab pos="7769225" algn="l"/>
+                <a:tab pos="8226425" algn="l"/>
+                <a:tab pos="8683625" algn="l"/>
+                <a:tab pos="9140825" algn="l"/>
+              </a:tabLst>
+            </a:pPr>
+            <a:endParaRPr lang="en-GB" altLang="zh-CN" sz="2000" dirty="0">
+              <a:latin typeface="Courier New" charset="0"/>
+            </a:endParaRPr>
+          </a:p>
+          <a:p>
+            <a:pPr marL="339725" indent="-339725" defTabSz="449263">
+              <a:spcBef>
+                <a:spcPts val="600"/>
+              </a:spcBef>
+              <a:tabLst>
+                <a:tab pos="454025" algn="l"/>
+                <a:tab pos="911225" algn="l"/>
+                <a:tab pos="1368425" algn="l"/>
+                <a:tab pos="1825625" algn="l"/>
+                <a:tab pos="2282825" algn="l"/>
+                <a:tab pos="2740025" algn="l"/>
+                <a:tab pos="3197225" algn="l"/>
+                <a:tab pos="3654425" algn="l"/>
+                <a:tab pos="4111625" algn="l"/>
+                <a:tab pos="4568825" algn="l"/>
+                <a:tab pos="5026025" algn="l"/>
+                <a:tab pos="5483225" algn="l"/>
+                <a:tab pos="5940425" algn="l"/>
+                <a:tab pos="6397625" algn="l"/>
+                <a:tab pos="6854825" algn="l"/>
+                <a:tab pos="7312025" algn="l"/>
+                <a:tab pos="7769225" algn="l"/>
+                <a:tab pos="8226425" algn="l"/>
+                <a:tab pos="8683625" algn="l"/>
+                <a:tab pos="9140825" algn="l"/>
+              </a:tabLst>
+            </a:pPr>
+            <a:r>
+              <a:rPr lang="zh-CN" altLang="en-US" dirty="0"/>
+              <a:t>字符串可以用反斜杠表示特殊</a:t>
+            </a:r>
+            <a:r>
+              <a:rPr lang="zh-CN" altLang="en-US" dirty="0" smtClean="0"/>
+              <a:t>字符</a:t>
+            </a:r>
+            <a:endParaRPr lang="en-GB" altLang="zh-CN" dirty="0"/>
+          </a:p>
+          <a:p>
+            <a:pPr marL="739775" lvl="1" indent="-282575" defTabSz="449263">
+              <a:lnSpc>
+                <a:spcPct val="80000"/>
+              </a:lnSpc>
+              <a:tabLst>
+                <a:tab pos="454025" algn="l"/>
+                <a:tab pos="911225" algn="l"/>
+                <a:tab pos="1368425" algn="l"/>
+                <a:tab pos="1825625" algn="l"/>
+                <a:tab pos="2282825" algn="l"/>
+                <a:tab pos="2740025" algn="l"/>
+                <a:tab pos="3197225" algn="l"/>
+                <a:tab pos="3654425" algn="l"/>
+                <a:tab pos="4111625" algn="l"/>
+                <a:tab pos="4568825" algn="l"/>
+                <a:tab pos="5026025" algn="l"/>
+                <a:tab pos="5483225" algn="l"/>
+                <a:tab pos="5940425" algn="l"/>
+                <a:tab pos="6397625" algn="l"/>
+                <a:tab pos="6854825" algn="l"/>
+                <a:tab pos="7312025" algn="l"/>
+                <a:tab pos="7769225" algn="l"/>
+                <a:tab pos="8226425" algn="l"/>
+                <a:tab pos="8683625" algn="l"/>
+                <a:tab pos="9140825" algn="l"/>
+              </a:tabLst>
+            </a:pPr>
+            <a:r>
+              <a:rPr lang="en-GB" altLang="zh-CN" sz="2000" dirty="0">
+                <a:latin typeface="Courier New" charset="0"/>
+              </a:rPr>
+              <a:t>\"	</a:t>
+            </a:r>
+            <a:r>
+              <a:rPr lang="zh-CN" altLang="en-US" dirty="0">
+                <a:latin typeface="Courier New" charset="0"/>
+              </a:rPr>
+              <a:t>引号字符</a:t>
+            </a:r>
+            <a:endParaRPr lang="en-GB" altLang="zh-CN" sz="2000" dirty="0">
+              <a:latin typeface="Courier New" charset="0"/>
+            </a:endParaRPr>
+          </a:p>
+          <a:p>
+            <a:pPr marL="739775" lvl="1" indent="-282575" defTabSz="449263">
+              <a:lnSpc>
+                <a:spcPct val="80000"/>
+              </a:lnSpc>
+              <a:spcBef>
+                <a:spcPts val="500"/>
+              </a:spcBef>
+              <a:tabLst>
+                <a:tab pos="454025" algn="l"/>
+                <a:tab pos="911225" algn="l"/>
+                <a:tab pos="1368425" algn="l"/>
+                <a:tab pos="1825625" algn="l"/>
+                <a:tab pos="2282825" algn="l"/>
+                <a:tab pos="2740025" algn="l"/>
+                <a:tab pos="3197225" algn="l"/>
+                <a:tab pos="3654425" algn="l"/>
+                <a:tab pos="4111625" algn="l"/>
+                <a:tab pos="4568825" algn="l"/>
+                <a:tab pos="5026025" algn="l"/>
+                <a:tab pos="5483225" algn="l"/>
+                <a:tab pos="5940425" algn="l"/>
+                <a:tab pos="6397625" algn="l"/>
+                <a:tab pos="6854825" algn="l"/>
+                <a:tab pos="7312025" algn="l"/>
+                <a:tab pos="7769225" algn="l"/>
+                <a:tab pos="8226425" algn="l"/>
+                <a:tab pos="8683625" algn="l"/>
+                <a:tab pos="9140825" algn="l"/>
+              </a:tabLst>
+            </a:pPr>
+            <a:r>
+              <a:rPr lang="en-GB" altLang="zh-CN" sz="2000" dirty="0">
+                <a:latin typeface="Courier New" charset="0"/>
+              </a:rPr>
+              <a:t>\t	</a:t>
+            </a:r>
+            <a:r>
+              <a:rPr lang="zh-CN" altLang="en-US" sz="2000" dirty="0" smtClean="0">
+                <a:latin typeface="Courier New" charset="0"/>
+              </a:rPr>
+              <a:t>制表符字符</a:t>
+            </a:r>
+            <a:endParaRPr lang="en-GB" altLang="zh-CN" sz="2000" dirty="0"/>
+          </a:p>
+          <a:p>
+            <a:pPr marL="739775" lvl="1" indent="-282575" defTabSz="449263">
+              <a:lnSpc>
+                <a:spcPct val="80000"/>
+              </a:lnSpc>
+              <a:spcBef>
+                <a:spcPts val="500"/>
+              </a:spcBef>
+              <a:tabLst>
+                <a:tab pos="454025" algn="l"/>
+                <a:tab pos="911225" algn="l"/>
+                <a:tab pos="1368425" algn="l"/>
+                <a:tab pos="1825625" algn="l"/>
+                <a:tab pos="2282825" algn="l"/>
+                <a:tab pos="2740025" algn="l"/>
+                <a:tab pos="3197225" algn="l"/>
+                <a:tab pos="3654425" algn="l"/>
+                <a:tab pos="4111625" algn="l"/>
+                <a:tab pos="4568825" algn="l"/>
+                <a:tab pos="5026025" algn="l"/>
+                <a:tab pos="5483225" algn="l"/>
+                <a:tab pos="5940425" algn="l"/>
+                <a:tab pos="6397625" algn="l"/>
+                <a:tab pos="6854825" algn="l"/>
+                <a:tab pos="7312025" algn="l"/>
+                <a:tab pos="7769225" algn="l"/>
+                <a:tab pos="8226425" algn="l"/>
+                <a:tab pos="8683625" algn="l"/>
+                <a:tab pos="9140825" algn="l"/>
+              </a:tabLst>
+            </a:pPr>
+            <a:r>
+              <a:rPr lang="en-GB" altLang="zh-CN" sz="2000" dirty="0">
+                <a:latin typeface="Courier New" charset="0"/>
+              </a:rPr>
+              <a:t>\\	</a:t>
+            </a:r>
+            <a:r>
+              <a:rPr lang="zh-CN" altLang="en-US" sz="2000" dirty="0" smtClean="0"/>
+              <a:t>反斜杠字符</a:t>
+            </a:r>
+            <a:endParaRPr lang="en-GB" altLang="zh-CN" sz="2000" dirty="0"/>
+          </a:p>
+          <a:p>
+            <a:pPr marL="739775" lvl="1" indent="-282575" defTabSz="449263">
+              <a:lnSpc>
+                <a:spcPct val="80000"/>
+              </a:lnSpc>
+              <a:spcBef>
+                <a:spcPts val="500"/>
+              </a:spcBef>
+              <a:tabLst>
+                <a:tab pos="454025" algn="l"/>
+                <a:tab pos="911225" algn="l"/>
+                <a:tab pos="1368425" algn="l"/>
+                <a:tab pos="1825625" algn="l"/>
+                <a:tab pos="2282825" algn="l"/>
+                <a:tab pos="2740025" algn="l"/>
+                <a:tab pos="3197225" algn="l"/>
+                <a:tab pos="3654425" algn="l"/>
+                <a:tab pos="4111625" algn="l"/>
+                <a:tab pos="4568825" algn="l"/>
+                <a:tab pos="5026025" algn="l"/>
+                <a:tab pos="5483225" algn="l"/>
+                <a:tab pos="5940425" algn="l"/>
+                <a:tab pos="6397625" algn="l"/>
+                <a:tab pos="6854825" algn="l"/>
+                <a:tab pos="7312025" algn="l"/>
+                <a:tab pos="7769225" algn="l"/>
+                <a:tab pos="8226425" algn="l"/>
+                <a:tab pos="8683625" algn="l"/>
+                <a:tab pos="9140825" algn="l"/>
+              </a:tabLst>
+            </a:pPr>
+            <a:endParaRPr lang="en-GB" altLang="zh-CN" sz="1000" dirty="0"/>
+          </a:p>
+          <a:p>
+            <a:pPr marL="739775" lvl="1" indent="-282575" defTabSz="449263">
+              <a:lnSpc>
+                <a:spcPct val="80000"/>
+              </a:lnSpc>
+              <a:spcBef>
+                <a:spcPts val="500"/>
+              </a:spcBef>
+              <a:buFontTx/>
+              <a:buNone/>
+              <a:tabLst>
+                <a:tab pos="454025" algn="l"/>
+                <a:tab pos="911225" algn="l"/>
+                <a:tab pos="1368425" algn="l"/>
+                <a:tab pos="1825625" algn="l"/>
+                <a:tab pos="2282825" algn="l"/>
+                <a:tab pos="2740025" algn="l"/>
+                <a:tab pos="3197225" algn="l"/>
+                <a:tab pos="3654425" algn="l"/>
+                <a:tab pos="4111625" algn="l"/>
+                <a:tab pos="4568825" algn="l"/>
+                <a:tab pos="5026025" algn="l"/>
+                <a:tab pos="5483225" algn="l"/>
+                <a:tab pos="5940425" algn="l"/>
+                <a:tab pos="6397625" algn="l"/>
+                <a:tab pos="6854825" algn="l"/>
+                <a:tab pos="7312025" algn="l"/>
+                <a:tab pos="7769225" algn="l"/>
+                <a:tab pos="8226425" algn="l"/>
+                <a:tab pos="8683625" algn="l"/>
+                <a:tab pos="9140825" algn="l"/>
+              </a:tabLst>
+            </a:pPr>
+            <a:r>
+              <a:rPr lang="en-GB" altLang="zh-CN" sz="2000" dirty="0">
+                <a:latin typeface="Courier New" charset="0"/>
+              </a:rPr>
+              <a:t>	"Bob said, \"Hello!\" to Susan."</a:t>
+            </a:r>
+          </a:p>
+        </p:txBody>
+      </p:sp>
+      <p:sp>
+        <p:nvSpPr>
+          <p:cNvPr id="71683" name="Rectangle 3"/>
+          <p:cNvSpPr>
+            <a:spLocks noGrp="1" noChangeArrowheads="1"/>
+          </p:cNvSpPr>
+          <p:nvPr>
+            <p:ph type="title"/>
+          </p:nvPr>
+        </p:nvSpPr>
+        <p:spPr/>
+        <p:txBody>
+          <a:bodyPr/>
+          <a:lstStyle/>
+          <a:p>
+            <a:r>
+              <a:rPr lang="zh-CN" altLang="en-US" dirty="0" smtClean="0"/>
+              <a:t>字符串（</a:t>
+            </a:r>
+            <a:r>
+              <a:rPr lang="en-GB" altLang="zh-CN" dirty="0" smtClean="0"/>
+              <a:t>Strings</a:t>
+            </a:r>
+            <a:r>
+              <a:rPr lang="zh-CN" altLang="en-US" dirty="0" smtClean="0"/>
+              <a:t>）</a:t>
+            </a:r>
+            <a:endParaRPr lang="en-US" altLang="zh-CN" dirty="0"/>
+          </a:p>
+        </p:txBody>
+      </p:sp>
+      <p:sp>
+        <p:nvSpPr>
+          <p:cNvPr id="2" name="日期占位符 1"/>
+          <p:cNvSpPr>
+            <a:spLocks noGrp="1"/>
+          </p:cNvSpPr>
+          <p:nvPr>
+            <p:ph type="dt" sz="half" idx="10"/>
+          </p:nvPr>
+        </p:nvSpPr>
+        <p:spPr/>
+        <p:txBody>
+          <a:bodyPr/>
+          <a:lstStyle/>
+          <a:p>
+            <a:fld id="{B42D0FEC-5C88-714B-B6BF-FCE4212CE002}" type="datetime1">
+              <a:rPr kumimoji="1" lang="zh-CN" altLang="en-US" smtClean="0"/>
+              <a:t>2017/11/22</a:t>
+            </a:fld>
+            <a:endParaRPr kumimoji="1" lang="zh-CN" altLang="en-US"/>
+          </a:p>
+        </p:txBody>
+      </p:sp>
+      <p:sp>
+        <p:nvSpPr>
+          <p:cNvPr id="3" name="幻灯片编号占位符 2"/>
+          <p:cNvSpPr>
+            <a:spLocks noGrp="1"/>
+          </p:cNvSpPr>
+          <p:nvPr>
+            <p:ph type="sldNum" sz="quarter" idx="12"/>
+          </p:nvPr>
+        </p:nvSpPr>
+        <p:spPr/>
+        <p:txBody>
+          <a:bodyPr/>
+          <a:lstStyle/>
+          <a:p>
+            <a:fld id="{12924E00-6951-2E4A-9B91-938056433B77}" type="slidenum">
+              <a:rPr kumimoji="1" lang="zh-CN" altLang="en-US" smtClean="0"/>
+              <a:t>30</a:t>
+            </a:fld>
+            <a:endParaRPr kumimoji="1" lang="zh-CN" altLang="en-US"/>
+          </a:p>
+        </p:txBody>
+      </p:sp>
+    </p:spTree>
+    <p:extLst>
+      <p:ext uri="{BB962C8B-B14F-4D97-AF65-F5344CB8AC3E}">
+        <p14:creationId xmlns:p14="http://schemas.microsoft.com/office/powerpoint/2010/main" val="286327968"/>
+      </p:ext>
+    </p:extLst>
+  </p:cSld>
+  <p:clrMapOvr>
+    <a:masterClrMapping/>
+  </p:clrMapOvr>
+  <mc:AlternateContent xmlns:mc="http://schemas.openxmlformats.org/markup-compatibility/2006">
+    <mc:Choice xmlns:p14="http://schemas.microsoft.com/office/powerpoint/2010/main" Requires="p14">
+      <p:transition spd="slow" p14:dur="1500">
+        <p:random/>
+      </p:transition>
+    </mc:Choice>
+    <mc:Fallback>
+      <p:transition spd="slow">
+        <p:random/>
+      </p:transition>
+    </mc:Fallback>
+  </mc:AlternateContent>
+  <p:timing>
+    <p:tnLst>
+      <p:par>
+        <p:cTn id="1" dur="indefinite" nodeType="tmRoot">
+          <p:childTnLst>
+            <p:seq concurrent="1" nextAc="seek">
+              <p:cTn id="2" dur="indefinite" nodeType="mainSeq"/>
+              <p:prevCondLst>
+                <p:cond evt="onPrev" delay="0">
+                  <p:tgtEl>
+                    <p:sldTgt/>
+                  </p:tgtEl>
+                </p:cond>
+              </p:prevCondLst>
+              <p:nextCondLst>
+                <p:cond evt="onNext" delay="0">
+                  <p:tgtEl>
+                    <p:sldTgt/>
+                  </p:tgtEl>
+                </p:cond>
+              </p:nextCondLst>
+            </p:seq>
+          </p:childTnLst>
+        </p:cTn>
+      </p:par>
+    </p:tnLst>
+  </p:timing>
+</p:sld>
+</file>
+
+<file path=ppt/slides/slide31.xml><?xml version="1.0" encoding="utf-8"?>
+<p:sld xmlns:a="http://schemas.openxmlformats.org/drawingml/2006/main" xmlns:r="http://schemas.openxmlformats.org/officeDocument/2006/relationships" xmlns:p="http://schemas.openxmlformats.org/presentationml/2006/main">
+  <p:cSld>
+    <p:spTree>
+      <p:nvGrpSpPr>
+        <p:cNvPr id="1" name=""/>
+        <p:cNvGrpSpPr/>
+        <p:nvPr/>
+      </p:nvGrpSpPr>
+      <p:grpSpPr>
+        <a:xfrm>
+          <a:off x="0" y="0"/>
+          <a:ext cx="0" cy="0"/>
+          <a:chOff x="0" y="0"/>
+          <a:chExt cx="0" cy="0"/>
+        </a:xfrm>
+      </p:grpSpPr>
+      <p:sp>
+        <p:nvSpPr>
           <p:cNvPr id="93" name="Rectangle 24"/>
           <p:cNvSpPr>
             <a:spLocks noChangeArrowheads="1"/>
@@ -37134,7 +37588,7 @@
           <a:p>
             <a:fld id="{12924E00-6951-2E4A-9B91-938056433B77}" type="slidenum">
               <a:rPr kumimoji="1" lang="zh-CN" altLang="en-US" smtClean="0"/>
-              <a:t>30</a:t>
+              <a:t>31</a:t>
             </a:fld>
             <a:endParaRPr kumimoji="1" lang="zh-CN" altLang="en-US"/>
           </a:p>
@@ -37168,7 +37622,7 @@
 </p:sld>
 </file>
 
-<file path=ppt/slides/slide31.xml><?xml version="1.0" encoding="utf-8"?>
+<file path=ppt/slides/slide32.xml><?xml version="1.0" encoding="utf-8"?>
 <p:sld xmlns:a="http://schemas.openxmlformats.org/drawingml/2006/main" xmlns:r="http://schemas.openxmlformats.org/officeDocument/2006/relationships" xmlns:p="http://schemas.openxmlformats.org/presentationml/2006/main">
   <p:cSld>
     <p:spTree>
@@ -37595,7 +38049,7 @@
           <a:p>
             <a:fld id="{12924E00-6951-2E4A-9B91-938056433B77}" type="slidenum">
               <a:rPr kumimoji="1" lang="zh-CN" altLang="en-US" smtClean="0"/>
-              <a:t>31</a:t>
+              <a:t>32</a:t>
             </a:fld>
             <a:endParaRPr kumimoji="1" lang="zh-CN" altLang="en-US"/>
           </a:p>
@@ -37633,7 +38087,7 @@
 </p:sld>
 </file>
 
-<file path=ppt/slides/slide32.xml><?xml version="1.0" encoding="utf-8"?>
+<file path=ppt/slides/slide33.xml><?xml version="1.0" encoding="utf-8"?>
 <p:sld xmlns:a="http://schemas.openxmlformats.org/drawingml/2006/main" xmlns:r="http://schemas.openxmlformats.org/officeDocument/2006/relationships" xmlns:p="http://schemas.openxmlformats.org/presentationml/2006/main">
   <p:cSld>
     <p:spTree>
@@ -38235,7 +38689,7 @@
           <a:p>
             <a:fld id="{12924E00-6951-2E4A-9B91-938056433B77}" type="slidenum">
               <a:rPr kumimoji="1" lang="zh-CN" altLang="en-US" smtClean="0"/>
-              <a:t>32</a:t>
+              <a:t>33</a:t>
             </a:fld>
             <a:endParaRPr kumimoji="1" lang="zh-CN" altLang="en-US"/>
           </a:p>
@@ -38293,7 +38747,7 @@
 </p:sld>
 </file>
 
-<file path=ppt/slides/slide33.xml><?xml version="1.0" encoding="utf-8"?>
+<file path=ppt/slides/slide34.xml><?xml version="1.0" encoding="utf-8"?>
 <p:sld xmlns:a="http://schemas.openxmlformats.org/drawingml/2006/main" xmlns:r="http://schemas.openxmlformats.org/officeDocument/2006/relationships" xmlns:p="http://schemas.openxmlformats.org/presentationml/2006/main">
   <p:cSld>
     <p:spTree>
@@ -38652,7 +39106,7 @@
           <a:p>
             <a:fld id="{12924E00-6951-2E4A-9B91-938056433B77}" type="slidenum">
               <a:rPr kumimoji="1" lang="zh-CN" altLang="en-US" smtClean="0"/>
-              <a:t>33</a:t>
+              <a:t>34</a:t>
             </a:fld>
             <a:endParaRPr kumimoji="1" lang="zh-CN" altLang="en-US"/>
           </a:p>
@@ -38662,379 +39116,6 @@
     <p:extLst>
       <p:ext uri="{BB962C8B-B14F-4D97-AF65-F5344CB8AC3E}">
         <p14:creationId xmlns:p14="http://schemas.microsoft.com/office/powerpoint/2010/main" val="773414922"/>
-      </p:ext>
-    </p:extLst>
-  </p:cSld>
-  <p:clrMapOvr>
-    <a:masterClrMapping/>
-  </p:clrMapOvr>
-  <mc:AlternateContent xmlns:mc="http://schemas.openxmlformats.org/markup-compatibility/2006">
-    <mc:Choice xmlns:p14="http://schemas.microsoft.com/office/powerpoint/2010/main" Requires="p14">
-      <p:transition spd="slow" p14:dur="1500">
-        <p:random/>
-      </p:transition>
-    </mc:Choice>
-    <mc:Fallback>
-      <p:transition spd="slow">
-        <p:random/>
-      </p:transition>
-    </mc:Fallback>
-  </mc:AlternateContent>
-  <p:timing>
-    <p:tnLst>
-      <p:par>
-        <p:cTn id="1" dur="indefinite" restart="never" nodeType="tmRoot"/>
-      </p:par>
-    </p:tnLst>
-  </p:timing>
-</p:sld>
-</file>
-
-<file path=ppt/slides/slide34.xml><?xml version="1.0" encoding="utf-8"?>
-<p:sld xmlns:a="http://schemas.openxmlformats.org/drawingml/2006/main" xmlns:r="http://schemas.openxmlformats.org/officeDocument/2006/relationships" xmlns:p="http://schemas.openxmlformats.org/presentationml/2006/main">
-  <p:cSld>
-    <p:spTree>
-      <p:nvGrpSpPr>
-        <p:cNvPr id="1" name=""/>
-        <p:cNvGrpSpPr/>
-        <p:nvPr/>
-      </p:nvGrpSpPr>
-      <p:grpSpPr>
-        <a:xfrm>
-          <a:off x="0" y="0"/>
-          <a:ext cx="0" cy="0"/>
-          <a:chOff x="0" y="0"/>
-          <a:chExt cx="0" cy="0"/>
-        </a:xfrm>
-      </p:grpSpPr>
-      <p:sp>
-        <p:nvSpPr>
-          <p:cNvPr id="79874" name="Rectangle 2"/>
-          <p:cNvSpPr>
-            <a:spLocks noGrp="1" noChangeArrowheads="1"/>
-          </p:cNvSpPr>
-          <p:nvPr>
-            <p:ph type="title"/>
-          </p:nvPr>
-        </p:nvSpPr>
-        <p:spPr/>
-        <p:txBody>
-          <a:bodyPr/>
-          <a:lstStyle/>
-          <a:p>
-            <a:r>
-              <a:rPr lang="zh-CN" altLang="en-US" dirty="0"/>
-              <a:t>字符串和数字</a:t>
-            </a:r>
-            <a:endParaRPr lang="en-US" altLang="zh-CN" dirty="0"/>
-          </a:p>
-        </p:txBody>
-      </p:sp>
-      <p:sp>
-        <p:nvSpPr>
-          <p:cNvPr id="79875" name="Rectangle 3"/>
-          <p:cNvSpPr>
-            <a:spLocks noGrp="1" noChangeArrowheads="1"/>
-          </p:cNvSpPr>
-          <p:nvPr>
-            <p:ph type="body" idx="1"/>
-          </p:nvPr>
-        </p:nvSpPr>
-        <p:spPr/>
-        <p:txBody>
-          <a:bodyPr/>
-          <a:lstStyle/>
-          <a:p>
-            <a:r>
-              <a:rPr lang="en-US" altLang="zh-CN" dirty="0" err="1">
-                <a:latin typeface="Courier New" charset="0"/>
-              </a:rPr>
-              <a:t>ord</a:t>
-            </a:r>
-            <a:r>
-              <a:rPr lang="en-US" altLang="zh-CN" dirty="0">
-                <a:latin typeface="Courier New" charset="0"/>
-              </a:rPr>
-              <a:t>(</a:t>
-            </a:r>
-            <a:r>
-              <a:rPr lang="en-US" altLang="zh-CN" b="1" dirty="0"/>
-              <a:t>text</a:t>
-            </a:r>
-            <a:r>
-              <a:rPr lang="en-US" altLang="zh-CN" dirty="0">
-                <a:latin typeface="Courier New" charset="0"/>
-              </a:rPr>
-              <a:t>)</a:t>
-            </a:r>
-            <a:r>
-              <a:rPr lang="en-US" altLang="zh-CN" dirty="0"/>
-              <a:t>		</a:t>
-            </a:r>
-            <a:r>
-              <a:rPr lang="en-US" altLang="zh-CN" dirty="0" smtClean="0"/>
-              <a:t>-</a:t>
-            </a:r>
-            <a:r>
-              <a:rPr lang="zh-CN" altLang="en-US" dirty="0" smtClean="0"/>
-              <a:t> 将</a:t>
-            </a:r>
-            <a:r>
-              <a:rPr lang="zh-CN" altLang="en-US" dirty="0"/>
-              <a:t>字符串转换为</a:t>
-            </a:r>
-            <a:r>
-              <a:rPr lang="zh-CN" altLang="en-US" dirty="0" smtClean="0"/>
-              <a:t>数字</a:t>
-            </a:r>
-            <a:endParaRPr lang="en-US" altLang="zh-CN" dirty="0"/>
-          </a:p>
-          <a:p>
-            <a:pPr lvl="1"/>
-            <a:r>
-              <a:rPr lang="zh-CN" altLang="en-US" dirty="0" smtClean="0"/>
-              <a:t>例子</a:t>
-            </a:r>
-            <a:r>
-              <a:rPr lang="en-US" altLang="zh-CN" dirty="0" smtClean="0"/>
-              <a:t>: </a:t>
-            </a:r>
-            <a:r>
-              <a:rPr lang="en-US" altLang="zh-CN" dirty="0" err="1">
-                <a:latin typeface="Courier New" charset="0"/>
-              </a:rPr>
-              <a:t>ord</a:t>
-            </a:r>
-            <a:r>
-              <a:rPr lang="en-US" altLang="zh-CN" dirty="0">
-                <a:latin typeface="Courier New" charset="0"/>
-              </a:rPr>
-              <a:t>("a")</a:t>
-            </a:r>
-            <a:r>
-              <a:rPr lang="en-US" altLang="zh-CN" dirty="0"/>
-              <a:t> </a:t>
-            </a:r>
-            <a:r>
-              <a:rPr lang="zh-CN" altLang="en-US" dirty="0" smtClean="0"/>
-              <a:t>是</a:t>
-            </a:r>
-            <a:r>
-              <a:rPr lang="en-US" altLang="zh-CN" dirty="0" smtClean="0">
-                <a:latin typeface="Courier New" charset="0"/>
-              </a:rPr>
-              <a:t>97</a:t>
-            </a:r>
-            <a:r>
-              <a:rPr lang="en-US" altLang="zh-CN" dirty="0"/>
-              <a:t>,  </a:t>
-            </a:r>
-            <a:r>
-              <a:rPr lang="en-US" altLang="zh-CN" dirty="0" err="1">
-                <a:latin typeface="Courier New" charset="0"/>
-              </a:rPr>
-              <a:t>ord</a:t>
-            </a:r>
-            <a:r>
-              <a:rPr lang="en-US" altLang="zh-CN" dirty="0">
-                <a:latin typeface="Courier New" charset="0"/>
-              </a:rPr>
-              <a:t>("b")</a:t>
-            </a:r>
-            <a:r>
-              <a:rPr lang="en-US" altLang="zh-CN" dirty="0"/>
-              <a:t> </a:t>
-            </a:r>
-            <a:r>
-              <a:rPr lang="zh-CN" altLang="en-US" dirty="0" smtClean="0"/>
-              <a:t>是</a:t>
-            </a:r>
-            <a:r>
-              <a:rPr lang="en-US" altLang="zh-CN" dirty="0" smtClean="0">
-                <a:latin typeface="Courier New" charset="0"/>
-              </a:rPr>
-              <a:t>98</a:t>
-            </a:r>
-            <a:r>
-              <a:rPr lang="en-US" altLang="zh-CN" dirty="0"/>
-              <a:t>, ...</a:t>
-            </a:r>
-          </a:p>
-          <a:p>
-            <a:pPr lvl="1"/>
-            <a:endParaRPr lang="en-US" altLang="zh-CN" sz="1000" dirty="0"/>
-          </a:p>
-          <a:p>
-            <a:pPr lvl="1"/>
-            <a:r>
-              <a:rPr lang="zh-CN" altLang="en-US" dirty="0"/>
-              <a:t>字符使用标准</a:t>
-            </a:r>
-            <a:r>
-              <a:rPr lang="zh-CN" altLang="en-US" dirty="0" smtClean="0"/>
-              <a:t>映射如</a:t>
-            </a:r>
-            <a:r>
-              <a:rPr lang="en-US" altLang="zh-CN" dirty="0"/>
-              <a:t>ASCII</a:t>
-            </a:r>
-            <a:r>
-              <a:rPr lang="zh-CN" altLang="en-US" dirty="0"/>
-              <a:t>和</a:t>
-            </a:r>
-            <a:r>
-              <a:rPr lang="en-US" altLang="zh-CN" dirty="0" smtClean="0"/>
-              <a:t>Unicode</a:t>
-            </a:r>
-            <a:endParaRPr lang="en-US" altLang="zh-CN" dirty="0"/>
-          </a:p>
-          <a:p>
-            <a:endParaRPr lang="en-US" altLang="zh-CN" dirty="0"/>
-          </a:p>
-          <a:p>
-            <a:r>
-              <a:rPr lang="en-US" altLang="zh-CN" dirty="0" err="1">
-                <a:latin typeface="Courier New" charset="0"/>
-              </a:rPr>
-              <a:t>chr</a:t>
-            </a:r>
-            <a:r>
-              <a:rPr lang="en-US" altLang="zh-CN" dirty="0">
-                <a:latin typeface="Courier New" charset="0"/>
-              </a:rPr>
-              <a:t>(</a:t>
-            </a:r>
-            <a:r>
-              <a:rPr lang="en-US" altLang="zh-CN" b="1" dirty="0"/>
-              <a:t>number</a:t>
-            </a:r>
-            <a:r>
-              <a:rPr lang="en-US" altLang="zh-CN" dirty="0"/>
-              <a:t>)	</a:t>
-            </a:r>
-            <a:r>
-              <a:rPr lang="en-US" altLang="zh-CN" dirty="0" smtClean="0"/>
-              <a:t>-</a:t>
-            </a:r>
-            <a:r>
-              <a:rPr lang="zh-CN" altLang="en-US" dirty="0" smtClean="0"/>
-              <a:t> 将</a:t>
-            </a:r>
-            <a:r>
-              <a:rPr lang="zh-CN" altLang="en-US" dirty="0"/>
-              <a:t>数字转换为字符</a:t>
-            </a:r>
-            <a:r>
-              <a:rPr lang="zh-CN" altLang="en-US" dirty="0" smtClean="0"/>
-              <a:t>串</a:t>
-            </a:r>
-            <a:endParaRPr lang="en-US" altLang="zh-CN" dirty="0"/>
-          </a:p>
-          <a:p>
-            <a:pPr lvl="1"/>
-            <a:r>
-              <a:rPr lang="zh-CN" altLang="en-US" dirty="0" smtClean="0"/>
-              <a:t>例子</a:t>
-            </a:r>
-            <a:r>
-              <a:rPr lang="en-US" altLang="zh-CN" dirty="0" smtClean="0"/>
-              <a:t>: </a:t>
-            </a:r>
-            <a:r>
-              <a:rPr lang="en-US" altLang="zh-CN" dirty="0" err="1">
-                <a:latin typeface="Courier New" charset="0"/>
-              </a:rPr>
-              <a:t>chr</a:t>
-            </a:r>
-            <a:r>
-              <a:rPr lang="en-US" altLang="zh-CN" dirty="0">
-                <a:latin typeface="Courier New" charset="0"/>
-              </a:rPr>
-              <a:t>(99)</a:t>
-            </a:r>
-            <a:r>
-              <a:rPr lang="en-US" altLang="zh-CN" dirty="0"/>
-              <a:t> </a:t>
-            </a:r>
-            <a:r>
-              <a:rPr lang="zh-CN" altLang="en-US" dirty="0" smtClean="0"/>
-              <a:t>是</a:t>
-            </a:r>
-            <a:r>
-              <a:rPr lang="en-US" altLang="zh-CN" dirty="0" smtClean="0">
-                <a:latin typeface="Courier New" charset="0"/>
-              </a:rPr>
-              <a:t>"c</a:t>
-            </a:r>
-            <a:r>
-              <a:rPr lang="en-US" altLang="zh-CN" dirty="0">
-                <a:latin typeface="Courier New" charset="0"/>
-              </a:rPr>
-              <a:t>"</a:t>
-            </a:r>
-          </a:p>
-          <a:p>
-            <a:pPr lvl="1"/>
-            <a:endParaRPr lang="en-US" altLang="zh-CN" dirty="0">
-              <a:latin typeface="Courier New" charset="0"/>
-            </a:endParaRPr>
-          </a:p>
-          <a:p>
-            <a:pPr lvl="1"/>
-            <a:endParaRPr lang="en-US" altLang="zh-CN" dirty="0"/>
-          </a:p>
-        </p:txBody>
-      </p:sp>
-      <p:sp>
-        <p:nvSpPr>
-          <p:cNvPr id="2" name="日期占位符 1"/>
-          <p:cNvSpPr>
-            <a:spLocks noGrp="1"/>
-          </p:cNvSpPr>
-          <p:nvPr>
-            <p:ph type="dt" sz="half" idx="10"/>
-          </p:nvPr>
-        </p:nvSpPr>
-        <p:spPr/>
-        <p:txBody>
-          <a:bodyPr/>
-          <a:lstStyle/>
-          <a:p>
-            <a:fld id="{0B49FF69-9CB3-5447-868F-669227343251}" type="datetime1">
-              <a:rPr kumimoji="1" lang="zh-CN" altLang="en-US" smtClean="0"/>
-              <a:t>2017/11/22</a:t>
-            </a:fld>
-            <a:endParaRPr kumimoji="1" lang="zh-CN" altLang="en-US"/>
-          </a:p>
-        </p:txBody>
-      </p:sp>
-      <p:sp>
-        <p:nvSpPr>
-          <p:cNvPr id="3" name="幻灯片编号占位符 2"/>
-          <p:cNvSpPr>
-            <a:spLocks noGrp="1"/>
-          </p:cNvSpPr>
-          <p:nvPr>
-            <p:ph type="sldNum" sz="quarter" idx="12"/>
-          </p:nvPr>
-        </p:nvSpPr>
-        <p:spPr/>
-        <p:txBody>
-          <a:bodyPr/>
-          <a:lstStyle/>
-          <a:p>
-            <a:fld id="{12924E00-6951-2E4A-9B91-938056433B77}" type="slidenum">
-              <a:rPr kumimoji="1" lang="zh-CN" altLang="en-US" smtClean="0"/>
-              <a:t>34</a:t>
-            </a:fld>
-            <a:endParaRPr kumimoji="1" lang="zh-CN" altLang="en-US"/>
-          </a:p>
-        </p:txBody>
-      </p:sp>
-    </p:spTree>
-    <p:extLst>
-      <p:ext uri="{BB962C8B-B14F-4D97-AF65-F5344CB8AC3E}">
-        <p14:creationId xmlns:p14="http://schemas.microsoft.com/office/powerpoint/2010/main" val="66078763"/>
       </p:ext>
     </p:extLst>
   </p:cSld>
@@ -39082,9 +39163,9 @@
       </p:grpSpPr>
       <p:sp>
         <p:nvSpPr>
-          <p:cNvPr id="2" name="标题 1"/>
+          <p:cNvPr id="79874" name="Rectangle 2"/>
           <p:cNvSpPr>
-            <a:spLocks noGrp="1"/>
+            <a:spLocks noGrp="1" noChangeArrowheads="1"/>
           </p:cNvSpPr>
           <p:nvPr>
             <p:ph type="title"/>
@@ -39096,360 +39177,271 @@
           <a:lstStyle/>
           <a:p>
             <a:r>
-              <a:rPr lang="zh-CN" altLang="en-US" smtClean="0"/>
-              <a:t>文件操作</a:t>
-            </a:r>
-            <a:endParaRPr lang="zh-CN" altLang="en-US" dirty="0"/>
+              <a:rPr lang="zh-CN" altLang="en-US" dirty="0"/>
+              <a:t>字符串和数字</a:t>
+            </a:r>
+            <a:endParaRPr lang="en-US" altLang="zh-CN" dirty="0"/>
           </a:p>
         </p:txBody>
       </p:sp>
       <p:sp>
         <p:nvSpPr>
-          <p:cNvPr id="3" name="内容占位符 2"/>
+          <p:cNvPr id="79875" name="Rectangle 3"/>
           <p:cNvSpPr>
-            <a:spLocks noGrp="1"/>
+            <a:spLocks noGrp="1" noChangeArrowheads="1"/>
           </p:cNvSpPr>
           <p:nvPr>
-            <p:ph idx="1"/>
+            <p:ph type="body" idx="1"/>
           </p:nvPr>
         </p:nvSpPr>
         <p:spPr/>
         <p:txBody>
-          <a:bodyPr>
-            <a:normAutofit lnSpcReduction="10000"/>
-          </a:bodyPr>
+          <a:bodyPr/>
           <a:lstStyle/>
           <a:p>
             <a:r>
+              <a:rPr lang="en-US" altLang="zh-CN" dirty="0" err="1">
+                <a:latin typeface="Courier New" charset="0"/>
+              </a:rPr>
+              <a:t>ord</a:t>
+            </a:r>
+            <a:r>
+              <a:rPr lang="en-US" altLang="zh-CN" dirty="0">
+                <a:latin typeface="Courier New" charset="0"/>
+              </a:rPr>
+              <a:t>(</a:t>
+            </a:r>
+            <a:r>
+              <a:rPr lang="en-US" altLang="zh-CN" b="1" dirty="0"/>
+              <a:t>text</a:t>
+            </a:r>
+            <a:r>
+              <a:rPr lang="en-US" altLang="zh-CN" dirty="0">
+                <a:latin typeface="Courier New" charset="0"/>
+              </a:rPr>
+              <a:t>)</a:t>
+            </a:r>
+            <a:r>
+              <a:rPr lang="en-US" altLang="zh-CN" dirty="0"/>
+              <a:t>		</a:t>
+            </a:r>
+            <a:r>
+              <a:rPr lang="en-US" altLang="zh-CN" dirty="0" smtClean="0"/>
+              <a:t>-</a:t>
+            </a:r>
+            <a:r>
               <a:rPr lang="zh-CN" altLang="en-US" dirty="0" smtClean="0"/>
-              <a:t>文件操作：</a:t>
+              <a:t> 将</a:t>
+            </a:r>
+            <a:r>
+              <a:rPr lang="zh-CN" altLang="en-US" dirty="0"/>
+              <a:t>字符串转换为</a:t>
+            </a:r>
+            <a:r>
+              <a:rPr lang="zh-CN" altLang="en-US" dirty="0" smtClean="0"/>
+              <a:t>数字</a:t>
+            </a:r>
+            <a:endParaRPr lang="en-US" altLang="zh-CN" dirty="0"/>
+          </a:p>
+          <a:p>
+            <a:pPr lvl="1"/>
+            <a:r>
+              <a:rPr lang="zh-CN" altLang="en-US" dirty="0" smtClean="0"/>
+              <a:t>例子</a:t>
             </a:r>
             <a:r>
               <a:rPr lang="en-US" altLang="zh-CN" dirty="0" smtClean="0"/>
-              <a:t>open()  file()  </a:t>
-            </a:r>
-            <a:r>
-              <a:rPr lang="en-US" altLang="zh-CN" dirty="0" err="1" smtClean="0"/>
-              <a:t>readlines</a:t>
+              <a:t>: </a:t>
+            </a:r>
+            <a:r>
+              <a:rPr lang="en-US" altLang="zh-CN" dirty="0" err="1">
+                <a:latin typeface="Courier New" charset="0"/>
+              </a:rPr>
+              <a:t>ord</a:t>
+            </a:r>
+            <a:r>
+              <a:rPr lang="en-US" altLang="zh-CN" dirty="0">
+                <a:latin typeface="Courier New" charset="0"/>
+              </a:rPr>
+              <a:t>("a")</a:t>
+            </a:r>
+            <a:r>
+              <a:rPr lang="en-US" altLang="zh-CN" dirty="0"/>
+              <a:t> </a:t>
+            </a:r>
+            <a:r>
+              <a:rPr lang="zh-CN" altLang="en-US" dirty="0" smtClean="0"/>
+              <a:t>是</a:t>
+            </a:r>
+            <a:r>
+              <a:rPr lang="en-US" altLang="zh-CN" dirty="0" smtClean="0">
+                <a:latin typeface="Courier New" charset="0"/>
+              </a:rPr>
+              <a:t>97</a:t>
+            </a:r>
+            <a:r>
+              <a:rPr lang="en-US" altLang="zh-CN" dirty="0"/>
+              <a:t>,  </a:t>
+            </a:r>
+            <a:r>
+              <a:rPr lang="en-US" altLang="zh-CN" dirty="0" err="1">
+                <a:latin typeface="Courier New" charset="0"/>
+              </a:rPr>
+              <a:t>ord</a:t>
+            </a:r>
+            <a:r>
+              <a:rPr lang="en-US" altLang="zh-CN" dirty="0">
+                <a:latin typeface="Courier New" charset="0"/>
+              </a:rPr>
+              <a:t>("b")</a:t>
+            </a:r>
+            <a:r>
+              <a:rPr lang="en-US" altLang="zh-CN" dirty="0"/>
+              <a:t> </a:t>
+            </a:r>
+            <a:r>
+              <a:rPr lang="zh-CN" altLang="en-US" dirty="0" smtClean="0"/>
+              <a:t>是</a:t>
+            </a:r>
+            <a:r>
+              <a:rPr lang="en-US" altLang="zh-CN" dirty="0" smtClean="0">
+                <a:latin typeface="Courier New" charset="0"/>
+              </a:rPr>
+              <a:t>98</a:t>
+            </a:r>
+            <a:r>
+              <a:rPr lang="en-US" altLang="zh-CN" dirty="0"/>
+              <a:t>, ...</a:t>
+            </a:r>
+          </a:p>
+          <a:p>
+            <a:pPr lvl="1"/>
+            <a:endParaRPr lang="en-US" altLang="zh-CN" sz="1000" dirty="0"/>
+          </a:p>
+          <a:p>
+            <a:pPr lvl="1"/>
+            <a:r>
+              <a:rPr lang="zh-CN" altLang="en-US" dirty="0"/>
+              <a:t>字符使用标准</a:t>
+            </a:r>
+            <a:r>
+              <a:rPr lang="zh-CN" altLang="en-US" dirty="0" smtClean="0"/>
+              <a:t>映射如</a:t>
+            </a:r>
+            <a:r>
+              <a:rPr lang="en-US" altLang="zh-CN" dirty="0"/>
+              <a:t>ASCII</a:t>
+            </a:r>
+            <a:r>
+              <a:rPr lang="zh-CN" altLang="en-US" dirty="0"/>
+              <a:t>和</a:t>
             </a:r>
             <a:r>
               <a:rPr lang="en-US" altLang="zh-CN" dirty="0" smtClean="0"/>
-              <a:t>()  close()</a:t>
-            </a:r>
+              <a:t>Unicode</a:t>
+            </a:r>
+            <a:endParaRPr lang="en-US" altLang="zh-CN" dirty="0"/>
+          </a:p>
+          <a:p>
+            <a:endParaRPr lang="en-US" altLang="zh-CN" dirty="0"/>
+          </a:p>
+          <a:p>
+            <a:r>
+              <a:rPr lang="en-US" altLang="zh-CN" dirty="0" err="1">
+                <a:latin typeface="Courier New" charset="0"/>
+              </a:rPr>
+              <a:t>chr</a:t>
+            </a:r>
+            <a:r>
+              <a:rPr lang="en-US" altLang="zh-CN" dirty="0">
+                <a:latin typeface="Courier New" charset="0"/>
+              </a:rPr>
+              <a:t>(</a:t>
+            </a:r>
+            <a:r>
+              <a:rPr lang="en-US" altLang="zh-CN" b="1" dirty="0"/>
+              <a:t>number</a:t>
+            </a:r>
+            <a:r>
+              <a:rPr lang="en-US" altLang="zh-CN" dirty="0"/>
+              <a:t>)	</a:t>
+            </a:r>
+            <a:r>
+              <a:rPr lang="en-US" altLang="zh-CN" dirty="0" smtClean="0"/>
+              <a:t>-</a:t>
+            </a:r>
+            <a:r>
+              <a:rPr lang="zh-CN" altLang="en-US" dirty="0" smtClean="0"/>
+              <a:t> 将</a:t>
+            </a:r>
+            <a:r>
+              <a:rPr lang="zh-CN" altLang="en-US" dirty="0"/>
+              <a:t>数字转换为字符</a:t>
+            </a:r>
+            <a:r>
+              <a:rPr lang="zh-CN" altLang="en-US" dirty="0" smtClean="0"/>
+              <a:t>串</a:t>
+            </a:r>
+            <a:endParaRPr lang="en-US" altLang="zh-CN" dirty="0"/>
           </a:p>
           <a:p>
             <a:pPr lvl="1"/>
-            <a:endParaRPr lang="en-US" altLang="zh-CN" dirty="0" smtClean="0"/>
+            <a:r>
+              <a:rPr lang="zh-CN" altLang="en-US" dirty="0" smtClean="0"/>
+              <a:t>例子</a:t>
+            </a:r>
+            <a:r>
+              <a:rPr lang="en-US" altLang="zh-CN" dirty="0" smtClean="0"/>
+              <a:t>: </a:t>
+            </a:r>
+            <a:r>
+              <a:rPr lang="en-US" altLang="zh-CN" dirty="0" err="1">
+                <a:latin typeface="Courier New" charset="0"/>
+              </a:rPr>
+              <a:t>chr</a:t>
+            </a:r>
+            <a:r>
+              <a:rPr lang="en-US" altLang="zh-CN" dirty="0">
+                <a:latin typeface="Courier New" charset="0"/>
+              </a:rPr>
+              <a:t>(99)</a:t>
+            </a:r>
+            <a:r>
+              <a:rPr lang="en-US" altLang="zh-CN" dirty="0"/>
+              <a:t> </a:t>
+            </a:r>
+            <a:r>
+              <a:rPr lang="zh-CN" altLang="en-US" dirty="0" smtClean="0"/>
+              <a:t>是</a:t>
+            </a:r>
+            <a:r>
+              <a:rPr lang="en-US" altLang="zh-CN" dirty="0" smtClean="0">
+                <a:latin typeface="Courier New" charset="0"/>
+              </a:rPr>
+              <a:t>"c</a:t>
+            </a:r>
+            <a:r>
+              <a:rPr lang="en-US" altLang="zh-CN" dirty="0">
+                <a:latin typeface="Courier New" charset="0"/>
+              </a:rPr>
+              <a:t>"</a:t>
+            </a:r>
           </a:p>
           <a:p>
             <a:pPr lvl="1"/>
-            <a:r>
-              <a:rPr lang="zh-CN" altLang="en-US" dirty="0" smtClean="0"/>
-              <a:t>例子：</a:t>
-            </a:r>
-            <a:endParaRPr lang="en-US" altLang="zh-CN" dirty="0" smtClean="0"/>
-          </a:p>
-          <a:p>
-            <a:pPr marL="457200" lvl="1" indent="0">
-              <a:buNone/>
-            </a:pPr>
-            <a:endParaRPr lang="en-US" altLang="zh-CN" dirty="0" smtClean="0"/>
-          </a:p>
-          <a:p>
-            <a:pPr marL="457200" lvl="1" indent="0">
-              <a:buNone/>
-            </a:pPr>
-            <a:r>
-              <a:rPr lang="en-US" altLang="zh-CN" dirty="0" smtClean="0"/>
-              <a:t>handle = open(</a:t>
-            </a:r>
-            <a:r>
-              <a:rPr lang="en-US" altLang="zh-CN" dirty="0" err="1" smtClean="0"/>
-              <a:t>file_name</a:t>
-            </a:r>
-            <a:r>
-              <a:rPr lang="en-US" altLang="zh-CN" dirty="0" smtClean="0"/>
-              <a:t>, </a:t>
-            </a:r>
-            <a:r>
-              <a:rPr lang="en-US" altLang="zh-CN" dirty="0" err="1" smtClean="0"/>
-              <a:t>access_mode</a:t>
-            </a:r>
-            <a:r>
-              <a:rPr lang="en-US" altLang="zh-CN" dirty="0" smtClean="0"/>
-              <a:t> = ‘r’)  </a:t>
-            </a:r>
-            <a:r>
-              <a:rPr lang="en-US" altLang="zh-CN" b="1" dirty="0">
-                <a:solidFill>
-                  <a:srgbClr val="008080"/>
-                </a:solidFill>
-              </a:rPr>
-              <a:t># </a:t>
-            </a:r>
-            <a:r>
-              <a:rPr lang="zh-CN" altLang="en-US" b="1" dirty="0">
-                <a:solidFill>
-                  <a:srgbClr val="008080"/>
-                </a:solidFill>
-              </a:rPr>
-              <a:t>默认 </a:t>
-            </a:r>
-            <a:r>
-              <a:rPr lang="en-US" altLang="zh-CN" b="1" dirty="0">
-                <a:solidFill>
-                  <a:srgbClr val="008080"/>
-                </a:solidFill>
-              </a:rPr>
-              <a:t>r</a:t>
-            </a:r>
-          </a:p>
-          <a:p>
-            <a:pPr marL="457200" lvl="1" indent="0">
-              <a:buNone/>
-            </a:pPr>
-            <a:r>
-              <a:rPr lang="en-US" altLang="zh-CN" b="1" dirty="0">
-                <a:solidFill>
-                  <a:srgbClr val="008080"/>
-                </a:solidFill>
-              </a:rPr>
-              <a:t># r:</a:t>
-            </a:r>
-            <a:r>
-              <a:rPr lang="zh-CN" altLang="en-US" b="1" dirty="0">
-                <a:solidFill>
-                  <a:srgbClr val="008080"/>
-                </a:solidFill>
-              </a:rPr>
-              <a:t>读取；</a:t>
-            </a:r>
-            <a:r>
-              <a:rPr lang="en-US" altLang="zh-CN" b="1" dirty="0">
-                <a:solidFill>
-                  <a:srgbClr val="008080"/>
-                </a:solidFill>
-              </a:rPr>
-              <a:t>w:</a:t>
-            </a:r>
-            <a:r>
-              <a:rPr lang="zh-CN" altLang="en-US" b="1" dirty="0">
-                <a:solidFill>
-                  <a:srgbClr val="008080"/>
-                </a:solidFill>
-              </a:rPr>
-              <a:t>写入；</a:t>
-            </a:r>
-            <a:r>
-              <a:rPr lang="en-US" altLang="zh-CN" b="1" dirty="0">
-                <a:solidFill>
-                  <a:srgbClr val="008080"/>
-                </a:solidFill>
-              </a:rPr>
-              <a:t>a:</a:t>
-            </a:r>
-            <a:r>
-              <a:rPr lang="zh-CN" altLang="en-US" b="1" dirty="0">
-                <a:solidFill>
-                  <a:srgbClr val="008080"/>
-                </a:solidFill>
-              </a:rPr>
-              <a:t>添加；</a:t>
-            </a:r>
-            <a:r>
-              <a:rPr lang="en-US" altLang="zh-CN" b="1" dirty="0">
-                <a:solidFill>
-                  <a:srgbClr val="008080"/>
-                </a:solidFill>
-              </a:rPr>
-              <a:t>+:</a:t>
-            </a:r>
-            <a:r>
-              <a:rPr lang="zh-CN" altLang="en-US" b="1" dirty="0">
-                <a:solidFill>
-                  <a:srgbClr val="008080"/>
-                </a:solidFill>
-              </a:rPr>
-              <a:t>读写；</a:t>
-            </a:r>
-            <a:r>
-              <a:rPr lang="en-US" altLang="zh-CN" b="1" dirty="0">
-                <a:solidFill>
-                  <a:srgbClr val="008080"/>
-                </a:solidFill>
-              </a:rPr>
-              <a:t>b:</a:t>
-            </a:r>
-            <a:r>
-              <a:rPr lang="zh-CN" altLang="en-US" b="1" dirty="0">
-                <a:solidFill>
-                  <a:srgbClr val="008080"/>
-                </a:solidFill>
-              </a:rPr>
-              <a:t>二进制访问</a:t>
-            </a:r>
-            <a:r>
-              <a:rPr lang="zh-CN" altLang="en-US" dirty="0" smtClean="0"/>
-              <a:t>。</a:t>
-            </a:r>
-            <a:endParaRPr lang="en-US" altLang="zh-CN" dirty="0" smtClean="0"/>
-          </a:p>
-          <a:p>
-            <a:pPr marL="457200" lvl="1" indent="0">
-              <a:buNone/>
-            </a:pPr>
-            <a:r>
-              <a:rPr lang="en-US" altLang="zh-CN" dirty="0" smtClean="0"/>
-              <a:t>filename = </a:t>
-            </a:r>
-            <a:r>
-              <a:rPr lang="en-US" altLang="zh-CN" dirty="0" err="1" smtClean="0"/>
-              <a:t>raw_input</a:t>
-            </a:r>
-            <a:r>
-              <a:rPr lang="en-US" altLang="zh-CN" dirty="0" smtClean="0"/>
-              <a:t>('</a:t>
-            </a:r>
-            <a:r>
-              <a:rPr lang="zh-CN" altLang="en-US" dirty="0" smtClean="0"/>
-              <a:t>请输入文件名</a:t>
-            </a:r>
-            <a:r>
-              <a:rPr lang="en-US" altLang="zh-CN" dirty="0" smtClean="0"/>
-              <a:t>:')</a:t>
-            </a:r>
-          </a:p>
-          <a:p>
-            <a:pPr marL="457200" lvl="1" indent="0">
-              <a:buNone/>
-            </a:pPr>
-            <a:r>
-              <a:rPr lang="en-US" altLang="zh-CN" dirty="0" err="1" smtClean="0"/>
-              <a:t>hFile</a:t>
-            </a:r>
-            <a:r>
-              <a:rPr lang="en-US" altLang="zh-CN" dirty="0" smtClean="0"/>
-              <a:t> = file(filename, 'r')</a:t>
-            </a:r>
-          </a:p>
-          <a:p>
-            <a:pPr marL="457200" lvl="1" indent="0">
-              <a:buNone/>
-            </a:pPr>
-            <a:r>
-              <a:rPr lang="en-US" altLang="zh-CN" dirty="0" smtClean="0"/>
-              <a:t>for </a:t>
-            </a:r>
-            <a:r>
-              <a:rPr lang="en-US" altLang="zh-CN" dirty="0" err="1" smtClean="0"/>
-              <a:t>nLine</a:t>
-            </a:r>
-            <a:r>
-              <a:rPr lang="en-US" altLang="zh-CN" dirty="0" smtClean="0"/>
-              <a:t> in </a:t>
-            </a:r>
-            <a:r>
-              <a:rPr lang="en-US" altLang="zh-CN" dirty="0" err="1" smtClean="0"/>
-              <a:t>hFile</a:t>
-            </a:r>
-            <a:r>
-              <a:rPr lang="en-US" altLang="zh-CN" dirty="0" smtClean="0"/>
-              <a:t>:</a:t>
-            </a:r>
-          </a:p>
-          <a:p>
-            <a:pPr marL="457200" lvl="1" indent="0">
-              <a:buNone/>
-            </a:pPr>
-            <a:r>
-              <a:rPr lang="en-US" altLang="zh-CN" dirty="0" smtClean="0"/>
-              <a:t>    print </a:t>
-            </a:r>
-            <a:r>
-              <a:rPr lang="en-US" altLang="zh-CN" dirty="0" err="1" smtClean="0"/>
-              <a:t>nLine</a:t>
-            </a:r>
-            <a:r>
-              <a:rPr lang="en-US" altLang="zh-CN" dirty="0" smtClean="0"/>
-              <a:t>,</a:t>
-            </a:r>
-          </a:p>
-          <a:p>
-            <a:pPr marL="457200" lvl="1" indent="0">
-              <a:buNone/>
-            </a:pPr>
-            <a:r>
-              <a:rPr lang="en-US" altLang="zh-CN" dirty="0" err="1" smtClean="0"/>
-              <a:t>hFile.close</a:t>
-            </a:r>
-            <a:r>
-              <a:rPr lang="en-US" altLang="zh-CN" dirty="0" smtClean="0"/>
-              <a:t>()   </a:t>
-            </a:r>
-            <a:r>
-              <a:rPr lang="en-US" altLang="zh-CN" b="1" dirty="0">
-                <a:solidFill>
-                  <a:srgbClr val="008080"/>
-                </a:solidFill>
-              </a:rPr>
-              <a:t># </a:t>
-            </a:r>
-            <a:r>
-              <a:rPr lang="zh-CN" altLang="en-US" b="1" dirty="0">
-                <a:solidFill>
-                  <a:srgbClr val="008080"/>
-                </a:solidFill>
-              </a:rPr>
-              <a:t>关闭</a:t>
-            </a:r>
-            <a:r>
-              <a:rPr lang="en-US" altLang="zh-CN" b="1" dirty="0" err="1">
-                <a:solidFill>
-                  <a:srgbClr val="008080"/>
-                </a:solidFill>
-              </a:rPr>
-              <a:t>hFile</a:t>
-            </a:r>
-            <a:r>
-              <a:rPr lang="zh-CN" altLang="en-US" b="1" dirty="0">
-                <a:solidFill>
-                  <a:srgbClr val="008080"/>
-                </a:solidFill>
-              </a:rPr>
-              <a:t>文件句柄</a:t>
-            </a:r>
-            <a:endParaRPr lang="en-US" altLang="zh-CN" b="1" dirty="0">
-              <a:solidFill>
-                <a:srgbClr val="008080"/>
-              </a:solidFill>
+            <a:endParaRPr lang="en-US" altLang="zh-CN" dirty="0">
+              <a:latin typeface="Courier New" charset="0"/>
             </a:endParaRPr>
           </a:p>
           <a:p>
-            <a:pPr marL="457200" lvl="1" indent="0">
-              <a:buNone/>
-            </a:pPr>
-            <a:r>
-              <a:rPr lang="en-US" altLang="zh-CN" b="1" dirty="0">
-                <a:solidFill>
-                  <a:srgbClr val="008080"/>
-                </a:solidFill>
-              </a:rPr>
-              <a:t># </a:t>
-            </a:r>
-            <a:r>
-              <a:rPr lang="zh-CN" altLang="en-US" b="1" dirty="0">
-                <a:solidFill>
-                  <a:srgbClr val="008080"/>
-                </a:solidFill>
-              </a:rPr>
-              <a:t>本示例适用于较小的文件，否则占用内存太大</a:t>
-            </a:r>
+            <a:pPr lvl="1"/>
+            <a:endParaRPr lang="en-US" altLang="zh-CN" dirty="0"/>
           </a:p>
         </p:txBody>
       </p:sp>
       <p:sp>
         <p:nvSpPr>
-          <p:cNvPr id="4" name="日期占位符 3"/>
+          <p:cNvPr id="2" name="日期占位符 1"/>
           <p:cNvSpPr>
             <a:spLocks noGrp="1"/>
           </p:cNvSpPr>
@@ -39462,17 +39454,17 @@
           <a:bodyPr/>
           <a:lstStyle/>
           <a:p>
-            <a:fld id="{FB0A56C5-D20D-ED47-BD46-422BFA650645}" type="datetime1">
-              <a:rPr lang="zh-CN" altLang="en-US" smtClean="0"/>
+            <a:fld id="{0B49FF69-9CB3-5447-868F-669227343251}" type="datetime1">
+              <a:rPr kumimoji="1" lang="zh-CN" altLang="en-US" smtClean="0"/>
               <a:t>2017/11/22</a:t>
             </a:fld>
-            <a:endParaRPr lang="zh-CN" altLang="en-US"/>
+            <a:endParaRPr kumimoji="1" lang="zh-CN" altLang="en-US"/>
           </a:p>
         </p:txBody>
       </p:sp>
       <p:sp>
         <p:nvSpPr>
-          <p:cNvPr id="5" name="幻灯片编号占位符 4"/>
+          <p:cNvPr id="3" name="幻灯片编号占位符 2"/>
           <p:cNvSpPr>
             <a:spLocks noGrp="1"/>
           </p:cNvSpPr>
@@ -39486,24 +39478,42 @@
           <a:lstStyle/>
           <a:p>
             <a:fld id="{12924E00-6951-2E4A-9B91-938056433B77}" type="slidenum">
-              <a:rPr lang="zh-CN" altLang="en-US" smtClean="0"/>
-              <a:pPr/>
+              <a:rPr kumimoji="1" lang="zh-CN" altLang="en-US" smtClean="0"/>
               <a:t>35</a:t>
             </a:fld>
-            <a:endParaRPr lang="zh-CN" altLang="en-US"/>
+            <a:endParaRPr kumimoji="1" lang="zh-CN" altLang="en-US"/>
           </a:p>
         </p:txBody>
       </p:sp>
     </p:spTree>
     <p:extLst>
       <p:ext uri="{BB962C8B-B14F-4D97-AF65-F5344CB8AC3E}">
-        <p14:creationId xmlns:p14="http://schemas.microsoft.com/office/powerpoint/2010/main" val="1995695314"/>
+        <p14:creationId xmlns:p14="http://schemas.microsoft.com/office/powerpoint/2010/main" val="66078763"/>
       </p:ext>
     </p:extLst>
   </p:cSld>
   <p:clrMapOvr>
     <a:masterClrMapping/>
   </p:clrMapOvr>
+  <mc:AlternateContent xmlns:mc="http://schemas.openxmlformats.org/markup-compatibility/2006">
+    <mc:Choice xmlns:p14="http://schemas.microsoft.com/office/powerpoint/2010/main" Requires="p14">
+      <p:transition spd="slow" p14:dur="1500">
+        <p:random/>
+      </p:transition>
+    </mc:Choice>
+    <mc:Fallback>
+      <p:transition spd="slow">
+        <p:random/>
+      </p:transition>
+    </mc:Fallback>
+  </mc:AlternateContent>
+  <p:timing>
+    <p:tnLst>
+      <p:par>
+        <p:cTn id="1" dur="indefinite" restart="never" nodeType="tmRoot"/>
+      </p:par>
+    </p:tnLst>
+  </p:timing>
 </p:sld>
 </file>
 
@@ -39541,6 +39551,450 @@
           <a:p>
             <a:r>
               <a:rPr lang="zh-CN" altLang="en-US" smtClean="0"/>
+              <a:t>文件操作</a:t>
+            </a:r>
+            <a:endParaRPr lang="zh-CN" altLang="en-US" dirty="0"/>
+          </a:p>
+        </p:txBody>
+      </p:sp>
+      <p:sp>
+        <p:nvSpPr>
+          <p:cNvPr id="3" name="内容占位符 2"/>
+          <p:cNvSpPr>
+            <a:spLocks noGrp="1"/>
+          </p:cNvSpPr>
+          <p:nvPr>
+            <p:ph idx="1"/>
+          </p:nvPr>
+        </p:nvSpPr>
+        <p:spPr/>
+        <p:txBody>
+          <a:bodyPr>
+            <a:normAutofit lnSpcReduction="10000"/>
+          </a:bodyPr>
+          <a:lstStyle/>
+          <a:p>
+            <a:r>
+              <a:rPr lang="zh-CN" altLang="en-US" dirty="0" smtClean="0"/>
+              <a:t>文件操作：</a:t>
+            </a:r>
+            <a:r>
+              <a:rPr lang="en-US" altLang="zh-CN" dirty="0" smtClean="0"/>
+              <a:t>open()  file()  </a:t>
+            </a:r>
+            <a:r>
+              <a:rPr lang="en-US" altLang="zh-CN" dirty="0" err="1" smtClean="0"/>
+              <a:t>readlines</a:t>
+            </a:r>
+            <a:r>
+              <a:rPr lang="en-US" altLang="zh-CN" dirty="0" smtClean="0"/>
+              <a:t>()  close()</a:t>
+            </a:r>
+          </a:p>
+          <a:p>
+            <a:pPr lvl="1"/>
+            <a:endParaRPr lang="en-US" altLang="zh-CN" dirty="0" smtClean="0"/>
+          </a:p>
+          <a:p>
+            <a:pPr lvl="1"/>
+            <a:r>
+              <a:rPr lang="zh-CN" altLang="en-US" dirty="0" smtClean="0"/>
+              <a:t>例子：</a:t>
+            </a:r>
+            <a:endParaRPr lang="en-US" altLang="zh-CN" dirty="0" smtClean="0"/>
+          </a:p>
+          <a:p>
+            <a:pPr marL="457200" lvl="1" indent="0">
+              <a:buNone/>
+            </a:pPr>
+            <a:endParaRPr lang="en-US" altLang="zh-CN" dirty="0" smtClean="0"/>
+          </a:p>
+          <a:p>
+            <a:pPr marL="457200" lvl="1" indent="0">
+              <a:buNone/>
+            </a:pPr>
+            <a:r>
+              <a:rPr lang="en-US" altLang="zh-CN" dirty="0" smtClean="0"/>
+              <a:t>handle = open(</a:t>
+            </a:r>
+            <a:r>
+              <a:rPr lang="en-US" altLang="zh-CN" dirty="0" err="1" smtClean="0"/>
+              <a:t>file_name</a:t>
+            </a:r>
+            <a:r>
+              <a:rPr lang="en-US" altLang="zh-CN" dirty="0" smtClean="0"/>
+              <a:t>, </a:t>
+            </a:r>
+            <a:r>
+              <a:rPr lang="en-US" altLang="zh-CN" dirty="0" err="1" smtClean="0"/>
+              <a:t>access_mode</a:t>
+            </a:r>
+            <a:r>
+              <a:rPr lang="en-US" altLang="zh-CN" dirty="0" smtClean="0"/>
+              <a:t> = ‘r’)  </a:t>
+            </a:r>
+            <a:r>
+              <a:rPr lang="en-US" altLang="zh-CN" b="1" dirty="0">
+                <a:solidFill>
+                  <a:srgbClr val="008080"/>
+                </a:solidFill>
+              </a:rPr>
+              <a:t># </a:t>
+            </a:r>
+            <a:r>
+              <a:rPr lang="zh-CN" altLang="en-US" b="1" dirty="0">
+                <a:solidFill>
+                  <a:srgbClr val="008080"/>
+                </a:solidFill>
+              </a:rPr>
+              <a:t>默认 </a:t>
+            </a:r>
+            <a:r>
+              <a:rPr lang="en-US" altLang="zh-CN" b="1" dirty="0">
+                <a:solidFill>
+                  <a:srgbClr val="008080"/>
+                </a:solidFill>
+              </a:rPr>
+              <a:t>r</a:t>
+            </a:r>
+          </a:p>
+          <a:p>
+            <a:pPr marL="457200" lvl="1" indent="0">
+              <a:buNone/>
+            </a:pPr>
+            <a:r>
+              <a:rPr lang="en-US" altLang="zh-CN" b="1" dirty="0">
+                <a:solidFill>
+                  <a:srgbClr val="008080"/>
+                </a:solidFill>
+              </a:rPr>
+              <a:t># r:</a:t>
+            </a:r>
+            <a:r>
+              <a:rPr lang="zh-CN" altLang="en-US" b="1" dirty="0">
+                <a:solidFill>
+                  <a:srgbClr val="008080"/>
+                </a:solidFill>
+              </a:rPr>
+              <a:t>读取；</a:t>
+            </a:r>
+            <a:r>
+              <a:rPr lang="en-US" altLang="zh-CN" b="1" dirty="0">
+                <a:solidFill>
+                  <a:srgbClr val="008080"/>
+                </a:solidFill>
+              </a:rPr>
+              <a:t>w:</a:t>
+            </a:r>
+            <a:r>
+              <a:rPr lang="zh-CN" altLang="en-US" b="1" dirty="0">
+                <a:solidFill>
+                  <a:srgbClr val="008080"/>
+                </a:solidFill>
+              </a:rPr>
+              <a:t>写入；</a:t>
+            </a:r>
+            <a:r>
+              <a:rPr lang="en-US" altLang="zh-CN" b="1" dirty="0">
+                <a:solidFill>
+                  <a:srgbClr val="008080"/>
+                </a:solidFill>
+              </a:rPr>
+              <a:t>a:</a:t>
+            </a:r>
+            <a:r>
+              <a:rPr lang="zh-CN" altLang="en-US" b="1" dirty="0">
+                <a:solidFill>
+                  <a:srgbClr val="008080"/>
+                </a:solidFill>
+              </a:rPr>
+              <a:t>添加；</a:t>
+            </a:r>
+            <a:r>
+              <a:rPr lang="en-US" altLang="zh-CN" b="1" dirty="0">
+                <a:solidFill>
+                  <a:srgbClr val="008080"/>
+                </a:solidFill>
+              </a:rPr>
+              <a:t>+:</a:t>
+            </a:r>
+            <a:r>
+              <a:rPr lang="zh-CN" altLang="en-US" b="1" dirty="0">
+                <a:solidFill>
+                  <a:srgbClr val="008080"/>
+                </a:solidFill>
+              </a:rPr>
+              <a:t>读写；</a:t>
+            </a:r>
+            <a:r>
+              <a:rPr lang="en-US" altLang="zh-CN" b="1" dirty="0">
+                <a:solidFill>
+                  <a:srgbClr val="008080"/>
+                </a:solidFill>
+              </a:rPr>
+              <a:t>b:</a:t>
+            </a:r>
+            <a:r>
+              <a:rPr lang="zh-CN" altLang="en-US" b="1" dirty="0">
+                <a:solidFill>
+                  <a:srgbClr val="008080"/>
+                </a:solidFill>
+              </a:rPr>
+              <a:t>二进制访问</a:t>
+            </a:r>
+            <a:r>
+              <a:rPr lang="zh-CN" altLang="en-US" dirty="0" smtClean="0"/>
+              <a:t>。</a:t>
+            </a:r>
+            <a:endParaRPr lang="en-US" altLang="zh-CN" dirty="0" smtClean="0"/>
+          </a:p>
+          <a:p>
+            <a:pPr marL="457200" lvl="1" indent="0">
+              <a:buNone/>
+            </a:pPr>
+            <a:r>
+              <a:rPr lang="en-US" altLang="zh-CN" dirty="0" smtClean="0"/>
+              <a:t>filename = </a:t>
+            </a:r>
+            <a:r>
+              <a:rPr lang="en-US" altLang="zh-CN" dirty="0" err="1" smtClean="0"/>
+              <a:t>raw_input</a:t>
+            </a:r>
+            <a:r>
+              <a:rPr lang="en-US" altLang="zh-CN" dirty="0" smtClean="0"/>
+              <a:t>('</a:t>
+            </a:r>
+            <a:r>
+              <a:rPr lang="zh-CN" altLang="en-US" dirty="0" smtClean="0"/>
+              <a:t>请输入文件名</a:t>
+            </a:r>
+            <a:r>
+              <a:rPr lang="en-US" altLang="zh-CN" dirty="0" smtClean="0"/>
+              <a:t>:')</a:t>
+            </a:r>
+          </a:p>
+          <a:p>
+            <a:pPr marL="457200" lvl="1" indent="0">
+              <a:buNone/>
+            </a:pPr>
+            <a:r>
+              <a:rPr lang="en-US" altLang="zh-CN" dirty="0" err="1" smtClean="0"/>
+              <a:t>hFile</a:t>
+            </a:r>
+            <a:r>
+              <a:rPr lang="en-US" altLang="zh-CN" dirty="0" smtClean="0"/>
+              <a:t> = file(filename, 'r')</a:t>
+            </a:r>
+          </a:p>
+          <a:p>
+            <a:pPr marL="457200" lvl="1" indent="0">
+              <a:buNone/>
+            </a:pPr>
+            <a:r>
+              <a:rPr lang="en-US" altLang="zh-CN" dirty="0" smtClean="0"/>
+              <a:t>for </a:t>
+            </a:r>
+            <a:r>
+              <a:rPr lang="en-US" altLang="zh-CN" dirty="0" err="1" smtClean="0"/>
+              <a:t>nLine</a:t>
+            </a:r>
+            <a:r>
+              <a:rPr lang="en-US" altLang="zh-CN" dirty="0" smtClean="0"/>
+              <a:t> in </a:t>
+            </a:r>
+            <a:r>
+              <a:rPr lang="en-US" altLang="zh-CN" dirty="0" err="1" smtClean="0"/>
+              <a:t>hFile</a:t>
+            </a:r>
+            <a:r>
+              <a:rPr lang="en-US" altLang="zh-CN" dirty="0" smtClean="0"/>
+              <a:t>:</a:t>
+            </a:r>
+          </a:p>
+          <a:p>
+            <a:pPr marL="457200" lvl="1" indent="0">
+              <a:buNone/>
+            </a:pPr>
+            <a:r>
+              <a:rPr lang="en-US" altLang="zh-CN" dirty="0" smtClean="0"/>
+              <a:t>    print </a:t>
+            </a:r>
+            <a:r>
+              <a:rPr lang="en-US" altLang="zh-CN" dirty="0" err="1" smtClean="0"/>
+              <a:t>nLine</a:t>
+            </a:r>
+            <a:r>
+              <a:rPr lang="en-US" altLang="zh-CN" dirty="0" smtClean="0"/>
+              <a:t>,</a:t>
+            </a:r>
+          </a:p>
+          <a:p>
+            <a:pPr marL="457200" lvl="1" indent="0">
+              <a:buNone/>
+            </a:pPr>
+            <a:r>
+              <a:rPr lang="en-US" altLang="zh-CN" dirty="0" err="1" smtClean="0"/>
+              <a:t>hFile.close</a:t>
+            </a:r>
+            <a:r>
+              <a:rPr lang="en-US" altLang="zh-CN" dirty="0" smtClean="0"/>
+              <a:t>()   </a:t>
+            </a:r>
+            <a:r>
+              <a:rPr lang="en-US" altLang="zh-CN" b="1" dirty="0">
+                <a:solidFill>
+                  <a:srgbClr val="008080"/>
+                </a:solidFill>
+              </a:rPr>
+              <a:t># </a:t>
+            </a:r>
+            <a:r>
+              <a:rPr lang="zh-CN" altLang="en-US" b="1" dirty="0">
+                <a:solidFill>
+                  <a:srgbClr val="008080"/>
+                </a:solidFill>
+              </a:rPr>
+              <a:t>关闭</a:t>
+            </a:r>
+            <a:r>
+              <a:rPr lang="en-US" altLang="zh-CN" b="1" dirty="0" err="1">
+                <a:solidFill>
+                  <a:srgbClr val="008080"/>
+                </a:solidFill>
+              </a:rPr>
+              <a:t>hFile</a:t>
+            </a:r>
+            <a:r>
+              <a:rPr lang="zh-CN" altLang="en-US" b="1" dirty="0">
+                <a:solidFill>
+                  <a:srgbClr val="008080"/>
+                </a:solidFill>
+              </a:rPr>
+              <a:t>文件句柄</a:t>
+            </a:r>
+            <a:endParaRPr lang="en-US" altLang="zh-CN" b="1" dirty="0">
+              <a:solidFill>
+                <a:srgbClr val="008080"/>
+              </a:solidFill>
+            </a:endParaRPr>
+          </a:p>
+          <a:p>
+            <a:pPr marL="457200" lvl="1" indent="0">
+              <a:buNone/>
+            </a:pPr>
+            <a:r>
+              <a:rPr lang="en-US" altLang="zh-CN" b="1" dirty="0">
+                <a:solidFill>
+                  <a:srgbClr val="008080"/>
+                </a:solidFill>
+              </a:rPr>
+              <a:t># </a:t>
+            </a:r>
+            <a:r>
+              <a:rPr lang="zh-CN" altLang="en-US" b="1" dirty="0">
+                <a:solidFill>
+                  <a:srgbClr val="008080"/>
+                </a:solidFill>
+              </a:rPr>
+              <a:t>本示例适用于较小的文件，否则占用内存太大</a:t>
+            </a:r>
+          </a:p>
+        </p:txBody>
+      </p:sp>
+      <p:sp>
+        <p:nvSpPr>
+          <p:cNvPr id="4" name="日期占位符 3"/>
+          <p:cNvSpPr>
+            <a:spLocks noGrp="1"/>
+          </p:cNvSpPr>
+          <p:nvPr>
+            <p:ph type="dt" sz="half" idx="10"/>
+          </p:nvPr>
+        </p:nvSpPr>
+        <p:spPr/>
+        <p:txBody>
+          <a:bodyPr/>
+          <a:lstStyle/>
+          <a:p>
+            <a:fld id="{FB0A56C5-D20D-ED47-BD46-422BFA650645}" type="datetime1">
+              <a:rPr lang="zh-CN" altLang="en-US" smtClean="0"/>
+              <a:t>2017/11/22</a:t>
+            </a:fld>
+            <a:endParaRPr lang="zh-CN" altLang="en-US"/>
+          </a:p>
+        </p:txBody>
+      </p:sp>
+      <p:sp>
+        <p:nvSpPr>
+          <p:cNvPr id="5" name="幻灯片编号占位符 4"/>
+          <p:cNvSpPr>
+            <a:spLocks noGrp="1"/>
+          </p:cNvSpPr>
+          <p:nvPr>
+            <p:ph type="sldNum" sz="quarter" idx="12"/>
+          </p:nvPr>
+        </p:nvSpPr>
+        <p:spPr/>
+        <p:txBody>
+          <a:bodyPr/>
+          <a:lstStyle/>
+          <a:p>
+            <a:fld id="{12924E00-6951-2E4A-9B91-938056433B77}" type="slidenum">
+              <a:rPr lang="zh-CN" altLang="en-US" smtClean="0"/>
+              <a:pPr/>
+              <a:t>36</a:t>
+            </a:fld>
+            <a:endParaRPr lang="zh-CN" altLang="en-US"/>
+          </a:p>
+        </p:txBody>
+      </p:sp>
+    </p:spTree>
+    <p:extLst>
+      <p:ext uri="{BB962C8B-B14F-4D97-AF65-F5344CB8AC3E}">
+        <p14:creationId xmlns:p14="http://schemas.microsoft.com/office/powerpoint/2010/main" val="1995695314"/>
+      </p:ext>
+    </p:extLst>
+  </p:cSld>
+  <p:clrMapOvr>
+    <a:masterClrMapping/>
+  </p:clrMapOvr>
+</p:sld>
+</file>
+
+<file path=ppt/slides/slide37.xml><?xml version="1.0" encoding="utf-8"?>
+<p:sld xmlns:a="http://schemas.openxmlformats.org/drawingml/2006/main" xmlns:r="http://schemas.openxmlformats.org/officeDocument/2006/relationships" xmlns:p="http://schemas.openxmlformats.org/presentationml/2006/main">
+  <p:cSld>
+    <p:spTree>
+      <p:nvGrpSpPr>
+        <p:cNvPr id="1" name=""/>
+        <p:cNvGrpSpPr/>
+        <p:nvPr/>
+      </p:nvGrpSpPr>
+      <p:grpSpPr>
+        <a:xfrm>
+          <a:off x="0" y="0"/>
+          <a:ext cx="0" cy="0"/>
+          <a:chOff x="0" y="0"/>
+          <a:chExt cx="0" cy="0"/>
+        </a:xfrm>
+      </p:grpSpPr>
+      <p:sp>
+        <p:nvSpPr>
+          <p:cNvPr id="2" name="标题 1"/>
+          <p:cNvSpPr>
+            <a:spLocks noGrp="1"/>
+          </p:cNvSpPr>
+          <p:nvPr>
+            <p:ph type="title"/>
+          </p:nvPr>
+        </p:nvSpPr>
+        <p:spPr/>
+        <p:txBody>
+          <a:bodyPr/>
+          <a:lstStyle/>
+          <a:p>
+            <a:r>
+              <a:rPr lang="zh-CN" altLang="en-US" smtClean="0"/>
               <a:t>错误处理</a:t>
             </a:r>
             <a:endParaRPr lang="zh-CN" altLang="en-US" dirty="0"/>
@@ -39843,7 +40297,7 @@
             <a:fld id="{12924E00-6951-2E4A-9B91-938056433B77}" type="slidenum">
               <a:rPr lang="zh-CN" altLang="en-US" smtClean="0"/>
               <a:pPr/>
-              <a:t>36</a:t>
+              <a:t>37</a:t>
             </a:fld>
             <a:endParaRPr lang="zh-CN" altLang="en-US"/>
           </a:p>
@@ -39862,7 +40316,7 @@
 </p:sld>
 </file>
 
-<file path=ppt/slides/slide37.xml><?xml version="1.0" encoding="utf-8"?>
+<file path=ppt/slides/slide38.xml><?xml version="1.0" encoding="utf-8"?>
 <p:sld xmlns:a="http://schemas.openxmlformats.org/drawingml/2006/main" xmlns:r="http://schemas.openxmlformats.org/officeDocument/2006/relationships" xmlns:p="http://schemas.openxmlformats.org/presentationml/2006/main">
   <p:cSld>
     <p:spTree>
@@ -39963,7 +40417,7 @@
           <a:p>
             <a:fld id="{12924E00-6951-2E4A-9B91-938056433B77}" type="slidenum">
               <a:rPr kumimoji="1" lang="zh-CN" altLang="en-US" smtClean="0"/>
-              <a:t>37</a:t>
+              <a:t>38</a:t>
             </a:fld>
             <a:endParaRPr kumimoji="1" lang="zh-CN" altLang="en-US"/>
           </a:p>

--- a/intro_python_programming.pptx
+++ b/intro_python_programming.pptx
@@ -5,7 +5,7 @@
     <p:sldMasterId id="2147484112" r:id="rId1"/>
   </p:sldMasterIdLst>
   <p:notesMasterIdLst>
-    <p:notesMasterId r:id="rId40"/>
+    <p:notesMasterId r:id="rId41"/>
   </p:notesMasterIdLst>
   <p:sldIdLst>
     <p:sldId id="256" r:id="rId2"/>
@@ -24,28 +24,29 @@
     <p:sldId id="267" r:id="rId15"/>
     <p:sldId id="268" r:id="rId16"/>
     <p:sldId id="287" r:id="rId17"/>
-    <p:sldId id="269" r:id="rId18"/>
-    <p:sldId id="284" r:id="rId19"/>
-    <p:sldId id="300" r:id="rId20"/>
-    <p:sldId id="285" r:id="rId21"/>
-    <p:sldId id="286" r:id="rId22"/>
-    <p:sldId id="270" r:id="rId23"/>
-    <p:sldId id="271" r:id="rId24"/>
-    <p:sldId id="272" r:id="rId25"/>
-    <p:sldId id="273" r:id="rId26"/>
-    <p:sldId id="274" r:id="rId27"/>
-    <p:sldId id="275" r:id="rId28"/>
-    <p:sldId id="276" r:id="rId29"/>
-    <p:sldId id="277" r:id="rId30"/>
-    <p:sldId id="278" r:id="rId31"/>
-    <p:sldId id="297" r:id="rId32"/>
-    <p:sldId id="280" r:id="rId33"/>
-    <p:sldId id="281" r:id="rId34"/>
-    <p:sldId id="282" r:id="rId35"/>
-    <p:sldId id="283" r:id="rId36"/>
-    <p:sldId id="298" r:id="rId37"/>
-    <p:sldId id="299" r:id="rId38"/>
-    <p:sldId id="288" r:id="rId39"/>
+    <p:sldId id="301" r:id="rId18"/>
+    <p:sldId id="269" r:id="rId19"/>
+    <p:sldId id="284" r:id="rId20"/>
+    <p:sldId id="300" r:id="rId21"/>
+    <p:sldId id="285" r:id="rId22"/>
+    <p:sldId id="286" r:id="rId23"/>
+    <p:sldId id="270" r:id="rId24"/>
+    <p:sldId id="271" r:id="rId25"/>
+    <p:sldId id="272" r:id="rId26"/>
+    <p:sldId id="273" r:id="rId27"/>
+    <p:sldId id="274" r:id="rId28"/>
+    <p:sldId id="275" r:id="rId29"/>
+    <p:sldId id="276" r:id="rId30"/>
+    <p:sldId id="277" r:id="rId31"/>
+    <p:sldId id="278" r:id="rId32"/>
+    <p:sldId id="297" r:id="rId33"/>
+    <p:sldId id="280" r:id="rId34"/>
+    <p:sldId id="281" r:id="rId35"/>
+    <p:sldId id="282" r:id="rId36"/>
+    <p:sldId id="283" r:id="rId37"/>
+    <p:sldId id="298" r:id="rId38"/>
+    <p:sldId id="299" r:id="rId39"/>
+    <p:sldId id="288" r:id="rId40"/>
   </p:sldIdLst>
   <p:sldSz cx="9144000" cy="6858000" type="screen4x3"/>
   <p:notesSz cx="6858000" cy="9144000"/>
@@ -626,7 +627,7 @@
             <a:fld id="{6EC7CCC9-5C7D-CD47-8062-4DE0E2E185A5}" type="slidenum">
               <a:rPr lang="en-US" altLang="zh-CN"/>
               <a:pPr/>
-              <a:t>30</a:t>
+              <a:t>31</a:t>
             </a:fld>
             <a:endParaRPr lang="en-US" altLang="zh-CN"/>
           </a:p>
@@ -797,7 +798,7 @@
           <a:p>
             <a:fld id="{137816C6-04A1-6945-9B59-511E9061E597}" type="slidenum">
               <a:rPr kumimoji="1" lang="zh-CN" altLang="en-US" smtClean="0"/>
-              <a:t>31</a:t>
+              <a:t>32</a:t>
             </a:fld>
             <a:endParaRPr kumimoji="1" lang="zh-CN" altLang="en-US"/>
           </a:p>
@@ -861,7 +862,7 @@
             <a:fld id="{2E0A358A-B640-E34C-9E65-121E5713017D}" type="slidenum">
               <a:rPr lang="en-US" altLang="zh-CN"/>
               <a:pPr/>
-              <a:t>33</a:t>
+              <a:t>34</a:t>
             </a:fld>
             <a:endParaRPr lang="en-US" altLang="zh-CN"/>
           </a:p>
@@ -1032,7 +1033,7 @@
           <a:p>
             <a:fld id="{137816C6-04A1-6945-9B59-511E9061E597}" type="slidenum">
               <a:rPr kumimoji="1" lang="zh-CN" altLang="en-US" smtClean="0"/>
-              <a:t>35</a:t>
+              <a:t>36</a:t>
             </a:fld>
             <a:endParaRPr kumimoji="1" lang="zh-CN" altLang="en-US"/>
           </a:p>
@@ -1340,7 +1341,7 @@
             <a:fld id="{2D272733-35EF-D045-8EE8-1FB7B74F2DAA}" type="slidenum">
               <a:rPr lang="en-US" altLang="zh-CN"/>
               <a:pPr/>
-              <a:t>17</a:t>
+              <a:t>18</a:t>
             </a:fld>
             <a:endParaRPr lang="en-US" altLang="zh-CN"/>
           </a:p>
@@ -1437,7 +1438,7 @@
             <a:fld id="{5D4D2B14-0F58-2A4B-A5A5-DA16252B5FB6}" type="slidenum">
               <a:rPr lang="en-US" altLang="zh-CN"/>
               <a:pPr/>
-              <a:t>22</a:t>
+              <a:t>23</a:t>
             </a:fld>
             <a:endParaRPr lang="en-US" altLang="zh-CN"/>
           </a:p>
@@ -1539,7 +1540,7 @@
             <a:fld id="{EE14AC1B-D4FD-EA4B-9879-F809F76C31A4}" type="slidenum">
               <a:rPr lang="en-US" altLang="zh-CN"/>
               <a:pPr/>
-              <a:t>23</a:t>
+              <a:t>24</a:t>
             </a:fld>
             <a:endParaRPr lang="en-US" altLang="zh-CN"/>
           </a:p>
@@ -1682,7 +1683,7 @@
             <a:fld id="{4E9CEB1A-C5BE-CF4E-B8AD-5BDA8B4E216D}" type="slidenum">
               <a:rPr lang="en-US" altLang="zh-CN"/>
               <a:pPr/>
-              <a:t>24</a:t>
+              <a:t>25</a:t>
             </a:fld>
             <a:endParaRPr lang="en-US" altLang="zh-CN"/>
           </a:p>
@@ -1776,7 +1777,7 @@
             <a:fld id="{BD831522-31C7-D244-9841-0ECAEA2E8516}" type="slidenum">
               <a:rPr lang="en-US" altLang="zh-CN"/>
               <a:pPr/>
-              <a:t>25</a:t>
+              <a:t>26</a:t>
             </a:fld>
             <a:endParaRPr lang="en-US" altLang="zh-CN"/>
           </a:p>
@@ -14672,9 +14673,9 @@
       </p:grpSpPr>
       <p:sp>
         <p:nvSpPr>
-          <p:cNvPr id="107522" name="Rectangle 2"/>
+          <p:cNvPr id="2" name="标题 1"/>
           <p:cNvSpPr>
-            <a:spLocks noGrp="1" noChangeArrowheads="1"/>
+            <a:spLocks noGrp="1"/>
           </p:cNvSpPr>
           <p:nvPr>
             <p:ph type="title"/>
@@ -14686,29 +14687,21 @@
           <a:lstStyle/>
           <a:p>
             <a:r>
-              <a:rPr lang="zh-CN" altLang="en-US" dirty="0" smtClean="0"/>
-              <a:t>参数（</a:t>
-            </a:r>
-            <a:r>
-              <a:rPr lang="en-US" altLang="zh-CN" dirty="0" smtClean="0"/>
-              <a:t>Parameters</a:t>
-            </a:r>
-            <a:r>
-              <a:rPr lang="zh-CN" altLang="en-US" dirty="0" smtClean="0"/>
-              <a:t>）</a:t>
-            </a:r>
-            <a:endParaRPr lang="en-US" altLang="zh-CN" dirty="0"/>
+              <a:rPr kumimoji="1" lang="zh-CN" altLang="en-US" dirty="0" smtClean="0"/>
+              <a:t>列表类型支持的常用操作</a:t>
+            </a:r>
+            <a:endParaRPr kumimoji="1" lang="zh-CN" altLang="en-US" dirty="0"/>
           </a:p>
         </p:txBody>
       </p:sp>
       <p:sp>
         <p:nvSpPr>
-          <p:cNvPr id="107523" name="Rectangle 3"/>
+          <p:cNvPr id="3" name="内容占位符 2"/>
           <p:cNvSpPr>
-            <a:spLocks noGrp="1" noChangeArrowheads="1"/>
+            <a:spLocks noGrp="1"/>
           </p:cNvSpPr>
           <p:nvPr>
-            <p:ph type="body" idx="1"/>
+            <p:ph idx="1"/>
           </p:nvPr>
         </p:nvSpPr>
         <p:spPr/>
@@ -14717,348 +14710,202 @@
           <a:lstStyle/>
           <a:p>
             <a:r>
-              <a:rPr lang="zh-CN" altLang="en-US" b="1" dirty="0" smtClean="0"/>
-              <a:t>参数</a:t>
-            </a:r>
-            <a:r>
-              <a:rPr lang="en-US" altLang="zh-CN" dirty="0" smtClean="0"/>
-              <a:t>:</a:t>
-            </a:r>
-            <a:r>
-              <a:rPr lang="zh-CN" altLang="en-US" dirty="0" smtClean="0"/>
-              <a:t> 运行</a:t>
-            </a:r>
-            <a:r>
-              <a:rPr lang="zh-CN" altLang="en-US" dirty="0"/>
-              <a:t>时提供给命令的值</a:t>
-            </a:r>
-            <a:r>
-              <a:rPr lang="en-US" altLang="zh-CN" dirty="0" smtClean="0"/>
-              <a:t>.</a:t>
-            </a:r>
-            <a:endParaRPr lang="en-US" altLang="zh-CN" dirty="0"/>
-          </a:p>
-          <a:p>
-            <a:pPr lvl="1"/>
-            <a:r>
-              <a:rPr lang="zh-CN" altLang="en-US" dirty="0" smtClean="0"/>
-              <a:t>语法</a:t>
-            </a:r>
-            <a:r>
-              <a:rPr lang="en-US" altLang="zh-CN" dirty="0" smtClean="0"/>
-              <a:t>:</a:t>
-            </a:r>
-            <a:endParaRPr lang="en-US" altLang="zh-CN" dirty="0"/>
-          </a:p>
-          <a:p>
-            <a:pPr lvl="1">
-              <a:buFontTx/>
-              <a:buNone/>
-            </a:pPr>
-            <a:r>
-              <a:rPr lang="en-US" altLang="zh-CN" b="1" dirty="0"/>
-              <a:t>		</a:t>
-            </a:r>
-            <a:r>
-              <a:rPr lang="zh-CN" altLang="en-US" b="1" dirty="0" smtClean="0"/>
-              <a:t>命令</a:t>
-            </a:r>
-            <a:r>
-              <a:rPr lang="en-US" altLang="zh-CN" dirty="0" smtClean="0">
-                <a:latin typeface="Courier New" charset="0"/>
-              </a:rPr>
-              <a:t>(</a:t>
-            </a:r>
-            <a:r>
-              <a:rPr lang="en-US" altLang="zh-CN" dirty="0" smtClean="0"/>
+              <a:rPr kumimoji="1" lang="en-US" altLang="zh-CN" dirty="0" smtClean="0"/>
+              <a:t>append(x) #</a:t>
+            </a:r>
+            <a:r>
+              <a:rPr kumimoji="1" lang="zh-CN" altLang="en-US" dirty="0" smtClean="0"/>
+              <a:t>将</a:t>
+            </a:r>
+            <a:r>
+              <a:rPr kumimoji="1" lang="en-US" altLang="zh-CN" dirty="0" smtClean="0"/>
+              <a:t>x</a:t>
+            </a:r>
+            <a:r>
+              <a:rPr kumimoji="1" lang="zh-CN" altLang="en-US" dirty="0" smtClean="0"/>
+              <a:t>附加到列表末尾</a:t>
+            </a:r>
+            <a:endParaRPr kumimoji="1" lang="en-US" altLang="zh-CN" dirty="0" smtClean="0"/>
+          </a:p>
+          <a:p>
+            <a:r>
+              <a:rPr kumimoji="1" lang="en-US" altLang="zh-CN" dirty="0" smtClean="0"/>
+              <a:t>insert(</a:t>
+            </a:r>
+            <a:r>
+              <a:rPr kumimoji="1" lang="en-US" altLang="zh-CN" dirty="0" err="1" smtClean="0"/>
+              <a:t>i</a:t>
+            </a:r>
+            <a:r>
+              <a:rPr kumimoji="1" lang="en-US" altLang="zh-CN" dirty="0" smtClean="0"/>
+              <a:t>, x)</a:t>
+            </a:r>
+            <a:r>
+              <a:rPr kumimoji="1" lang="zh-CN" altLang="en-US" dirty="0" smtClean="0"/>
               <a:t> </a:t>
             </a:r>
             <a:r>
-              <a:rPr lang="zh-CN" altLang="en-US" b="1" dirty="0" smtClean="0">
-                <a:solidFill>
-                  <a:srgbClr val="003399"/>
-                </a:solidFill>
-              </a:rPr>
-              <a:t>值</a:t>
-            </a:r>
-            <a:r>
-              <a:rPr lang="en-US" altLang="zh-CN" dirty="0" smtClean="0">
-                <a:latin typeface="Courier New" charset="0"/>
-              </a:rPr>
-              <a:t>)</a:t>
-            </a:r>
-            <a:endParaRPr lang="en-US" altLang="zh-CN" dirty="0">
-              <a:latin typeface="Courier New" charset="0"/>
-            </a:endParaRPr>
-          </a:p>
-          <a:p>
-            <a:pPr lvl="1">
-              <a:buFontTx/>
-              <a:buNone/>
-            </a:pPr>
-            <a:r>
-              <a:rPr lang="en-US" altLang="zh-CN" b="1" dirty="0"/>
-              <a:t>		</a:t>
-            </a:r>
-            <a:r>
-              <a:rPr lang="zh-CN" altLang="en-US" b="1" dirty="0" smtClean="0"/>
-              <a:t>命令 </a:t>
-            </a:r>
-            <a:r>
-              <a:rPr lang="en-US" altLang="zh-CN" dirty="0" smtClean="0">
-                <a:latin typeface="Courier New" charset="0"/>
-              </a:rPr>
-              <a:t>(</a:t>
-            </a:r>
-            <a:r>
-              <a:rPr lang="en-US" altLang="zh-CN" dirty="0" smtClean="0"/>
+              <a:rPr kumimoji="1" lang="en-US" altLang="zh-CN" dirty="0" smtClean="0"/>
+              <a:t>#</a:t>
+            </a:r>
+            <a:r>
+              <a:rPr kumimoji="1" lang="zh-CN" altLang="en-US" dirty="0" smtClean="0"/>
+              <a:t> 将</a:t>
+            </a:r>
+            <a:r>
+              <a:rPr kumimoji="1" lang="en-US" altLang="zh-CN" dirty="0" smtClean="0"/>
+              <a:t>x</a:t>
+            </a:r>
+            <a:r>
+              <a:rPr kumimoji="1" lang="zh-CN" altLang="en-US" dirty="0" smtClean="0"/>
+              <a:t>插入到指定位置</a:t>
+            </a:r>
+            <a:endParaRPr kumimoji="1" lang="en-US" altLang="zh-CN" dirty="0" smtClean="0"/>
+          </a:p>
+          <a:p>
+            <a:r>
+              <a:rPr kumimoji="1" lang="en-US" altLang="zh-CN" dirty="0" smtClean="0"/>
+              <a:t>remove(x)</a:t>
+            </a:r>
+            <a:r>
+              <a:rPr kumimoji="1" lang="zh-CN" altLang="en-US" dirty="0" smtClean="0"/>
               <a:t> </a:t>
             </a:r>
             <a:r>
-              <a:rPr lang="zh-CN" altLang="en-US" b="1" dirty="0" smtClean="0">
-                <a:solidFill>
-                  <a:srgbClr val="003399"/>
-                </a:solidFill>
-              </a:rPr>
-              <a:t>值</a:t>
-            </a:r>
-            <a:r>
-              <a:rPr lang="en-US" altLang="zh-CN" b="1" dirty="0" smtClean="0">
-                <a:solidFill>
-                  <a:srgbClr val="003399"/>
-                </a:solidFill>
-                <a:latin typeface="Courier New" charset="0"/>
-              </a:rPr>
-              <a:t>, </a:t>
-            </a:r>
-            <a:r>
-              <a:rPr lang="zh-CN" altLang="en-US" b="1" dirty="0" smtClean="0">
-                <a:solidFill>
-                  <a:srgbClr val="003399"/>
-                </a:solidFill>
-              </a:rPr>
-              <a:t>值</a:t>
-            </a:r>
-            <a:r>
-              <a:rPr lang="en-US" altLang="zh-CN" b="1" dirty="0" smtClean="0">
-                <a:solidFill>
-                  <a:srgbClr val="003399"/>
-                </a:solidFill>
-                <a:latin typeface="Courier New" charset="0"/>
-              </a:rPr>
-              <a:t>, </a:t>
-            </a:r>
-            <a:r>
-              <a:rPr lang="en-US" altLang="zh-CN" b="1" dirty="0">
-                <a:solidFill>
-                  <a:srgbClr val="003399"/>
-                </a:solidFill>
-              </a:rPr>
-              <a:t>...</a:t>
-            </a:r>
-            <a:r>
-              <a:rPr lang="en-US" altLang="zh-CN" b="1" dirty="0">
-                <a:solidFill>
-                  <a:srgbClr val="003399"/>
-                </a:solidFill>
-                <a:latin typeface="Courier New" charset="0"/>
-              </a:rPr>
-              <a:t>, </a:t>
-            </a:r>
-            <a:r>
-              <a:rPr lang="zh-CN" altLang="en-US" b="1" dirty="0" smtClean="0">
-                <a:solidFill>
-                  <a:srgbClr val="003399"/>
-                </a:solidFill>
-              </a:rPr>
-              <a:t>值</a:t>
-            </a:r>
-            <a:r>
-              <a:rPr lang="en-US" altLang="zh-CN" dirty="0" smtClean="0">
-                <a:latin typeface="Courier New" charset="0"/>
-              </a:rPr>
-              <a:t>)</a:t>
-            </a:r>
-            <a:endParaRPr lang="en-US" altLang="zh-CN" dirty="0">
-              <a:latin typeface="Courier New" charset="0"/>
-            </a:endParaRPr>
-          </a:p>
-          <a:p>
-            <a:pPr lvl="1"/>
-            <a:endParaRPr lang="en-US" altLang="zh-CN" dirty="0"/>
-          </a:p>
-          <a:p>
-            <a:r>
-              <a:rPr lang="zh-CN" altLang="en-US" dirty="0" smtClean="0"/>
-              <a:t>例子</a:t>
-            </a:r>
-            <a:r>
-              <a:rPr lang="en-US" altLang="zh-CN" dirty="0" smtClean="0"/>
-              <a:t>:</a:t>
-            </a:r>
-            <a:endParaRPr lang="en-US" altLang="zh-CN" dirty="0"/>
-          </a:p>
-          <a:p>
-            <a:pPr lvl="1">
-              <a:buFontTx/>
-              <a:buNone/>
-            </a:pPr>
-            <a:r>
-              <a:rPr lang="en-US" altLang="zh-CN" sz="900" dirty="0">
-                <a:latin typeface="Courier New" charset="0"/>
-              </a:rPr>
-              <a:t>	</a:t>
-            </a:r>
-          </a:p>
-          <a:p>
-            <a:pPr lvl="1">
-              <a:lnSpc>
-                <a:spcPct val="80000"/>
-              </a:lnSpc>
-              <a:buFontTx/>
-              <a:buNone/>
-            </a:pPr>
-            <a:r>
-              <a:rPr lang="en-US" altLang="zh-CN" dirty="0">
-                <a:latin typeface="Courier New" charset="0"/>
-              </a:rPr>
-              <a:t>	print </a:t>
-            </a:r>
-            <a:r>
-              <a:rPr lang="en-US" altLang="zh-CN" dirty="0" err="1">
-                <a:latin typeface="Courier New" charset="0"/>
-              </a:rPr>
-              <a:t>sqrt</a:t>
-            </a:r>
-            <a:r>
-              <a:rPr lang="en-US" altLang="zh-CN" dirty="0">
-                <a:latin typeface="Courier New" charset="0"/>
-              </a:rPr>
-              <a:t>(</a:t>
-            </a:r>
-            <a:r>
-              <a:rPr lang="en-US" altLang="zh-CN" b="1" dirty="0">
-                <a:latin typeface="Courier New" charset="0"/>
-              </a:rPr>
-              <a:t>25</a:t>
-            </a:r>
-            <a:r>
-              <a:rPr lang="en-US" altLang="zh-CN" dirty="0">
-                <a:latin typeface="Courier New" charset="0"/>
-              </a:rPr>
-              <a:t>)</a:t>
-            </a:r>
-          </a:p>
-          <a:p>
-            <a:pPr lvl="1">
-              <a:lnSpc>
-                <a:spcPct val="80000"/>
-              </a:lnSpc>
-              <a:buFontTx/>
-              <a:buNone/>
-            </a:pPr>
-            <a:r>
-              <a:rPr lang="en-US" altLang="zh-CN" dirty="0">
-                <a:latin typeface="Courier New" charset="0"/>
-              </a:rPr>
-              <a:t>	print </a:t>
-            </a:r>
-            <a:r>
-              <a:rPr lang="en-US" altLang="zh-CN" dirty="0" err="1">
-                <a:latin typeface="Courier New" charset="0"/>
-              </a:rPr>
-              <a:t>sqrt</a:t>
-            </a:r>
-            <a:r>
-              <a:rPr lang="en-US" altLang="zh-CN" dirty="0">
-                <a:latin typeface="Courier New" charset="0"/>
-              </a:rPr>
-              <a:t>(</a:t>
-            </a:r>
-            <a:r>
-              <a:rPr lang="en-US" altLang="zh-CN" b="1" dirty="0">
-                <a:latin typeface="Courier New" charset="0"/>
-              </a:rPr>
-              <a:t>15 + 10 * 10 + 6</a:t>
-            </a:r>
-            <a:r>
-              <a:rPr lang="en-US" altLang="zh-CN" dirty="0">
-                <a:latin typeface="Courier New" charset="0"/>
-              </a:rPr>
-              <a:t>)</a:t>
-            </a:r>
-          </a:p>
-          <a:p>
-            <a:pPr lvl="1">
-              <a:lnSpc>
-                <a:spcPct val="80000"/>
-              </a:lnSpc>
-              <a:buFontTx/>
-              <a:buNone/>
-            </a:pPr>
-            <a:r>
-              <a:rPr lang="en-US" altLang="zh-CN" dirty="0">
-                <a:latin typeface="Courier New" charset="0"/>
-              </a:rPr>
-              <a:t>	x = 5</a:t>
-            </a:r>
-          </a:p>
-          <a:p>
-            <a:pPr lvl="1">
-              <a:lnSpc>
-                <a:spcPct val="80000"/>
-              </a:lnSpc>
-              <a:buFontTx/>
-              <a:buNone/>
-            </a:pPr>
-            <a:r>
-              <a:rPr lang="en-US" altLang="zh-CN" dirty="0">
-                <a:latin typeface="Courier New" charset="0"/>
-              </a:rPr>
-              <a:t>	print </a:t>
-            </a:r>
-            <a:r>
-              <a:rPr lang="en-US" altLang="zh-CN" dirty="0" err="1">
-                <a:latin typeface="Courier New" charset="0"/>
-              </a:rPr>
-              <a:t>sqrt</a:t>
-            </a:r>
-            <a:r>
-              <a:rPr lang="en-US" altLang="zh-CN" dirty="0">
-                <a:latin typeface="Courier New" charset="0"/>
-              </a:rPr>
-              <a:t>(</a:t>
-            </a:r>
-            <a:r>
-              <a:rPr lang="en-US" altLang="zh-CN" b="1" dirty="0">
-                <a:latin typeface="Courier New" charset="0"/>
-              </a:rPr>
-              <a:t>x + </a:t>
-            </a:r>
-            <a:r>
-              <a:rPr lang="en-US" altLang="zh-CN" b="1" dirty="0" err="1">
-                <a:latin typeface="Courier New" charset="0"/>
-              </a:rPr>
-              <a:t>sqrt</a:t>
-            </a:r>
-            <a:r>
-              <a:rPr lang="en-US" altLang="zh-CN" b="1" dirty="0">
-                <a:latin typeface="Courier New" charset="0"/>
-              </a:rPr>
-              <a:t>(16)</a:t>
-            </a:r>
-            <a:r>
-              <a:rPr lang="en-US" altLang="zh-CN" dirty="0">
-                <a:latin typeface="Courier New" charset="0"/>
-              </a:rPr>
-              <a:t>)</a:t>
-            </a:r>
+              <a:rPr kumimoji="1" lang="en-US" altLang="zh-CN" dirty="0" smtClean="0"/>
+              <a:t>#</a:t>
+            </a:r>
+            <a:r>
+              <a:rPr kumimoji="1" lang="zh-CN" altLang="en-US" dirty="0" smtClean="0"/>
+              <a:t> 删除</a:t>
+            </a:r>
+            <a:r>
+              <a:rPr kumimoji="1" lang="en-US" altLang="zh-CN" dirty="0" smtClean="0"/>
+              <a:t>x</a:t>
+            </a:r>
+          </a:p>
+          <a:p>
+            <a:r>
+              <a:rPr kumimoji="1" lang="en-US" altLang="zh-CN" dirty="0" smtClean="0"/>
+              <a:t>del</a:t>
+            </a:r>
+            <a:r>
+              <a:rPr kumimoji="1" lang="zh-CN" altLang="en-US" dirty="0" smtClean="0"/>
+              <a:t> </a:t>
+            </a:r>
+            <a:r>
+              <a:rPr kumimoji="1" lang="en-US" altLang="zh-CN" dirty="0" smtClean="0"/>
+              <a:t>a[1] # </a:t>
+            </a:r>
+            <a:r>
+              <a:rPr kumimoji="1" lang="zh-CN" altLang="en-US" dirty="0" smtClean="0"/>
+              <a:t>删除，效果：</a:t>
+            </a:r>
+            <a:r>
+              <a:rPr kumimoji="1" lang="en-US" altLang="zh-CN" dirty="0" smtClean="0"/>
+              <a:t>[0, 1, 2, 3] -&gt; [0, 2, 3]</a:t>
+            </a:r>
+          </a:p>
+          <a:p>
+            <a:r>
+              <a:rPr kumimoji="1" lang="en-US" altLang="zh-CN" dirty="0" smtClean="0"/>
+              <a:t>pop()</a:t>
+            </a:r>
+            <a:r>
+              <a:rPr kumimoji="1" lang="zh-CN" altLang="en-US" dirty="0" smtClean="0"/>
+              <a:t> </a:t>
+            </a:r>
+            <a:r>
+              <a:rPr kumimoji="1" lang="en-US" altLang="zh-CN" dirty="0" smtClean="0"/>
+              <a:t>#</a:t>
+            </a:r>
+            <a:r>
+              <a:rPr kumimoji="1" lang="zh-CN" altLang="en-US" dirty="0" smtClean="0"/>
+              <a:t> 删除第一个元素</a:t>
+            </a:r>
+            <a:endParaRPr kumimoji="1" lang="en-US" altLang="zh-CN" dirty="0" smtClean="0"/>
+          </a:p>
+          <a:p>
+            <a:r>
+              <a:rPr kumimoji="1" lang="en-US" altLang="zh-CN" dirty="0" smtClean="0"/>
+              <a:t>index(x)</a:t>
+            </a:r>
+            <a:r>
+              <a:rPr kumimoji="1" lang="zh-CN" altLang="en-US" dirty="0" smtClean="0"/>
+              <a:t> </a:t>
+            </a:r>
+            <a:r>
+              <a:rPr kumimoji="1" lang="en-US" altLang="zh-CN" dirty="0" smtClean="0"/>
+              <a:t>#</a:t>
+            </a:r>
+            <a:r>
+              <a:rPr kumimoji="1" lang="zh-CN" altLang="en-US" dirty="0" smtClean="0"/>
+              <a:t>返回某个元素的索引</a:t>
+            </a:r>
+            <a:endParaRPr kumimoji="1" lang="en-US" altLang="zh-CN" dirty="0" smtClean="0"/>
+          </a:p>
+          <a:p>
+            <a:r>
+              <a:rPr kumimoji="1" lang="en-US" altLang="zh-CN" dirty="0" smtClean="0"/>
+              <a:t>count(x)</a:t>
+            </a:r>
+            <a:r>
+              <a:rPr kumimoji="1" lang="zh-CN" altLang="en-US" dirty="0" smtClean="0"/>
+              <a:t> </a:t>
+            </a:r>
+            <a:r>
+              <a:rPr kumimoji="1" lang="en-US" altLang="zh-CN" dirty="0" smtClean="0"/>
+              <a:t>#</a:t>
+            </a:r>
+            <a:r>
+              <a:rPr kumimoji="1" lang="zh-CN" altLang="en-US" dirty="0" smtClean="0"/>
+              <a:t>计算某个元素的出现次数</a:t>
+            </a:r>
+            <a:endParaRPr kumimoji="1" lang="en-US" altLang="zh-CN" dirty="0" smtClean="0"/>
+          </a:p>
+          <a:p>
+            <a:r>
+              <a:rPr kumimoji="1" lang="en-US" altLang="zh-CN" dirty="0" smtClean="0"/>
+              <a:t>sort()</a:t>
+            </a:r>
+            <a:r>
+              <a:rPr kumimoji="1" lang="zh-CN" altLang="en-US" dirty="0" smtClean="0"/>
+              <a:t> </a:t>
+            </a:r>
+            <a:r>
+              <a:rPr kumimoji="1" lang="en-US" altLang="zh-CN" dirty="0" smtClean="0"/>
+              <a:t>#</a:t>
+            </a:r>
+            <a:r>
+              <a:rPr kumimoji="1" lang="zh-CN" altLang="en-US" dirty="0" smtClean="0"/>
+              <a:t>排序</a:t>
+            </a:r>
+            <a:endParaRPr kumimoji="1" lang="en-US" altLang="zh-CN" dirty="0" smtClean="0"/>
+          </a:p>
+          <a:p>
+            <a:r>
+              <a:rPr kumimoji="1" lang="en-US" altLang="zh-CN" dirty="0" smtClean="0"/>
+              <a:t>reverse(x)</a:t>
+            </a:r>
+            <a:r>
+              <a:rPr kumimoji="1" lang="zh-CN" altLang="en-US" dirty="0" smtClean="0"/>
+              <a:t> </a:t>
+            </a:r>
+            <a:r>
+              <a:rPr kumimoji="1" lang="en-US" altLang="zh-CN" dirty="0" smtClean="0"/>
+              <a:t>#</a:t>
+            </a:r>
+            <a:r>
+              <a:rPr kumimoji="1" lang="zh-CN" altLang="en-US" dirty="0" smtClean="0"/>
+              <a:t>反转</a:t>
+            </a:r>
+            <a:endParaRPr kumimoji="1" lang="zh-CN" altLang="en-US" dirty="0"/>
           </a:p>
         </p:txBody>
       </p:sp>
       <p:sp>
         <p:nvSpPr>
-          <p:cNvPr id="2" name="日期占位符 1"/>
+          <p:cNvPr id="4" name="日期占位符 3"/>
           <p:cNvSpPr>
             <a:spLocks noGrp="1"/>
           </p:cNvSpPr>
@@ -15071,7 +14918,7 @@
           <a:bodyPr/>
           <a:lstStyle/>
           <a:p>
-            <a:fld id="{D6A92D8B-6DE5-154F-8F02-46F6DCA0BFE1}" type="datetime1">
+            <a:fld id="{EE68F876-7E36-674A-B10D-5A9F875FF917}" type="datetime1">
               <a:rPr kumimoji="1" lang="zh-CN" altLang="en-US" smtClean="0"/>
               <a:t>2017/11/22</a:t>
             </a:fld>
@@ -15081,7 +14928,7 @@
       </p:sp>
       <p:sp>
         <p:nvSpPr>
-          <p:cNvPr id="3" name="幻灯片编号占位符 2"/>
+          <p:cNvPr id="5" name="幻灯片编号占位符 4"/>
           <p:cNvSpPr>
             <a:spLocks noGrp="1"/>
           </p:cNvSpPr>
@@ -15105,32 +14952,13 @@
     </p:spTree>
     <p:extLst>
       <p:ext uri="{BB962C8B-B14F-4D97-AF65-F5344CB8AC3E}">
-        <p14:creationId xmlns:p14="http://schemas.microsoft.com/office/powerpoint/2010/main" val="1528646020"/>
+        <p14:creationId xmlns:p14="http://schemas.microsoft.com/office/powerpoint/2010/main" val="2000976694"/>
       </p:ext>
     </p:extLst>
   </p:cSld>
   <p:clrMapOvr>
     <a:masterClrMapping/>
   </p:clrMapOvr>
-  <mc:AlternateContent xmlns:mc="http://schemas.openxmlformats.org/markup-compatibility/2006">
-    <mc:Choice xmlns:p14="http://schemas.microsoft.com/office/powerpoint/2010/main" Requires="p14">
-      <p:transition spd="slow" p14:dur="1500">
-        <p:random/>
-      </p:transition>
-    </mc:Choice>
-    <mc:Fallback>
-      <p:transition spd="slow">
-        <p:random/>
-      </p:transition>
-    </mc:Fallback>
-  </mc:AlternateContent>
-  <p:timing>
-    <p:tnLst>
-      <p:par>
-        <p:cTn id="1" dur="indefinite" restart="never" nodeType="tmRoot"/>
-      </p:par>
-    </p:tnLst>
-  </p:timing>
 </p:sld>
 </file>
 
@@ -15153,9 +14981,9 @@
       </p:grpSpPr>
       <p:sp>
         <p:nvSpPr>
-          <p:cNvPr id="2" name="标题 1"/>
+          <p:cNvPr id="107522" name="Rectangle 2"/>
           <p:cNvSpPr>
-            <a:spLocks noGrp="1"/>
+            <a:spLocks noGrp="1" noChangeArrowheads="1"/>
           </p:cNvSpPr>
           <p:nvPr>
             <p:ph type="title"/>
@@ -15167,214 +14995,379 @@
           <a:lstStyle/>
           <a:p>
             <a:r>
-              <a:rPr kumimoji="1" lang="zh-CN" altLang="en-US" dirty="0" smtClean="0"/>
-              <a:t>函数（</a:t>
-            </a:r>
-            <a:r>
-              <a:rPr kumimoji="1" lang="en-US" altLang="zh-CN" dirty="0" smtClean="0"/>
-              <a:t>Functions</a:t>
-            </a:r>
-            <a:r>
-              <a:rPr kumimoji="1" lang="zh-CN" altLang="en-US" dirty="0" smtClean="0"/>
+              <a:rPr lang="zh-CN" altLang="en-US" dirty="0" smtClean="0"/>
+              <a:t>参数（</a:t>
+            </a:r>
+            <a:r>
+              <a:rPr lang="en-US" altLang="zh-CN" dirty="0" smtClean="0"/>
+              <a:t>Parameters</a:t>
+            </a:r>
+            <a:r>
+              <a:rPr lang="zh-CN" altLang="en-US" dirty="0" smtClean="0"/>
               <a:t>）</a:t>
             </a:r>
-            <a:endParaRPr kumimoji="1" lang="zh-CN" altLang="en-US" dirty="0"/>
+            <a:endParaRPr lang="en-US" altLang="zh-CN" dirty="0"/>
           </a:p>
         </p:txBody>
       </p:sp>
       <p:sp>
         <p:nvSpPr>
-          <p:cNvPr id="3" name="内容占位符 2"/>
+          <p:cNvPr id="107523" name="Rectangle 3"/>
           <p:cNvSpPr>
-            <a:spLocks noGrp="1"/>
+            <a:spLocks noGrp="1" noChangeArrowheads="1"/>
           </p:cNvSpPr>
           <p:nvPr>
-            <p:ph idx="1"/>
+            <p:ph type="body" idx="1"/>
           </p:nvPr>
         </p:nvSpPr>
-        <p:spPr>
-          <a:xfrm>
-            <a:off x="594360" y="1887081"/>
-            <a:ext cx="7955280" cy="4069080"/>
-          </a:xfrm>
-        </p:spPr>
+        <p:spPr/>
         <p:txBody>
           <a:bodyPr/>
           <a:lstStyle/>
           <a:p>
             <a:r>
-              <a:rPr kumimoji="1" lang="zh-CN" altLang="en-US" b="1" dirty="0" smtClean="0"/>
-              <a:t>函数</a:t>
-            </a:r>
-            <a:r>
-              <a:rPr kumimoji="1" lang="zh-CN" altLang="en-US" dirty="0" smtClean="0"/>
-              <a:t>：</a:t>
-            </a:r>
-            <a:endParaRPr kumimoji="1" lang="en-US" altLang="zh-CN" dirty="0" smtClean="0"/>
-          </a:p>
-          <a:p>
-            <a:r>
-              <a:rPr kumimoji="1" lang="zh-CN" altLang="en-US" dirty="0" smtClean="0"/>
-              <a:t>语法：</a:t>
-            </a:r>
-            <a:endParaRPr kumimoji="1" lang="en-US" altLang="zh-CN" dirty="0" smtClean="0"/>
-          </a:p>
-          <a:p>
-            <a:pPr marL="457200" lvl="1" indent="0">
+              <a:rPr lang="zh-CN" altLang="en-US" b="1" dirty="0" smtClean="0"/>
+              <a:t>参数</a:t>
+            </a:r>
+            <a:r>
+              <a:rPr lang="en-US" altLang="zh-CN" dirty="0" smtClean="0"/>
+              <a:t>:</a:t>
+            </a:r>
+            <a:r>
+              <a:rPr lang="zh-CN" altLang="en-US" dirty="0" smtClean="0"/>
+              <a:t> 运行</a:t>
+            </a:r>
+            <a:r>
+              <a:rPr lang="zh-CN" altLang="en-US" dirty="0"/>
+              <a:t>时提供给命令的值</a:t>
+            </a:r>
+            <a:r>
+              <a:rPr lang="en-US" altLang="zh-CN" dirty="0" smtClean="0"/>
+              <a:t>.</a:t>
+            </a:r>
+            <a:endParaRPr lang="en-US" altLang="zh-CN" dirty="0"/>
+          </a:p>
+          <a:p>
+            <a:pPr lvl="1"/>
+            <a:r>
+              <a:rPr lang="zh-CN" altLang="en-US" dirty="0" smtClean="0"/>
+              <a:t>语法</a:t>
+            </a:r>
+            <a:r>
+              <a:rPr lang="en-US" altLang="zh-CN" dirty="0" smtClean="0"/>
+              <a:t>:</a:t>
+            </a:r>
+            <a:endParaRPr lang="en-US" altLang="zh-CN" dirty="0"/>
+          </a:p>
+          <a:p>
+            <a:pPr lvl="1">
+              <a:buFontTx/>
               <a:buNone/>
             </a:pPr>
             <a:r>
-              <a:rPr lang="en-US" altLang="zh-CN" b="1" dirty="0" err="1"/>
-              <a:t>def</a:t>
-            </a:r>
-            <a:r>
-              <a:rPr lang="en-US" altLang="zh-CN" dirty="0"/>
+              <a:rPr lang="en-US" altLang="zh-CN" b="1" dirty="0"/>
+              <a:t>		</a:t>
+            </a:r>
+            <a:r>
+              <a:rPr lang="zh-CN" altLang="en-US" b="1" dirty="0" smtClean="0"/>
+              <a:t>命令</a:t>
+            </a:r>
+            <a:r>
+              <a:rPr lang="en-US" altLang="zh-CN" dirty="0" smtClean="0">
+                <a:latin typeface="Courier New" charset="0"/>
+              </a:rPr>
+              <a:t>(</a:t>
+            </a:r>
+            <a:r>
+              <a:rPr lang="en-US" altLang="zh-CN" dirty="0" smtClean="0"/>
               <a:t> </a:t>
             </a:r>
             <a:r>
-              <a:rPr lang="zh-CN" altLang="en-US" dirty="0" smtClean="0"/>
-              <a:t>函数名称</a:t>
-            </a:r>
-            <a:r>
-              <a:rPr lang="en-US" altLang="zh-CN" dirty="0" smtClean="0"/>
-              <a:t>(</a:t>
-            </a:r>
-            <a:r>
-              <a:rPr lang="zh-CN" altLang="en-US" dirty="0" smtClean="0"/>
-              <a:t>参数</a:t>
-            </a:r>
-            <a:r>
-              <a:rPr lang="en-US" altLang="zh-CN" dirty="0" smtClean="0"/>
-              <a:t>1,</a:t>
-            </a:r>
-            <a:r>
-              <a:rPr lang="zh-CN" altLang="en-US" dirty="0" smtClean="0"/>
-              <a:t>参数</a:t>
-            </a:r>
-            <a:r>
-              <a:rPr lang="en-US" altLang="zh-CN" dirty="0" smtClean="0"/>
-              <a:t>2,</a:t>
-            </a:r>
-            <a:r>
-              <a:rPr lang="mr-IN" altLang="zh-CN" dirty="0" smtClean="0"/>
-              <a:t>…</a:t>
-            </a:r>
-            <a:r>
-              <a:rPr lang="en-US" altLang="zh-CN" dirty="0" smtClean="0"/>
-              <a:t>): </a:t>
-            </a:r>
-            <a:r>
-              <a:rPr lang="en-US" altLang="zh-CN" sz="1900" b="1" dirty="0">
+              <a:rPr lang="zh-CN" altLang="en-US" b="1" dirty="0" smtClean="0">
                 <a:solidFill>
-                  <a:srgbClr val="008080"/>
+                  <a:srgbClr val="003399"/>
                 </a:solidFill>
               </a:rPr>
-              <a:t>#</a:t>
-            </a:r>
-            <a:r>
-              <a:rPr lang="zh-CN" altLang="en-US" sz="1900" b="1" dirty="0">
-                <a:solidFill>
-                  <a:srgbClr val="008080"/>
-                </a:solidFill>
-              </a:rPr>
-              <a:t> 参数</a:t>
-            </a:r>
-            <a:r>
-              <a:rPr lang="zh-CN" altLang="en-US" sz="1900" b="1" dirty="0">
-                <a:solidFill>
-                  <a:srgbClr val="008080"/>
-                </a:solidFill>
-              </a:rPr>
-              <a:t>列表可为空，可以有默认</a:t>
-            </a:r>
-            <a:r>
-              <a:rPr lang="zh-CN" altLang="en-US" sz="1900" b="1" dirty="0" smtClean="0">
-                <a:solidFill>
-                  <a:srgbClr val="008080"/>
-                </a:solidFill>
-              </a:rPr>
               <a:t>值</a:t>
             </a:r>
-            <a:endParaRPr lang="en-US" altLang="zh-CN" dirty="0"/>
-          </a:p>
-          <a:p>
-            <a:pPr marL="457200" lvl="1" indent="0">
+            <a:r>
+              <a:rPr lang="en-US" altLang="zh-CN" dirty="0" smtClean="0">
+                <a:latin typeface="Courier New" charset="0"/>
+              </a:rPr>
+              <a:t>)</a:t>
+            </a:r>
+            <a:endParaRPr lang="en-US" altLang="zh-CN" dirty="0">
+              <a:latin typeface="Courier New" charset="0"/>
+            </a:endParaRPr>
+          </a:p>
+          <a:p>
+            <a:pPr lvl="1">
+              <a:buFontTx/>
               <a:buNone/>
             </a:pPr>
             <a:r>
-              <a:rPr lang="en-US" altLang="zh-CN" dirty="0"/>
-              <a:t>	</a:t>
-            </a:r>
+              <a:rPr lang="en-US" altLang="zh-CN" b="1" dirty="0"/>
+              <a:t>		</a:t>
+            </a:r>
+            <a:r>
+              <a:rPr lang="zh-CN" altLang="en-US" b="1" dirty="0" smtClean="0"/>
+              <a:t>命令 </a:t>
+            </a:r>
+            <a:r>
+              <a:rPr lang="en-US" altLang="zh-CN" dirty="0" smtClean="0">
+                <a:latin typeface="Courier New" charset="0"/>
+              </a:rPr>
+              <a:t>(</a:t>
+            </a:r>
+            <a:r>
+              <a:rPr lang="en-US" altLang="zh-CN" dirty="0" smtClean="0"/>
+              <a:t> </a:t>
+            </a:r>
+            <a:r>
+              <a:rPr lang="zh-CN" altLang="en-US" b="1" dirty="0" smtClean="0">
+                <a:solidFill>
+                  <a:srgbClr val="003399"/>
+                </a:solidFill>
+              </a:rPr>
+              <a:t>值</a:t>
+            </a:r>
+            <a:r>
+              <a:rPr lang="en-US" altLang="zh-CN" b="1" dirty="0" smtClean="0">
+                <a:solidFill>
+                  <a:srgbClr val="003399"/>
+                </a:solidFill>
+                <a:latin typeface="Courier New" charset="0"/>
+              </a:rPr>
+              <a:t>, </a:t>
+            </a:r>
+            <a:r>
+              <a:rPr lang="zh-CN" altLang="en-US" b="1" dirty="0" smtClean="0">
+                <a:solidFill>
+                  <a:srgbClr val="003399"/>
+                </a:solidFill>
+              </a:rPr>
+              <a:t>值</a:t>
+            </a:r>
+            <a:r>
+              <a:rPr lang="en-US" altLang="zh-CN" b="1" dirty="0" smtClean="0">
+                <a:solidFill>
+                  <a:srgbClr val="003399"/>
+                </a:solidFill>
+                <a:latin typeface="Courier New" charset="0"/>
+              </a:rPr>
+              <a:t>, </a:t>
+            </a:r>
+            <a:r>
+              <a:rPr lang="en-US" altLang="zh-CN" b="1" dirty="0">
+                <a:solidFill>
+                  <a:srgbClr val="003399"/>
+                </a:solidFill>
+              </a:rPr>
+              <a:t>...</a:t>
+            </a:r>
+            <a:r>
+              <a:rPr lang="en-US" altLang="zh-CN" b="1" dirty="0">
+                <a:solidFill>
+                  <a:srgbClr val="003399"/>
+                </a:solidFill>
+                <a:latin typeface="Courier New" charset="0"/>
+              </a:rPr>
+              <a:t>, </a:t>
+            </a:r>
+            <a:r>
+              <a:rPr lang="zh-CN" altLang="en-US" b="1" dirty="0" smtClean="0">
+                <a:solidFill>
+                  <a:srgbClr val="003399"/>
+                </a:solidFill>
+              </a:rPr>
+              <a:t>值</a:t>
+            </a:r>
+            <a:r>
+              <a:rPr lang="en-US" altLang="zh-CN" dirty="0" smtClean="0">
+                <a:latin typeface="Courier New" charset="0"/>
+              </a:rPr>
+              <a:t>)</a:t>
+            </a:r>
+            <a:endParaRPr lang="en-US" altLang="zh-CN" dirty="0">
+              <a:latin typeface="Courier New" charset="0"/>
+            </a:endParaRPr>
+          </a:p>
+          <a:p>
+            <a:pPr lvl="1"/>
+            <a:endParaRPr lang="en-US" altLang="zh-CN" dirty="0"/>
+          </a:p>
+          <a:p>
             <a:r>
               <a:rPr lang="zh-CN" altLang="en-US" dirty="0" smtClean="0"/>
-              <a:t>语句</a:t>
+              <a:t>例子</a:t>
+            </a:r>
+            <a:r>
+              <a:rPr lang="en-US" altLang="zh-CN" dirty="0" smtClean="0"/>
+              <a:t>:</a:t>
             </a:r>
             <a:endParaRPr lang="en-US" altLang="zh-CN" dirty="0"/>
           </a:p>
           <a:p>
-            <a:pPr marL="0" indent="0">
+            <a:pPr lvl="1">
+              <a:buFontTx/>
               <a:buNone/>
             </a:pPr>
             <a:r>
-              <a:rPr lang="en-US" altLang="zh-CN" dirty="0" smtClean="0"/>
+              <a:rPr lang="en-US" altLang="zh-CN" sz="900" dirty="0">
+                <a:latin typeface="Courier New" charset="0"/>
+              </a:rPr>
               <a:t>	</a:t>
             </a:r>
-            <a:r>
-              <a:rPr lang="en-US" altLang="zh-CN" b="1" dirty="0" smtClean="0"/>
-              <a:t>return</a:t>
-            </a:r>
-            <a:r>
-              <a:rPr lang="en-US" altLang="zh-CN" dirty="0" smtClean="0"/>
-              <a:t> </a:t>
-            </a:r>
-            <a:r>
-              <a:rPr lang="zh-CN" altLang="en-US" dirty="0" smtClean="0"/>
-              <a:t>返回值</a:t>
-            </a:r>
-            <a:endParaRPr kumimoji="1" lang="en-US" altLang="zh-CN" dirty="0"/>
-          </a:p>
-          <a:p>
-            <a:endParaRPr kumimoji="1" lang="en-US" altLang="zh-CN" dirty="0" smtClean="0"/>
-          </a:p>
-          <a:p>
-            <a:r>
-              <a:rPr kumimoji="1" lang="zh-CN" altLang="en-US" dirty="0" smtClean="0"/>
-              <a:t>例子：</a:t>
-            </a:r>
-            <a:endParaRPr kumimoji="1" lang="en-US" altLang="zh-CN" dirty="0"/>
-          </a:p>
-          <a:p>
-            <a:pPr marL="457200" lvl="1" indent="0">
+          </a:p>
+          <a:p>
+            <a:pPr lvl="1">
+              <a:lnSpc>
+                <a:spcPct val="80000"/>
+              </a:lnSpc>
+              <a:buFontTx/>
               <a:buNone/>
             </a:pPr>
-            <a:endParaRPr lang="en-US" altLang="zh-CN" dirty="0" smtClean="0"/>
-          </a:p>
-          <a:p>
-            <a:pPr marL="457200" lvl="1" indent="0">
+            <a:r>
+              <a:rPr lang="en-US" altLang="zh-CN" dirty="0">
+                <a:latin typeface="Courier New" charset="0"/>
+              </a:rPr>
+              <a:t>	print </a:t>
+            </a:r>
+            <a:r>
+              <a:rPr lang="en-US" altLang="zh-CN" dirty="0" err="1">
+                <a:latin typeface="Courier New" charset="0"/>
+              </a:rPr>
+              <a:t>sqrt</a:t>
+            </a:r>
+            <a:r>
+              <a:rPr lang="en-US" altLang="zh-CN" dirty="0">
+                <a:latin typeface="Courier New" charset="0"/>
+              </a:rPr>
+              <a:t>(</a:t>
+            </a:r>
+            <a:r>
+              <a:rPr lang="en-US" altLang="zh-CN" b="1" dirty="0">
+                <a:latin typeface="Courier New" charset="0"/>
+              </a:rPr>
+              <a:t>25</a:t>
+            </a:r>
+            <a:r>
+              <a:rPr lang="en-US" altLang="zh-CN" dirty="0">
+                <a:latin typeface="Courier New" charset="0"/>
+              </a:rPr>
+              <a:t>)</a:t>
+            </a:r>
+          </a:p>
+          <a:p>
+            <a:pPr lvl="1">
+              <a:lnSpc>
+                <a:spcPct val="80000"/>
+              </a:lnSpc>
+              <a:buFontTx/>
               <a:buNone/>
             </a:pPr>
             <a:r>
-              <a:rPr lang="en-US" altLang="zh-CN" dirty="0"/>
-              <a:t>	</a:t>
-            </a:r>
-            <a:r>
-              <a:rPr lang="en-US" altLang="zh-CN" dirty="0" smtClean="0"/>
-              <a:t>	 </a:t>
-            </a:r>
-            <a:endParaRPr lang="zh-CN" altLang="en-US" dirty="0">
-              <a:latin typeface="微软雅黑" pitchFamily="34" charset="-122"/>
-              <a:ea typeface="微软雅黑" pitchFamily="34" charset="-122"/>
-            </a:endParaRPr>
-          </a:p>
-          <a:p>
-            <a:pPr lvl="1"/>
-            <a:endParaRPr kumimoji="1" lang="zh-CN" altLang="en-US" dirty="0"/>
+              <a:rPr lang="en-US" altLang="zh-CN" dirty="0">
+                <a:latin typeface="Courier New" charset="0"/>
+              </a:rPr>
+              <a:t>	print </a:t>
+            </a:r>
+            <a:r>
+              <a:rPr lang="en-US" altLang="zh-CN" dirty="0" err="1">
+                <a:latin typeface="Courier New" charset="0"/>
+              </a:rPr>
+              <a:t>sqrt</a:t>
+            </a:r>
+            <a:r>
+              <a:rPr lang="en-US" altLang="zh-CN" dirty="0">
+                <a:latin typeface="Courier New" charset="0"/>
+              </a:rPr>
+              <a:t>(</a:t>
+            </a:r>
+            <a:r>
+              <a:rPr lang="en-US" altLang="zh-CN" b="1" dirty="0">
+                <a:latin typeface="Courier New" charset="0"/>
+              </a:rPr>
+              <a:t>15 + 10 * 10 + 6</a:t>
+            </a:r>
+            <a:r>
+              <a:rPr lang="en-US" altLang="zh-CN" dirty="0">
+                <a:latin typeface="Courier New" charset="0"/>
+              </a:rPr>
+              <a:t>)</a:t>
+            </a:r>
+          </a:p>
+          <a:p>
+            <a:pPr lvl="1">
+              <a:lnSpc>
+                <a:spcPct val="80000"/>
+              </a:lnSpc>
+              <a:buFontTx/>
+              <a:buNone/>
+            </a:pPr>
+            <a:r>
+              <a:rPr lang="en-US" altLang="zh-CN" dirty="0">
+                <a:latin typeface="Courier New" charset="0"/>
+              </a:rPr>
+              <a:t>	x = 5</a:t>
+            </a:r>
+          </a:p>
+          <a:p>
+            <a:pPr lvl="1">
+              <a:lnSpc>
+                <a:spcPct val="80000"/>
+              </a:lnSpc>
+              <a:buFontTx/>
+              <a:buNone/>
+            </a:pPr>
+            <a:r>
+              <a:rPr lang="en-US" altLang="zh-CN" dirty="0">
+                <a:latin typeface="Courier New" charset="0"/>
+              </a:rPr>
+              <a:t>	print </a:t>
+            </a:r>
+            <a:r>
+              <a:rPr lang="en-US" altLang="zh-CN" dirty="0" err="1">
+                <a:latin typeface="Courier New" charset="0"/>
+              </a:rPr>
+              <a:t>sqrt</a:t>
+            </a:r>
+            <a:r>
+              <a:rPr lang="en-US" altLang="zh-CN" dirty="0">
+                <a:latin typeface="Courier New" charset="0"/>
+              </a:rPr>
+              <a:t>(</a:t>
+            </a:r>
+            <a:r>
+              <a:rPr lang="en-US" altLang="zh-CN" b="1" dirty="0">
+                <a:latin typeface="Courier New" charset="0"/>
+              </a:rPr>
+              <a:t>x + </a:t>
+            </a:r>
+            <a:r>
+              <a:rPr lang="en-US" altLang="zh-CN" b="1" dirty="0" err="1">
+                <a:latin typeface="Courier New" charset="0"/>
+              </a:rPr>
+              <a:t>sqrt</a:t>
+            </a:r>
+            <a:r>
+              <a:rPr lang="en-US" altLang="zh-CN" b="1" dirty="0">
+                <a:latin typeface="Courier New" charset="0"/>
+              </a:rPr>
+              <a:t>(16)</a:t>
+            </a:r>
+            <a:r>
+              <a:rPr lang="en-US" altLang="zh-CN" dirty="0">
+                <a:latin typeface="Courier New" charset="0"/>
+              </a:rPr>
+              <a:t>)</a:t>
+            </a:r>
           </a:p>
         </p:txBody>
       </p:sp>
       <p:sp>
         <p:nvSpPr>
-          <p:cNvPr id="4" name="日期占位符 3"/>
+          <p:cNvPr id="2" name="日期占位符 1"/>
           <p:cNvSpPr>
             <a:spLocks noGrp="1"/>
           </p:cNvSpPr>
@@ -15387,7 +15380,7 @@
           <a:bodyPr/>
           <a:lstStyle/>
           <a:p>
-            <a:fld id="{A6B10C75-7AE2-6947-973F-83E28334CDE4}" type="datetime1">
+            <a:fld id="{D6A92D8B-6DE5-154F-8F02-46F6DCA0BFE1}" type="datetime1">
               <a:rPr kumimoji="1" lang="zh-CN" altLang="en-US" smtClean="0"/>
               <a:t>2017/11/22</a:t>
             </a:fld>
@@ -15397,7 +15390,7 @@
       </p:sp>
       <p:sp>
         <p:nvSpPr>
-          <p:cNvPr id="5" name="幻灯片编号占位符 4"/>
+          <p:cNvPr id="3" name="幻灯片编号占位符 2"/>
           <p:cNvSpPr>
             <a:spLocks noGrp="1"/>
           </p:cNvSpPr>
@@ -15418,302 +15411,10 @@
           </a:p>
         </p:txBody>
       </p:sp>
-      <p:sp>
-        <p:nvSpPr>
-          <p:cNvPr id="6" name="矩形 5"/>
-          <p:cNvSpPr/>
-          <p:nvPr/>
-        </p:nvSpPr>
-        <p:spPr>
-          <a:xfrm>
-            <a:off x="594360" y="4754506"/>
-            <a:ext cx="4572000" cy="1477328"/>
-          </a:xfrm>
-          <a:prstGeom prst="rect">
-            <a:avLst/>
-          </a:prstGeom>
-        </p:spPr>
-        <p:txBody>
-          <a:bodyPr>
-            <a:spAutoFit/>
-          </a:bodyPr>
-          <a:lstStyle/>
-          <a:p>
-            <a:r>
-              <a:rPr lang="en-US" altLang="zh-CN" dirty="0" err="1" smtClean="0">
-                <a:solidFill>
-                  <a:srgbClr val="0000FF"/>
-                </a:solidFill>
-                <a:effectLst/>
-                <a:latin typeface="Courier New" charset="0"/>
-              </a:rPr>
-              <a:t>def</a:t>
-            </a:r>
-            <a:r>
-              <a:rPr lang="en-US" altLang="zh-CN" dirty="0" smtClean="0">
-                <a:solidFill>
-                  <a:srgbClr val="000000"/>
-                </a:solidFill>
-                <a:effectLst/>
-                <a:latin typeface="Courier New" charset="0"/>
-              </a:rPr>
-              <a:t> fibs_1(n): </a:t>
-            </a:r>
-            <a:endParaRPr lang="en-US" altLang="zh-CN" dirty="0">
-              <a:solidFill>
-                <a:srgbClr val="008080"/>
-              </a:solidFill>
-              <a:latin typeface="Courier New" charset="0"/>
-            </a:endParaRPr>
-          </a:p>
-          <a:p>
-            <a:pPr lvl="1"/>
-            <a:r>
-              <a:rPr lang="en-US" altLang="zh-CN" dirty="0" smtClean="0">
-                <a:solidFill>
-                  <a:srgbClr val="0000FF"/>
-                </a:solidFill>
-                <a:effectLst/>
-                <a:latin typeface="Courier New" charset="0"/>
-              </a:rPr>
-              <a:t>if</a:t>
-            </a:r>
-            <a:r>
-              <a:rPr lang="en-US" altLang="zh-CN" dirty="0" smtClean="0"/>
-              <a:t> n == 0 </a:t>
-            </a:r>
-            <a:r>
-              <a:rPr lang="en-US" altLang="zh-CN" dirty="0" smtClean="0">
-                <a:solidFill>
-                  <a:srgbClr val="0000FF"/>
-                </a:solidFill>
-                <a:effectLst/>
-                <a:latin typeface="Courier New" charset="0"/>
-              </a:rPr>
-              <a:t>or</a:t>
-            </a:r>
-            <a:r>
-              <a:rPr lang="en-US" altLang="zh-CN" dirty="0" smtClean="0"/>
-              <a:t> n == 1</a:t>
-            </a:r>
-            <a:r>
-              <a:rPr lang="en-US" altLang="zh-CN" dirty="0" smtClean="0">
-                <a:solidFill>
-                  <a:srgbClr val="000000"/>
-                </a:solidFill>
-                <a:effectLst/>
-                <a:latin typeface="Courier New" charset="0"/>
-              </a:rPr>
-              <a:t>: </a:t>
-            </a:r>
-            <a:endParaRPr lang="en-US" altLang="zh-CN" dirty="0">
-              <a:solidFill>
-                <a:srgbClr val="008080"/>
-              </a:solidFill>
-              <a:latin typeface="Courier New" charset="0"/>
-            </a:endParaRPr>
-          </a:p>
-          <a:p>
-            <a:pPr lvl="1"/>
-            <a:r>
-              <a:rPr lang="en-US" altLang="zh-CN" dirty="0" smtClean="0">
-                <a:solidFill>
-                  <a:srgbClr val="0000FF"/>
-                </a:solidFill>
-                <a:effectLst/>
-                <a:latin typeface="Courier New" charset="0"/>
-              </a:rPr>
-              <a:t>	return</a:t>
-            </a:r>
-            <a:r>
-              <a:rPr lang="en-US" altLang="zh-CN" dirty="0" smtClean="0"/>
-              <a:t> 1 </a:t>
-            </a:r>
-            <a:endParaRPr lang="en-US" altLang="zh-CN" dirty="0">
-              <a:solidFill>
-                <a:srgbClr val="008080"/>
-              </a:solidFill>
-              <a:latin typeface="Courier New" charset="0"/>
-            </a:endParaRPr>
-          </a:p>
-          <a:p>
-            <a:pPr lvl="1"/>
-            <a:r>
-              <a:rPr lang="en-US" altLang="zh-CN" dirty="0" smtClean="0">
-                <a:solidFill>
-                  <a:srgbClr val="0000FF"/>
-                </a:solidFill>
-                <a:effectLst/>
-                <a:latin typeface="Courier New" charset="0"/>
-              </a:rPr>
-              <a:t>else</a:t>
-            </a:r>
-            <a:r>
-              <a:rPr lang="en-US" altLang="zh-CN" dirty="0" smtClean="0">
-                <a:solidFill>
-                  <a:srgbClr val="000000"/>
-                </a:solidFill>
-                <a:effectLst/>
-                <a:latin typeface="Courier New" charset="0"/>
-              </a:rPr>
-              <a:t>:</a:t>
-            </a:r>
-          </a:p>
-          <a:p>
-            <a:pPr lvl="1"/>
-            <a:r>
-              <a:rPr lang="en-US" altLang="zh-CN" dirty="0" smtClean="0">
-                <a:solidFill>
-                  <a:srgbClr val="0000FF"/>
-                </a:solidFill>
-                <a:effectLst/>
-                <a:latin typeface="Courier New" charset="0"/>
-              </a:rPr>
-              <a:t>	return</a:t>
-            </a:r>
-            <a:r>
-              <a:rPr lang="en-US" altLang="zh-CN" dirty="0" smtClean="0"/>
-              <a:t> fibs(n-1) + fibs(n-2)</a:t>
-            </a:r>
-            <a:endParaRPr lang="zh-CN" altLang="en-US" dirty="0"/>
-          </a:p>
-        </p:txBody>
-      </p:sp>
-      <p:sp>
-        <p:nvSpPr>
-          <p:cNvPr id="7" name="矩形 6"/>
-          <p:cNvSpPr/>
-          <p:nvPr/>
-        </p:nvSpPr>
-        <p:spPr>
-          <a:xfrm>
-            <a:off x="4929808" y="4754506"/>
-            <a:ext cx="3786809" cy="1477328"/>
-          </a:xfrm>
-          <a:prstGeom prst="rect">
-            <a:avLst/>
-          </a:prstGeom>
-        </p:spPr>
-        <p:txBody>
-          <a:bodyPr wrap="square">
-            <a:spAutoFit/>
-          </a:bodyPr>
-          <a:lstStyle/>
-          <a:p>
-            <a:r>
-              <a:rPr lang="en-US" altLang="zh-CN" dirty="0" err="1" smtClean="0">
-                <a:solidFill>
-                  <a:srgbClr val="0000FF"/>
-                </a:solidFill>
-                <a:effectLst/>
-                <a:latin typeface="Courier New" charset="0"/>
-              </a:rPr>
-              <a:t>def</a:t>
-            </a:r>
-            <a:r>
-              <a:rPr lang="en-US" altLang="zh-CN" dirty="0" smtClean="0">
-                <a:solidFill>
-                  <a:srgbClr val="000000"/>
-                </a:solidFill>
-                <a:effectLst/>
-                <a:latin typeface="Courier New" charset="0"/>
-              </a:rPr>
-              <a:t> fibs_2():</a:t>
-            </a:r>
-          </a:p>
-          <a:p>
-            <a:r>
-              <a:rPr lang="en-US" altLang="zh-CN" dirty="0" smtClean="0"/>
-              <a:t>	</a:t>
-            </a:r>
-            <a:r>
-              <a:rPr lang="en-US" altLang="zh-CN" dirty="0" err="1" smtClean="0"/>
-              <a:t>a,b</a:t>
-            </a:r>
-            <a:r>
-              <a:rPr lang="en-US" altLang="zh-CN" dirty="0" smtClean="0"/>
-              <a:t> = 0,1</a:t>
-            </a:r>
-          </a:p>
-          <a:p>
-            <a:r>
-              <a:rPr lang="en-US" altLang="zh-CN" dirty="0" smtClean="0">
-                <a:solidFill>
-                  <a:srgbClr val="0000FF"/>
-                </a:solidFill>
-                <a:effectLst/>
-                <a:latin typeface="Courier New" charset="0"/>
-              </a:rPr>
-              <a:t>	while</a:t>
-            </a:r>
-            <a:r>
-              <a:rPr lang="en-US" altLang="zh-CN" dirty="0" smtClean="0"/>
-              <a:t> True</a:t>
-            </a:r>
-            <a:r>
-              <a:rPr lang="en-US" altLang="zh-CN" dirty="0" smtClean="0">
-                <a:solidFill>
-                  <a:srgbClr val="000000"/>
-                </a:solidFill>
-                <a:effectLst/>
-                <a:latin typeface="Courier New" charset="0"/>
-              </a:rPr>
-              <a:t>:</a:t>
-            </a:r>
-          </a:p>
-          <a:p>
-            <a:pPr lvl="1"/>
-            <a:r>
-              <a:rPr lang="en-US" altLang="zh-CN" dirty="0" smtClean="0">
-                <a:solidFill>
-                  <a:srgbClr val="0000FF"/>
-                </a:solidFill>
-                <a:effectLst/>
-                <a:latin typeface="Courier New" charset="0"/>
-              </a:rPr>
-              <a:t>		yield</a:t>
-            </a:r>
-            <a:r>
-              <a:rPr lang="zh-CN" altLang="en-US" dirty="0" smtClean="0">
-                <a:solidFill>
-                  <a:srgbClr val="0000FF"/>
-                </a:solidFill>
-                <a:effectLst/>
-                <a:latin typeface="Courier New" charset="0"/>
-              </a:rPr>
-              <a:t> </a:t>
-            </a:r>
-            <a:r>
-              <a:rPr lang="en-US" altLang="zh-CN" dirty="0"/>
-              <a:t>a</a:t>
-            </a:r>
-          </a:p>
-          <a:p>
-            <a:pPr lvl="1"/>
-            <a:r>
-              <a:rPr lang="en-US" altLang="zh-CN" dirty="0" smtClean="0"/>
-              <a:t>		</a:t>
-            </a:r>
-            <a:r>
-              <a:rPr lang="en-US" altLang="zh-CN" dirty="0" err="1" smtClean="0"/>
-              <a:t>a,b</a:t>
-            </a:r>
-            <a:r>
-              <a:rPr lang="en-US" altLang="zh-CN" dirty="0" smtClean="0"/>
-              <a:t> = </a:t>
-            </a:r>
-            <a:r>
-              <a:rPr lang="en-US" altLang="zh-CN" dirty="0" err="1" smtClean="0"/>
-              <a:t>b,a+b</a:t>
-            </a:r>
-            <a:endParaRPr lang="zh-CN" altLang="en-US" dirty="0"/>
-          </a:p>
-        </p:txBody>
-      </p:sp>
     </p:spTree>
     <p:extLst>
       <p:ext uri="{BB962C8B-B14F-4D97-AF65-F5344CB8AC3E}">
-        <p14:creationId xmlns:p14="http://schemas.microsoft.com/office/powerpoint/2010/main" val="555605902"/>
+        <p14:creationId xmlns:p14="http://schemas.microsoft.com/office/powerpoint/2010/main" val="1528646020"/>
       </p:ext>
     </p:extLst>
   </p:cSld>
@@ -15775,10 +15476,18 @@
           <a:lstStyle/>
           <a:p>
             <a:r>
-              <a:rPr lang="zh-CN" altLang="en-US" smtClean="0"/>
-              <a:t>类与模块</a:t>
-            </a:r>
-            <a:endParaRPr lang="zh-CN" altLang="en-US" dirty="0"/>
+              <a:rPr kumimoji="1" lang="zh-CN" altLang="en-US" dirty="0" smtClean="0"/>
+              <a:t>函数（</a:t>
+            </a:r>
+            <a:r>
+              <a:rPr kumimoji="1" lang="en-US" altLang="zh-CN" dirty="0" smtClean="0"/>
+              <a:t>Functions</a:t>
+            </a:r>
+            <a:r>
+              <a:rPr kumimoji="1" lang="zh-CN" altLang="en-US" dirty="0" smtClean="0"/>
+              <a:t>）</a:t>
+            </a:r>
+            <a:endParaRPr kumimoji="1" lang="zh-CN" altLang="en-US" dirty="0"/>
           </a:p>
         </p:txBody>
       </p:sp>
@@ -15792,58 +15501,76 @@
             <p:ph idx="1"/>
           </p:nvPr>
         </p:nvSpPr>
-        <p:spPr/>
+        <p:spPr>
+          <a:xfrm>
+            <a:off x="594360" y="1887081"/>
+            <a:ext cx="7955280" cy="4069080"/>
+          </a:xfrm>
+        </p:spPr>
         <p:txBody>
-          <a:bodyPr>
-            <a:normAutofit lnSpcReduction="10000"/>
-          </a:bodyPr>
+          <a:bodyPr/>
           <a:lstStyle/>
           <a:p>
             <a:r>
-              <a:rPr lang="zh-CN" altLang="en-US" dirty="0" smtClean="0"/>
-              <a:t>类：相关数据及逻辑的容器，构建创建真实对象的蓝图。</a:t>
-            </a:r>
+              <a:rPr kumimoji="1" lang="zh-CN" altLang="en-US" b="1" dirty="0" smtClean="0"/>
+              <a:t>函数</a:t>
+            </a:r>
+            <a:r>
+              <a:rPr kumimoji="1" lang="zh-CN" altLang="en-US" dirty="0" smtClean="0"/>
+              <a:t>：</a:t>
+            </a:r>
+            <a:endParaRPr kumimoji="1" lang="en-US" altLang="zh-CN" dirty="0" smtClean="0"/>
+          </a:p>
+          <a:p>
+            <a:r>
+              <a:rPr kumimoji="1" lang="zh-CN" altLang="en-US" dirty="0" smtClean="0"/>
+              <a:t>语法：</a:t>
+            </a:r>
+            <a:endParaRPr kumimoji="1" lang="en-US" altLang="zh-CN" dirty="0" smtClean="0"/>
           </a:p>
           <a:p>
             <a:pPr marL="457200" lvl="1" indent="0">
               <a:buNone/>
             </a:pPr>
             <a:r>
-              <a:rPr lang="en-US" altLang="zh-CN" dirty="0" smtClean="0"/>
-              <a:t>class </a:t>
-            </a:r>
-            <a:r>
-              <a:rPr lang="en-US" altLang="zh-CN" dirty="0" err="1" smtClean="0"/>
-              <a:t>className</a:t>
+              <a:rPr lang="en-US" altLang="zh-CN" b="1" dirty="0" err="1"/>
+              <a:t>def</a:t>
+            </a:r>
+            <a:r>
+              <a:rPr lang="en-US" altLang="zh-CN" dirty="0"/>
+              <a:t> </a:t>
+            </a:r>
+            <a:r>
+              <a:rPr lang="zh-CN" altLang="en-US" dirty="0" smtClean="0"/>
+              <a:t>函数名称</a:t>
             </a:r>
             <a:r>
               <a:rPr lang="en-US" altLang="zh-CN" dirty="0" smtClean="0"/>
               <a:t>(</a:t>
             </a:r>
             <a:r>
-              <a:rPr lang="en-US" altLang="zh-CN" dirty="0" err="1" smtClean="0"/>
-              <a:t>baseClass</a:t>
+              <a:rPr lang="zh-CN" altLang="en-US" dirty="0" smtClean="0"/>
+              <a:t>参数</a:t>
             </a:r>
             <a:r>
               <a:rPr lang="en-US" altLang="zh-CN" dirty="0" smtClean="0"/>
-              <a:t>[</a:t>
-            </a:r>
-            <a:r>
-              <a:rPr lang="en-US" altLang="zh-CN" dirty="0" err="1" smtClean="0"/>
-              <a:t>es</a:t>
+              <a:t>1,</a:t>
+            </a:r>
+            <a:r>
+              <a:rPr lang="zh-CN" altLang="en-US" dirty="0" smtClean="0"/>
+              <a:t>参数</a:t>
             </a:r>
             <a:r>
               <a:rPr lang="en-US" altLang="zh-CN" dirty="0" smtClean="0"/>
-              <a:t>]):</a:t>
-            </a:r>
-          </a:p>
-          <a:p>
-            <a:pPr marL="457200" lvl="1" indent="0">
-              <a:buNone/>
-            </a:pPr>
+              <a:t>2,</a:t>
+            </a:r>
+            <a:r>
+              <a:rPr lang="mr-IN" altLang="zh-CN" dirty="0" smtClean="0"/>
+              <a:t>…</a:t>
+            </a:r>
             <a:r>
               <a:rPr lang="en-US" altLang="zh-CN" dirty="0" smtClean="0"/>
-              <a:t>    “optional documentation string” </a:t>
+              <a:t>): </a:t>
             </a:r>
             <a:r>
               <a:rPr lang="en-US" altLang="zh-CN" sz="1900" b="1" dirty="0">
@@ -15851,7 +15578,7 @@
                   <a:srgbClr val="008080"/>
                 </a:solidFill>
               </a:rPr>
-              <a:t># </a:t>
+              <a:t>#</a:t>
             </a:r>
             <a:r>
               <a:rPr lang="zh-CN" altLang="en-US" sz="1900" b="1" dirty="0">
@@ -15859,15 +15586,7 @@
                   <a:srgbClr val="008080"/>
                 </a:solidFill>
               </a:rPr>
-              <a:t>说明性文字</a:t>
-            </a:r>
-            <a:r>
-              <a:rPr lang="en-US" altLang="zh-CN" sz="1900" b="1" dirty="0">
-                <a:solidFill>
-                  <a:srgbClr val="008080"/>
-                </a:solidFill>
-              </a:rPr>
-              <a:t>(</a:t>
+              <a:t> 参数</a:t>
             </a:r>
             <a:r>
               <a:rPr lang="zh-CN" altLang="en-US" sz="1900" b="1" dirty="0">
@@ -15875,233 +15594,90 @@
                   <a:srgbClr val="008080"/>
                 </a:solidFill>
               </a:rPr>
-              <a:t>可选</a:t>
-            </a:r>
-            <a:r>
-              <a:rPr lang="en-US" altLang="zh-CN" sz="1900" b="1" dirty="0">
+              <a:t>列表可为空，可以有默认</a:t>
+            </a:r>
+            <a:r>
+              <a:rPr lang="zh-CN" altLang="en-US" sz="1900" b="1" dirty="0" smtClean="0">
                 <a:solidFill>
                   <a:srgbClr val="008080"/>
                 </a:solidFill>
               </a:rPr>
-              <a:t>)</a:t>
-            </a:r>
+              <a:t>值</a:t>
+            </a:r>
+            <a:endParaRPr lang="en-US" altLang="zh-CN" dirty="0"/>
           </a:p>
           <a:p>
             <a:pPr marL="457200" lvl="1" indent="0">
               <a:buNone/>
             </a:pPr>
             <a:r>
+              <a:rPr lang="en-US" altLang="zh-CN" dirty="0"/>
+              <a:t>	</a:t>
+            </a:r>
+            <a:r>
+              <a:rPr lang="zh-CN" altLang="en-US" dirty="0" smtClean="0"/>
+              <a:t>语句</a:t>
+            </a:r>
+            <a:endParaRPr lang="en-US" altLang="zh-CN" dirty="0"/>
+          </a:p>
+          <a:p>
+            <a:pPr marL="0" indent="0">
+              <a:buNone/>
+            </a:pPr>
+            <a:r>
               <a:rPr lang="en-US" altLang="zh-CN" dirty="0" smtClean="0"/>
-              <a:t>    </a:t>
-            </a:r>
-            <a:r>
-              <a:rPr lang="en-US" altLang="zh-CN" dirty="0" err="1" smtClean="0"/>
-              <a:t>static_member_declarations</a:t>
+              <a:t>	</a:t>
+            </a:r>
+            <a:r>
+              <a:rPr lang="en-US" altLang="zh-CN" b="1" dirty="0" smtClean="0"/>
+              <a:t>return</a:t>
             </a:r>
             <a:r>
               <a:rPr lang="en-US" altLang="zh-CN" dirty="0" smtClean="0"/>
-              <a:t>        </a:t>
-            </a:r>
-            <a:r>
-              <a:rPr lang="en-US" altLang="zh-CN" sz="1900" b="1" dirty="0">
-                <a:solidFill>
-                  <a:srgbClr val="008080"/>
-                </a:solidFill>
-              </a:rPr>
-              <a:t># </a:t>
-            </a:r>
-            <a:r>
-              <a:rPr lang="zh-CN" altLang="en-US" sz="1900" b="1" dirty="0">
-                <a:solidFill>
-                  <a:srgbClr val="008080"/>
-                </a:solidFill>
-              </a:rPr>
-              <a:t>静态成员定义</a:t>
-            </a:r>
-            <a:endParaRPr lang="en-US" altLang="zh-CN" sz="1900" b="1" dirty="0">
-              <a:solidFill>
-                <a:srgbClr val="008080"/>
-              </a:solidFill>
-            </a:endParaRPr>
+              <a:t> </a:t>
+            </a:r>
+            <a:r>
+              <a:rPr lang="zh-CN" altLang="en-US" dirty="0" smtClean="0"/>
+              <a:t>返回值</a:t>
+            </a:r>
+            <a:endParaRPr kumimoji="1" lang="en-US" altLang="zh-CN" dirty="0"/>
+          </a:p>
+          <a:p>
+            <a:endParaRPr kumimoji="1" lang="en-US" altLang="zh-CN" dirty="0" smtClean="0"/>
+          </a:p>
+          <a:p>
+            <a:r>
+              <a:rPr kumimoji="1" lang="zh-CN" altLang="en-US" dirty="0" smtClean="0"/>
+              <a:t>例子：</a:t>
+            </a:r>
+            <a:endParaRPr kumimoji="1" lang="en-US" altLang="zh-CN" dirty="0"/>
           </a:p>
           <a:p>
             <a:pPr marL="457200" lvl="1" indent="0">
               <a:buNone/>
             </a:pPr>
-            <a:r>
-              <a:rPr lang="en-US" altLang="zh-CN" dirty="0" smtClean="0"/>
-              <a:t>    </a:t>
-            </a:r>
-            <a:r>
-              <a:rPr lang="en-US" altLang="zh-CN" dirty="0" err="1" smtClean="0"/>
-              <a:t>method_declarations</a:t>
-            </a:r>
-            <a:r>
-              <a:rPr lang="en-US" altLang="zh-CN" dirty="0" smtClean="0"/>
-              <a:t>               </a:t>
-            </a:r>
-            <a:r>
-              <a:rPr lang="en-US" altLang="zh-CN" sz="1900" b="1" dirty="0">
-                <a:solidFill>
-                  <a:srgbClr val="008080"/>
-                </a:solidFill>
-              </a:rPr>
-              <a:t># </a:t>
-            </a:r>
-            <a:r>
-              <a:rPr lang="zh-CN" altLang="en-US" sz="1900" b="1" dirty="0">
-                <a:solidFill>
-                  <a:srgbClr val="008080"/>
-                </a:solidFill>
-              </a:rPr>
-              <a:t>方法定义</a:t>
-            </a:r>
-            <a:endParaRPr lang="en-US" altLang="zh-CN" sz="1900" b="1" dirty="0">
-              <a:solidFill>
-                <a:srgbClr val="008080"/>
-              </a:solidFill>
-            </a:endParaRPr>
-          </a:p>
-          <a:p>
             <a:endParaRPr lang="en-US" altLang="zh-CN" dirty="0" smtClean="0"/>
-          </a:p>
-          <a:p>
-            <a:r>
-              <a:rPr lang="zh-CN" altLang="en-US" dirty="0" smtClean="0"/>
-              <a:t>模块：一种组织形式，将有联系的代码组织到独立文件中</a:t>
-            </a:r>
           </a:p>
           <a:p>
             <a:pPr marL="457200" lvl="1" indent="0">
               <a:buNone/>
             </a:pPr>
             <a:r>
+              <a:rPr lang="en-US" altLang="zh-CN" dirty="0"/>
+              <a:t>	</a:t>
+            </a:r>
+            <a:r>
               <a:rPr lang="en-US" altLang="zh-CN" dirty="0" smtClean="0"/>
-              <a:t># </a:t>
-            </a:r>
-            <a:r>
-              <a:rPr lang="zh-CN" altLang="en-US" dirty="0" smtClean="0"/>
-              <a:t>模块可以包含可执行代码、函数和类。</a:t>
-            </a:r>
-            <a:endParaRPr lang="en-US" altLang="zh-CN" dirty="0" smtClean="0"/>
-          </a:p>
-          <a:p>
-            <a:pPr marL="457200" lvl="1" indent="0">
-              <a:buNone/>
-            </a:pPr>
-            <a:r>
-              <a:rPr lang="en-US" altLang="zh-CN" dirty="0" smtClean="0"/>
-              <a:t>&gt;&gt;&gt;import sys  </a:t>
-            </a:r>
-            <a:r>
-              <a:rPr lang="en-US" altLang="zh-CN" sz="1900" b="1" dirty="0">
-                <a:solidFill>
-                  <a:srgbClr val="008080"/>
-                </a:solidFill>
-              </a:rPr>
-              <a:t># </a:t>
-            </a:r>
-            <a:r>
-              <a:rPr lang="zh-CN" altLang="en-US" sz="1900" b="1" dirty="0">
-                <a:solidFill>
-                  <a:srgbClr val="008080"/>
-                </a:solidFill>
-              </a:rPr>
-              <a:t>导入方法，</a:t>
-            </a:r>
-            <a:r>
-              <a:rPr lang="en-US" altLang="zh-CN" sz="1900" b="1" dirty="0">
-                <a:solidFill>
-                  <a:srgbClr val="008080"/>
-                </a:solidFill>
-              </a:rPr>
-              <a:t>sys</a:t>
-            </a:r>
-            <a:r>
-              <a:rPr lang="zh-CN" altLang="en-US" sz="1900" b="1" dirty="0">
-                <a:solidFill>
-                  <a:srgbClr val="008080"/>
-                </a:solidFill>
-              </a:rPr>
-              <a:t>为模块名称</a:t>
-            </a:r>
-            <a:endParaRPr lang="en-US" altLang="zh-CN" sz="1900" b="1" dirty="0">
-              <a:solidFill>
-                <a:srgbClr val="008080"/>
-              </a:solidFill>
+              <a:t>	 </a:t>
+            </a:r>
+            <a:endParaRPr lang="zh-CN" altLang="en-US" dirty="0">
+              <a:latin typeface="微软雅黑" pitchFamily="34" charset="-122"/>
+              <a:ea typeface="微软雅黑" pitchFamily="34" charset="-122"/>
             </a:endParaRPr>
           </a:p>
           <a:p>
-            <a:pPr marL="457200" lvl="1" indent="0">
-              <a:buNone/>
-            </a:pPr>
-            <a:r>
-              <a:rPr lang="en-US" altLang="zh-CN" dirty="0" smtClean="0"/>
-              <a:t>&gt;&gt;&gt;</a:t>
-            </a:r>
-            <a:r>
-              <a:rPr lang="en-US" altLang="zh-CN" dirty="0" err="1" smtClean="0"/>
-              <a:t>sys.stdout.write</a:t>
-            </a:r>
-            <a:r>
-              <a:rPr lang="en-US" altLang="zh-CN" dirty="0" smtClean="0"/>
-              <a:t>(‘Hello world!’)</a:t>
-            </a:r>
-          </a:p>
-          <a:p>
-            <a:pPr marL="457200" lvl="1" indent="0">
-              <a:buNone/>
-            </a:pPr>
-            <a:r>
-              <a:rPr lang="en-US" altLang="zh-CN" dirty="0" smtClean="0"/>
-              <a:t>&gt;&gt;&gt;</a:t>
-            </a:r>
-            <a:r>
-              <a:rPr lang="en-US" altLang="zh-CN" dirty="0" err="1" smtClean="0"/>
-              <a:t>sys.platform</a:t>
-            </a:r>
-            <a:r>
-              <a:rPr lang="en-US" altLang="zh-CN" dirty="0" smtClean="0"/>
-              <a:t>   </a:t>
-            </a:r>
-            <a:r>
-              <a:rPr lang="en-US" altLang="zh-CN" sz="1900" b="1" dirty="0">
-                <a:solidFill>
-                  <a:srgbClr val="008080"/>
-                </a:solidFill>
-              </a:rPr>
-              <a:t># 'win32'</a:t>
-            </a:r>
-          </a:p>
-          <a:p>
-            <a:pPr marL="457200" lvl="1" indent="0">
-              <a:buNone/>
-            </a:pPr>
-            <a:r>
-              <a:rPr lang="en-US" altLang="zh-CN" dirty="0" smtClean="0"/>
-              <a:t>&gt;&gt;&gt;</a:t>
-            </a:r>
-            <a:r>
-              <a:rPr lang="en-US" altLang="zh-CN" dirty="0" err="1" smtClean="0"/>
-              <a:t>sys.version</a:t>
-            </a:r>
-            <a:r>
-              <a:rPr lang="en-US" altLang="zh-CN" dirty="0" smtClean="0"/>
-              <a:t>    </a:t>
-            </a:r>
-            <a:r>
-              <a:rPr lang="en-US" altLang="zh-CN" sz="1900" b="1" dirty="0">
-                <a:solidFill>
-                  <a:srgbClr val="008080"/>
-                </a:solidFill>
-              </a:rPr>
-              <a:t># '2.6.5 (r265:79096,……</a:t>
-            </a:r>
-            <a:endParaRPr lang="en-US" altLang="zh-CN" sz="1900" b="1" dirty="0">
-              <a:solidFill>
-                <a:srgbClr val="008080"/>
-              </a:solidFill>
-            </a:endParaRPr>
+            <a:pPr lvl="1"/>
+            <a:endParaRPr kumimoji="1" lang="zh-CN" altLang="en-US" dirty="0"/>
           </a:p>
         </p:txBody>
       </p:sp>
@@ -16120,12 +15696,11 @@
           <a:bodyPr/>
           <a:lstStyle/>
           <a:p>
-            <a:fld id="{EE68F876-7E36-674A-B10D-5A9F875FF917}" type="datetime1">
-              <a:rPr lang="zh-CN" altLang="en-US" smtClean="0"/>
-              <a:pPr/>
+            <a:fld id="{A6B10C75-7AE2-6947-973F-83E28334CDE4}" type="datetime1">
+              <a:rPr kumimoji="1" lang="zh-CN" altLang="en-US" smtClean="0"/>
               <a:t>2017/11/22</a:t>
             </a:fld>
-            <a:endParaRPr lang="zh-CN" altLang="en-US"/>
+            <a:endParaRPr kumimoji="1" lang="zh-CN" altLang="en-US"/>
           </a:p>
         </p:txBody>
       </p:sp>
@@ -16145,24 +15720,334 @@
           <a:lstStyle/>
           <a:p>
             <a:fld id="{12924E00-6951-2E4A-9B91-938056433B77}" type="slidenum">
-              <a:rPr lang="zh-CN" altLang="en-US" smtClean="0"/>
-              <a:pPr/>
+              <a:rPr kumimoji="1" lang="zh-CN" altLang="en-US" smtClean="0"/>
               <a:t>19</a:t>
             </a:fld>
-            <a:endParaRPr lang="zh-CN" altLang="en-US"/>
+            <a:endParaRPr kumimoji="1" lang="zh-CN" altLang="en-US"/>
+          </a:p>
+        </p:txBody>
+      </p:sp>
+      <p:sp>
+        <p:nvSpPr>
+          <p:cNvPr id="6" name="矩形 5"/>
+          <p:cNvSpPr/>
+          <p:nvPr/>
+        </p:nvSpPr>
+        <p:spPr>
+          <a:xfrm>
+            <a:off x="594360" y="4754506"/>
+            <a:ext cx="4572000" cy="1477328"/>
+          </a:xfrm>
+          <a:prstGeom prst="rect">
+            <a:avLst/>
+          </a:prstGeom>
+        </p:spPr>
+        <p:txBody>
+          <a:bodyPr>
+            <a:spAutoFit/>
+          </a:bodyPr>
+          <a:lstStyle/>
+          <a:p>
+            <a:r>
+              <a:rPr lang="en-US" altLang="zh-CN" dirty="0" err="1" smtClean="0">
+                <a:solidFill>
+                  <a:srgbClr val="0000FF"/>
+                </a:solidFill>
+                <a:effectLst/>
+                <a:latin typeface="Courier New" charset="0"/>
+              </a:rPr>
+              <a:t>def</a:t>
+            </a:r>
+            <a:r>
+              <a:rPr lang="en-US" altLang="zh-CN" dirty="0" smtClean="0">
+                <a:solidFill>
+                  <a:srgbClr val="000000"/>
+                </a:solidFill>
+                <a:effectLst/>
+                <a:latin typeface="Courier New" charset="0"/>
+              </a:rPr>
+              <a:t> fibs_1(n): </a:t>
+            </a:r>
+            <a:endParaRPr lang="en-US" altLang="zh-CN" dirty="0">
+              <a:solidFill>
+                <a:srgbClr val="008080"/>
+              </a:solidFill>
+              <a:latin typeface="Courier New" charset="0"/>
+            </a:endParaRPr>
+          </a:p>
+          <a:p>
+            <a:pPr lvl="1"/>
+            <a:r>
+              <a:rPr lang="en-US" altLang="zh-CN" dirty="0" smtClean="0">
+                <a:solidFill>
+                  <a:srgbClr val="0000FF"/>
+                </a:solidFill>
+                <a:effectLst/>
+                <a:latin typeface="Courier New" charset="0"/>
+              </a:rPr>
+              <a:t>if</a:t>
+            </a:r>
+            <a:r>
+              <a:rPr lang="en-US" altLang="zh-CN" dirty="0" smtClean="0"/>
+              <a:t> n == 0 </a:t>
+            </a:r>
+            <a:r>
+              <a:rPr lang="en-US" altLang="zh-CN" dirty="0" smtClean="0">
+                <a:solidFill>
+                  <a:srgbClr val="0000FF"/>
+                </a:solidFill>
+                <a:effectLst/>
+                <a:latin typeface="Courier New" charset="0"/>
+              </a:rPr>
+              <a:t>or</a:t>
+            </a:r>
+            <a:r>
+              <a:rPr lang="en-US" altLang="zh-CN" dirty="0" smtClean="0"/>
+              <a:t> n == 1</a:t>
+            </a:r>
+            <a:r>
+              <a:rPr lang="en-US" altLang="zh-CN" dirty="0" smtClean="0">
+                <a:solidFill>
+                  <a:srgbClr val="000000"/>
+                </a:solidFill>
+                <a:effectLst/>
+                <a:latin typeface="Courier New" charset="0"/>
+              </a:rPr>
+              <a:t>: </a:t>
+            </a:r>
+            <a:endParaRPr lang="en-US" altLang="zh-CN" dirty="0">
+              <a:solidFill>
+                <a:srgbClr val="008080"/>
+              </a:solidFill>
+              <a:latin typeface="Courier New" charset="0"/>
+            </a:endParaRPr>
+          </a:p>
+          <a:p>
+            <a:pPr lvl="1"/>
+            <a:r>
+              <a:rPr lang="en-US" altLang="zh-CN" dirty="0" smtClean="0">
+                <a:solidFill>
+                  <a:srgbClr val="0000FF"/>
+                </a:solidFill>
+                <a:effectLst/>
+                <a:latin typeface="Courier New" charset="0"/>
+              </a:rPr>
+              <a:t>	return</a:t>
+            </a:r>
+            <a:r>
+              <a:rPr lang="en-US" altLang="zh-CN" dirty="0" smtClean="0"/>
+              <a:t> 1 </a:t>
+            </a:r>
+            <a:endParaRPr lang="en-US" altLang="zh-CN" dirty="0">
+              <a:solidFill>
+                <a:srgbClr val="008080"/>
+              </a:solidFill>
+              <a:latin typeface="Courier New" charset="0"/>
+            </a:endParaRPr>
+          </a:p>
+          <a:p>
+            <a:pPr lvl="1"/>
+            <a:r>
+              <a:rPr lang="en-US" altLang="zh-CN" dirty="0" smtClean="0">
+                <a:solidFill>
+                  <a:srgbClr val="0000FF"/>
+                </a:solidFill>
+                <a:effectLst/>
+                <a:latin typeface="Courier New" charset="0"/>
+              </a:rPr>
+              <a:t>else</a:t>
+            </a:r>
+            <a:r>
+              <a:rPr lang="en-US" altLang="zh-CN" dirty="0" smtClean="0">
+                <a:solidFill>
+                  <a:srgbClr val="000000"/>
+                </a:solidFill>
+                <a:effectLst/>
+                <a:latin typeface="Courier New" charset="0"/>
+              </a:rPr>
+              <a:t>:</a:t>
+            </a:r>
+          </a:p>
+          <a:p>
+            <a:pPr lvl="1"/>
+            <a:r>
+              <a:rPr lang="en-US" altLang="zh-CN" dirty="0" smtClean="0">
+                <a:solidFill>
+                  <a:srgbClr val="0000FF"/>
+                </a:solidFill>
+                <a:effectLst/>
+                <a:latin typeface="Courier New" charset="0"/>
+              </a:rPr>
+              <a:t>	return</a:t>
+            </a:r>
+            <a:r>
+              <a:rPr lang="en-US" altLang="zh-CN" dirty="0" smtClean="0"/>
+              <a:t> fibs(n-1) + fibs(n-2)</a:t>
+            </a:r>
+            <a:endParaRPr lang="zh-CN" altLang="en-US" dirty="0"/>
+          </a:p>
+        </p:txBody>
+      </p:sp>
+      <p:sp>
+        <p:nvSpPr>
+          <p:cNvPr id="7" name="矩形 6"/>
+          <p:cNvSpPr/>
+          <p:nvPr/>
+        </p:nvSpPr>
+        <p:spPr>
+          <a:xfrm>
+            <a:off x="4929808" y="4754506"/>
+            <a:ext cx="3786809" cy="1477328"/>
+          </a:xfrm>
+          <a:prstGeom prst="rect">
+            <a:avLst/>
+          </a:prstGeom>
+        </p:spPr>
+        <p:txBody>
+          <a:bodyPr wrap="square">
+            <a:spAutoFit/>
+          </a:bodyPr>
+          <a:lstStyle/>
+          <a:p>
+            <a:r>
+              <a:rPr lang="en-US" altLang="zh-CN" dirty="0" err="1" smtClean="0">
+                <a:solidFill>
+                  <a:srgbClr val="0000FF"/>
+                </a:solidFill>
+                <a:effectLst/>
+                <a:latin typeface="Courier New" charset="0"/>
+              </a:rPr>
+              <a:t>def</a:t>
+            </a:r>
+            <a:r>
+              <a:rPr lang="en-US" altLang="zh-CN" dirty="0" smtClean="0">
+                <a:solidFill>
+                  <a:srgbClr val="000000"/>
+                </a:solidFill>
+                <a:effectLst/>
+                <a:latin typeface="Courier New" charset="0"/>
+              </a:rPr>
+              <a:t> fibs_2():</a:t>
+            </a:r>
+          </a:p>
+          <a:p>
+            <a:r>
+              <a:rPr lang="en-US" altLang="zh-CN" dirty="0" smtClean="0"/>
+              <a:t>	</a:t>
+            </a:r>
+            <a:r>
+              <a:rPr lang="en-US" altLang="zh-CN" dirty="0" err="1" smtClean="0"/>
+              <a:t>a,b</a:t>
+            </a:r>
+            <a:r>
+              <a:rPr lang="en-US" altLang="zh-CN" dirty="0" smtClean="0"/>
+              <a:t> = 0,1</a:t>
+            </a:r>
+          </a:p>
+          <a:p>
+            <a:r>
+              <a:rPr lang="en-US" altLang="zh-CN" dirty="0" smtClean="0">
+                <a:solidFill>
+                  <a:srgbClr val="0000FF"/>
+                </a:solidFill>
+                <a:effectLst/>
+                <a:latin typeface="Courier New" charset="0"/>
+              </a:rPr>
+              <a:t>	while</a:t>
+            </a:r>
+            <a:r>
+              <a:rPr lang="en-US" altLang="zh-CN" dirty="0" smtClean="0"/>
+              <a:t> True</a:t>
+            </a:r>
+            <a:r>
+              <a:rPr lang="en-US" altLang="zh-CN" dirty="0" smtClean="0">
+                <a:solidFill>
+                  <a:srgbClr val="000000"/>
+                </a:solidFill>
+                <a:effectLst/>
+                <a:latin typeface="Courier New" charset="0"/>
+              </a:rPr>
+              <a:t>:</a:t>
+            </a:r>
+          </a:p>
+          <a:p>
+            <a:pPr lvl="1"/>
+            <a:r>
+              <a:rPr lang="en-US" altLang="zh-CN" dirty="0" smtClean="0">
+                <a:solidFill>
+                  <a:srgbClr val="0000FF"/>
+                </a:solidFill>
+                <a:effectLst/>
+                <a:latin typeface="Courier New" charset="0"/>
+              </a:rPr>
+              <a:t>		yield</a:t>
+            </a:r>
+            <a:r>
+              <a:rPr lang="zh-CN" altLang="en-US" dirty="0" smtClean="0">
+                <a:solidFill>
+                  <a:srgbClr val="0000FF"/>
+                </a:solidFill>
+                <a:effectLst/>
+                <a:latin typeface="Courier New" charset="0"/>
+              </a:rPr>
+              <a:t> </a:t>
+            </a:r>
+            <a:r>
+              <a:rPr lang="en-US" altLang="zh-CN" dirty="0"/>
+              <a:t>a</a:t>
+            </a:r>
+          </a:p>
+          <a:p>
+            <a:pPr lvl="1"/>
+            <a:r>
+              <a:rPr lang="en-US" altLang="zh-CN" dirty="0" smtClean="0"/>
+              <a:t>		</a:t>
+            </a:r>
+            <a:r>
+              <a:rPr lang="en-US" altLang="zh-CN" dirty="0" err="1" smtClean="0"/>
+              <a:t>a,b</a:t>
+            </a:r>
+            <a:r>
+              <a:rPr lang="en-US" altLang="zh-CN" dirty="0" smtClean="0"/>
+              <a:t> = </a:t>
+            </a:r>
+            <a:r>
+              <a:rPr lang="en-US" altLang="zh-CN" dirty="0" err="1" smtClean="0"/>
+              <a:t>b,a+b</a:t>
+            </a:r>
+            <a:endParaRPr lang="zh-CN" altLang="en-US" dirty="0"/>
           </a:p>
         </p:txBody>
       </p:sp>
     </p:spTree>
     <p:extLst>
       <p:ext uri="{BB962C8B-B14F-4D97-AF65-F5344CB8AC3E}">
-        <p14:creationId xmlns:p14="http://schemas.microsoft.com/office/powerpoint/2010/main" val="100836677"/>
+        <p14:creationId xmlns:p14="http://schemas.microsoft.com/office/powerpoint/2010/main" val="555605902"/>
       </p:ext>
     </p:extLst>
   </p:cSld>
   <p:clrMapOvr>
     <a:masterClrMapping/>
   </p:clrMapOvr>
+  <mc:AlternateContent xmlns:mc="http://schemas.openxmlformats.org/markup-compatibility/2006">
+    <mc:Choice xmlns:p14="http://schemas.microsoft.com/office/powerpoint/2010/main" Requires="p14">
+      <p:transition spd="slow" p14:dur="1500">
+        <p:random/>
+      </p:transition>
+    </mc:Choice>
+    <mc:Fallback>
+      <p:transition spd="slow">
+        <p:random/>
+      </p:transition>
+    </mc:Fallback>
+  </mc:AlternateContent>
+  <p:timing>
+    <p:tnLst>
+      <p:par>
+        <p:cTn id="1" dur="indefinite" restart="never" nodeType="tmRoot"/>
+      </p:par>
+    </p:tnLst>
+  </p:timing>
 </p:sld>
 </file>
 
@@ -16527,6 +16412,430 @@
           <a:lstStyle/>
           <a:p>
             <a:r>
+              <a:rPr lang="zh-CN" altLang="en-US" smtClean="0"/>
+              <a:t>类与模块</a:t>
+            </a:r>
+            <a:endParaRPr lang="zh-CN" altLang="en-US" dirty="0"/>
+          </a:p>
+        </p:txBody>
+      </p:sp>
+      <p:sp>
+        <p:nvSpPr>
+          <p:cNvPr id="3" name="内容占位符 2"/>
+          <p:cNvSpPr>
+            <a:spLocks noGrp="1"/>
+          </p:cNvSpPr>
+          <p:nvPr>
+            <p:ph idx="1"/>
+          </p:nvPr>
+        </p:nvSpPr>
+        <p:spPr/>
+        <p:txBody>
+          <a:bodyPr>
+            <a:normAutofit lnSpcReduction="10000"/>
+          </a:bodyPr>
+          <a:lstStyle/>
+          <a:p>
+            <a:r>
+              <a:rPr lang="zh-CN" altLang="en-US" dirty="0" smtClean="0"/>
+              <a:t>类：相关数据及逻辑的容器，构建创建真实对象的蓝图。</a:t>
+            </a:r>
+          </a:p>
+          <a:p>
+            <a:pPr marL="457200" lvl="1" indent="0">
+              <a:buNone/>
+            </a:pPr>
+            <a:r>
+              <a:rPr lang="en-US" altLang="zh-CN" dirty="0" smtClean="0"/>
+              <a:t>class </a:t>
+            </a:r>
+            <a:r>
+              <a:rPr lang="en-US" altLang="zh-CN" dirty="0" err="1" smtClean="0"/>
+              <a:t>className</a:t>
+            </a:r>
+            <a:r>
+              <a:rPr lang="en-US" altLang="zh-CN" dirty="0" smtClean="0"/>
+              <a:t>(</a:t>
+            </a:r>
+            <a:r>
+              <a:rPr lang="en-US" altLang="zh-CN" dirty="0" err="1" smtClean="0"/>
+              <a:t>baseClass</a:t>
+            </a:r>
+            <a:r>
+              <a:rPr lang="en-US" altLang="zh-CN" dirty="0" smtClean="0"/>
+              <a:t>[</a:t>
+            </a:r>
+            <a:r>
+              <a:rPr lang="en-US" altLang="zh-CN" dirty="0" err="1" smtClean="0"/>
+              <a:t>es</a:t>
+            </a:r>
+            <a:r>
+              <a:rPr lang="en-US" altLang="zh-CN" dirty="0" smtClean="0"/>
+              <a:t>]):</a:t>
+            </a:r>
+          </a:p>
+          <a:p>
+            <a:pPr marL="457200" lvl="1" indent="0">
+              <a:buNone/>
+            </a:pPr>
+            <a:r>
+              <a:rPr lang="en-US" altLang="zh-CN" dirty="0" smtClean="0"/>
+              <a:t>    “optional documentation string” </a:t>
+            </a:r>
+            <a:r>
+              <a:rPr lang="en-US" altLang="zh-CN" sz="1900" b="1" dirty="0">
+                <a:solidFill>
+                  <a:srgbClr val="008080"/>
+                </a:solidFill>
+              </a:rPr>
+              <a:t># </a:t>
+            </a:r>
+            <a:r>
+              <a:rPr lang="zh-CN" altLang="en-US" sz="1900" b="1" dirty="0">
+                <a:solidFill>
+                  <a:srgbClr val="008080"/>
+                </a:solidFill>
+              </a:rPr>
+              <a:t>说明性文字</a:t>
+            </a:r>
+            <a:r>
+              <a:rPr lang="en-US" altLang="zh-CN" sz="1900" b="1" dirty="0">
+                <a:solidFill>
+                  <a:srgbClr val="008080"/>
+                </a:solidFill>
+              </a:rPr>
+              <a:t>(</a:t>
+            </a:r>
+            <a:r>
+              <a:rPr lang="zh-CN" altLang="en-US" sz="1900" b="1" dirty="0">
+                <a:solidFill>
+                  <a:srgbClr val="008080"/>
+                </a:solidFill>
+              </a:rPr>
+              <a:t>可选</a:t>
+            </a:r>
+            <a:r>
+              <a:rPr lang="en-US" altLang="zh-CN" sz="1900" b="1" dirty="0">
+                <a:solidFill>
+                  <a:srgbClr val="008080"/>
+                </a:solidFill>
+              </a:rPr>
+              <a:t>)</a:t>
+            </a:r>
+          </a:p>
+          <a:p>
+            <a:pPr marL="457200" lvl="1" indent="0">
+              <a:buNone/>
+            </a:pPr>
+            <a:r>
+              <a:rPr lang="en-US" altLang="zh-CN" dirty="0" smtClean="0"/>
+              <a:t>    </a:t>
+            </a:r>
+            <a:r>
+              <a:rPr lang="en-US" altLang="zh-CN" dirty="0" err="1" smtClean="0"/>
+              <a:t>static_member_declarations</a:t>
+            </a:r>
+            <a:r>
+              <a:rPr lang="en-US" altLang="zh-CN" dirty="0" smtClean="0"/>
+              <a:t>        </a:t>
+            </a:r>
+            <a:r>
+              <a:rPr lang="en-US" altLang="zh-CN" sz="1900" b="1" dirty="0">
+                <a:solidFill>
+                  <a:srgbClr val="008080"/>
+                </a:solidFill>
+              </a:rPr>
+              <a:t># </a:t>
+            </a:r>
+            <a:r>
+              <a:rPr lang="zh-CN" altLang="en-US" sz="1900" b="1" dirty="0">
+                <a:solidFill>
+                  <a:srgbClr val="008080"/>
+                </a:solidFill>
+              </a:rPr>
+              <a:t>静态成员定义</a:t>
+            </a:r>
+            <a:endParaRPr lang="en-US" altLang="zh-CN" sz="1900" b="1" dirty="0">
+              <a:solidFill>
+                <a:srgbClr val="008080"/>
+              </a:solidFill>
+            </a:endParaRPr>
+          </a:p>
+          <a:p>
+            <a:pPr marL="457200" lvl="1" indent="0">
+              <a:buNone/>
+            </a:pPr>
+            <a:r>
+              <a:rPr lang="en-US" altLang="zh-CN" dirty="0" smtClean="0"/>
+              <a:t>    </a:t>
+            </a:r>
+            <a:r>
+              <a:rPr lang="en-US" altLang="zh-CN" dirty="0" err="1" smtClean="0"/>
+              <a:t>method_declarations</a:t>
+            </a:r>
+            <a:r>
+              <a:rPr lang="en-US" altLang="zh-CN" dirty="0" smtClean="0"/>
+              <a:t>               </a:t>
+            </a:r>
+            <a:r>
+              <a:rPr lang="en-US" altLang="zh-CN" sz="1900" b="1" dirty="0">
+                <a:solidFill>
+                  <a:srgbClr val="008080"/>
+                </a:solidFill>
+              </a:rPr>
+              <a:t># </a:t>
+            </a:r>
+            <a:r>
+              <a:rPr lang="zh-CN" altLang="en-US" sz="1900" b="1" dirty="0">
+                <a:solidFill>
+                  <a:srgbClr val="008080"/>
+                </a:solidFill>
+              </a:rPr>
+              <a:t>方法定义</a:t>
+            </a:r>
+            <a:endParaRPr lang="en-US" altLang="zh-CN" sz="1900" b="1" dirty="0">
+              <a:solidFill>
+                <a:srgbClr val="008080"/>
+              </a:solidFill>
+            </a:endParaRPr>
+          </a:p>
+          <a:p>
+            <a:endParaRPr lang="en-US" altLang="zh-CN" dirty="0" smtClean="0"/>
+          </a:p>
+          <a:p>
+            <a:r>
+              <a:rPr lang="zh-CN" altLang="en-US" dirty="0" smtClean="0"/>
+              <a:t>模块：一种组织形式，将有联系的代码组织到独立文件中</a:t>
+            </a:r>
+          </a:p>
+          <a:p>
+            <a:pPr marL="457200" lvl="1" indent="0">
+              <a:buNone/>
+            </a:pPr>
+            <a:r>
+              <a:rPr lang="en-US" altLang="zh-CN" dirty="0" smtClean="0"/>
+              <a:t># </a:t>
+            </a:r>
+            <a:r>
+              <a:rPr lang="zh-CN" altLang="en-US" dirty="0" smtClean="0"/>
+              <a:t>模块可以包含可执行代码、函数和类。</a:t>
+            </a:r>
+            <a:endParaRPr lang="en-US" altLang="zh-CN" dirty="0" smtClean="0"/>
+          </a:p>
+          <a:p>
+            <a:pPr marL="457200" lvl="1" indent="0">
+              <a:buNone/>
+            </a:pPr>
+            <a:r>
+              <a:rPr lang="en-US" altLang="zh-CN" dirty="0" smtClean="0"/>
+              <a:t>&gt;&gt;&gt;import sys  </a:t>
+            </a:r>
+            <a:r>
+              <a:rPr lang="en-US" altLang="zh-CN" sz="1900" b="1" dirty="0">
+                <a:solidFill>
+                  <a:srgbClr val="008080"/>
+                </a:solidFill>
+              </a:rPr>
+              <a:t># </a:t>
+            </a:r>
+            <a:r>
+              <a:rPr lang="zh-CN" altLang="en-US" sz="1900" b="1" dirty="0">
+                <a:solidFill>
+                  <a:srgbClr val="008080"/>
+                </a:solidFill>
+              </a:rPr>
+              <a:t>导入方法，</a:t>
+            </a:r>
+            <a:r>
+              <a:rPr lang="en-US" altLang="zh-CN" sz="1900" b="1" dirty="0">
+                <a:solidFill>
+                  <a:srgbClr val="008080"/>
+                </a:solidFill>
+              </a:rPr>
+              <a:t>sys</a:t>
+            </a:r>
+            <a:r>
+              <a:rPr lang="zh-CN" altLang="en-US" sz="1900" b="1" dirty="0">
+                <a:solidFill>
+                  <a:srgbClr val="008080"/>
+                </a:solidFill>
+              </a:rPr>
+              <a:t>为模块名称</a:t>
+            </a:r>
+            <a:endParaRPr lang="en-US" altLang="zh-CN" sz="1900" b="1" dirty="0">
+              <a:solidFill>
+                <a:srgbClr val="008080"/>
+              </a:solidFill>
+            </a:endParaRPr>
+          </a:p>
+          <a:p>
+            <a:pPr marL="457200" lvl="1" indent="0">
+              <a:buNone/>
+            </a:pPr>
+            <a:r>
+              <a:rPr lang="en-US" altLang="zh-CN" dirty="0" smtClean="0"/>
+              <a:t>&gt;&gt;&gt;</a:t>
+            </a:r>
+            <a:r>
+              <a:rPr lang="en-US" altLang="zh-CN" dirty="0" err="1" smtClean="0"/>
+              <a:t>sys.stdout.write</a:t>
+            </a:r>
+            <a:r>
+              <a:rPr lang="en-US" altLang="zh-CN" dirty="0" smtClean="0"/>
+              <a:t>(‘Hello world!’)</a:t>
+            </a:r>
+          </a:p>
+          <a:p>
+            <a:pPr marL="457200" lvl="1" indent="0">
+              <a:buNone/>
+            </a:pPr>
+            <a:r>
+              <a:rPr lang="en-US" altLang="zh-CN" dirty="0" smtClean="0"/>
+              <a:t>&gt;&gt;&gt;</a:t>
+            </a:r>
+            <a:r>
+              <a:rPr lang="en-US" altLang="zh-CN" dirty="0" err="1" smtClean="0"/>
+              <a:t>sys.platform</a:t>
+            </a:r>
+            <a:r>
+              <a:rPr lang="en-US" altLang="zh-CN" dirty="0" smtClean="0"/>
+              <a:t>   </a:t>
+            </a:r>
+            <a:r>
+              <a:rPr lang="en-US" altLang="zh-CN" sz="1900" b="1" dirty="0">
+                <a:solidFill>
+                  <a:srgbClr val="008080"/>
+                </a:solidFill>
+              </a:rPr>
+              <a:t># 'win32'</a:t>
+            </a:r>
+          </a:p>
+          <a:p>
+            <a:pPr marL="457200" lvl="1" indent="0">
+              <a:buNone/>
+            </a:pPr>
+            <a:r>
+              <a:rPr lang="en-US" altLang="zh-CN" dirty="0" smtClean="0"/>
+              <a:t>&gt;&gt;&gt;</a:t>
+            </a:r>
+            <a:r>
+              <a:rPr lang="en-US" altLang="zh-CN" dirty="0" err="1" smtClean="0"/>
+              <a:t>sys.version</a:t>
+            </a:r>
+            <a:r>
+              <a:rPr lang="en-US" altLang="zh-CN" dirty="0" smtClean="0"/>
+              <a:t>    </a:t>
+            </a:r>
+            <a:r>
+              <a:rPr lang="en-US" altLang="zh-CN" sz="1900" b="1" dirty="0">
+                <a:solidFill>
+                  <a:srgbClr val="008080"/>
+                </a:solidFill>
+              </a:rPr>
+              <a:t># '2.6.5 (r265:79096,……</a:t>
+            </a:r>
+            <a:endParaRPr lang="en-US" altLang="zh-CN" sz="1900" b="1" dirty="0">
+              <a:solidFill>
+                <a:srgbClr val="008080"/>
+              </a:solidFill>
+            </a:endParaRPr>
+          </a:p>
+        </p:txBody>
+      </p:sp>
+      <p:sp>
+        <p:nvSpPr>
+          <p:cNvPr id="4" name="日期占位符 3"/>
+          <p:cNvSpPr>
+            <a:spLocks noGrp="1"/>
+          </p:cNvSpPr>
+          <p:nvPr>
+            <p:ph type="dt" sz="half" idx="10"/>
+          </p:nvPr>
+        </p:nvSpPr>
+        <p:spPr/>
+        <p:txBody>
+          <a:bodyPr/>
+          <a:lstStyle/>
+          <a:p>
+            <a:fld id="{EE68F876-7E36-674A-B10D-5A9F875FF917}" type="datetime1">
+              <a:rPr lang="zh-CN" altLang="en-US" smtClean="0"/>
+              <a:pPr/>
+              <a:t>2017/11/22</a:t>
+            </a:fld>
+            <a:endParaRPr lang="zh-CN" altLang="en-US"/>
+          </a:p>
+        </p:txBody>
+      </p:sp>
+      <p:sp>
+        <p:nvSpPr>
+          <p:cNvPr id="5" name="幻灯片编号占位符 4"/>
+          <p:cNvSpPr>
+            <a:spLocks noGrp="1"/>
+          </p:cNvSpPr>
+          <p:nvPr>
+            <p:ph type="sldNum" sz="quarter" idx="12"/>
+          </p:nvPr>
+        </p:nvSpPr>
+        <p:spPr/>
+        <p:txBody>
+          <a:bodyPr/>
+          <a:lstStyle/>
+          <a:p>
+            <a:fld id="{12924E00-6951-2E4A-9B91-938056433B77}" type="slidenum">
+              <a:rPr lang="zh-CN" altLang="en-US" smtClean="0"/>
+              <a:pPr/>
+              <a:t>20</a:t>
+            </a:fld>
+            <a:endParaRPr lang="zh-CN" altLang="en-US"/>
+          </a:p>
+        </p:txBody>
+      </p:sp>
+    </p:spTree>
+    <p:extLst>
+      <p:ext uri="{BB962C8B-B14F-4D97-AF65-F5344CB8AC3E}">
+        <p14:creationId xmlns:p14="http://schemas.microsoft.com/office/powerpoint/2010/main" val="100836677"/>
+      </p:ext>
+    </p:extLst>
+  </p:cSld>
+  <p:clrMapOvr>
+    <a:masterClrMapping/>
+  </p:clrMapOvr>
+</p:sld>
+</file>
+
+<file path=ppt/slides/slide21.xml><?xml version="1.0" encoding="utf-8"?>
+<p:sld xmlns:a="http://schemas.openxmlformats.org/drawingml/2006/main" xmlns:r="http://schemas.openxmlformats.org/officeDocument/2006/relationships" xmlns:p="http://schemas.openxmlformats.org/presentationml/2006/main">
+  <p:cSld>
+    <p:spTree>
+      <p:nvGrpSpPr>
+        <p:cNvPr id="1" name=""/>
+        <p:cNvGrpSpPr/>
+        <p:nvPr/>
+      </p:nvGrpSpPr>
+      <p:grpSpPr>
+        <a:xfrm>
+          <a:off x="0" y="0"/>
+          <a:ext cx="0" cy="0"/>
+          <a:chOff x="0" y="0"/>
+          <a:chExt cx="0" cy="0"/>
+        </a:xfrm>
+      </p:grpSpPr>
+      <p:sp>
+        <p:nvSpPr>
+          <p:cNvPr id="2" name="标题 1"/>
+          <p:cNvSpPr>
+            <a:spLocks noGrp="1"/>
+          </p:cNvSpPr>
+          <p:nvPr>
+            <p:ph type="title"/>
+          </p:nvPr>
+        </p:nvSpPr>
+        <p:spPr/>
+        <p:txBody>
+          <a:bodyPr/>
+          <a:lstStyle/>
+          <a:p>
+            <a:r>
               <a:rPr kumimoji="1" lang="zh-CN" altLang="en-US" dirty="0" smtClean="0"/>
               <a:t>一个完整的</a:t>
             </a:r>
@@ -17171,7 +17480,7 @@
           <a:p>
             <a:fld id="{12924E00-6951-2E4A-9B91-938056433B77}" type="slidenum">
               <a:rPr kumimoji="1" lang="zh-CN" altLang="en-US" smtClean="0"/>
-              <a:t>20</a:t>
+              <a:t>21</a:t>
             </a:fld>
             <a:endParaRPr kumimoji="1" lang="zh-CN" altLang="en-US"/>
           </a:p>
@@ -17209,7 +17518,7 @@
 </p:sld>
 </file>
 
-<file path=ppt/slides/slide21.xml><?xml version="1.0" encoding="utf-8"?>
+<file path=ppt/slides/slide22.xml><?xml version="1.0" encoding="utf-8"?>
 <p:sld xmlns:a="http://schemas.openxmlformats.org/drawingml/2006/main" xmlns:r="http://schemas.openxmlformats.org/officeDocument/2006/relationships" xmlns:p="http://schemas.openxmlformats.org/presentationml/2006/main">
   <p:cSld>
     <p:spTree>
@@ -17293,7 +17602,7 @@
           <a:p>
             <a:fld id="{12924E00-6951-2E4A-9B91-938056433B77}" type="slidenum">
               <a:rPr kumimoji="1" lang="zh-CN" altLang="en-US" smtClean="0"/>
-              <a:t>21</a:t>
+              <a:t>22</a:t>
             </a:fld>
             <a:endParaRPr kumimoji="1" lang="zh-CN" altLang="en-US"/>
           </a:p>
@@ -17359,7 +17668,7 @@
 </p:sld>
 </file>
 
-<file path=ppt/slides/slide22.xml><?xml version="1.0" encoding="utf-8"?>
+<file path=ppt/slides/slide23.xml><?xml version="1.0" encoding="utf-8"?>
 <p:sld xmlns:a="http://schemas.openxmlformats.org/drawingml/2006/main" xmlns:r="http://schemas.openxmlformats.org/officeDocument/2006/relationships" xmlns:p="http://schemas.openxmlformats.org/presentationml/2006/main">
   <p:cSld>
     <p:spTree>
@@ -23602,7 +23911,7 @@
           <a:p>
             <a:fld id="{12924E00-6951-2E4A-9B91-938056433B77}" type="slidenum">
               <a:rPr kumimoji="1" lang="zh-CN" altLang="en-US" smtClean="0"/>
-              <a:t>22</a:t>
+              <a:t>23</a:t>
             </a:fld>
             <a:endParaRPr kumimoji="1" lang="zh-CN" altLang="en-US"/>
           </a:p>
@@ -23640,7 +23949,7 @@
 </p:sld>
 </file>
 
-<file path=ppt/slides/slide23.xml><?xml version="1.0" encoding="utf-8"?>
+<file path=ppt/slides/slide24.xml><?xml version="1.0" encoding="utf-8"?>
 <p:sld xmlns:a="http://schemas.openxmlformats.org/drawingml/2006/main" xmlns:r="http://schemas.openxmlformats.org/officeDocument/2006/relationships" xmlns:p="http://schemas.openxmlformats.org/presentationml/2006/main">
   <p:cSld>
     <p:spTree>
@@ -24329,7 +24638,7 @@
           <a:p>
             <a:fld id="{12924E00-6951-2E4A-9B91-938056433B77}" type="slidenum">
               <a:rPr kumimoji="1" lang="zh-CN" altLang="en-US" smtClean="0"/>
-              <a:t>23</a:t>
+              <a:t>24</a:t>
             </a:fld>
             <a:endParaRPr kumimoji="1" lang="zh-CN" altLang="en-US"/>
           </a:p>
@@ -24387,7 +24696,7 @@
 </p:sld>
 </file>
 
-<file path=ppt/slides/slide24.xml><?xml version="1.0" encoding="utf-8"?>
+<file path=ppt/slides/slide25.xml><?xml version="1.0" encoding="utf-8"?>
 <p:sld xmlns:a="http://schemas.openxmlformats.org/drawingml/2006/main" xmlns:r="http://schemas.openxmlformats.org/officeDocument/2006/relationships" xmlns:p="http://schemas.openxmlformats.org/presentationml/2006/main">
   <p:cSld>
     <p:spTree>
@@ -24680,7 +24989,7 @@
           <a:p>
             <a:fld id="{12924E00-6951-2E4A-9B91-938056433B77}" type="slidenum">
               <a:rPr kumimoji="1" lang="zh-CN" altLang="en-US" smtClean="0"/>
-              <a:t>24</a:t>
+              <a:t>25</a:t>
             </a:fld>
             <a:endParaRPr kumimoji="1" lang="zh-CN" altLang="en-US"/>
           </a:p>
@@ -24718,7 +25027,7 @@
 </p:sld>
 </file>
 
-<file path=ppt/slides/slide25.xml><?xml version="1.0" encoding="utf-8"?>
+<file path=ppt/slides/slide26.xml><?xml version="1.0" encoding="utf-8"?>
 <p:sld xmlns:a="http://schemas.openxmlformats.org/drawingml/2006/main" xmlns:r="http://schemas.openxmlformats.org/officeDocument/2006/relationships" xmlns:p="http://schemas.openxmlformats.org/presentationml/2006/main">
   <p:cSld>
     <p:spTree>
@@ -25133,7 +25442,7 @@
           <a:p>
             <a:fld id="{12924E00-6951-2E4A-9B91-938056433B77}" type="slidenum">
               <a:rPr kumimoji="1" lang="zh-CN" altLang="en-US" smtClean="0"/>
-              <a:t>25</a:t>
+              <a:t>26</a:t>
             </a:fld>
             <a:endParaRPr kumimoji="1" lang="zh-CN" altLang="en-US"/>
           </a:p>
@@ -25171,7 +25480,7 @@
 </p:sld>
 </file>
 
-<file path=ppt/slides/slide26.xml><?xml version="1.0" encoding="utf-8"?>
+<file path=ppt/slides/slide27.xml><?xml version="1.0" encoding="utf-8"?>
 <p:sld xmlns:a="http://schemas.openxmlformats.org/drawingml/2006/main" xmlns:r="http://schemas.openxmlformats.org/officeDocument/2006/relationships" xmlns:p="http://schemas.openxmlformats.org/presentationml/2006/main">
   <p:cSld>
     <p:spTree>
@@ -33282,7 +33591,7 @@
           <a:p>
             <a:fld id="{12924E00-6951-2E4A-9B91-938056433B77}" type="slidenum">
               <a:rPr kumimoji="1" lang="zh-CN" altLang="en-US" smtClean="0"/>
-              <a:t>26</a:t>
+              <a:t>27</a:t>
             </a:fld>
             <a:endParaRPr kumimoji="1" lang="zh-CN" altLang="en-US"/>
           </a:p>
@@ -33320,7 +33629,7 @@
 </p:sld>
 </file>
 
-<file path=ppt/slides/slide27.xml><?xml version="1.0" encoding="utf-8"?>
+<file path=ppt/slides/slide28.xml><?xml version="1.0" encoding="utf-8"?>
 <p:sld xmlns:a="http://schemas.openxmlformats.org/drawingml/2006/main" xmlns:r="http://schemas.openxmlformats.org/officeDocument/2006/relationships" xmlns:p="http://schemas.openxmlformats.org/presentationml/2006/main">
   <p:cSld>
     <p:spTree>
@@ -33893,7 +34202,7 @@
           <a:p>
             <a:fld id="{12924E00-6951-2E4A-9B91-938056433B77}" type="slidenum">
               <a:rPr kumimoji="1" lang="zh-CN" altLang="en-US" smtClean="0"/>
-              <a:t>27</a:t>
+              <a:t>28</a:t>
             </a:fld>
             <a:endParaRPr kumimoji="1" lang="zh-CN" altLang="en-US"/>
           </a:p>
@@ -33941,383 +34250,6 @@
     <p:extLst>
       <p:ext uri="{BB962C8B-B14F-4D97-AF65-F5344CB8AC3E}">
         <p14:creationId xmlns:p14="http://schemas.microsoft.com/office/powerpoint/2010/main" val="167418964"/>
-      </p:ext>
-    </p:extLst>
-  </p:cSld>
-  <p:clrMapOvr>
-    <a:masterClrMapping/>
-  </p:clrMapOvr>
-  <mc:AlternateContent xmlns:mc="http://schemas.openxmlformats.org/markup-compatibility/2006">
-    <mc:Choice xmlns:p14="http://schemas.microsoft.com/office/powerpoint/2010/main" Requires="p14">
-      <p:transition spd="slow" p14:dur="1500">
-        <p:random/>
-      </p:transition>
-    </mc:Choice>
-    <mc:Fallback>
-      <p:transition spd="slow">
-        <p:random/>
-      </p:transition>
-    </mc:Fallback>
-  </mc:AlternateContent>
-  <p:timing>
-    <p:tnLst>
-      <p:par>
-        <p:cTn id="1" dur="indefinite" restart="never" nodeType="tmRoot"/>
-      </p:par>
-    </p:tnLst>
-  </p:timing>
-</p:sld>
-</file>
-
-<file path=ppt/slides/slide28.xml><?xml version="1.0" encoding="utf-8"?>
-<p:sld xmlns:a="http://schemas.openxmlformats.org/drawingml/2006/main" xmlns:r="http://schemas.openxmlformats.org/officeDocument/2006/relationships" xmlns:p="http://schemas.openxmlformats.org/presentationml/2006/main">
-  <p:cSld>
-    <p:spTree>
-      <p:nvGrpSpPr>
-        <p:cNvPr id="1" name=""/>
-        <p:cNvGrpSpPr/>
-        <p:nvPr/>
-      </p:nvGrpSpPr>
-      <p:grpSpPr>
-        <a:xfrm>
-          <a:off x="0" y="0"/>
-          <a:ext cx="0" cy="0"/>
-          <a:chOff x="0" y="0"/>
-          <a:chExt cx="0" cy="0"/>
-        </a:xfrm>
-      </p:grpSpPr>
-      <p:sp>
-        <p:nvSpPr>
-          <p:cNvPr id="109570" name="Rectangle 2"/>
-          <p:cNvSpPr>
-            <a:spLocks noGrp="1" noChangeArrowheads="1"/>
-          </p:cNvSpPr>
-          <p:nvPr>
-            <p:ph type="title"/>
-          </p:nvPr>
-        </p:nvSpPr>
-        <p:spPr/>
-        <p:txBody>
-          <a:bodyPr/>
-          <a:lstStyle/>
-          <a:p>
-            <a:r>
-              <a:rPr lang="en-US" altLang="zh-CN" dirty="0" smtClean="0">
-                <a:latin typeface="Courier New" charset="0"/>
-              </a:rPr>
-              <a:t>While</a:t>
-            </a:r>
-            <a:r>
-              <a:rPr lang="zh-CN" altLang="en-US" dirty="0" smtClean="0">
-                <a:latin typeface="Courier New" charset="0"/>
-              </a:rPr>
-              <a:t>循环</a:t>
-            </a:r>
-            <a:endParaRPr lang="en-US" altLang="zh-CN" dirty="0"/>
-          </a:p>
-        </p:txBody>
-      </p:sp>
-      <p:sp>
-        <p:nvSpPr>
-          <p:cNvPr id="109571" name="Rectangle 3"/>
-          <p:cNvSpPr>
-            <a:spLocks noGrp="1" noChangeArrowheads="1"/>
-          </p:cNvSpPr>
-          <p:nvPr>
-            <p:ph type="body" idx="1"/>
-          </p:nvPr>
-        </p:nvSpPr>
-        <p:spPr/>
-        <p:txBody>
-          <a:bodyPr>
-            <a:normAutofit fontScale="92500" lnSpcReduction="20000"/>
-          </a:bodyPr>
-          <a:lstStyle/>
-          <a:p>
-            <a:r>
-              <a:rPr lang="en-US" altLang="zh-CN" b="1" dirty="0">
-                <a:latin typeface="Courier New" charset="0"/>
-              </a:rPr>
-              <a:t>while</a:t>
-            </a:r>
-            <a:r>
-              <a:rPr lang="en-US" altLang="zh-CN" b="1" dirty="0"/>
-              <a:t> </a:t>
-            </a:r>
-            <a:r>
-              <a:rPr lang="zh-CN" altLang="en-US" b="1" dirty="0" smtClean="0"/>
-              <a:t>循环</a:t>
-            </a:r>
-            <a:r>
-              <a:rPr lang="en-US" altLang="zh-CN" dirty="0" smtClean="0"/>
-              <a:t>:</a:t>
-            </a:r>
-            <a:r>
-              <a:rPr lang="zh-CN" altLang="en-US" dirty="0" smtClean="0"/>
-              <a:t> 只要</a:t>
-            </a:r>
-            <a:r>
-              <a:rPr lang="zh-CN" altLang="en-US" dirty="0"/>
-              <a:t>条件成立就执行</a:t>
-            </a:r>
-            <a:r>
-              <a:rPr lang="en-US" altLang="zh-CN" dirty="0" smtClean="0"/>
-              <a:t>.</a:t>
-            </a:r>
-            <a:endParaRPr lang="en-US" altLang="zh-CN" dirty="0"/>
-          </a:p>
-          <a:p>
-            <a:pPr lvl="1"/>
-            <a:r>
-              <a:rPr lang="zh-CN" altLang="en-US" dirty="0"/>
-              <a:t>适用于无限循环</a:t>
-            </a:r>
-            <a:r>
-              <a:rPr lang="en-US" altLang="zh-CN" dirty="0" smtClean="0"/>
-              <a:t>(</a:t>
-            </a:r>
-            <a:r>
-              <a:rPr lang="zh-CN" altLang="en-US" dirty="0"/>
-              <a:t>重复未知的次数</a:t>
-            </a:r>
-            <a:r>
-              <a:rPr lang="en-US" altLang="zh-CN" dirty="0" smtClean="0"/>
-              <a:t>)</a:t>
-            </a:r>
-            <a:endParaRPr lang="en-US" altLang="zh-CN" i="1" dirty="0"/>
-          </a:p>
-          <a:p>
-            <a:pPr lvl="1"/>
-            <a:endParaRPr lang="en-US" altLang="zh-CN" sz="1000" dirty="0"/>
-          </a:p>
-          <a:p>
-            <a:r>
-              <a:rPr lang="zh-CN" altLang="en-US" dirty="0" smtClean="0"/>
-              <a:t>语法</a:t>
-            </a:r>
-            <a:r>
-              <a:rPr lang="en-US" altLang="zh-CN" dirty="0" smtClean="0"/>
-              <a:t>:</a:t>
-            </a:r>
-            <a:endParaRPr lang="en-US" altLang="zh-CN" dirty="0"/>
-          </a:p>
-          <a:p>
-            <a:pPr lvl="1">
-              <a:buFontTx/>
-              <a:buNone/>
-            </a:pPr>
-            <a:r>
-              <a:rPr lang="en-US" altLang="zh-CN" dirty="0"/>
-              <a:t>	</a:t>
-            </a:r>
-            <a:r>
-              <a:rPr lang="en-US" altLang="zh-CN" dirty="0">
-                <a:latin typeface="Courier New" charset="0"/>
-              </a:rPr>
-              <a:t>while </a:t>
-            </a:r>
-            <a:r>
-              <a:rPr lang="zh-CN" altLang="en-US" b="1" dirty="0" smtClean="0"/>
-              <a:t>条件</a:t>
-            </a:r>
-            <a:r>
-              <a:rPr lang="en-US" altLang="zh-CN" dirty="0" smtClean="0">
-                <a:latin typeface="Courier New" charset="0"/>
-              </a:rPr>
-              <a:t>:</a:t>
-            </a:r>
-            <a:endParaRPr lang="en-US" altLang="zh-CN" dirty="0">
-              <a:latin typeface="Courier New" charset="0"/>
-            </a:endParaRPr>
-          </a:p>
-          <a:p>
-            <a:pPr lvl="1">
-              <a:buFontTx/>
-              <a:buNone/>
-            </a:pPr>
-            <a:r>
-              <a:rPr lang="en-US" altLang="zh-CN" dirty="0">
-                <a:latin typeface="Courier New" charset="0"/>
-              </a:rPr>
-              <a:t>	    </a:t>
-            </a:r>
-            <a:r>
-              <a:rPr lang="zh-CN" altLang="en-US" b="1" dirty="0" smtClean="0"/>
-              <a:t>语句</a:t>
-            </a:r>
-            <a:endParaRPr lang="en-US" altLang="zh-CN" dirty="0">
-              <a:latin typeface="Courier New" charset="0"/>
-            </a:endParaRPr>
-          </a:p>
-          <a:p>
-            <a:pPr lvl="1">
-              <a:buFontTx/>
-              <a:buNone/>
-            </a:pPr>
-            <a:endParaRPr lang="en-US" altLang="zh-CN" sz="800" dirty="0">
-              <a:latin typeface="Courier New" charset="0"/>
-            </a:endParaRPr>
-          </a:p>
-          <a:p>
-            <a:r>
-              <a:rPr lang="zh-CN" altLang="en-US" dirty="0" smtClean="0"/>
-              <a:t>例子</a:t>
-            </a:r>
-            <a:r>
-              <a:rPr lang="en-US" altLang="zh-CN" dirty="0" smtClean="0"/>
-              <a:t>:</a:t>
-            </a:r>
-            <a:endParaRPr lang="en-US" altLang="zh-CN" dirty="0"/>
-          </a:p>
-          <a:p>
-            <a:pPr lvl="1">
-              <a:lnSpc>
-                <a:spcPct val="80000"/>
-              </a:lnSpc>
-              <a:buFontTx/>
-              <a:buNone/>
-            </a:pPr>
-            <a:r>
-              <a:rPr lang="en-US" altLang="zh-CN" sz="2000" dirty="0">
-                <a:latin typeface="Courier New" charset="0"/>
-              </a:rPr>
-              <a:t>	number = 1</a:t>
-            </a:r>
-          </a:p>
-          <a:p>
-            <a:pPr lvl="1">
-              <a:lnSpc>
-                <a:spcPct val="80000"/>
-              </a:lnSpc>
-              <a:buFontTx/>
-              <a:buNone/>
-            </a:pPr>
-            <a:r>
-              <a:rPr lang="en-US" altLang="zh-CN" sz="2000" b="1" dirty="0">
-                <a:latin typeface="Courier New" charset="0"/>
-              </a:rPr>
-              <a:t>	while number &lt; 200:</a:t>
-            </a:r>
-          </a:p>
-          <a:p>
-            <a:pPr lvl="1">
-              <a:lnSpc>
-                <a:spcPct val="80000"/>
-              </a:lnSpc>
-              <a:buFontTx/>
-              <a:buNone/>
-            </a:pPr>
-            <a:r>
-              <a:rPr lang="en-US" altLang="zh-CN" sz="2000" dirty="0">
-                <a:latin typeface="Courier New" charset="0"/>
-              </a:rPr>
-              <a:t>	    print number, </a:t>
-            </a:r>
-          </a:p>
-          <a:p>
-            <a:pPr lvl="1">
-              <a:lnSpc>
-                <a:spcPct val="80000"/>
-              </a:lnSpc>
-              <a:buFontTx/>
-              <a:buNone/>
-            </a:pPr>
-            <a:r>
-              <a:rPr lang="en-US" altLang="zh-CN" sz="2000" dirty="0">
-                <a:latin typeface="Courier New" charset="0"/>
-              </a:rPr>
-              <a:t>	    number = number * 2</a:t>
-            </a:r>
-          </a:p>
-          <a:p>
-            <a:pPr lvl="1">
-              <a:buFontTx/>
-              <a:buNone/>
-            </a:pPr>
-            <a:endParaRPr lang="en-US" altLang="zh-CN" sz="800" b="1" dirty="0">
-              <a:latin typeface="Courier New" charset="0"/>
-            </a:endParaRPr>
-          </a:p>
-          <a:p>
-            <a:pPr lvl="1"/>
-            <a:r>
-              <a:rPr lang="zh-CN" altLang="en-US" dirty="0" smtClean="0"/>
-              <a:t>输出</a:t>
-            </a:r>
-            <a:r>
-              <a:rPr lang="en-US" altLang="zh-CN" dirty="0" smtClean="0"/>
-              <a:t>:</a:t>
-            </a:r>
-            <a:endParaRPr lang="en-US" altLang="zh-CN" dirty="0"/>
-          </a:p>
-          <a:p>
-            <a:pPr lvl="1">
-              <a:lnSpc>
-                <a:spcPct val="90000"/>
-              </a:lnSpc>
-              <a:buFontTx/>
-              <a:buNone/>
-            </a:pPr>
-            <a:r>
-              <a:rPr lang="en-US" altLang="zh-CN" sz="2000" dirty="0">
-                <a:latin typeface="Courier New" charset="0"/>
-              </a:rPr>
-              <a:t>	1 2 4 8 16 32 64 128</a:t>
-            </a:r>
-            <a:endParaRPr lang="en-US" altLang="zh-CN" sz="2000" dirty="0"/>
-          </a:p>
-        </p:txBody>
-      </p:sp>
-      <p:sp>
-        <p:nvSpPr>
-          <p:cNvPr id="2" name="日期占位符 1"/>
-          <p:cNvSpPr>
-            <a:spLocks noGrp="1"/>
-          </p:cNvSpPr>
-          <p:nvPr>
-            <p:ph type="dt" sz="half" idx="10"/>
-          </p:nvPr>
-        </p:nvSpPr>
-        <p:spPr/>
-        <p:txBody>
-          <a:bodyPr/>
-          <a:lstStyle/>
-          <a:p>
-            <a:fld id="{643BFFA3-8581-6F47-B19E-0295A2431801}" type="datetime1">
-              <a:rPr kumimoji="1" lang="zh-CN" altLang="en-US" smtClean="0"/>
-              <a:t>2017/11/22</a:t>
-            </a:fld>
-            <a:endParaRPr kumimoji="1" lang="zh-CN" altLang="en-US"/>
-          </a:p>
-        </p:txBody>
-      </p:sp>
-      <p:sp>
-        <p:nvSpPr>
-          <p:cNvPr id="3" name="幻灯片编号占位符 2"/>
-          <p:cNvSpPr>
-            <a:spLocks noGrp="1"/>
-          </p:cNvSpPr>
-          <p:nvPr>
-            <p:ph type="sldNum" sz="quarter" idx="12"/>
-          </p:nvPr>
-        </p:nvSpPr>
-        <p:spPr/>
-        <p:txBody>
-          <a:bodyPr/>
-          <a:lstStyle/>
-          <a:p>
-            <a:fld id="{12924E00-6951-2E4A-9B91-938056433B77}" type="slidenum">
-              <a:rPr kumimoji="1" lang="zh-CN" altLang="en-US" smtClean="0"/>
-              <a:t>28</a:t>
-            </a:fld>
-            <a:endParaRPr kumimoji="1" lang="zh-CN" altLang="en-US"/>
-          </a:p>
-        </p:txBody>
-      </p:sp>
-    </p:spTree>
-    <p:extLst>
-      <p:ext uri="{BB962C8B-B14F-4D97-AF65-F5344CB8AC3E}">
-        <p14:creationId xmlns:p14="http://schemas.microsoft.com/office/powerpoint/2010/main" val="606950378"/>
       </p:ext>
     </p:extLst>
   </p:cSld>
@@ -34365,7 +34297,7 @@
       </p:grpSpPr>
       <p:sp>
         <p:nvSpPr>
-          <p:cNvPr id="112642" name="Rectangle 2"/>
+          <p:cNvPr id="109570" name="Rectangle 2"/>
           <p:cNvSpPr>
             <a:spLocks noGrp="1" noChangeArrowheads="1"/>
           </p:cNvSpPr>
@@ -34379,8 +34311,16 @@
           <a:lstStyle/>
           <a:p>
             <a:r>
-              <a:rPr lang="zh-CN" altLang="en-US" dirty="0" smtClean="0"/>
-              <a:t>随机数</a:t>
+              <a:rPr lang="en-US" altLang="zh-CN" dirty="0" smtClean="0">
+                <a:latin typeface="Courier New" charset="0"/>
+              </a:rPr>
+              <a:t>While</a:t>
+            </a:r>
+            <a:r>
+              <a:rPr lang="zh-CN" altLang="en-US" dirty="0" smtClean="0">
+                <a:latin typeface="Courier New" charset="0"/>
+              </a:rPr>
+              <a:t>循环</a:t>
             </a:r>
             <a:endParaRPr lang="en-US" altLang="zh-CN" dirty="0"/>
           </a:p>
@@ -34388,7 +34328,7 @@
       </p:sp>
       <p:sp>
         <p:nvSpPr>
-          <p:cNvPr id="112643" name="Rectangle 3"/>
+          <p:cNvPr id="109571" name="Rectangle 3"/>
           <p:cNvSpPr>
             <a:spLocks noGrp="1" noChangeArrowheads="1"/>
           </p:cNvSpPr>
@@ -34398,123 +34338,71 @@
         </p:nvSpPr>
         <p:spPr/>
         <p:txBody>
-          <a:bodyPr/>
+          <a:bodyPr>
+            <a:normAutofit fontScale="92500" lnSpcReduction="20000"/>
+          </a:bodyPr>
           <a:lstStyle/>
           <a:p>
+            <a:r>
+              <a:rPr lang="en-US" altLang="zh-CN" b="1" dirty="0">
+                <a:latin typeface="Courier New" charset="0"/>
+              </a:rPr>
+              <a:t>while</a:t>
+            </a:r>
+            <a:r>
+              <a:rPr lang="en-US" altLang="zh-CN" b="1" dirty="0"/>
+              <a:t> </a:t>
+            </a:r>
+            <a:r>
+              <a:rPr lang="zh-CN" altLang="en-US" b="1" dirty="0" smtClean="0"/>
+              <a:t>循环</a:t>
+            </a:r>
+            <a:r>
+              <a:rPr lang="en-US" altLang="zh-CN" dirty="0" smtClean="0"/>
+              <a:t>:</a:t>
+            </a:r>
+            <a:r>
+              <a:rPr lang="zh-CN" altLang="en-US" dirty="0" smtClean="0"/>
+              <a:t> 只要</a:t>
+            </a:r>
+            <a:r>
+              <a:rPr lang="zh-CN" altLang="en-US" dirty="0"/>
+              <a:t>条件成立就执行</a:t>
+            </a:r>
+            <a:r>
+              <a:rPr lang="en-US" altLang="zh-CN" dirty="0" smtClean="0"/>
+              <a:t>.</a:t>
+            </a:r>
+            <a:endParaRPr lang="en-US" altLang="zh-CN" dirty="0"/>
+          </a:p>
+          <a:p>
             <a:pPr lvl="1"/>
             <a:r>
-              <a:rPr lang="en-US" altLang="zh-CN" dirty="0">
-                <a:latin typeface="Courier New" charset="0"/>
-              </a:rPr>
-              <a:t>from random import *</a:t>
-            </a:r>
+              <a:rPr lang="zh-CN" altLang="en-US" dirty="0"/>
+              <a:t>适用于无限循环</a:t>
+            </a:r>
+            <a:r>
+              <a:rPr lang="en-US" altLang="zh-CN" dirty="0" smtClean="0"/>
+              <a:t>(</a:t>
+            </a:r>
+            <a:r>
+              <a:rPr lang="zh-CN" altLang="en-US" dirty="0"/>
+              <a:t>重复未知的次数</a:t>
+            </a:r>
+            <a:r>
+              <a:rPr lang="en-US" altLang="zh-CN" dirty="0" smtClean="0"/>
+              <a:t>)</a:t>
+            </a:r>
+            <a:endParaRPr lang="en-US" altLang="zh-CN" i="1" dirty="0"/>
           </a:p>
           <a:p>
             <a:pPr lvl="1"/>
-            <a:endParaRPr lang="en-US" altLang="zh-CN" dirty="0">
-              <a:latin typeface="Courier New" charset="0"/>
-            </a:endParaRPr>
-          </a:p>
-          <a:p>
-            <a:pPr lvl="1"/>
-            <a:r>
-              <a:rPr lang="en-US" altLang="zh-CN" dirty="0" err="1" smtClean="0">
-                <a:latin typeface="Courier New" charset="0"/>
-              </a:rPr>
-              <a:t>randint</a:t>
-            </a:r>
-            <a:r>
-              <a:rPr lang="en-US" altLang="zh-CN" dirty="0" smtClean="0">
-                <a:latin typeface="Courier New" charset="0"/>
-              </a:rPr>
-              <a:t>(</a:t>
-            </a:r>
-            <a:r>
-              <a:rPr lang="zh-CN" altLang="en-US" b="1" dirty="0" smtClean="0">
-                <a:latin typeface="Verdana" charset="0"/>
-              </a:rPr>
-              <a:t>最小值</a:t>
-            </a:r>
-            <a:r>
-              <a:rPr lang="en-US" altLang="zh-CN" dirty="0" smtClean="0">
-                <a:latin typeface="Courier New" charset="0"/>
-              </a:rPr>
-              <a:t>, </a:t>
-            </a:r>
-            <a:r>
-              <a:rPr lang="zh-CN" altLang="en-US" b="1" dirty="0" smtClean="0">
-                <a:latin typeface="Verdana" charset="0"/>
-              </a:rPr>
-              <a:t>最大值</a:t>
-            </a:r>
-            <a:r>
-              <a:rPr lang="en-US" altLang="zh-CN" dirty="0" smtClean="0">
-                <a:latin typeface="Courier New" charset="0"/>
-              </a:rPr>
-              <a:t>)</a:t>
-            </a:r>
-            <a:r>
-              <a:rPr lang="en-US" altLang="zh-CN" dirty="0">
-                <a:latin typeface="Courier New" charset="0"/>
-              </a:rPr>
-              <a:t/>
-            </a:r>
-            <a:br>
-              <a:rPr lang="en-US" altLang="zh-CN" dirty="0">
-                <a:latin typeface="Courier New" charset="0"/>
-              </a:rPr>
-            </a:br>
+            <a:endParaRPr lang="en-US" altLang="zh-CN" sz="1000" dirty="0"/>
+          </a:p>
+          <a:p>
             <a:r>
               <a:rPr lang="zh-CN" altLang="en-US" dirty="0" smtClean="0"/>
-              <a:t>产生</a:t>
-            </a:r>
-            <a:r>
-              <a:rPr lang="zh-CN" altLang="en-US" b="1" dirty="0">
-                <a:latin typeface="Verdana" charset="0"/>
-              </a:rPr>
-              <a:t>最小值</a:t>
-            </a:r>
-            <a:r>
-              <a:rPr lang="zh-CN" altLang="en-US" dirty="0" smtClean="0"/>
-              <a:t>和</a:t>
-            </a:r>
-            <a:r>
-              <a:rPr lang="zh-CN" altLang="en-US" b="1" dirty="0">
-                <a:latin typeface="Verdana" charset="0"/>
-              </a:rPr>
-              <a:t>最大值</a:t>
-            </a:r>
-            <a:r>
-              <a:rPr lang="zh-CN" altLang="en-US" dirty="0" smtClean="0"/>
-              <a:t>之间</a:t>
-            </a:r>
-            <a:r>
-              <a:rPr lang="zh-CN" altLang="en-US" dirty="0"/>
-              <a:t>（包含</a:t>
-            </a:r>
-            <a:r>
-              <a:rPr lang="zh-CN" altLang="en-US" dirty="0" smtClean="0"/>
-              <a:t>）的</a:t>
-            </a:r>
-            <a:r>
-              <a:rPr lang="zh-CN" altLang="en-US" dirty="0"/>
-              <a:t>随机</a:t>
-            </a:r>
-            <a:r>
-              <a:rPr lang="zh-CN" altLang="en-US" dirty="0" smtClean="0"/>
-              <a:t>值</a:t>
-            </a:r>
-            <a:endParaRPr lang="en-US" altLang="zh-CN" dirty="0" smtClean="0"/>
-          </a:p>
-          <a:p>
-            <a:pPr lvl="1"/>
-            <a:endParaRPr lang="en-US" altLang="zh-CN" dirty="0" smtClean="0"/>
-          </a:p>
-          <a:p>
-            <a:pPr lvl="1"/>
-            <a:r>
-              <a:rPr lang="zh-CN" altLang="en-US" dirty="0" smtClean="0"/>
-              <a:t>例子</a:t>
+              <a:t>语法</a:t>
             </a:r>
             <a:r>
               <a:rPr lang="en-US" altLang="zh-CN" dirty="0" smtClean="0"/>
@@ -34528,11 +34416,67 @@
               <a:buNone/>
             </a:pPr>
             <a:r>
-              <a:rPr lang="en-US" altLang="zh-CN" sz="800" dirty="0">
+              <a:rPr lang="en-US" altLang="zh-CN" dirty="0"/>
+              <a:t>	</a:t>
+            </a:r>
+            <a:r>
+              <a:rPr lang="en-US" altLang="zh-CN" dirty="0">
                 <a:latin typeface="Courier New" charset="0"/>
               </a:rPr>
-              <a:t>	</a:t>
-            </a:r>
+              <a:t>while </a:t>
+            </a:r>
+            <a:r>
+              <a:rPr lang="zh-CN" altLang="en-US" b="1" dirty="0" smtClean="0"/>
+              <a:t>条件</a:t>
+            </a:r>
+            <a:r>
+              <a:rPr lang="en-US" altLang="zh-CN" dirty="0" smtClean="0">
+                <a:latin typeface="Courier New" charset="0"/>
+              </a:rPr>
+              <a:t>:</a:t>
+            </a:r>
+            <a:endParaRPr lang="en-US" altLang="zh-CN" dirty="0">
+              <a:latin typeface="Courier New" charset="0"/>
+            </a:endParaRPr>
+          </a:p>
+          <a:p>
+            <a:pPr lvl="1">
+              <a:buFontTx/>
+              <a:buNone/>
+            </a:pPr>
+            <a:r>
+              <a:rPr lang="en-US" altLang="zh-CN" dirty="0">
+                <a:latin typeface="Courier New" charset="0"/>
+              </a:rPr>
+              <a:t>	    </a:t>
+            </a:r>
+            <a:r>
+              <a:rPr lang="zh-CN" altLang="en-US" b="1" dirty="0" smtClean="0"/>
+              <a:t>语句</a:t>
+            </a:r>
+            <a:endParaRPr lang="en-US" altLang="zh-CN" dirty="0">
+              <a:latin typeface="Courier New" charset="0"/>
+            </a:endParaRPr>
+          </a:p>
+          <a:p>
+            <a:pPr lvl="1">
+              <a:buFontTx/>
+              <a:buNone/>
+            </a:pPr>
+            <a:endParaRPr lang="en-US" altLang="zh-CN" sz="800" dirty="0">
+              <a:latin typeface="Courier New" charset="0"/>
+            </a:endParaRPr>
+          </a:p>
+          <a:p>
+            <a:r>
+              <a:rPr lang="zh-CN" altLang="en-US" dirty="0" smtClean="0"/>
+              <a:t>例子</a:t>
+            </a:r>
+            <a:r>
+              <a:rPr lang="en-US" altLang="zh-CN" dirty="0" smtClean="0"/>
+              <a:t>:</a:t>
+            </a:r>
+            <a:endParaRPr lang="en-US" altLang="zh-CN" dirty="0"/>
           </a:p>
           <a:p>
             <a:pPr lvl="1">
@@ -34543,34 +34487,10 @@
               <a:buNone/>
             </a:pPr>
             <a:r>
-              <a:rPr lang="en-US" altLang="zh-CN" dirty="0">
+              <a:rPr lang="en-US" altLang="zh-CN" sz="2000" dirty="0">
                 <a:latin typeface="Courier New" charset="0"/>
               </a:rPr>
-              <a:t>	</a:t>
-            </a:r>
-            <a:r>
-              <a:rPr lang="en-US" altLang="zh-CN" dirty="0" err="1">
-                <a:latin typeface="Courier New" charset="0"/>
-              </a:rPr>
-              <a:t>coinflip</a:t>
-            </a:r>
-            <a:r>
-              <a:rPr lang="en-US" altLang="zh-CN" dirty="0">
-                <a:latin typeface="Courier New" charset="0"/>
-              </a:rPr>
-              <a:t> = </a:t>
-            </a:r>
-            <a:r>
-              <a:rPr lang="en-US" altLang="zh-CN" b="1" dirty="0" err="1">
-                <a:latin typeface="Courier New" charset="0"/>
-              </a:rPr>
-              <a:t>randint</a:t>
-            </a:r>
-            <a:r>
-              <a:rPr lang="en-US" altLang="zh-CN" b="1" dirty="0">
-                <a:latin typeface="Courier New" charset="0"/>
-              </a:rPr>
-              <a:t>(1, 2)</a:t>
+              <a:t>	number = 1</a:t>
             </a:r>
           </a:p>
           <a:p>
@@ -34582,22 +34502,10 @@
               <a:buNone/>
             </a:pPr>
             <a:r>
-              <a:rPr lang="en-US" altLang="zh-CN" dirty="0">
+              <a:rPr lang="en-US" altLang="zh-CN" sz="2000" b="1" dirty="0">
                 <a:latin typeface="Courier New" charset="0"/>
               </a:rPr>
-              <a:t>	if </a:t>
-            </a:r>
-            <a:r>
-              <a:rPr lang="en-US" altLang="zh-CN" dirty="0" err="1">
-                <a:latin typeface="Courier New" charset="0"/>
-              </a:rPr>
-              <a:t>coinflip</a:t>
-            </a:r>
-            <a:r>
-              <a:rPr lang="en-US" altLang="zh-CN" dirty="0">
-                <a:latin typeface="Courier New" charset="0"/>
-              </a:rPr>
-              <a:t> == 1:</a:t>
+              <a:t>	while number &lt; 200:</a:t>
             </a:r>
           </a:p>
           <a:p>
@@ -34609,10 +34517,10 @@
               <a:buNone/>
             </a:pPr>
             <a:r>
-              <a:rPr lang="en-US" altLang="zh-CN" dirty="0">
+              <a:rPr lang="en-US" altLang="zh-CN" sz="2000" dirty="0">
                 <a:latin typeface="Courier New" charset="0"/>
               </a:rPr>
-              <a:t>	    print "Heads"</a:t>
+              <a:t>	    print number, </a:t>
             </a:r>
           </a:p>
           <a:p>
@@ -34624,26 +34532,48 @@
               <a:buNone/>
             </a:pPr>
             <a:r>
-              <a:rPr lang="en-US" altLang="zh-CN" dirty="0">
+              <a:rPr lang="en-US" altLang="zh-CN" sz="2000" dirty="0">
                 <a:latin typeface="Courier New" charset="0"/>
               </a:rPr>
-              <a:t>	else:</a:t>
-            </a:r>
+              <a:t>	    number = number * 2</a:t>
+            </a:r>
+          </a:p>
+          <a:p>
+            <a:pPr lvl="1">
+              <a:buFontTx/>
+              <a:buNone/>
+            </a:pPr>
+            <a:endParaRPr lang="en-US" altLang="zh-CN" sz="800" b="1" dirty="0">
+              <a:latin typeface="Courier New" charset="0"/>
+            </a:endParaRPr>
+          </a:p>
+          <a:p>
+            <a:pPr lvl="1"/>
+            <a:r>
+              <a:rPr lang="zh-CN" altLang="en-US" dirty="0" smtClean="0"/>
+              <a:t>输出</a:t>
+            </a:r>
+            <a:r>
+              <a:rPr lang="en-US" altLang="zh-CN" dirty="0" smtClean="0"/>
+              <a:t>:</a:t>
+            </a:r>
+            <a:endParaRPr lang="en-US" altLang="zh-CN" dirty="0"/>
           </a:p>
           <a:p>
             <a:pPr lvl="1">
               <a:lnSpc>
-                <a:spcPct val="80000"/>
+                <a:spcPct val="90000"/>
               </a:lnSpc>
               <a:buFontTx/>
               <a:buNone/>
             </a:pPr>
             <a:r>
-              <a:rPr lang="en-US" altLang="zh-CN" dirty="0">
+              <a:rPr lang="en-US" altLang="zh-CN" sz="2000" dirty="0">
                 <a:latin typeface="Courier New" charset="0"/>
               </a:rPr>
-              <a:t>	    print "Tails"</a:t>
-            </a:r>
+              <a:t>	1 2 4 8 16 32 64 128</a:t>
+            </a:r>
+            <a:endParaRPr lang="en-US" altLang="zh-CN" sz="2000" dirty="0"/>
           </a:p>
         </p:txBody>
       </p:sp>
@@ -34662,7 +34592,7 @@
           <a:bodyPr/>
           <a:lstStyle/>
           <a:p>
-            <a:fld id="{72388155-03F4-674F-9918-89D85BB8794D}" type="datetime1">
+            <a:fld id="{643BFFA3-8581-6F47-B19E-0295A2431801}" type="datetime1">
               <a:rPr kumimoji="1" lang="zh-CN" altLang="en-US" smtClean="0"/>
               <a:t>2017/11/22</a:t>
             </a:fld>
@@ -34696,7 +34626,7 @@
     </p:spTree>
     <p:extLst>
       <p:ext uri="{BB962C8B-B14F-4D97-AF65-F5344CB8AC3E}">
-        <p14:creationId xmlns:p14="http://schemas.microsoft.com/office/powerpoint/2010/main" val="467679796"/>
+        <p14:creationId xmlns:p14="http://schemas.microsoft.com/office/powerpoint/2010/main" val="606950378"/>
       </p:ext>
     </p:extLst>
   </p:cSld>
@@ -36362,6 +36292,385 @@
       </p:grpSpPr>
       <p:sp>
         <p:nvSpPr>
+          <p:cNvPr id="112642" name="Rectangle 2"/>
+          <p:cNvSpPr>
+            <a:spLocks noGrp="1" noChangeArrowheads="1"/>
+          </p:cNvSpPr>
+          <p:nvPr>
+            <p:ph type="title"/>
+          </p:nvPr>
+        </p:nvSpPr>
+        <p:spPr/>
+        <p:txBody>
+          <a:bodyPr/>
+          <a:lstStyle/>
+          <a:p>
+            <a:r>
+              <a:rPr lang="zh-CN" altLang="en-US" dirty="0" smtClean="0"/>
+              <a:t>随机数</a:t>
+            </a:r>
+            <a:endParaRPr lang="en-US" altLang="zh-CN" dirty="0"/>
+          </a:p>
+        </p:txBody>
+      </p:sp>
+      <p:sp>
+        <p:nvSpPr>
+          <p:cNvPr id="112643" name="Rectangle 3"/>
+          <p:cNvSpPr>
+            <a:spLocks noGrp="1" noChangeArrowheads="1"/>
+          </p:cNvSpPr>
+          <p:nvPr>
+            <p:ph type="body" idx="1"/>
+          </p:nvPr>
+        </p:nvSpPr>
+        <p:spPr/>
+        <p:txBody>
+          <a:bodyPr/>
+          <a:lstStyle/>
+          <a:p>
+            <a:pPr lvl="1"/>
+            <a:r>
+              <a:rPr lang="en-US" altLang="zh-CN" dirty="0">
+                <a:latin typeface="Courier New" charset="0"/>
+              </a:rPr>
+              <a:t>from random import *</a:t>
+            </a:r>
+          </a:p>
+          <a:p>
+            <a:pPr lvl="1"/>
+            <a:endParaRPr lang="en-US" altLang="zh-CN" dirty="0">
+              <a:latin typeface="Courier New" charset="0"/>
+            </a:endParaRPr>
+          </a:p>
+          <a:p>
+            <a:pPr lvl="1"/>
+            <a:r>
+              <a:rPr lang="en-US" altLang="zh-CN" dirty="0" err="1" smtClean="0">
+                <a:latin typeface="Courier New" charset="0"/>
+              </a:rPr>
+              <a:t>randint</a:t>
+            </a:r>
+            <a:r>
+              <a:rPr lang="en-US" altLang="zh-CN" dirty="0" smtClean="0">
+                <a:latin typeface="Courier New" charset="0"/>
+              </a:rPr>
+              <a:t>(</a:t>
+            </a:r>
+            <a:r>
+              <a:rPr lang="zh-CN" altLang="en-US" b="1" dirty="0" smtClean="0">
+                <a:latin typeface="Verdana" charset="0"/>
+              </a:rPr>
+              <a:t>最小值</a:t>
+            </a:r>
+            <a:r>
+              <a:rPr lang="en-US" altLang="zh-CN" dirty="0" smtClean="0">
+                <a:latin typeface="Courier New" charset="0"/>
+              </a:rPr>
+              <a:t>, </a:t>
+            </a:r>
+            <a:r>
+              <a:rPr lang="zh-CN" altLang="en-US" b="1" dirty="0" smtClean="0">
+                <a:latin typeface="Verdana" charset="0"/>
+              </a:rPr>
+              <a:t>最大值</a:t>
+            </a:r>
+            <a:r>
+              <a:rPr lang="en-US" altLang="zh-CN" dirty="0" smtClean="0">
+                <a:latin typeface="Courier New" charset="0"/>
+              </a:rPr>
+              <a:t>)</a:t>
+            </a:r>
+            <a:r>
+              <a:rPr lang="en-US" altLang="zh-CN" dirty="0">
+                <a:latin typeface="Courier New" charset="0"/>
+              </a:rPr>
+              <a:t/>
+            </a:r>
+            <a:br>
+              <a:rPr lang="en-US" altLang="zh-CN" dirty="0">
+                <a:latin typeface="Courier New" charset="0"/>
+              </a:rPr>
+            </a:br>
+            <a:r>
+              <a:rPr lang="zh-CN" altLang="en-US" dirty="0" smtClean="0"/>
+              <a:t>产生</a:t>
+            </a:r>
+            <a:r>
+              <a:rPr lang="zh-CN" altLang="en-US" b="1" dirty="0">
+                <a:latin typeface="Verdana" charset="0"/>
+              </a:rPr>
+              <a:t>最小值</a:t>
+            </a:r>
+            <a:r>
+              <a:rPr lang="zh-CN" altLang="en-US" dirty="0" smtClean="0"/>
+              <a:t>和</a:t>
+            </a:r>
+            <a:r>
+              <a:rPr lang="zh-CN" altLang="en-US" b="1" dirty="0">
+                <a:latin typeface="Verdana" charset="0"/>
+              </a:rPr>
+              <a:t>最大值</a:t>
+            </a:r>
+            <a:r>
+              <a:rPr lang="zh-CN" altLang="en-US" dirty="0" smtClean="0"/>
+              <a:t>之间</a:t>
+            </a:r>
+            <a:r>
+              <a:rPr lang="zh-CN" altLang="en-US" dirty="0"/>
+              <a:t>（包含</a:t>
+            </a:r>
+            <a:r>
+              <a:rPr lang="zh-CN" altLang="en-US" dirty="0" smtClean="0"/>
+              <a:t>）的</a:t>
+            </a:r>
+            <a:r>
+              <a:rPr lang="zh-CN" altLang="en-US" dirty="0"/>
+              <a:t>随机</a:t>
+            </a:r>
+            <a:r>
+              <a:rPr lang="zh-CN" altLang="en-US" dirty="0" smtClean="0"/>
+              <a:t>值</a:t>
+            </a:r>
+            <a:endParaRPr lang="en-US" altLang="zh-CN" dirty="0" smtClean="0"/>
+          </a:p>
+          <a:p>
+            <a:pPr lvl="1"/>
+            <a:endParaRPr lang="en-US" altLang="zh-CN" dirty="0" smtClean="0"/>
+          </a:p>
+          <a:p>
+            <a:pPr lvl="1"/>
+            <a:r>
+              <a:rPr lang="zh-CN" altLang="en-US" dirty="0" smtClean="0"/>
+              <a:t>例子</a:t>
+            </a:r>
+            <a:r>
+              <a:rPr lang="en-US" altLang="zh-CN" dirty="0" smtClean="0"/>
+              <a:t>:</a:t>
+            </a:r>
+            <a:endParaRPr lang="en-US" altLang="zh-CN" dirty="0"/>
+          </a:p>
+          <a:p>
+            <a:pPr lvl="1">
+              <a:buFontTx/>
+              <a:buNone/>
+            </a:pPr>
+            <a:r>
+              <a:rPr lang="en-US" altLang="zh-CN" sz="800" dirty="0">
+                <a:latin typeface="Courier New" charset="0"/>
+              </a:rPr>
+              <a:t>	</a:t>
+            </a:r>
+          </a:p>
+          <a:p>
+            <a:pPr lvl="1">
+              <a:lnSpc>
+                <a:spcPct val="80000"/>
+              </a:lnSpc>
+              <a:buFontTx/>
+              <a:buNone/>
+            </a:pPr>
+            <a:r>
+              <a:rPr lang="en-US" altLang="zh-CN" dirty="0">
+                <a:latin typeface="Courier New" charset="0"/>
+              </a:rPr>
+              <a:t>	</a:t>
+            </a:r>
+            <a:r>
+              <a:rPr lang="en-US" altLang="zh-CN" dirty="0" err="1">
+                <a:latin typeface="Courier New" charset="0"/>
+              </a:rPr>
+              <a:t>coinflip</a:t>
+            </a:r>
+            <a:r>
+              <a:rPr lang="en-US" altLang="zh-CN" dirty="0">
+                <a:latin typeface="Courier New" charset="0"/>
+              </a:rPr>
+              <a:t> = </a:t>
+            </a:r>
+            <a:r>
+              <a:rPr lang="en-US" altLang="zh-CN" b="1" dirty="0" err="1">
+                <a:latin typeface="Courier New" charset="0"/>
+              </a:rPr>
+              <a:t>randint</a:t>
+            </a:r>
+            <a:r>
+              <a:rPr lang="en-US" altLang="zh-CN" b="1" dirty="0">
+                <a:latin typeface="Courier New" charset="0"/>
+              </a:rPr>
+              <a:t>(1, 2)</a:t>
+            </a:r>
+          </a:p>
+          <a:p>
+            <a:pPr lvl="1">
+              <a:lnSpc>
+                <a:spcPct val="80000"/>
+              </a:lnSpc>
+              <a:buFontTx/>
+              <a:buNone/>
+            </a:pPr>
+            <a:r>
+              <a:rPr lang="en-US" altLang="zh-CN" dirty="0">
+                <a:latin typeface="Courier New" charset="0"/>
+              </a:rPr>
+              <a:t>	if </a:t>
+            </a:r>
+            <a:r>
+              <a:rPr lang="en-US" altLang="zh-CN" dirty="0" err="1">
+                <a:latin typeface="Courier New" charset="0"/>
+              </a:rPr>
+              <a:t>coinflip</a:t>
+            </a:r>
+            <a:r>
+              <a:rPr lang="en-US" altLang="zh-CN" dirty="0">
+                <a:latin typeface="Courier New" charset="0"/>
+              </a:rPr>
+              <a:t> == 1:</a:t>
+            </a:r>
+          </a:p>
+          <a:p>
+            <a:pPr lvl="1">
+              <a:lnSpc>
+                <a:spcPct val="80000"/>
+              </a:lnSpc>
+              <a:buFontTx/>
+              <a:buNone/>
+            </a:pPr>
+            <a:r>
+              <a:rPr lang="en-US" altLang="zh-CN" dirty="0">
+                <a:latin typeface="Courier New" charset="0"/>
+              </a:rPr>
+              <a:t>	    print "Heads"</a:t>
+            </a:r>
+          </a:p>
+          <a:p>
+            <a:pPr lvl="1">
+              <a:lnSpc>
+                <a:spcPct val="80000"/>
+              </a:lnSpc>
+              <a:buFontTx/>
+              <a:buNone/>
+            </a:pPr>
+            <a:r>
+              <a:rPr lang="en-US" altLang="zh-CN" dirty="0">
+                <a:latin typeface="Courier New" charset="0"/>
+              </a:rPr>
+              <a:t>	else:</a:t>
+            </a:r>
+          </a:p>
+          <a:p>
+            <a:pPr lvl="1">
+              <a:lnSpc>
+                <a:spcPct val="80000"/>
+              </a:lnSpc>
+              <a:buFontTx/>
+              <a:buNone/>
+            </a:pPr>
+            <a:r>
+              <a:rPr lang="en-US" altLang="zh-CN" dirty="0">
+                <a:latin typeface="Courier New" charset="0"/>
+              </a:rPr>
+              <a:t>	    print "Tails"</a:t>
+            </a:r>
+          </a:p>
+        </p:txBody>
+      </p:sp>
+      <p:sp>
+        <p:nvSpPr>
+          <p:cNvPr id="2" name="日期占位符 1"/>
+          <p:cNvSpPr>
+            <a:spLocks noGrp="1"/>
+          </p:cNvSpPr>
+          <p:nvPr>
+            <p:ph type="dt" sz="half" idx="10"/>
+          </p:nvPr>
+        </p:nvSpPr>
+        <p:spPr/>
+        <p:txBody>
+          <a:bodyPr/>
+          <a:lstStyle/>
+          <a:p>
+            <a:fld id="{72388155-03F4-674F-9918-89D85BB8794D}" type="datetime1">
+              <a:rPr kumimoji="1" lang="zh-CN" altLang="en-US" smtClean="0"/>
+              <a:t>2017/11/22</a:t>
+            </a:fld>
+            <a:endParaRPr kumimoji="1" lang="zh-CN" altLang="en-US"/>
+          </a:p>
+        </p:txBody>
+      </p:sp>
+      <p:sp>
+        <p:nvSpPr>
+          <p:cNvPr id="3" name="幻灯片编号占位符 2"/>
+          <p:cNvSpPr>
+            <a:spLocks noGrp="1"/>
+          </p:cNvSpPr>
+          <p:nvPr>
+            <p:ph type="sldNum" sz="quarter" idx="12"/>
+          </p:nvPr>
+        </p:nvSpPr>
+        <p:spPr/>
+        <p:txBody>
+          <a:bodyPr/>
+          <a:lstStyle/>
+          <a:p>
+            <a:fld id="{12924E00-6951-2E4A-9B91-938056433B77}" type="slidenum">
+              <a:rPr kumimoji="1" lang="zh-CN" altLang="en-US" smtClean="0"/>
+              <a:t>30</a:t>
+            </a:fld>
+            <a:endParaRPr kumimoji="1" lang="zh-CN" altLang="en-US"/>
+          </a:p>
+        </p:txBody>
+      </p:sp>
+    </p:spTree>
+    <p:extLst>
+      <p:ext uri="{BB962C8B-B14F-4D97-AF65-F5344CB8AC3E}">
+        <p14:creationId xmlns:p14="http://schemas.microsoft.com/office/powerpoint/2010/main" val="467679796"/>
+      </p:ext>
+    </p:extLst>
+  </p:cSld>
+  <p:clrMapOvr>
+    <a:masterClrMapping/>
+  </p:clrMapOvr>
+  <mc:AlternateContent xmlns:mc="http://schemas.openxmlformats.org/markup-compatibility/2006">
+    <mc:Choice xmlns:p14="http://schemas.microsoft.com/office/powerpoint/2010/main" Requires="p14">
+      <p:transition spd="slow" p14:dur="1500">
+        <p:random/>
+      </p:transition>
+    </mc:Choice>
+    <mc:Fallback>
+      <p:transition spd="slow">
+        <p:random/>
+      </p:transition>
+    </mc:Fallback>
+  </mc:AlternateContent>
+  <p:timing>
+    <p:tnLst>
+      <p:par>
+        <p:cTn id="1" dur="indefinite" restart="never" nodeType="tmRoot"/>
+      </p:par>
+    </p:tnLst>
+  </p:timing>
+</p:sld>
+</file>
+
+<file path=ppt/slides/slide31.xml><?xml version="1.0" encoding="utf-8"?>
+<p:sld xmlns:a="http://schemas.openxmlformats.org/drawingml/2006/main" xmlns:r="http://schemas.openxmlformats.org/officeDocument/2006/relationships" xmlns:p="http://schemas.openxmlformats.org/presentationml/2006/main">
+  <p:cSld>
+    <p:spTree>
+      <p:nvGrpSpPr>
+        <p:cNvPr id="1" name=""/>
+        <p:cNvGrpSpPr/>
+        <p:nvPr/>
+      </p:nvGrpSpPr>
+      <p:grpSpPr>
+        <a:xfrm>
+          <a:off x="0" y="0"/>
+          <a:ext cx="0" cy="0"/>
+          <a:chOff x="0" y="0"/>
+          <a:chExt cx="0" cy="0"/>
+        </a:xfrm>
+      </p:grpSpPr>
+      <p:sp>
+        <p:nvSpPr>
           <p:cNvPr id="71682" name="Rectangle 2"/>
           <p:cNvSpPr>
             <a:spLocks noGrp="1" noChangeArrowheads="1"/>
@@ -36900,7 +37209,7 @@
           <a:p>
             <a:fld id="{12924E00-6951-2E4A-9B91-938056433B77}" type="slidenum">
               <a:rPr kumimoji="1" lang="zh-CN" altLang="en-US" smtClean="0"/>
-              <a:t>30</a:t>
+              <a:t>31</a:t>
             </a:fld>
             <a:endParaRPr kumimoji="1" lang="zh-CN" altLang="en-US"/>
           </a:p>
@@ -36958,7 +37267,7 @@
 </p:sld>
 </file>
 
-<file path=ppt/slides/slide31.xml><?xml version="1.0" encoding="utf-8"?>
+<file path=ppt/slides/slide32.xml><?xml version="1.0" encoding="utf-8"?>
 <p:sld xmlns:a="http://schemas.openxmlformats.org/drawingml/2006/main" xmlns:r="http://schemas.openxmlformats.org/officeDocument/2006/relationships" xmlns:p="http://schemas.openxmlformats.org/presentationml/2006/main">
   <p:cSld>
     <p:spTree>
@@ -37588,7 +37897,7 @@
           <a:p>
             <a:fld id="{12924E00-6951-2E4A-9B91-938056433B77}" type="slidenum">
               <a:rPr kumimoji="1" lang="zh-CN" altLang="en-US" smtClean="0"/>
-              <a:t>31</a:t>
+              <a:t>32</a:t>
             </a:fld>
             <a:endParaRPr kumimoji="1" lang="zh-CN" altLang="en-US"/>
           </a:p>
@@ -37622,7 +37931,7 @@
 </p:sld>
 </file>
 
-<file path=ppt/slides/slide32.xml><?xml version="1.0" encoding="utf-8"?>
+<file path=ppt/slides/slide33.xml><?xml version="1.0" encoding="utf-8"?>
 <p:sld xmlns:a="http://schemas.openxmlformats.org/drawingml/2006/main" xmlns:r="http://schemas.openxmlformats.org/officeDocument/2006/relationships" xmlns:p="http://schemas.openxmlformats.org/presentationml/2006/main">
   <p:cSld>
     <p:spTree>
@@ -38049,7 +38358,7 @@
           <a:p>
             <a:fld id="{12924E00-6951-2E4A-9B91-938056433B77}" type="slidenum">
               <a:rPr kumimoji="1" lang="zh-CN" altLang="en-US" smtClean="0"/>
-              <a:t>32</a:t>
+              <a:t>33</a:t>
             </a:fld>
             <a:endParaRPr kumimoji="1" lang="zh-CN" altLang="en-US"/>
           </a:p>
@@ -38087,7 +38396,7 @@
 </p:sld>
 </file>
 
-<file path=ppt/slides/slide33.xml><?xml version="1.0" encoding="utf-8"?>
+<file path=ppt/slides/slide34.xml><?xml version="1.0" encoding="utf-8"?>
 <p:sld xmlns:a="http://schemas.openxmlformats.org/drawingml/2006/main" xmlns:r="http://schemas.openxmlformats.org/officeDocument/2006/relationships" xmlns:p="http://schemas.openxmlformats.org/presentationml/2006/main">
   <p:cSld>
     <p:spTree>
@@ -38689,7 +38998,7 @@
           <a:p>
             <a:fld id="{12924E00-6951-2E4A-9B91-938056433B77}" type="slidenum">
               <a:rPr kumimoji="1" lang="zh-CN" altLang="en-US" smtClean="0"/>
-              <a:t>33</a:t>
+              <a:t>34</a:t>
             </a:fld>
             <a:endParaRPr kumimoji="1" lang="zh-CN" altLang="en-US"/>
           </a:p>
@@ -38747,7 +39056,7 @@
 </p:sld>
 </file>
 
-<file path=ppt/slides/slide34.xml><?xml version="1.0" encoding="utf-8"?>
+<file path=ppt/slides/slide35.xml><?xml version="1.0" encoding="utf-8"?>
 <p:sld xmlns:a="http://schemas.openxmlformats.org/drawingml/2006/main" xmlns:r="http://schemas.openxmlformats.org/officeDocument/2006/relationships" xmlns:p="http://schemas.openxmlformats.org/presentationml/2006/main">
   <p:cSld>
     <p:spTree>
@@ -39106,7 +39415,7 @@
           <a:p>
             <a:fld id="{12924E00-6951-2E4A-9B91-938056433B77}" type="slidenum">
               <a:rPr kumimoji="1" lang="zh-CN" altLang="en-US" smtClean="0"/>
-              <a:t>34</a:t>
+              <a:t>35</a:t>
             </a:fld>
             <a:endParaRPr kumimoji="1" lang="zh-CN" altLang="en-US"/>
           </a:p>
@@ -39116,379 +39425,6 @@
     <p:extLst>
       <p:ext uri="{BB962C8B-B14F-4D97-AF65-F5344CB8AC3E}">
         <p14:creationId xmlns:p14="http://schemas.microsoft.com/office/powerpoint/2010/main" val="773414922"/>
-      </p:ext>
-    </p:extLst>
-  </p:cSld>
-  <p:clrMapOvr>
-    <a:masterClrMapping/>
-  </p:clrMapOvr>
-  <mc:AlternateContent xmlns:mc="http://schemas.openxmlformats.org/markup-compatibility/2006">
-    <mc:Choice xmlns:p14="http://schemas.microsoft.com/office/powerpoint/2010/main" Requires="p14">
-      <p:transition spd="slow" p14:dur="1500">
-        <p:random/>
-      </p:transition>
-    </mc:Choice>
-    <mc:Fallback>
-      <p:transition spd="slow">
-        <p:random/>
-      </p:transition>
-    </mc:Fallback>
-  </mc:AlternateContent>
-  <p:timing>
-    <p:tnLst>
-      <p:par>
-        <p:cTn id="1" dur="indefinite" restart="never" nodeType="tmRoot"/>
-      </p:par>
-    </p:tnLst>
-  </p:timing>
-</p:sld>
-</file>
-
-<file path=ppt/slides/slide35.xml><?xml version="1.0" encoding="utf-8"?>
-<p:sld xmlns:a="http://schemas.openxmlformats.org/drawingml/2006/main" xmlns:r="http://schemas.openxmlformats.org/officeDocument/2006/relationships" xmlns:p="http://schemas.openxmlformats.org/presentationml/2006/main">
-  <p:cSld>
-    <p:spTree>
-      <p:nvGrpSpPr>
-        <p:cNvPr id="1" name=""/>
-        <p:cNvGrpSpPr/>
-        <p:nvPr/>
-      </p:nvGrpSpPr>
-      <p:grpSpPr>
-        <a:xfrm>
-          <a:off x="0" y="0"/>
-          <a:ext cx="0" cy="0"/>
-          <a:chOff x="0" y="0"/>
-          <a:chExt cx="0" cy="0"/>
-        </a:xfrm>
-      </p:grpSpPr>
-      <p:sp>
-        <p:nvSpPr>
-          <p:cNvPr id="79874" name="Rectangle 2"/>
-          <p:cNvSpPr>
-            <a:spLocks noGrp="1" noChangeArrowheads="1"/>
-          </p:cNvSpPr>
-          <p:nvPr>
-            <p:ph type="title"/>
-          </p:nvPr>
-        </p:nvSpPr>
-        <p:spPr/>
-        <p:txBody>
-          <a:bodyPr/>
-          <a:lstStyle/>
-          <a:p>
-            <a:r>
-              <a:rPr lang="zh-CN" altLang="en-US" dirty="0"/>
-              <a:t>字符串和数字</a:t>
-            </a:r>
-            <a:endParaRPr lang="en-US" altLang="zh-CN" dirty="0"/>
-          </a:p>
-        </p:txBody>
-      </p:sp>
-      <p:sp>
-        <p:nvSpPr>
-          <p:cNvPr id="79875" name="Rectangle 3"/>
-          <p:cNvSpPr>
-            <a:spLocks noGrp="1" noChangeArrowheads="1"/>
-          </p:cNvSpPr>
-          <p:nvPr>
-            <p:ph type="body" idx="1"/>
-          </p:nvPr>
-        </p:nvSpPr>
-        <p:spPr/>
-        <p:txBody>
-          <a:bodyPr/>
-          <a:lstStyle/>
-          <a:p>
-            <a:r>
-              <a:rPr lang="en-US" altLang="zh-CN" dirty="0" err="1">
-                <a:latin typeface="Courier New" charset="0"/>
-              </a:rPr>
-              <a:t>ord</a:t>
-            </a:r>
-            <a:r>
-              <a:rPr lang="en-US" altLang="zh-CN" dirty="0">
-                <a:latin typeface="Courier New" charset="0"/>
-              </a:rPr>
-              <a:t>(</a:t>
-            </a:r>
-            <a:r>
-              <a:rPr lang="en-US" altLang="zh-CN" b="1" dirty="0"/>
-              <a:t>text</a:t>
-            </a:r>
-            <a:r>
-              <a:rPr lang="en-US" altLang="zh-CN" dirty="0">
-                <a:latin typeface="Courier New" charset="0"/>
-              </a:rPr>
-              <a:t>)</a:t>
-            </a:r>
-            <a:r>
-              <a:rPr lang="en-US" altLang="zh-CN" dirty="0"/>
-              <a:t>		</a:t>
-            </a:r>
-            <a:r>
-              <a:rPr lang="en-US" altLang="zh-CN" dirty="0" smtClean="0"/>
-              <a:t>-</a:t>
-            </a:r>
-            <a:r>
-              <a:rPr lang="zh-CN" altLang="en-US" dirty="0" smtClean="0"/>
-              <a:t> 将</a:t>
-            </a:r>
-            <a:r>
-              <a:rPr lang="zh-CN" altLang="en-US" dirty="0"/>
-              <a:t>字符串转换为</a:t>
-            </a:r>
-            <a:r>
-              <a:rPr lang="zh-CN" altLang="en-US" dirty="0" smtClean="0"/>
-              <a:t>数字</a:t>
-            </a:r>
-            <a:endParaRPr lang="en-US" altLang="zh-CN" dirty="0"/>
-          </a:p>
-          <a:p>
-            <a:pPr lvl="1"/>
-            <a:r>
-              <a:rPr lang="zh-CN" altLang="en-US" dirty="0" smtClean="0"/>
-              <a:t>例子</a:t>
-            </a:r>
-            <a:r>
-              <a:rPr lang="en-US" altLang="zh-CN" dirty="0" smtClean="0"/>
-              <a:t>: </a:t>
-            </a:r>
-            <a:r>
-              <a:rPr lang="en-US" altLang="zh-CN" dirty="0" err="1">
-                <a:latin typeface="Courier New" charset="0"/>
-              </a:rPr>
-              <a:t>ord</a:t>
-            </a:r>
-            <a:r>
-              <a:rPr lang="en-US" altLang="zh-CN" dirty="0">
-                <a:latin typeface="Courier New" charset="0"/>
-              </a:rPr>
-              <a:t>("a")</a:t>
-            </a:r>
-            <a:r>
-              <a:rPr lang="en-US" altLang="zh-CN" dirty="0"/>
-              <a:t> </a:t>
-            </a:r>
-            <a:r>
-              <a:rPr lang="zh-CN" altLang="en-US" dirty="0" smtClean="0"/>
-              <a:t>是</a:t>
-            </a:r>
-            <a:r>
-              <a:rPr lang="en-US" altLang="zh-CN" dirty="0" smtClean="0">
-                <a:latin typeface="Courier New" charset="0"/>
-              </a:rPr>
-              <a:t>97</a:t>
-            </a:r>
-            <a:r>
-              <a:rPr lang="en-US" altLang="zh-CN" dirty="0"/>
-              <a:t>,  </a:t>
-            </a:r>
-            <a:r>
-              <a:rPr lang="en-US" altLang="zh-CN" dirty="0" err="1">
-                <a:latin typeface="Courier New" charset="0"/>
-              </a:rPr>
-              <a:t>ord</a:t>
-            </a:r>
-            <a:r>
-              <a:rPr lang="en-US" altLang="zh-CN" dirty="0">
-                <a:latin typeface="Courier New" charset="0"/>
-              </a:rPr>
-              <a:t>("b")</a:t>
-            </a:r>
-            <a:r>
-              <a:rPr lang="en-US" altLang="zh-CN" dirty="0"/>
-              <a:t> </a:t>
-            </a:r>
-            <a:r>
-              <a:rPr lang="zh-CN" altLang="en-US" dirty="0" smtClean="0"/>
-              <a:t>是</a:t>
-            </a:r>
-            <a:r>
-              <a:rPr lang="en-US" altLang="zh-CN" dirty="0" smtClean="0">
-                <a:latin typeface="Courier New" charset="0"/>
-              </a:rPr>
-              <a:t>98</a:t>
-            </a:r>
-            <a:r>
-              <a:rPr lang="en-US" altLang="zh-CN" dirty="0"/>
-              <a:t>, ...</a:t>
-            </a:r>
-          </a:p>
-          <a:p>
-            <a:pPr lvl="1"/>
-            <a:endParaRPr lang="en-US" altLang="zh-CN" sz="1000" dirty="0"/>
-          </a:p>
-          <a:p>
-            <a:pPr lvl="1"/>
-            <a:r>
-              <a:rPr lang="zh-CN" altLang="en-US" dirty="0"/>
-              <a:t>字符使用标准</a:t>
-            </a:r>
-            <a:r>
-              <a:rPr lang="zh-CN" altLang="en-US" dirty="0" smtClean="0"/>
-              <a:t>映射如</a:t>
-            </a:r>
-            <a:r>
-              <a:rPr lang="en-US" altLang="zh-CN" dirty="0"/>
-              <a:t>ASCII</a:t>
-            </a:r>
-            <a:r>
-              <a:rPr lang="zh-CN" altLang="en-US" dirty="0"/>
-              <a:t>和</a:t>
-            </a:r>
-            <a:r>
-              <a:rPr lang="en-US" altLang="zh-CN" dirty="0" smtClean="0"/>
-              <a:t>Unicode</a:t>
-            </a:r>
-            <a:endParaRPr lang="en-US" altLang="zh-CN" dirty="0"/>
-          </a:p>
-          <a:p>
-            <a:endParaRPr lang="en-US" altLang="zh-CN" dirty="0"/>
-          </a:p>
-          <a:p>
-            <a:r>
-              <a:rPr lang="en-US" altLang="zh-CN" dirty="0" err="1">
-                <a:latin typeface="Courier New" charset="0"/>
-              </a:rPr>
-              <a:t>chr</a:t>
-            </a:r>
-            <a:r>
-              <a:rPr lang="en-US" altLang="zh-CN" dirty="0">
-                <a:latin typeface="Courier New" charset="0"/>
-              </a:rPr>
-              <a:t>(</a:t>
-            </a:r>
-            <a:r>
-              <a:rPr lang="en-US" altLang="zh-CN" b="1" dirty="0"/>
-              <a:t>number</a:t>
-            </a:r>
-            <a:r>
-              <a:rPr lang="en-US" altLang="zh-CN" dirty="0"/>
-              <a:t>)	</a:t>
-            </a:r>
-            <a:r>
-              <a:rPr lang="en-US" altLang="zh-CN" dirty="0" smtClean="0"/>
-              <a:t>-</a:t>
-            </a:r>
-            <a:r>
-              <a:rPr lang="zh-CN" altLang="en-US" dirty="0" smtClean="0"/>
-              <a:t> 将</a:t>
-            </a:r>
-            <a:r>
-              <a:rPr lang="zh-CN" altLang="en-US" dirty="0"/>
-              <a:t>数字转换为字符</a:t>
-            </a:r>
-            <a:r>
-              <a:rPr lang="zh-CN" altLang="en-US" dirty="0" smtClean="0"/>
-              <a:t>串</a:t>
-            </a:r>
-            <a:endParaRPr lang="en-US" altLang="zh-CN" dirty="0"/>
-          </a:p>
-          <a:p>
-            <a:pPr lvl="1"/>
-            <a:r>
-              <a:rPr lang="zh-CN" altLang="en-US" dirty="0" smtClean="0"/>
-              <a:t>例子</a:t>
-            </a:r>
-            <a:r>
-              <a:rPr lang="en-US" altLang="zh-CN" dirty="0" smtClean="0"/>
-              <a:t>: </a:t>
-            </a:r>
-            <a:r>
-              <a:rPr lang="en-US" altLang="zh-CN" dirty="0" err="1">
-                <a:latin typeface="Courier New" charset="0"/>
-              </a:rPr>
-              <a:t>chr</a:t>
-            </a:r>
-            <a:r>
-              <a:rPr lang="en-US" altLang="zh-CN" dirty="0">
-                <a:latin typeface="Courier New" charset="0"/>
-              </a:rPr>
-              <a:t>(99)</a:t>
-            </a:r>
-            <a:r>
-              <a:rPr lang="en-US" altLang="zh-CN" dirty="0"/>
-              <a:t> </a:t>
-            </a:r>
-            <a:r>
-              <a:rPr lang="zh-CN" altLang="en-US" dirty="0" smtClean="0"/>
-              <a:t>是</a:t>
-            </a:r>
-            <a:r>
-              <a:rPr lang="en-US" altLang="zh-CN" dirty="0" smtClean="0">
-                <a:latin typeface="Courier New" charset="0"/>
-              </a:rPr>
-              <a:t>"c</a:t>
-            </a:r>
-            <a:r>
-              <a:rPr lang="en-US" altLang="zh-CN" dirty="0">
-                <a:latin typeface="Courier New" charset="0"/>
-              </a:rPr>
-              <a:t>"</a:t>
-            </a:r>
-          </a:p>
-          <a:p>
-            <a:pPr lvl="1"/>
-            <a:endParaRPr lang="en-US" altLang="zh-CN" dirty="0">
-              <a:latin typeface="Courier New" charset="0"/>
-            </a:endParaRPr>
-          </a:p>
-          <a:p>
-            <a:pPr lvl="1"/>
-            <a:endParaRPr lang="en-US" altLang="zh-CN" dirty="0"/>
-          </a:p>
-        </p:txBody>
-      </p:sp>
-      <p:sp>
-        <p:nvSpPr>
-          <p:cNvPr id="2" name="日期占位符 1"/>
-          <p:cNvSpPr>
-            <a:spLocks noGrp="1"/>
-          </p:cNvSpPr>
-          <p:nvPr>
-            <p:ph type="dt" sz="half" idx="10"/>
-          </p:nvPr>
-        </p:nvSpPr>
-        <p:spPr/>
-        <p:txBody>
-          <a:bodyPr/>
-          <a:lstStyle/>
-          <a:p>
-            <a:fld id="{0B49FF69-9CB3-5447-868F-669227343251}" type="datetime1">
-              <a:rPr kumimoji="1" lang="zh-CN" altLang="en-US" smtClean="0"/>
-              <a:t>2017/11/22</a:t>
-            </a:fld>
-            <a:endParaRPr kumimoji="1" lang="zh-CN" altLang="en-US"/>
-          </a:p>
-        </p:txBody>
-      </p:sp>
-      <p:sp>
-        <p:nvSpPr>
-          <p:cNvPr id="3" name="幻灯片编号占位符 2"/>
-          <p:cNvSpPr>
-            <a:spLocks noGrp="1"/>
-          </p:cNvSpPr>
-          <p:nvPr>
-            <p:ph type="sldNum" sz="quarter" idx="12"/>
-          </p:nvPr>
-        </p:nvSpPr>
-        <p:spPr/>
-        <p:txBody>
-          <a:bodyPr/>
-          <a:lstStyle/>
-          <a:p>
-            <a:fld id="{12924E00-6951-2E4A-9B91-938056433B77}" type="slidenum">
-              <a:rPr kumimoji="1" lang="zh-CN" altLang="en-US" smtClean="0"/>
-              <a:t>35</a:t>
-            </a:fld>
-            <a:endParaRPr kumimoji="1" lang="zh-CN" altLang="en-US"/>
-          </a:p>
-        </p:txBody>
-      </p:sp>
-    </p:spTree>
-    <p:extLst>
-      <p:ext uri="{BB962C8B-B14F-4D97-AF65-F5344CB8AC3E}">
-        <p14:creationId xmlns:p14="http://schemas.microsoft.com/office/powerpoint/2010/main" val="66078763"/>
       </p:ext>
     </p:extLst>
   </p:cSld>
@@ -39536,9 +39472,9 @@
       </p:grpSpPr>
       <p:sp>
         <p:nvSpPr>
-          <p:cNvPr id="2" name="标题 1"/>
+          <p:cNvPr id="79874" name="Rectangle 2"/>
           <p:cNvSpPr>
-            <a:spLocks noGrp="1"/>
+            <a:spLocks noGrp="1" noChangeArrowheads="1"/>
           </p:cNvSpPr>
           <p:nvPr>
             <p:ph type="title"/>
@@ -39550,360 +39486,271 @@
           <a:lstStyle/>
           <a:p>
             <a:r>
-              <a:rPr lang="zh-CN" altLang="en-US" smtClean="0"/>
-              <a:t>文件操作</a:t>
-            </a:r>
-            <a:endParaRPr lang="zh-CN" altLang="en-US" dirty="0"/>
+              <a:rPr lang="zh-CN" altLang="en-US" dirty="0"/>
+              <a:t>字符串和数字</a:t>
+            </a:r>
+            <a:endParaRPr lang="en-US" altLang="zh-CN" dirty="0"/>
           </a:p>
         </p:txBody>
       </p:sp>
       <p:sp>
         <p:nvSpPr>
-          <p:cNvPr id="3" name="内容占位符 2"/>
+          <p:cNvPr id="79875" name="Rectangle 3"/>
           <p:cNvSpPr>
-            <a:spLocks noGrp="1"/>
+            <a:spLocks noGrp="1" noChangeArrowheads="1"/>
           </p:cNvSpPr>
           <p:nvPr>
-            <p:ph idx="1"/>
+            <p:ph type="body" idx="1"/>
           </p:nvPr>
         </p:nvSpPr>
         <p:spPr/>
         <p:txBody>
-          <a:bodyPr>
-            <a:normAutofit lnSpcReduction="10000"/>
-          </a:bodyPr>
+          <a:bodyPr/>
           <a:lstStyle/>
           <a:p>
             <a:r>
+              <a:rPr lang="en-US" altLang="zh-CN" dirty="0" err="1">
+                <a:latin typeface="Courier New" charset="0"/>
+              </a:rPr>
+              <a:t>ord</a:t>
+            </a:r>
+            <a:r>
+              <a:rPr lang="en-US" altLang="zh-CN" dirty="0">
+                <a:latin typeface="Courier New" charset="0"/>
+              </a:rPr>
+              <a:t>(</a:t>
+            </a:r>
+            <a:r>
+              <a:rPr lang="en-US" altLang="zh-CN" b="1" dirty="0"/>
+              <a:t>text</a:t>
+            </a:r>
+            <a:r>
+              <a:rPr lang="en-US" altLang="zh-CN" dirty="0">
+                <a:latin typeface="Courier New" charset="0"/>
+              </a:rPr>
+              <a:t>)</a:t>
+            </a:r>
+            <a:r>
+              <a:rPr lang="en-US" altLang="zh-CN" dirty="0"/>
+              <a:t>		</a:t>
+            </a:r>
+            <a:r>
+              <a:rPr lang="en-US" altLang="zh-CN" dirty="0" smtClean="0"/>
+              <a:t>-</a:t>
+            </a:r>
+            <a:r>
               <a:rPr lang="zh-CN" altLang="en-US" dirty="0" smtClean="0"/>
-              <a:t>文件操作：</a:t>
+              <a:t> 将</a:t>
+            </a:r>
+            <a:r>
+              <a:rPr lang="zh-CN" altLang="en-US" dirty="0"/>
+              <a:t>字符串转换为</a:t>
+            </a:r>
+            <a:r>
+              <a:rPr lang="zh-CN" altLang="en-US" dirty="0" smtClean="0"/>
+              <a:t>数字</a:t>
+            </a:r>
+            <a:endParaRPr lang="en-US" altLang="zh-CN" dirty="0"/>
+          </a:p>
+          <a:p>
+            <a:pPr lvl="1"/>
+            <a:r>
+              <a:rPr lang="zh-CN" altLang="en-US" dirty="0" smtClean="0"/>
+              <a:t>例子</a:t>
             </a:r>
             <a:r>
               <a:rPr lang="en-US" altLang="zh-CN" dirty="0" smtClean="0"/>
-              <a:t>open()  file()  </a:t>
-            </a:r>
-            <a:r>
-              <a:rPr lang="en-US" altLang="zh-CN" dirty="0" err="1" smtClean="0"/>
-              <a:t>readlines</a:t>
+              <a:t>: </a:t>
+            </a:r>
+            <a:r>
+              <a:rPr lang="en-US" altLang="zh-CN" dirty="0" err="1">
+                <a:latin typeface="Courier New" charset="0"/>
+              </a:rPr>
+              <a:t>ord</a:t>
+            </a:r>
+            <a:r>
+              <a:rPr lang="en-US" altLang="zh-CN" dirty="0">
+                <a:latin typeface="Courier New" charset="0"/>
+              </a:rPr>
+              <a:t>("a")</a:t>
+            </a:r>
+            <a:r>
+              <a:rPr lang="en-US" altLang="zh-CN" dirty="0"/>
+              <a:t> </a:t>
+            </a:r>
+            <a:r>
+              <a:rPr lang="zh-CN" altLang="en-US" dirty="0" smtClean="0"/>
+              <a:t>是</a:t>
+            </a:r>
+            <a:r>
+              <a:rPr lang="en-US" altLang="zh-CN" dirty="0" smtClean="0">
+                <a:latin typeface="Courier New" charset="0"/>
+              </a:rPr>
+              <a:t>97</a:t>
+            </a:r>
+            <a:r>
+              <a:rPr lang="en-US" altLang="zh-CN" dirty="0"/>
+              <a:t>,  </a:t>
+            </a:r>
+            <a:r>
+              <a:rPr lang="en-US" altLang="zh-CN" dirty="0" err="1">
+                <a:latin typeface="Courier New" charset="0"/>
+              </a:rPr>
+              <a:t>ord</a:t>
+            </a:r>
+            <a:r>
+              <a:rPr lang="en-US" altLang="zh-CN" dirty="0">
+                <a:latin typeface="Courier New" charset="0"/>
+              </a:rPr>
+              <a:t>("b")</a:t>
+            </a:r>
+            <a:r>
+              <a:rPr lang="en-US" altLang="zh-CN" dirty="0"/>
+              <a:t> </a:t>
+            </a:r>
+            <a:r>
+              <a:rPr lang="zh-CN" altLang="en-US" dirty="0" smtClean="0"/>
+              <a:t>是</a:t>
+            </a:r>
+            <a:r>
+              <a:rPr lang="en-US" altLang="zh-CN" dirty="0" smtClean="0">
+                <a:latin typeface="Courier New" charset="0"/>
+              </a:rPr>
+              <a:t>98</a:t>
+            </a:r>
+            <a:r>
+              <a:rPr lang="en-US" altLang="zh-CN" dirty="0"/>
+              <a:t>, ...</a:t>
+            </a:r>
+          </a:p>
+          <a:p>
+            <a:pPr lvl="1"/>
+            <a:endParaRPr lang="en-US" altLang="zh-CN" sz="1000" dirty="0"/>
+          </a:p>
+          <a:p>
+            <a:pPr lvl="1"/>
+            <a:r>
+              <a:rPr lang="zh-CN" altLang="en-US" dirty="0"/>
+              <a:t>字符使用标准</a:t>
+            </a:r>
+            <a:r>
+              <a:rPr lang="zh-CN" altLang="en-US" dirty="0" smtClean="0"/>
+              <a:t>映射如</a:t>
+            </a:r>
+            <a:r>
+              <a:rPr lang="en-US" altLang="zh-CN" dirty="0"/>
+              <a:t>ASCII</a:t>
+            </a:r>
+            <a:r>
+              <a:rPr lang="zh-CN" altLang="en-US" dirty="0"/>
+              <a:t>和</a:t>
             </a:r>
             <a:r>
               <a:rPr lang="en-US" altLang="zh-CN" dirty="0" smtClean="0"/>
-              <a:t>()  close()</a:t>
-            </a:r>
+              <a:t>Unicode</a:t>
+            </a:r>
+            <a:endParaRPr lang="en-US" altLang="zh-CN" dirty="0"/>
+          </a:p>
+          <a:p>
+            <a:endParaRPr lang="en-US" altLang="zh-CN" dirty="0"/>
+          </a:p>
+          <a:p>
+            <a:r>
+              <a:rPr lang="en-US" altLang="zh-CN" dirty="0" err="1">
+                <a:latin typeface="Courier New" charset="0"/>
+              </a:rPr>
+              <a:t>chr</a:t>
+            </a:r>
+            <a:r>
+              <a:rPr lang="en-US" altLang="zh-CN" dirty="0">
+                <a:latin typeface="Courier New" charset="0"/>
+              </a:rPr>
+              <a:t>(</a:t>
+            </a:r>
+            <a:r>
+              <a:rPr lang="en-US" altLang="zh-CN" b="1" dirty="0"/>
+              <a:t>number</a:t>
+            </a:r>
+            <a:r>
+              <a:rPr lang="en-US" altLang="zh-CN" dirty="0"/>
+              <a:t>)	</a:t>
+            </a:r>
+            <a:r>
+              <a:rPr lang="en-US" altLang="zh-CN" dirty="0" smtClean="0"/>
+              <a:t>-</a:t>
+            </a:r>
+            <a:r>
+              <a:rPr lang="zh-CN" altLang="en-US" dirty="0" smtClean="0"/>
+              <a:t> 将</a:t>
+            </a:r>
+            <a:r>
+              <a:rPr lang="zh-CN" altLang="en-US" dirty="0"/>
+              <a:t>数字转换为字符</a:t>
+            </a:r>
+            <a:r>
+              <a:rPr lang="zh-CN" altLang="en-US" dirty="0" smtClean="0"/>
+              <a:t>串</a:t>
+            </a:r>
+            <a:endParaRPr lang="en-US" altLang="zh-CN" dirty="0"/>
           </a:p>
           <a:p>
             <a:pPr lvl="1"/>
-            <a:endParaRPr lang="en-US" altLang="zh-CN" dirty="0" smtClean="0"/>
+            <a:r>
+              <a:rPr lang="zh-CN" altLang="en-US" dirty="0" smtClean="0"/>
+              <a:t>例子</a:t>
+            </a:r>
+            <a:r>
+              <a:rPr lang="en-US" altLang="zh-CN" dirty="0" smtClean="0"/>
+              <a:t>: </a:t>
+            </a:r>
+            <a:r>
+              <a:rPr lang="en-US" altLang="zh-CN" dirty="0" err="1">
+                <a:latin typeface="Courier New" charset="0"/>
+              </a:rPr>
+              <a:t>chr</a:t>
+            </a:r>
+            <a:r>
+              <a:rPr lang="en-US" altLang="zh-CN" dirty="0">
+                <a:latin typeface="Courier New" charset="0"/>
+              </a:rPr>
+              <a:t>(99)</a:t>
+            </a:r>
+            <a:r>
+              <a:rPr lang="en-US" altLang="zh-CN" dirty="0"/>
+              <a:t> </a:t>
+            </a:r>
+            <a:r>
+              <a:rPr lang="zh-CN" altLang="en-US" dirty="0" smtClean="0"/>
+              <a:t>是</a:t>
+            </a:r>
+            <a:r>
+              <a:rPr lang="en-US" altLang="zh-CN" dirty="0" smtClean="0">
+                <a:latin typeface="Courier New" charset="0"/>
+              </a:rPr>
+              <a:t>"c</a:t>
+            </a:r>
+            <a:r>
+              <a:rPr lang="en-US" altLang="zh-CN" dirty="0">
+                <a:latin typeface="Courier New" charset="0"/>
+              </a:rPr>
+              <a:t>"</a:t>
+            </a:r>
           </a:p>
           <a:p>
             <a:pPr lvl="1"/>
-            <a:r>
-              <a:rPr lang="zh-CN" altLang="en-US" dirty="0" smtClean="0"/>
-              <a:t>例子：</a:t>
-            </a:r>
-            <a:endParaRPr lang="en-US" altLang="zh-CN" dirty="0" smtClean="0"/>
-          </a:p>
-          <a:p>
-            <a:pPr marL="457200" lvl="1" indent="0">
-              <a:buNone/>
-            </a:pPr>
-            <a:endParaRPr lang="en-US" altLang="zh-CN" dirty="0" smtClean="0"/>
-          </a:p>
-          <a:p>
-            <a:pPr marL="457200" lvl="1" indent="0">
-              <a:buNone/>
-            </a:pPr>
-            <a:r>
-              <a:rPr lang="en-US" altLang="zh-CN" dirty="0" smtClean="0"/>
-              <a:t>handle = open(</a:t>
-            </a:r>
-            <a:r>
-              <a:rPr lang="en-US" altLang="zh-CN" dirty="0" err="1" smtClean="0"/>
-              <a:t>file_name</a:t>
-            </a:r>
-            <a:r>
-              <a:rPr lang="en-US" altLang="zh-CN" dirty="0" smtClean="0"/>
-              <a:t>, </a:t>
-            </a:r>
-            <a:r>
-              <a:rPr lang="en-US" altLang="zh-CN" dirty="0" err="1" smtClean="0"/>
-              <a:t>access_mode</a:t>
-            </a:r>
-            <a:r>
-              <a:rPr lang="en-US" altLang="zh-CN" dirty="0" smtClean="0"/>
-              <a:t> = ‘r’)  </a:t>
-            </a:r>
-            <a:r>
-              <a:rPr lang="en-US" altLang="zh-CN" b="1" dirty="0">
-                <a:solidFill>
-                  <a:srgbClr val="008080"/>
-                </a:solidFill>
-              </a:rPr>
-              <a:t># </a:t>
-            </a:r>
-            <a:r>
-              <a:rPr lang="zh-CN" altLang="en-US" b="1" dirty="0">
-                <a:solidFill>
-                  <a:srgbClr val="008080"/>
-                </a:solidFill>
-              </a:rPr>
-              <a:t>默认 </a:t>
-            </a:r>
-            <a:r>
-              <a:rPr lang="en-US" altLang="zh-CN" b="1" dirty="0">
-                <a:solidFill>
-                  <a:srgbClr val="008080"/>
-                </a:solidFill>
-              </a:rPr>
-              <a:t>r</a:t>
-            </a:r>
-          </a:p>
-          <a:p>
-            <a:pPr marL="457200" lvl="1" indent="0">
-              <a:buNone/>
-            </a:pPr>
-            <a:r>
-              <a:rPr lang="en-US" altLang="zh-CN" b="1" dirty="0">
-                <a:solidFill>
-                  <a:srgbClr val="008080"/>
-                </a:solidFill>
-              </a:rPr>
-              <a:t># r:</a:t>
-            </a:r>
-            <a:r>
-              <a:rPr lang="zh-CN" altLang="en-US" b="1" dirty="0">
-                <a:solidFill>
-                  <a:srgbClr val="008080"/>
-                </a:solidFill>
-              </a:rPr>
-              <a:t>读取；</a:t>
-            </a:r>
-            <a:r>
-              <a:rPr lang="en-US" altLang="zh-CN" b="1" dirty="0">
-                <a:solidFill>
-                  <a:srgbClr val="008080"/>
-                </a:solidFill>
-              </a:rPr>
-              <a:t>w:</a:t>
-            </a:r>
-            <a:r>
-              <a:rPr lang="zh-CN" altLang="en-US" b="1" dirty="0">
-                <a:solidFill>
-                  <a:srgbClr val="008080"/>
-                </a:solidFill>
-              </a:rPr>
-              <a:t>写入；</a:t>
-            </a:r>
-            <a:r>
-              <a:rPr lang="en-US" altLang="zh-CN" b="1" dirty="0">
-                <a:solidFill>
-                  <a:srgbClr val="008080"/>
-                </a:solidFill>
-              </a:rPr>
-              <a:t>a:</a:t>
-            </a:r>
-            <a:r>
-              <a:rPr lang="zh-CN" altLang="en-US" b="1" dirty="0">
-                <a:solidFill>
-                  <a:srgbClr val="008080"/>
-                </a:solidFill>
-              </a:rPr>
-              <a:t>添加；</a:t>
-            </a:r>
-            <a:r>
-              <a:rPr lang="en-US" altLang="zh-CN" b="1" dirty="0">
-                <a:solidFill>
-                  <a:srgbClr val="008080"/>
-                </a:solidFill>
-              </a:rPr>
-              <a:t>+:</a:t>
-            </a:r>
-            <a:r>
-              <a:rPr lang="zh-CN" altLang="en-US" b="1" dirty="0">
-                <a:solidFill>
-                  <a:srgbClr val="008080"/>
-                </a:solidFill>
-              </a:rPr>
-              <a:t>读写；</a:t>
-            </a:r>
-            <a:r>
-              <a:rPr lang="en-US" altLang="zh-CN" b="1" dirty="0">
-                <a:solidFill>
-                  <a:srgbClr val="008080"/>
-                </a:solidFill>
-              </a:rPr>
-              <a:t>b:</a:t>
-            </a:r>
-            <a:r>
-              <a:rPr lang="zh-CN" altLang="en-US" b="1" dirty="0">
-                <a:solidFill>
-                  <a:srgbClr val="008080"/>
-                </a:solidFill>
-              </a:rPr>
-              <a:t>二进制访问</a:t>
-            </a:r>
-            <a:r>
-              <a:rPr lang="zh-CN" altLang="en-US" dirty="0" smtClean="0"/>
-              <a:t>。</a:t>
-            </a:r>
-            <a:endParaRPr lang="en-US" altLang="zh-CN" dirty="0" smtClean="0"/>
-          </a:p>
-          <a:p>
-            <a:pPr marL="457200" lvl="1" indent="0">
-              <a:buNone/>
-            </a:pPr>
-            <a:r>
-              <a:rPr lang="en-US" altLang="zh-CN" dirty="0" smtClean="0"/>
-              <a:t>filename = </a:t>
-            </a:r>
-            <a:r>
-              <a:rPr lang="en-US" altLang="zh-CN" dirty="0" err="1" smtClean="0"/>
-              <a:t>raw_input</a:t>
-            </a:r>
-            <a:r>
-              <a:rPr lang="en-US" altLang="zh-CN" dirty="0" smtClean="0"/>
-              <a:t>('</a:t>
-            </a:r>
-            <a:r>
-              <a:rPr lang="zh-CN" altLang="en-US" dirty="0" smtClean="0"/>
-              <a:t>请输入文件名</a:t>
-            </a:r>
-            <a:r>
-              <a:rPr lang="en-US" altLang="zh-CN" dirty="0" smtClean="0"/>
-              <a:t>:')</a:t>
-            </a:r>
-          </a:p>
-          <a:p>
-            <a:pPr marL="457200" lvl="1" indent="0">
-              <a:buNone/>
-            </a:pPr>
-            <a:r>
-              <a:rPr lang="en-US" altLang="zh-CN" dirty="0" err="1" smtClean="0"/>
-              <a:t>hFile</a:t>
-            </a:r>
-            <a:r>
-              <a:rPr lang="en-US" altLang="zh-CN" dirty="0" smtClean="0"/>
-              <a:t> = file(filename, 'r')</a:t>
-            </a:r>
-          </a:p>
-          <a:p>
-            <a:pPr marL="457200" lvl="1" indent="0">
-              <a:buNone/>
-            </a:pPr>
-            <a:r>
-              <a:rPr lang="en-US" altLang="zh-CN" dirty="0" smtClean="0"/>
-              <a:t>for </a:t>
-            </a:r>
-            <a:r>
-              <a:rPr lang="en-US" altLang="zh-CN" dirty="0" err="1" smtClean="0"/>
-              <a:t>nLine</a:t>
-            </a:r>
-            <a:r>
-              <a:rPr lang="en-US" altLang="zh-CN" dirty="0" smtClean="0"/>
-              <a:t> in </a:t>
-            </a:r>
-            <a:r>
-              <a:rPr lang="en-US" altLang="zh-CN" dirty="0" err="1" smtClean="0"/>
-              <a:t>hFile</a:t>
-            </a:r>
-            <a:r>
-              <a:rPr lang="en-US" altLang="zh-CN" dirty="0" smtClean="0"/>
-              <a:t>:</a:t>
-            </a:r>
-          </a:p>
-          <a:p>
-            <a:pPr marL="457200" lvl="1" indent="0">
-              <a:buNone/>
-            </a:pPr>
-            <a:r>
-              <a:rPr lang="en-US" altLang="zh-CN" dirty="0" smtClean="0"/>
-              <a:t>    print </a:t>
-            </a:r>
-            <a:r>
-              <a:rPr lang="en-US" altLang="zh-CN" dirty="0" err="1" smtClean="0"/>
-              <a:t>nLine</a:t>
-            </a:r>
-            <a:r>
-              <a:rPr lang="en-US" altLang="zh-CN" dirty="0" smtClean="0"/>
-              <a:t>,</a:t>
-            </a:r>
-          </a:p>
-          <a:p>
-            <a:pPr marL="457200" lvl="1" indent="0">
-              <a:buNone/>
-            </a:pPr>
-            <a:r>
-              <a:rPr lang="en-US" altLang="zh-CN" dirty="0" err="1" smtClean="0"/>
-              <a:t>hFile.close</a:t>
-            </a:r>
-            <a:r>
-              <a:rPr lang="en-US" altLang="zh-CN" dirty="0" smtClean="0"/>
-              <a:t>()   </a:t>
-            </a:r>
-            <a:r>
-              <a:rPr lang="en-US" altLang="zh-CN" b="1" dirty="0">
-                <a:solidFill>
-                  <a:srgbClr val="008080"/>
-                </a:solidFill>
-              </a:rPr>
-              <a:t># </a:t>
-            </a:r>
-            <a:r>
-              <a:rPr lang="zh-CN" altLang="en-US" b="1" dirty="0">
-                <a:solidFill>
-                  <a:srgbClr val="008080"/>
-                </a:solidFill>
-              </a:rPr>
-              <a:t>关闭</a:t>
-            </a:r>
-            <a:r>
-              <a:rPr lang="en-US" altLang="zh-CN" b="1" dirty="0" err="1">
-                <a:solidFill>
-                  <a:srgbClr val="008080"/>
-                </a:solidFill>
-              </a:rPr>
-              <a:t>hFile</a:t>
-            </a:r>
-            <a:r>
-              <a:rPr lang="zh-CN" altLang="en-US" b="1" dirty="0">
-                <a:solidFill>
-                  <a:srgbClr val="008080"/>
-                </a:solidFill>
-              </a:rPr>
-              <a:t>文件句柄</a:t>
-            </a:r>
-            <a:endParaRPr lang="en-US" altLang="zh-CN" b="1" dirty="0">
-              <a:solidFill>
-                <a:srgbClr val="008080"/>
-              </a:solidFill>
+            <a:endParaRPr lang="en-US" altLang="zh-CN" dirty="0">
+              <a:latin typeface="Courier New" charset="0"/>
             </a:endParaRPr>
           </a:p>
           <a:p>
-            <a:pPr marL="457200" lvl="1" indent="0">
-              <a:buNone/>
-            </a:pPr>
-            <a:r>
-              <a:rPr lang="en-US" altLang="zh-CN" b="1" dirty="0">
-                <a:solidFill>
-                  <a:srgbClr val="008080"/>
-                </a:solidFill>
-              </a:rPr>
-              <a:t># </a:t>
-            </a:r>
-            <a:r>
-              <a:rPr lang="zh-CN" altLang="en-US" b="1" dirty="0">
-                <a:solidFill>
-                  <a:srgbClr val="008080"/>
-                </a:solidFill>
-              </a:rPr>
-              <a:t>本示例适用于较小的文件，否则占用内存太大</a:t>
-            </a:r>
+            <a:pPr lvl="1"/>
+            <a:endParaRPr lang="en-US" altLang="zh-CN" dirty="0"/>
           </a:p>
         </p:txBody>
       </p:sp>
       <p:sp>
         <p:nvSpPr>
-          <p:cNvPr id="4" name="日期占位符 3"/>
+          <p:cNvPr id="2" name="日期占位符 1"/>
           <p:cNvSpPr>
             <a:spLocks noGrp="1"/>
           </p:cNvSpPr>
@@ -39916,17 +39763,17 @@
           <a:bodyPr/>
           <a:lstStyle/>
           <a:p>
-            <a:fld id="{FB0A56C5-D20D-ED47-BD46-422BFA650645}" type="datetime1">
-              <a:rPr lang="zh-CN" altLang="en-US" smtClean="0"/>
+            <a:fld id="{0B49FF69-9CB3-5447-868F-669227343251}" type="datetime1">
+              <a:rPr kumimoji="1" lang="zh-CN" altLang="en-US" smtClean="0"/>
               <a:t>2017/11/22</a:t>
             </a:fld>
-            <a:endParaRPr lang="zh-CN" altLang="en-US"/>
+            <a:endParaRPr kumimoji="1" lang="zh-CN" altLang="en-US"/>
           </a:p>
         </p:txBody>
       </p:sp>
       <p:sp>
         <p:nvSpPr>
-          <p:cNvPr id="5" name="幻灯片编号占位符 4"/>
+          <p:cNvPr id="3" name="幻灯片编号占位符 2"/>
           <p:cNvSpPr>
             <a:spLocks noGrp="1"/>
           </p:cNvSpPr>
@@ -39940,24 +39787,42 @@
           <a:lstStyle/>
           <a:p>
             <a:fld id="{12924E00-6951-2E4A-9B91-938056433B77}" type="slidenum">
-              <a:rPr lang="zh-CN" altLang="en-US" smtClean="0"/>
-              <a:pPr/>
+              <a:rPr kumimoji="1" lang="zh-CN" altLang="en-US" smtClean="0"/>
               <a:t>36</a:t>
             </a:fld>
-            <a:endParaRPr lang="zh-CN" altLang="en-US"/>
+            <a:endParaRPr kumimoji="1" lang="zh-CN" altLang="en-US"/>
           </a:p>
         </p:txBody>
       </p:sp>
     </p:spTree>
     <p:extLst>
       <p:ext uri="{BB962C8B-B14F-4D97-AF65-F5344CB8AC3E}">
-        <p14:creationId xmlns:p14="http://schemas.microsoft.com/office/powerpoint/2010/main" val="1995695314"/>
+        <p14:creationId xmlns:p14="http://schemas.microsoft.com/office/powerpoint/2010/main" val="66078763"/>
       </p:ext>
     </p:extLst>
   </p:cSld>
   <p:clrMapOvr>
     <a:masterClrMapping/>
   </p:clrMapOvr>
+  <mc:AlternateContent xmlns:mc="http://schemas.openxmlformats.org/markup-compatibility/2006">
+    <mc:Choice xmlns:p14="http://schemas.microsoft.com/office/powerpoint/2010/main" Requires="p14">
+      <p:transition spd="slow" p14:dur="1500">
+        <p:random/>
+      </p:transition>
+    </mc:Choice>
+    <mc:Fallback>
+      <p:transition spd="slow">
+        <p:random/>
+      </p:transition>
+    </mc:Fallback>
+  </mc:AlternateContent>
+  <p:timing>
+    <p:tnLst>
+      <p:par>
+        <p:cTn id="1" dur="indefinite" restart="never" nodeType="tmRoot"/>
+      </p:par>
+    </p:tnLst>
+  </p:timing>
 </p:sld>
 </file>
 
@@ -39995,6 +39860,450 @@
           <a:p>
             <a:r>
               <a:rPr lang="zh-CN" altLang="en-US" smtClean="0"/>
+              <a:t>文件操作</a:t>
+            </a:r>
+            <a:endParaRPr lang="zh-CN" altLang="en-US" dirty="0"/>
+          </a:p>
+        </p:txBody>
+      </p:sp>
+      <p:sp>
+        <p:nvSpPr>
+          <p:cNvPr id="3" name="内容占位符 2"/>
+          <p:cNvSpPr>
+            <a:spLocks noGrp="1"/>
+          </p:cNvSpPr>
+          <p:nvPr>
+            <p:ph idx="1"/>
+          </p:nvPr>
+        </p:nvSpPr>
+        <p:spPr/>
+        <p:txBody>
+          <a:bodyPr>
+            <a:normAutofit lnSpcReduction="10000"/>
+          </a:bodyPr>
+          <a:lstStyle/>
+          <a:p>
+            <a:r>
+              <a:rPr lang="zh-CN" altLang="en-US" dirty="0" smtClean="0"/>
+              <a:t>文件操作：</a:t>
+            </a:r>
+            <a:r>
+              <a:rPr lang="en-US" altLang="zh-CN" dirty="0" smtClean="0"/>
+              <a:t>open()  file()  </a:t>
+            </a:r>
+            <a:r>
+              <a:rPr lang="en-US" altLang="zh-CN" dirty="0" err="1" smtClean="0"/>
+              <a:t>readlines</a:t>
+            </a:r>
+            <a:r>
+              <a:rPr lang="en-US" altLang="zh-CN" dirty="0" smtClean="0"/>
+              <a:t>()  close()</a:t>
+            </a:r>
+          </a:p>
+          <a:p>
+            <a:pPr lvl="1"/>
+            <a:endParaRPr lang="en-US" altLang="zh-CN" dirty="0" smtClean="0"/>
+          </a:p>
+          <a:p>
+            <a:pPr lvl="1"/>
+            <a:r>
+              <a:rPr lang="zh-CN" altLang="en-US" dirty="0" smtClean="0"/>
+              <a:t>例子：</a:t>
+            </a:r>
+            <a:endParaRPr lang="en-US" altLang="zh-CN" dirty="0" smtClean="0"/>
+          </a:p>
+          <a:p>
+            <a:pPr marL="457200" lvl="1" indent="0">
+              <a:buNone/>
+            </a:pPr>
+            <a:endParaRPr lang="en-US" altLang="zh-CN" dirty="0" smtClean="0"/>
+          </a:p>
+          <a:p>
+            <a:pPr marL="457200" lvl="1" indent="0">
+              <a:buNone/>
+            </a:pPr>
+            <a:r>
+              <a:rPr lang="en-US" altLang="zh-CN" dirty="0" smtClean="0"/>
+              <a:t>handle = open(</a:t>
+            </a:r>
+            <a:r>
+              <a:rPr lang="en-US" altLang="zh-CN" dirty="0" err="1" smtClean="0"/>
+              <a:t>file_name</a:t>
+            </a:r>
+            <a:r>
+              <a:rPr lang="en-US" altLang="zh-CN" dirty="0" smtClean="0"/>
+              <a:t>, </a:t>
+            </a:r>
+            <a:r>
+              <a:rPr lang="en-US" altLang="zh-CN" dirty="0" err="1" smtClean="0"/>
+              <a:t>access_mode</a:t>
+            </a:r>
+            <a:r>
+              <a:rPr lang="en-US" altLang="zh-CN" dirty="0" smtClean="0"/>
+              <a:t> = ‘r’)  </a:t>
+            </a:r>
+            <a:r>
+              <a:rPr lang="en-US" altLang="zh-CN" b="1" dirty="0">
+                <a:solidFill>
+                  <a:srgbClr val="008080"/>
+                </a:solidFill>
+              </a:rPr>
+              <a:t># </a:t>
+            </a:r>
+            <a:r>
+              <a:rPr lang="zh-CN" altLang="en-US" b="1" dirty="0">
+                <a:solidFill>
+                  <a:srgbClr val="008080"/>
+                </a:solidFill>
+              </a:rPr>
+              <a:t>默认 </a:t>
+            </a:r>
+            <a:r>
+              <a:rPr lang="en-US" altLang="zh-CN" b="1" dirty="0">
+                <a:solidFill>
+                  <a:srgbClr val="008080"/>
+                </a:solidFill>
+              </a:rPr>
+              <a:t>r</a:t>
+            </a:r>
+          </a:p>
+          <a:p>
+            <a:pPr marL="457200" lvl="1" indent="0">
+              <a:buNone/>
+            </a:pPr>
+            <a:r>
+              <a:rPr lang="en-US" altLang="zh-CN" b="1" dirty="0">
+                <a:solidFill>
+                  <a:srgbClr val="008080"/>
+                </a:solidFill>
+              </a:rPr>
+              <a:t># r:</a:t>
+            </a:r>
+            <a:r>
+              <a:rPr lang="zh-CN" altLang="en-US" b="1" dirty="0">
+                <a:solidFill>
+                  <a:srgbClr val="008080"/>
+                </a:solidFill>
+              </a:rPr>
+              <a:t>读取；</a:t>
+            </a:r>
+            <a:r>
+              <a:rPr lang="en-US" altLang="zh-CN" b="1" dirty="0">
+                <a:solidFill>
+                  <a:srgbClr val="008080"/>
+                </a:solidFill>
+              </a:rPr>
+              <a:t>w:</a:t>
+            </a:r>
+            <a:r>
+              <a:rPr lang="zh-CN" altLang="en-US" b="1" dirty="0">
+                <a:solidFill>
+                  <a:srgbClr val="008080"/>
+                </a:solidFill>
+              </a:rPr>
+              <a:t>写入；</a:t>
+            </a:r>
+            <a:r>
+              <a:rPr lang="en-US" altLang="zh-CN" b="1" dirty="0">
+                <a:solidFill>
+                  <a:srgbClr val="008080"/>
+                </a:solidFill>
+              </a:rPr>
+              <a:t>a:</a:t>
+            </a:r>
+            <a:r>
+              <a:rPr lang="zh-CN" altLang="en-US" b="1" dirty="0">
+                <a:solidFill>
+                  <a:srgbClr val="008080"/>
+                </a:solidFill>
+              </a:rPr>
+              <a:t>添加；</a:t>
+            </a:r>
+            <a:r>
+              <a:rPr lang="en-US" altLang="zh-CN" b="1" dirty="0">
+                <a:solidFill>
+                  <a:srgbClr val="008080"/>
+                </a:solidFill>
+              </a:rPr>
+              <a:t>+:</a:t>
+            </a:r>
+            <a:r>
+              <a:rPr lang="zh-CN" altLang="en-US" b="1" dirty="0">
+                <a:solidFill>
+                  <a:srgbClr val="008080"/>
+                </a:solidFill>
+              </a:rPr>
+              <a:t>读写；</a:t>
+            </a:r>
+            <a:r>
+              <a:rPr lang="en-US" altLang="zh-CN" b="1" dirty="0">
+                <a:solidFill>
+                  <a:srgbClr val="008080"/>
+                </a:solidFill>
+              </a:rPr>
+              <a:t>b:</a:t>
+            </a:r>
+            <a:r>
+              <a:rPr lang="zh-CN" altLang="en-US" b="1" dirty="0">
+                <a:solidFill>
+                  <a:srgbClr val="008080"/>
+                </a:solidFill>
+              </a:rPr>
+              <a:t>二进制访问</a:t>
+            </a:r>
+            <a:r>
+              <a:rPr lang="zh-CN" altLang="en-US" dirty="0" smtClean="0"/>
+              <a:t>。</a:t>
+            </a:r>
+            <a:endParaRPr lang="en-US" altLang="zh-CN" dirty="0" smtClean="0"/>
+          </a:p>
+          <a:p>
+            <a:pPr marL="457200" lvl="1" indent="0">
+              <a:buNone/>
+            </a:pPr>
+            <a:r>
+              <a:rPr lang="en-US" altLang="zh-CN" dirty="0" smtClean="0"/>
+              <a:t>filename = </a:t>
+            </a:r>
+            <a:r>
+              <a:rPr lang="en-US" altLang="zh-CN" dirty="0" err="1" smtClean="0"/>
+              <a:t>raw_input</a:t>
+            </a:r>
+            <a:r>
+              <a:rPr lang="en-US" altLang="zh-CN" dirty="0" smtClean="0"/>
+              <a:t>('</a:t>
+            </a:r>
+            <a:r>
+              <a:rPr lang="zh-CN" altLang="en-US" dirty="0" smtClean="0"/>
+              <a:t>请输入文件名</a:t>
+            </a:r>
+            <a:r>
+              <a:rPr lang="en-US" altLang="zh-CN" dirty="0" smtClean="0"/>
+              <a:t>:')</a:t>
+            </a:r>
+          </a:p>
+          <a:p>
+            <a:pPr marL="457200" lvl="1" indent="0">
+              <a:buNone/>
+            </a:pPr>
+            <a:r>
+              <a:rPr lang="en-US" altLang="zh-CN" dirty="0" err="1" smtClean="0"/>
+              <a:t>hFile</a:t>
+            </a:r>
+            <a:r>
+              <a:rPr lang="en-US" altLang="zh-CN" dirty="0" smtClean="0"/>
+              <a:t> = file(filename, 'r')</a:t>
+            </a:r>
+          </a:p>
+          <a:p>
+            <a:pPr marL="457200" lvl="1" indent="0">
+              <a:buNone/>
+            </a:pPr>
+            <a:r>
+              <a:rPr lang="en-US" altLang="zh-CN" dirty="0" smtClean="0"/>
+              <a:t>for </a:t>
+            </a:r>
+            <a:r>
+              <a:rPr lang="en-US" altLang="zh-CN" dirty="0" err="1" smtClean="0"/>
+              <a:t>nLine</a:t>
+            </a:r>
+            <a:r>
+              <a:rPr lang="en-US" altLang="zh-CN" dirty="0" smtClean="0"/>
+              <a:t> in </a:t>
+            </a:r>
+            <a:r>
+              <a:rPr lang="en-US" altLang="zh-CN" dirty="0" err="1" smtClean="0"/>
+              <a:t>hFile</a:t>
+            </a:r>
+            <a:r>
+              <a:rPr lang="en-US" altLang="zh-CN" dirty="0" smtClean="0"/>
+              <a:t>:</a:t>
+            </a:r>
+          </a:p>
+          <a:p>
+            <a:pPr marL="457200" lvl="1" indent="0">
+              <a:buNone/>
+            </a:pPr>
+            <a:r>
+              <a:rPr lang="en-US" altLang="zh-CN" dirty="0" smtClean="0"/>
+              <a:t>    print </a:t>
+            </a:r>
+            <a:r>
+              <a:rPr lang="en-US" altLang="zh-CN" dirty="0" err="1" smtClean="0"/>
+              <a:t>nLine</a:t>
+            </a:r>
+            <a:r>
+              <a:rPr lang="en-US" altLang="zh-CN" dirty="0" smtClean="0"/>
+              <a:t>,</a:t>
+            </a:r>
+          </a:p>
+          <a:p>
+            <a:pPr marL="457200" lvl="1" indent="0">
+              <a:buNone/>
+            </a:pPr>
+            <a:r>
+              <a:rPr lang="en-US" altLang="zh-CN" dirty="0" err="1" smtClean="0"/>
+              <a:t>hFile.close</a:t>
+            </a:r>
+            <a:r>
+              <a:rPr lang="en-US" altLang="zh-CN" dirty="0" smtClean="0"/>
+              <a:t>()   </a:t>
+            </a:r>
+            <a:r>
+              <a:rPr lang="en-US" altLang="zh-CN" b="1" dirty="0">
+                <a:solidFill>
+                  <a:srgbClr val="008080"/>
+                </a:solidFill>
+              </a:rPr>
+              <a:t># </a:t>
+            </a:r>
+            <a:r>
+              <a:rPr lang="zh-CN" altLang="en-US" b="1" dirty="0">
+                <a:solidFill>
+                  <a:srgbClr val="008080"/>
+                </a:solidFill>
+              </a:rPr>
+              <a:t>关闭</a:t>
+            </a:r>
+            <a:r>
+              <a:rPr lang="en-US" altLang="zh-CN" b="1" dirty="0" err="1">
+                <a:solidFill>
+                  <a:srgbClr val="008080"/>
+                </a:solidFill>
+              </a:rPr>
+              <a:t>hFile</a:t>
+            </a:r>
+            <a:r>
+              <a:rPr lang="zh-CN" altLang="en-US" b="1" dirty="0">
+                <a:solidFill>
+                  <a:srgbClr val="008080"/>
+                </a:solidFill>
+              </a:rPr>
+              <a:t>文件句柄</a:t>
+            </a:r>
+            <a:endParaRPr lang="en-US" altLang="zh-CN" b="1" dirty="0">
+              <a:solidFill>
+                <a:srgbClr val="008080"/>
+              </a:solidFill>
+            </a:endParaRPr>
+          </a:p>
+          <a:p>
+            <a:pPr marL="457200" lvl="1" indent="0">
+              <a:buNone/>
+            </a:pPr>
+            <a:r>
+              <a:rPr lang="en-US" altLang="zh-CN" b="1" dirty="0">
+                <a:solidFill>
+                  <a:srgbClr val="008080"/>
+                </a:solidFill>
+              </a:rPr>
+              <a:t># </a:t>
+            </a:r>
+            <a:r>
+              <a:rPr lang="zh-CN" altLang="en-US" b="1" dirty="0">
+                <a:solidFill>
+                  <a:srgbClr val="008080"/>
+                </a:solidFill>
+              </a:rPr>
+              <a:t>本示例适用于较小的文件，否则占用内存太大</a:t>
+            </a:r>
+          </a:p>
+        </p:txBody>
+      </p:sp>
+      <p:sp>
+        <p:nvSpPr>
+          <p:cNvPr id="4" name="日期占位符 3"/>
+          <p:cNvSpPr>
+            <a:spLocks noGrp="1"/>
+          </p:cNvSpPr>
+          <p:nvPr>
+            <p:ph type="dt" sz="half" idx="10"/>
+          </p:nvPr>
+        </p:nvSpPr>
+        <p:spPr/>
+        <p:txBody>
+          <a:bodyPr/>
+          <a:lstStyle/>
+          <a:p>
+            <a:fld id="{FB0A56C5-D20D-ED47-BD46-422BFA650645}" type="datetime1">
+              <a:rPr lang="zh-CN" altLang="en-US" smtClean="0"/>
+              <a:t>2017/11/22</a:t>
+            </a:fld>
+            <a:endParaRPr lang="zh-CN" altLang="en-US"/>
+          </a:p>
+        </p:txBody>
+      </p:sp>
+      <p:sp>
+        <p:nvSpPr>
+          <p:cNvPr id="5" name="幻灯片编号占位符 4"/>
+          <p:cNvSpPr>
+            <a:spLocks noGrp="1"/>
+          </p:cNvSpPr>
+          <p:nvPr>
+            <p:ph type="sldNum" sz="quarter" idx="12"/>
+          </p:nvPr>
+        </p:nvSpPr>
+        <p:spPr/>
+        <p:txBody>
+          <a:bodyPr/>
+          <a:lstStyle/>
+          <a:p>
+            <a:fld id="{12924E00-6951-2E4A-9B91-938056433B77}" type="slidenum">
+              <a:rPr lang="zh-CN" altLang="en-US" smtClean="0"/>
+              <a:pPr/>
+              <a:t>37</a:t>
+            </a:fld>
+            <a:endParaRPr lang="zh-CN" altLang="en-US"/>
+          </a:p>
+        </p:txBody>
+      </p:sp>
+    </p:spTree>
+    <p:extLst>
+      <p:ext uri="{BB962C8B-B14F-4D97-AF65-F5344CB8AC3E}">
+        <p14:creationId xmlns:p14="http://schemas.microsoft.com/office/powerpoint/2010/main" val="1995695314"/>
+      </p:ext>
+    </p:extLst>
+  </p:cSld>
+  <p:clrMapOvr>
+    <a:masterClrMapping/>
+  </p:clrMapOvr>
+</p:sld>
+</file>
+
+<file path=ppt/slides/slide38.xml><?xml version="1.0" encoding="utf-8"?>
+<p:sld xmlns:a="http://schemas.openxmlformats.org/drawingml/2006/main" xmlns:r="http://schemas.openxmlformats.org/officeDocument/2006/relationships" xmlns:p="http://schemas.openxmlformats.org/presentationml/2006/main">
+  <p:cSld>
+    <p:spTree>
+      <p:nvGrpSpPr>
+        <p:cNvPr id="1" name=""/>
+        <p:cNvGrpSpPr/>
+        <p:nvPr/>
+      </p:nvGrpSpPr>
+      <p:grpSpPr>
+        <a:xfrm>
+          <a:off x="0" y="0"/>
+          <a:ext cx="0" cy="0"/>
+          <a:chOff x="0" y="0"/>
+          <a:chExt cx="0" cy="0"/>
+        </a:xfrm>
+      </p:grpSpPr>
+      <p:sp>
+        <p:nvSpPr>
+          <p:cNvPr id="2" name="标题 1"/>
+          <p:cNvSpPr>
+            <a:spLocks noGrp="1"/>
+          </p:cNvSpPr>
+          <p:nvPr>
+            <p:ph type="title"/>
+          </p:nvPr>
+        </p:nvSpPr>
+        <p:spPr/>
+        <p:txBody>
+          <a:bodyPr/>
+          <a:lstStyle/>
+          <a:p>
+            <a:r>
+              <a:rPr lang="zh-CN" altLang="en-US" smtClean="0"/>
               <a:t>错误处理</a:t>
             </a:r>
             <a:endParaRPr lang="zh-CN" altLang="en-US" dirty="0"/>
@@ -40297,7 +40606,7 @@
             <a:fld id="{12924E00-6951-2E4A-9B91-938056433B77}" type="slidenum">
               <a:rPr lang="zh-CN" altLang="en-US" smtClean="0"/>
               <a:pPr/>
-              <a:t>37</a:t>
+              <a:t>38</a:t>
             </a:fld>
             <a:endParaRPr lang="zh-CN" altLang="en-US"/>
           </a:p>
@@ -40316,7 +40625,7 @@
 </p:sld>
 </file>
 
-<file path=ppt/slides/slide38.xml><?xml version="1.0" encoding="utf-8"?>
+<file path=ppt/slides/slide39.xml><?xml version="1.0" encoding="utf-8"?>
 <p:sld xmlns:a="http://schemas.openxmlformats.org/drawingml/2006/main" xmlns:r="http://schemas.openxmlformats.org/officeDocument/2006/relationships" xmlns:p="http://schemas.openxmlformats.org/presentationml/2006/main">
   <p:cSld>
     <p:spTree>
@@ -40417,7 +40726,7 @@
           <a:p>
             <a:fld id="{12924E00-6951-2E4A-9B91-938056433B77}" type="slidenum">
               <a:rPr kumimoji="1" lang="zh-CN" altLang="en-US" smtClean="0"/>
-              <a:t>38</a:t>
+              <a:t>39</a:t>
             </a:fld>
             <a:endParaRPr kumimoji="1" lang="zh-CN" altLang="en-US"/>
           </a:p>
